--- a/predstavitev/Vornoievi_diagrami.pptx
+++ b/predstavitev/Vornoievi_diagrami.pptx
@@ -7,15 +7,20 @@
   <p:sldIdLst>
     <p:sldId id="256" r:id="rId2"/>
     <p:sldId id="258" r:id="rId3"/>
-    <p:sldId id="259" r:id="rId4"/>
-    <p:sldId id="260" r:id="rId5"/>
-    <p:sldId id="261" r:id="rId6"/>
-    <p:sldId id="262" r:id="rId7"/>
-    <p:sldId id="263" r:id="rId8"/>
-    <p:sldId id="264" r:id="rId9"/>
-    <p:sldId id="265" r:id="rId10"/>
-    <p:sldId id="266" r:id="rId11"/>
-    <p:sldId id="257" r:id="rId12"/>
+    <p:sldId id="271" r:id="rId4"/>
+    <p:sldId id="259" r:id="rId5"/>
+    <p:sldId id="267" r:id="rId6"/>
+    <p:sldId id="260" r:id="rId7"/>
+    <p:sldId id="269" r:id="rId8"/>
+    <p:sldId id="270" r:id="rId9"/>
+    <p:sldId id="268" r:id="rId10"/>
+    <p:sldId id="261" r:id="rId11"/>
+    <p:sldId id="262" r:id="rId12"/>
+    <p:sldId id="263" r:id="rId13"/>
+    <p:sldId id="264" r:id="rId14"/>
+    <p:sldId id="265" r:id="rId15"/>
+    <p:sldId id="266" r:id="rId16"/>
+    <p:sldId id="257" r:id="rId17"/>
   </p:sldIdLst>
   <p:sldSz cx="12192000" cy="6858000"/>
   <p:notesSz cx="6858000" cy="9144000"/>
@@ -120,6 +125,18 @@
     </p:ext>
   </p:extLst>
 </p:presentation>
+</file>
+
+<file path=ppt/commentAuthors.xml><?xml version="1.0" encoding="utf-8"?>
+<p:cmAuthorLst xmlns:a="http://schemas.openxmlformats.org/drawingml/2006/main" xmlns:r="http://schemas.openxmlformats.org/officeDocument/2006/relationships" xmlns:p="http://schemas.openxmlformats.org/presentationml/2006/main">
+  <p:cmAuthor id="1" name="gal zakrajsek" initials="gz" lastIdx="1" clrIdx="0">
+    <p:extLst>
+      <p:ext uri="{19B8F6BF-5375-455C-9EA6-DF929625EA0E}">
+        <p15:presenceInfo xmlns:p15="http://schemas.microsoft.com/office/powerpoint/2012/main" userId="48d76dc3bcf44064" providerId="Windows Live"/>
+      </p:ext>
+    </p:extLst>
+  </p:cmAuthor>
+</p:cmAuthorLst>
 </file>
 
 <file path=ppt/slideLayouts/slideLayout1.xml><?xml version="1.0" encoding="utf-8"?>
@@ -3485,7 +3502,7 @@
           <p:cNvPr id="2" name="Title 1">
             <a:extLst>
               <a:ext uri="{FF2B5EF4-FFF2-40B4-BE49-F238E27FC236}">
-                <a16:creationId xmlns:a16="http://schemas.microsoft.com/office/drawing/2014/main" id="{98F35D36-9EDF-4969-AE71-F54118B67301}"/>
+                <a16:creationId xmlns:a16="http://schemas.microsoft.com/office/drawing/2014/main" id="{124CFA49-2ED5-4352-AAE2-97E150B8F05F}"/>
               </a:ext>
             </a:extLst>
           </p:cNvPr>
@@ -3503,7 +3520,7 @@
           <a:p>
             <a:r>
               <a:rPr lang="en-GB" dirty="0" err="1"/>
-              <a:t>Primeri</a:t>
+              <a:t>Delaunajeva</a:t>
             </a:r>
             <a:r>
               <a:rPr lang="en-GB" dirty="0"/>
@@ -3511,7 +3528,7 @@
             </a:r>
             <a:r>
               <a:rPr lang="en-GB" dirty="0" err="1"/>
-              <a:t>uporabe</a:t>
+              <a:t>triangulacija</a:t>
             </a:r>
             <a:endParaRPr lang="en-GB" dirty="0"/>
           </a:p>
@@ -3522,7 +3539,7 @@
           <p:cNvPr id="3" name="Content Placeholder 2">
             <a:extLst>
               <a:ext uri="{FF2B5EF4-FFF2-40B4-BE49-F238E27FC236}">
-                <a16:creationId xmlns:a16="http://schemas.microsoft.com/office/drawing/2014/main" id="{D4DC19CD-A53D-4EF8-84FE-8B5E488EFC83}"/>
+                <a16:creationId xmlns:a16="http://schemas.microsoft.com/office/drawing/2014/main" id="{C1A98CC0-CB9E-489E-9978-A018E67BF16A}"/>
               </a:ext>
             </a:extLst>
           </p:cNvPr>
@@ -3538,7 +3555,689 @@
           <a:bodyPr/>
           <a:lstStyle/>
           <a:p>
+            <a:r>
+              <a:rPr lang="en-GB" dirty="0" err="1"/>
+              <a:t>Kaj</a:t>
+            </a:r>
+            <a:r>
+              <a:rPr lang="en-GB" dirty="0"/>
+              <a:t> je in </a:t>
+            </a:r>
+            <a:r>
+              <a:rPr lang="en-GB" dirty="0" err="1"/>
+              <a:t>ideja</a:t>
+            </a:r>
+            <a:endParaRPr lang="en-GB" dirty="0"/>
+          </a:p>
+        </p:txBody>
+      </p:sp>
+    </p:spTree>
+    <p:extLst>
+      <p:ext uri="{BB962C8B-B14F-4D97-AF65-F5344CB8AC3E}">
+        <p14:creationId xmlns:p14="http://schemas.microsoft.com/office/powerpoint/2010/main" val="214125740"/>
+      </p:ext>
+    </p:extLst>
+  </p:cSld>
+  <p:clrMapOvr>
+    <a:masterClrMapping/>
+  </p:clrMapOvr>
+</p:sld>
+</file>
+
+<file path=ppt/slides/slide11.xml><?xml version="1.0" encoding="utf-8"?>
+<p:sld xmlns:a="http://schemas.openxmlformats.org/drawingml/2006/main" xmlns:r="http://schemas.openxmlformats.org/officeDocument/2006/relationships" xmlns:p="http://schemas.openxmlformats.org/presentationml/2006/main">
+  <p:cSld>
+    <p:spTree>
+      <p:nvGrpSpPr>
+        <p:cNvPr id="1" name=""/>
+        <p:cNvGrpSpPr/>
+        <p:nvPr/>
+      </p:nvGrpSpPr>
+      <p:grpSpPr>
+        <a:xfrm>
+          <a:off x="0" y="0"/>
+          <a:ext cx="0" cy="0"/>
+          <a:chOff x="0" y="0"/>
+          <a:chExt cx="0" cy="0"/>
+        </a:xfrm>
+      </p:grpSpPr>
+      <p:sp>
+        <p:nvSpPr>
+          <p:cNvPr id="2" name="Title 1">
+            <a:extLst>
+              <a:ext uri="{FF2B5EF4-FFF2-40B4-BE49-F238E27FC236}">
+                <a16:creationId xmlns:a16="http://schemas.microsoft.com/office/drawing/2014/main" id="{BBFE05F7-F9CD-4E1E-BBD4-536CF4320A93}"/>
+              </a:ext>
+            </a:extLst>
+          </p:cNvPr>
+          <p:cNvSpPr>
+            <a:spLocks noGrp="1"/>
+          </p:cNvSpPr>
+          <p:nvPr>
+            <p:ph type="title"/>
+          </p:nvPr>
+        </p:nvSpPr>
+        <p:spPr/>
+        <p:txBody>
+          <a:bodyPr/>
+          <a:lstStyle/>
+          <a:p>
+            <a:r>
+              <a:rPr lang="en-GB" dirty="0" err="1"/>
+              <a:t>Delaunajeva</a:t>
+            </a:r>
+            <a:r>
+              <a:rPr lang="en-GB" dirty="0"/>
+              <a:t> </a:t>
+            </a:r>
+            <a:r>
+              <a:rPr lang="en-GB" dirty="0" err="1"/>
+              <a:t>triangulacija</a:t>
+            </a:r>
+            <a:endParaRPr lang="en-GB" dirty="0"/>
+          </a:p>
+        </p:txBody>
+      </p:sp>
+      <p:sp>
+        <p:nvSpPr>
+          <p:cNvPr id="3" name="Content Placeholder 2">
+            <a:extLst>
+              <a:ext uri="{FF2B5EF4-FFF2-40B4-BE49-F238E27FC236}">
+                <a16:creationId xmlns:a16="http://schemas.microsoft.com/office/drawing/2014/main" id="{7BAD4088-F99E-4ADC-A4D7-2E80DC233616}"/>
+              </a:ext>
+            </a:extLst>
+          </p:cNvPr>
+          <p:cNvSpPr>
+            <a:spLocks noGrp="1"/>
+          </p:cNvSpPr>
+          <p:nvPr>
+            <p:ph idx="1"/>
+          </p:nvPr>
+        </p:nvSpPr>
+        <p:spPr/>
+        <p:txBody>
+          <a:bodyPr/>
+          <a:lstStyle/>
+          <a:p>
+            <a:r>
+              <a:rPr lang="en-GB" dirty="0" err="1"/>
+              <a:t>Algoritem</a:t>
+            </a:r>
+            <a:endParaRPr lang="en-GB" dirty="0"/>
+          </a:p>
+        </p:txBody>
+      </p:sp>
+    </p:spTree>
+    <p:extLst>
+      <p:ext uri="{BB962C8B-B14F-4D97-AF65-F5344CB8AC3E}">
+        <p14:creationId xmlns:p14="http://schemas.microsoft.com/office/powerpoint/2010/main" val="2149885589"/>
+      </p:ext>
+    </p:extLst>
+  </p:cSld>
+  <p:clrMapOvr>
+    <a:masterClrMapping/>
+  </p:clrMapOvr>
+</p:sld>
+</file>
+
+<file path=ppt/slides/slide12.xml><?xml version="1.0" encoding="utf-8"?>
+<p:sld xmlns:a="http://schemas.openxmlformats.org/drawingml/2006/main" xmlns:r="http://schemas.openxmlformats.org/officeDocument/2006/relationships" xmlns:p="http://schemas.openxmlformats.org/presentationml/2006/main">
+  <p:cSld>
+    <p:spTree>
+      <p:nvGrpSpPr>
+        <p:cNvPr id="1" name=""/>
+        <p:cNvGrpSpPr/>
+        <p:nvPr/>
+      </p:nvGrpSpPr>
+      <p:grpSpPr>
+        <a:xfrm>
+          <a:off x="0" y="0"/>
+          <a:ext cx="0" cy="0"/>
+          <a:chOff x="0" y="0"/>
+          <a:chExt cx="0" cy="0"/>
+        </a:xfrm>
+      </p:grpSpPr>
+      <p:sp>
+        <p:nvSpPr>
+          <p:cNvPr id="2" name="Title 1">
+            <a:extLst>
+              <a:ext uri="{FF2B5EF4-FFF2-40B4-BE49-F238E27FC236}">
+                <a16:creationId xmlns:a16="http://schemas.microsoft.com/office/drawing/2014/main" id="{2A6D3955-70A8-4A0E-9265-F698F028F026}"/>
+              </a:ext>
+            </a:extLst>
+          </p:cNvPr>
+          <p:cNvSpPr>
+            <a:spLocks noGrp="1"/>
+          </p:cNvSpPr>
+          <p:nvPr>
+            <p:ph type="title"/>
+          </p:nvPr>
+        </p:nvSpPr>
+        <p:spPr/>
+        <p:txBody>
+          <a:bodyPr/>
+          <a:lstStyle/>
+          <a:p>
+            <a:r>
+              <a:rPr lang="en-GB" dirty="0" err="1"/>
+              <a:t>Delaunajeva</a:t>
+            </a:r>
+            <a:r>
+              <a:rPr lang="en-GB" dirty="0"/>
+              <a:t> </a:t>
+            </a:r>
+            <a:r>
+              <a:rPr lang="en-GB" dirty="0" err="1"/>
+              <a:t>triangulacija</a:t>
+            </a:r>
+            <a:endParaRPr lang="en-GB" dirty="0"/>
+          </a:p>
+        </p:txBody>
+      </p:sp>
+      <p:sp>
+        <p:nvSpPr>
+          <p:cNvPr id="3" name="Content Placeholder 2">
+            <a:extLst>
+              <a:ext uri="{FF2B5EF4-FFF2-40B4-BE49-F238E27FC236}">
+                <a16:creationId xmlns:a16="http://schemas.microsoft.com/office/drawing/2014/main" id="{C8B64E5B-109D-4C2B-984D-9569CEDE5709}"/>
+              </a:ext>
+            </a:extLst>
+          </p:cNvPr>
+          <p:cNvSpPr>
+            <a:spLocks noGrp="1"/>
+          </p:cNvSpPr>
+          <p:nvPr>
+            <p:ph idx="1"/>
+          </p:nvPr>
+        </p:nvSpPr>
+        <p:spPr/>
+        <p:txBody>
+          <a:bodyPr/>
+          <a:lstStyle/>
+          <a:p>
+            <a:r>
+              <a:rPr lang="en-GB" dirty="0" err="1"/>
+              <a:t>Algoritem</a:t>
+            </a:r>
+            <a:endParaRPr lang="en-GB" dirty="0"/>
+          </a:p>
+        </p:txBody>
+      </p:sp>
+    </p:spTree>
+    <p:extLst>
+      <p:ext uri="{BB962C8B-B14F-4D97-AF65-F5344CB8AC3E}">
+        <p14:creationId xmlns:p14="http://schemas.microsoft.com/office/powerpoint/2010/main" val="3273298054"/>
+      </p:ext>
+    </p:extLst>
+  </p:cSld>
+  <p:clrMapOvr>
+    <a:masterClrMapping/>
+  </p:clrMapOvr>
+</p:sld>
+</file>
+
+<file path=ppt/slides/slide13.xml><?xml version="1.0" encoding="utf-8"?>
+<p:sld xmlns:a="http://schemas.openxmlformats.org/drawingml/2006/main" xmlns:r="http://schemas.openxmlformats.org/officeDocument/2006/relationships" xmlns:p="http://schemas.openxmlformats.org/presentationml/2006/main">
+  <p:cSld>
+    <p:spTree>
+      <p:nvGrpSpPr>
+        <p:cNvPr id="1" name=""/>
+        <p:cNvGrpSpPr/>
+        <p:nvPr/>
+      </p:nvGrpSpPr>
+      <p:grpSpPr>
+        <a:xfrm>
+          <a:off x="0" y="0"/>
+          <a:ext cx="0" cy="0"/>
+          <a:chOff x="0" y="0"/>
+          <a:chExt cx="0" cy="0"/>
+        </a:xfrm>
+      </p:grpSpPr>
+      <p:sp>
+        <p:nvSpPr>
+          <p:cNvPr id="2" name="Title 1">
+            <a:extLst>
+              <a:ext uri="{FF2B5EF4-FFF2-40B4-BE49-F238E27FC236}">
+                <a16:creationId xmlns:a16="http://schemas.microsoft.com/office/drawing/2014/main" id="{A0EAE73B-6F8B-4BB8-A42B-92532DB8443D}"/>
+              </a:ext>
+            </a:extLst>
+          </p:cNvPr>
+          <p:cNvSpPr>
+            <a:spLocks noGrp="1"/>
+          </p:cNvSpPr>
+          <p:nvPr>
+            <p:ph type="title"/>
+          </p:nvPr>
+        </p:nvSpPr>
+        <p:spPr/>
+        <p:txBody>
+          <a:bodyPr/>
+          <a:lstStyle/>
+          <a:p>
+            <a:r>
+              <a:rPr lang="en-GB" dirty="0" err="1"/>
+              <a:t>Povezovanje</a:t>
+            </a:r>
+            <a:r>
+              <a:rPr lang="en-GB" dirty="0"/>
+              <a:t> </a:t>
+            </a:r>
+            <a:r>
+              <a:rPr lang="en-GB" dirty="0" err="1"/>
+              <a:t>točk</a:t>
+            </a:r>
+            <a:endParaRPr lang="en-GB" dirty="0"/>
+          </a:p>
+        </p:txBody>
+      </p:sp>
+      <p:sp>
+        <p:nvSpPr>
+          <p:cNvPr id="3" name="Content Placeholder 2">
+            <a:extLst>
+              <a:ext uri="{FF2B5EF4-FFF2-40B4-BE49-F238E27FC236}">
+                <a16:creationId xmlns:a16="http://schemas.microsoft.com/office/drawing/2014/main" id="{D45FCF20-91D5-47B4-82F1-712AD67B5261}"/>
+              </a:ext>
+            </a:extLst>
+          </p:cNvPr>
+          <p:cNvSpPr>
+            <a:spLocks noGrp="1"/>
+          </p:cNvSpPr>
+          <p:nvPr>
+            <p:ph idx="1"/>
+          </p:nvPr>
+        </p:nvSpPr>
+        <p:spPr/>
+        <p:txBody>
+          <a:bodyPr/>
+          <a:lstStyle/>
+          <a:p>
             <a:endParaRPr lang="en-GB"/>
+          </a:p>
+        </p:txBody>
+      </p:sp>
+    </p:spTree>
+    <p:extLst>
+      <p:ext uri="{BB962C8B-B14F-4D97-AF65-F5344CB8AC3E}">
+        <p14:creationId xmlns:p14="http://schemas.microsoft.com/office/powerpoint/2010/main" val="2975574081"/>
+      </p:ext>
+    </p:extLst>
+  </p:cSld>
+  <p:clrMapOvr>
+    <a:masterClrMapping/>
+  </p:clrMapOvr>
+</p:sld>
+</file>
+
+<file path=ppt/slides/slide14.xml><?xml version="1.0" encoding="utf-8"?>
+<p:sld xmlns:a="http://schemas.openxmlformats.org/drawingml/2006/main" xmlns:r="http://schemas.openxmlformats.org/officeDocument/2006/relationships" xmlns:p="http://schemas.openxmlformats.org/presentationml/2006/main">
+  <p:cSld>
+    <p:spTree>
+      <p:nvGrpSpPr>
+        <p:cNvPr id="1" name=""/>
+        <p:cNvGrpSpPr/>
+        <p:nvPr/>
+      </p:nvGrpSpPr>
+      <p:grpSpPr>
+        <a:xfrm>
+          <a:off x="0" y="0"/>
+          <a:ext cx="0" cy="0"/>
+          <a:chOff x="0" y="0"/>
+          <a:chExt cx="0" cy="0"/>
+        </a:xfrm>
+      </p:grpSpPr>
+      <p:sp>
+        <p:nvSpPr>
+          <p:cNvPr id="2" name="Title 1">
+            <a:extLst>
+              <a:ext uri="{FF2B5EF4-FFF2-40B4-BE49-F238E27FC236}">
+                <a16:creationId xmlns:a16="http://schemas.microsoft.com/office/drawing/2014/main" id="{AF637770-BFFA-499F-A743-11013ABC97EF}"/>
+              </a:ext>
+            </a:extLst>
+          </p:cNvPr>
+          <p:cNvSpPr>
+            <a:spLocks noGrp="1"/>
+          </p:cNvSpPr>
+          <p:nvPr>
+            <p:ph type="title"/>
+          </p:nvPr>
+        </p:nvSpPr>
+        <p:spPr/>
+        <p:txBody>
+          <a:bodyPr/>
+          <a:lstStyle/>
+          <a:p>
+            <a:r>
+              <a:rPr lang="en-GB" dirty="0" err="1"/>
+              <a:t>Primeri</a:t>
+            </a:r>
+            <a:r>
+              <a:rPr lang="en-GB" dirty="0"/>
+              <a:t> in </a:t>
+            </a:r>
+            <a:r>
+              <a:rPr lang="en-GB" dirty="0" err="1"/>
+              <a:t>zanimivosti</a:t>
+            </a:r>
+            <a:endParaRPr lang="en-GB" dirty="0"/>
+          </a:p>
+        </p:txBody>
+      </p:sp>
+      <p:sp>
+        <p:nvSpPr>
+          <p:cNvPr id="3" name="Content Placeholder 2">
+            <a:extLst>
+              <a:ext uri="{FF2B5EF4-FFF2-40B4-BE49-F238E27FC236}">
+                <a16:creationId xmlns:a16="http://schemas.microsoft.com/office/drawing/2014/main" id="{5306AC4C-D1DD-44AE-A954-698F27024FC7}"/>
+              </a:ext>
+            </a:extLst>
+          </p:cNvPr>
+          <p:cNvSpPr>
+            <a:spLocks noGrp="1"/>
+          </p:cNvSpPr>
+          <p:nvPr>
+            <p:ph idx="1"/>
+          </p:nvPr>
+        </p:nvSpPr>
+        <p:spPr/>
+        <p:txBody>
+          <a:bodyPr/>
+          <a:lstStyle/>
+          <a:p>
+            <a:endParaRPr lang="en-GB"/>
+          </a:p>
+        </p:txBody>
+      </p:sp>
+    </p:spTree>
+    <p:extLst>
+      <p:ext uri="{BB962C8B-B14F-4D97-AF65-F5344CB8AC3E}">
+        <p14:creationId xmlns:p14="http://schemas.microsoft.com/office/powerpoint/2010/main" val="3838925735"/>
+      </p:ext>
+    </p:extLst>
+  </p:cSld>
+  <p:clrMapOvr>
+    <a:masterClrMapping/>
+  </p:clrMapOvr>
+</p:sld>
+</file>
+
+<file path=ppt/slides/slide15.xml><?xml version="1.0" encoding="utf-8"?>
+<p:sld xmlns:a="http://schemas.openxmlformats.org/drawingml/2006/main" xmlns:r="http://schemas.openxmlformats.org/officeDocument/2006/relationships" xmlns:p="http://schemas.openxmlformats.org/presentationml/2006/main">
+  <p:cSld>
+    <p:spTree>
+      <p:nvGrpSpPr>
+        <p:cNvPr id="1" name=""/>
+        <p:cNvGrpSpPr/>
+        <p:nvPr/>
+      </p:nvGrpSpPr>
+      <p:grpSpPr>
+        <a:xfrm>
+          <a:off x="0" y="0"/>
+          <a:ext cx="0" cy="0"/>
+          <a:chOff x="0" y="0"/>
+          <a:chExt cx="0" cy="0"/>
+        </a:xfrm>
+      </p:grpSpPr>
+      <p:sp>
+        <p:nvSpPr>
+          <p:cNvPr id="2" name="Title 1">
+            <a:extLst>
+              <a:ext uri="{FF2B5EF4-FFF2-40B4-BE49-F238E27FC236}">
+                <a16:creationId xmlns:a16="http://schemas.microsoft.com/office/drawing/2014/main" id="{98F35D36-9EDF-4969-AE71-F54118B67301}"/>
+              </a:ext>
+            </a:extLst>
+          </p:cNvPr>
+          <p:cNvSpPr>
+            <a:spLocks noGrp="1"/>
+          </p:cNvSpPr>
+          <p:nvPr>
+            <p:ph type="title"/>
+          </p:nvPr>
+        </p:nvSpPr>
+        <p:spPr/>
+        <p:txBody>
+          <a:bodyPr/>
+          <a:lstStyle/>
+          <a:p>
+            <a:r>
+              <a:rPr lang="en-GB" dirty="0" err="1"/>
+              <a:t>Primeri</a:t>
+            </a:r>
+            <a:r>
+              <a:rPr lang="en-GB" dirty="0"/>
+              <a:t> </a:t>
+            </a:r>
+            <a:r>
+              <a:rPr lang="en-GB" dirty="0" err="1"/>
+              <a:t>uporabe</a:t>
+            </a:r>
+            <a:endParaRPr lang="en-GB" dirty="0"/>
+          </a:p>
+        </p:txBody>
+      </p:sp>
+      <p:sp>
+        <p:nvSpPr>
+          <p:cNvPr id="3" name="Content Placeholder 2">
+            <a:extLst>
+              <a:ext uri="{FF2B5EF4-FFF2-40B4-BE49-F238E27FC236}">
+                <a16:creationId xmlns:a16="http://schemas.microsoft.com/office/drawing/2014/main" id="{D4DC19CD-A53D-4EF8-84FE-8B5E488EFC83}"/>
+              </a:ext>
+            </a:extLst>
+          </p:cNvPr>
+          <p:cNvSpPr>
+            <a:spLocks noGrp="1"/>
+          </p:cNvSpPr>
+          <p:nvPr>
+            <p:ph idx="1"/>
+          </p:nvPr>
+        </p:nvSpPr>
+        <p:spPr/>
+        <p:txBody>
+          <a:bodyPr/>
+          <a:lstStyle/>
+          <a:p>
+            <a:r>
+              <a:rPr lang="en-GB" dirty="0" err="1"/>
+              <a:t>Načrtovanje</a:t>
+            </a:r>
+            <a:r>
+              <a:rPr lang="en-GB" dirty="0"/>
+              <a:t> </a:t>
+            </a:r>
+            <a:r>
+              <a:rPr lang="en-GB" dirty="0" err="1"/>
+              <a:t>rasti</a:t>
+            </a:r>
+            <a:r>
+              <a:rPr lang="en-GB" dirty="0"/>
+              <a:t> in </a:t>
+            </a:r>
+            <a:r>
+              <a:rPr lang="en-GB" dirty="0" err="1"/>
+              <a:t>razvoja</a:t>
+            </a:r>
+            <a:r>
+              <a:rPr lang="en-GB" dirty="0"/>
+              <a:t> </a:t>
+            </a:r>
+            <a:r>
+              <a:rPr lang="en-GB" dirty="0" err="1"/>
+              <a:t>gozdov</a:t>
+            </a:r>
+            <a:endParaRPr lang="en-GB" dirty="0"/>
+          </a:p>
+          <a:p>
+            <a:r>
+              <a:rPr lang="en-GB" dirty="0" err="1"/>
+              <a:t>Robotika</a:t>
+            </a:r>
+            <a:r>
+              <a:rPr lang="en-GB" dirty="0"/>
+              <a:t> (</a:t>
+            </a:r>
+            <a:r>
+              <a:rPr lang="en-GB" dirty="0" err="1"/>
+              <a:t>Načrtovanje</a:t>
+            </a:r>
+            <a:r>
+              <a:rPr lang="en-GB" dirty="0"/>
+              <a:t> </a:t>
+            </a:r>
+            <a:r>
+              <a:rPr lang="en-GB" dirty="0" err="1"/>
+              <a:t>poti</a:t>
+            </a:r>
+            <a:r>
+              <a:rPr lang="en-GB" dirty="0"/>
+              <a:t>)</a:t>
+            </a:r>
+          </a:p>
+          <a:p>
+            <a:r>
+              <a:rPr lang="en-GB" dirty="0" err="1"/>
+              <a:t>Najbližja</a:t>
+            </a:r>
+            <a:r>
+              <a:rPr lang="en-GB" dirty="0"/>
+              <a:t> </a:t>
+            </a:r>
+            <a:r>
+              <a:rPr lang="en-GB" dirty="0" err="1"/>
+              <a:t>pošta</a:t>
+            </a:r>
+            <a:r>
+              <a:rPr lang="en-GB" dirty="0"/>
+              <a:t>, </a:t>
+            </a:r>
+            <a:r>
+              <a:rPr lang="en-GB" dirty="0" err="1"/>
+              <a:t>bolnica</a:t>
+            </a:r>
+            <a:r>
+              <a:rPr lang="en-GB" dirty="0"/>
+              <a:t>, …</a:t>
+            </a:r>
+          </a:p>
+          <a:p>
+            <a:r>
+              <a:rPr lang="en-GB" dirty="0" err="1"/>
+              <a:t>Iskanje</a:t>
+            </a:r>
+            <a:r>
+              <a:rPr lang="en-GB" dirty="0"/>
+              <a:t> </a:t>
+            </a:r>
+            <a:r>
+              <a:rPr lang="en-GB" dirty="0" err="1"/>
+              <a:t>najbližjega</a:t>
+            </a:r>
+            <a:r>
+              <a:rPr lang="en-GB" dirty="0"/>
+              <a:t> </a:t>
+            </a:r>
+            <a:r>
+              <a:rPr lang="en-GB" dirty="0" err="1"/>
+              <a:t>telefonskega</a:t>
+            </a:r>
+            <a:r>
+              <a:rPr lang="en-GB" dirty="0"/>
+              <a:t> </a:t>
+            </a:r>
+            <a:r>
+              <a:rPr lang="en-GB" dirty="0" err="1"/>
+              <a:t>oddajnika</a:t>
+            </a:r>
+            <a:endParaRPr lang="en-GB" dirty="0"/>
+          </a:p>
+          <a:p>
+            <a:endParaRPr lang="en-GB" dirty="0"/>
+          </a:p>
+          <a:p>
+            <a:r>
+              <a:rPr lang="en-GB" dirty="0"/>
+              <a:t>Melbourne, </a:t>
+            </a:r>
+            <a:r>
+              <a:rPr lang="en-GB" dirty="0" err="1"/>
+              <a:t>šolarji</a:t>
+            </a:r>
+            <a:r>
+              <a:rPr lang="en-GB" dirty="0"/>
+              <a:t> </a:t>
+            </a:r>
+            <a:r>
+              <a:rPr lang="en-GB" dirty="0" err="1"/>
+              <a:t>samo</a:t>
+            </a:r>
+            <a:r>
+              <a:rPr lang="en-GB" dirty="0"/>
+              <a:t> v </a:t>
+            </a:r>
+            <a:r>
+              <a:rPr lang="en-GB" dirty="0" err="1"/>
+              <a:t>najbližjo</a:t>
+            </a:r>
+            <a:r>
+              <a:rPr lang="en-GB" dirty="0"/>
+              <a:t> </a:t>
+            </a:r>
+            <a:r>
+              <a:rPr lang="en-GB" dirty="0" err="1"/>
+              <a:t>šolo</a:t>
+            </a:r>
+            <a:r>
+              <a:rPr lang="en-GB" dirty="0"/>
+              <a:t> </a:t>
+            </a:r>
+            <a:r>
+              <a:rPr lang="en-GB" dirty="0" err="1"/>
+              <a:t>njihovim</a:t>
+            </a:r>
+            <a:r>
+              <a:rPr lang="en-GB" dirty="0"/>
+              <a:t> </a:t>
+            </a:r>
+            <a:r>
+              <a:rPr lang="en-GB" dirty="0" err="1"/>
+              <a:t>domom</a:t>
+            </a:r>
+            <a:r>
+              <a:rPr lang="en-GB" dirty="0"/>
+              <a:t>.</a:t>
+            </a:r>
+          </a:p>
+          <a:p>
+            <a:r>
+              <a:rPr lang="en-GB" dirty="0" err="1"/>
+              <a:t>Dinara</a:t>
+            </a:r>
+            <a:r>
+              <a:rPr lang="en-GB" dirty="0"/>
+              <a:t> </a:t>
+            </a:r>
+            <a:r>
+              <a:rPr lang="en-GB" dirty="0" err="1"/>
+              <a:t>Kasko</a:t>
+            </a:r>
+            <a:r>
+              <a:rPr lang="en-GB" dirty="0"/>
+              <a:t>, 3D </a:t>
+            </a:r>
+            <a:r>
+              <a:rPr lang="en-GB" dirty="0" err="1"/>
+              <a:t>printanje</a:t>
+            </a:r>
+            <a:r>
+              <a:rPr lang="en-GB" dirty="0"/>
+              <a:t> </a:t>
+            </a:r>
+            <a:r>
+              <a:rPr lang="en-GB" dirty="0" err="1"/>
+              <a:t>modelčkov</a:t>
+            </a:r>
+            <a:r>
+              <a:rPr lang="en-GB" dirty="0"/>
+              <a:t> za torte</a:t>
+            </a:r>
           </a:p>
         </p:txBody>
       </p:sp>
@@ -3555,7 +4254,7 @@
 </p:sld>
 </file>
 
-<file path=ppt/slides/slide11.xml><?xml version="1.0" encoding="utf-8"?>
+<file path=ppt/slides/slide16.xml><?xml version="1.0" encoding="utf-8"?>
 <p:sld xmlns:a="http://schemas.openxmlformats.org/drawingml/2006/main" xmlns:r="http://schemas.openxmlformats.org/officeDocument/2006/relationships" xmlns:p="http://schemas.openxmlformats.org/presentationml/2006/main">
   <p:cSld>
     <p:spTree>
@@ -3765,7 +4464,133 @@
           <a:bodyPr/>
           <a:lstStyle/>
           <a:p>
-            <a:endParaRPr lang="en-GB"/>
+            <a:r>
+              <a:rPr lang="en-GB" dirty="0" err="1"/>
+              <a:t>Različni</a:t>
+            </a:r>
+            <a:r>
+              <a:rPr lang="en-GB" dirty="0"/>
+              <a:t> </a:t>
+            </a:r>
+            <a:r>
+              <a:rPr lang="en-GB" dirty="0" err="1"/>
+              <a:t>načini</a:t>
+            </a:r>
+            <a:endParaRPr lang="en-GB" dirty="0"/>
+          </a:p>
+          <a:p>
+            <a:r>
+              <a:rPr lang="en-GB" dirty="0"/>
+              <a:t>3 </a:t>
+            </a:r>
+            <a:r>
+              <a:rPr lang="en-GB" dirty="0" err="1"/>
+              <a:t>algoritmi</a:t>
+            </a:r>
+            <a:endParaRPr lang="en-GB" dirty="0"/>
+          </a:p>
+          <a:p>
+            <a:pPr lvl="1"/>
+            <a:r>
+              <a:rPr lang="en-GB" dirty="0" err="1"/>
+              <a:t>Naivni</a:t>
+            </a:r>
+            <a:r>
+              <a:rPr lang="en-GB" dirty="0"/>
+              <a:t> oz brute force</a:t>
+            </a:r>
+          </a:p>
+          <a:p>
+            <a:pPr lvl="1"/>
+            <a:r>
+              <a:rPr lang="en-GB" dirty="0"/>
+              <a:t>Jump Flood</a:t>
+            </a:r>
+          </a:p>
+          <a:p>
+            <a:pPr lvl="1"/>
+            <a:r>
+              <a:rPr lang="en-GB" dirty="0"/>
+              <a:t>Delaunay </a:t>
+            </a:r>
+            <a:r>
+              <a:rPr lang="en-GB" dirty="0" err="1"/>
+              <a:t>triangulacija</a:t>
+            </a:r>
+            <a:endParaRPr lang="en-GB" dirty="0"/>
+          </a:p>
+          <a:p>
+            <a:pPr lvl="1"/>
+            <a:endParaRPr lang="en-GB" dirty="0"/>
+          </a:p>
+          <a:p>
+            <a:r>
+              <a:rPr lang="en-GB" dirty="0"/>
+              <a:t>Delaunay </a:t>
+            </a:r>
+            <a:r>
+              <a:rPr lang="en-GB" dirty="0" err="1"/>
+              <a:t>triangulacija</a:t>
+            </a:r>
+            <a:endParaRPr lang="en-GB" dirty="0"/>
+          </a:p>
+          <a:p>
+            <a:pPr lvl="1"/>
+            <a:r>
+              <a:rPr lang="en-GB" dirty="0"/>
+              <a:t>Dual </a:t>
+            </a:r>
+            <a:r>
+              <a:rPr lang="en-GB" dirty="0" err="1"/>
+              <a:t>končne</a:t>
+            </a:r>
+            <a:r>
+              <a:rPr lang="en-GB" dirty="0"/>
+              <a:t> </a:t>
+            </a:r>
+            <a:r>
+              <a:rPr lang="en-GB" dirty="0" err="1"/>
+              <a:t>triangulacije</a:t>
+            </a:r>
+            <a:r>
+              <a:rPr lang="en-GB" dirty="0"/>
+              <a:t> = </a:t>
+            </a:r>
+            <a:r>
+              <a:rPr lang="en-GB" dirty="0" err="1"/>
+              <a:t>Vornoievi</a:t>
+            </a:r>
+            <a:r>
+              <a:rPr lang="en-GB" dirty="0"/>
+              <a:t> diagram</a:t>
+            </a:r>
+          </a:p>
+          <a:p>
+            <a:pPr lvl="1"/>
+            <a:r>
+              <a:rPr lang="en-GB" dirty="0" err="1"/>
+              <a:t>Uporabna</a:t>
+            </a:r>
+            <a:r>
+              <a:rPr lang="en-GB" dirty="0"/>
+              <a:t> za </a:t>
+            </a:r>
+            <a:r>
+              <a:rPr lang="en-GB" dirty="0" err="1"/>
+              <a:t>računalniško</a:t>
+            </a:r>
+            <a:r>
+              <a:rPr lang="en-GB" dirty="0"/>
+              <a:t> </a:t>
+            </a:r>
+            <a:r>
+              <a:rPr lang="en-GB" dirty="0" err="1"/>
+              <a:t>grafiko</a:t>
+            </a:r>
+            <a:r>
+              <a:rPr lang="en-GB" dirty="0"/>
+              <a:t>.</a:t>
+            </a:r>
           </a:p>
         </p:txBody>
       </p:sp>
@@ -3779,6 +4604,289 @@
   <p:clrMapOvr>
     <a:masterClrMapping/>
   </p:clrMapOvr>
+  <p:timing>
+    <p:tnLst>
+      <p:par>
+        <p:cTn id="1" dur="indefinite" restart="never" nodeType="tmRoot">
+          <p:childTnLst>
+            <p:seq concurrent="1" nextAc="seek">
+              <p:cTn id="2" dur="indefinite" nodeType="mainSeq">
+                <p:childTnLst>
+                  <p:par>
+                    <p:cTn id="3" fill="hold">
+                      <p:stCondLst>
+                        <p:cond delay="indefinite"/>
+                      </p:stCondLst>
+                      <p:childTnLst>
+                        <p:par>
+                          <p:cTn id="4" fill="hold">
+                            <p:stCondLst>
+                              <p:cond delay="0"/>
+                            </p:stCondLst>
+                            <p:childTnLst>
+                              <p:par>
+                                <p:cTn id="5" presetID="1" presetClass="entr" presetSubtype="0" fill="hold" nodeType="clickEffect">
+                                  <p:stCondLst>
+                                    <p:cond delay="0"/>
+                                  </p:stCondLst>
+                                  <p:childTnLst>
+                                    <p:set>
+                                      <p:cBhvr>
+                                        <p:cTn id="6" dur="1" fill="hold">
+                                          <p:stCondLst>
+                                            <p:cond delay="0"/>
+                                          </p:stCondLst>
+                                        </p:cTn>
+                                        <p:tgtEl>
+                                          <p:spTgt spid="3">
+                                            <p:txEl>
+                                              <p:pRg st="1" end="1"/>
+                                            </p:txEl>
+                                          </p:spTgt>
+                                        </p:tgtEl>
+                                        <p:attrNameLst>
+                                          <p:attrName>style.visibility</p:attrName>
+                                        </p:attrNameLst>
+                                      </p:cBhvr>
+                                      <p:to>
+                                        <p:strVal val="visible"/>
+                                      </p:to>
+                                    </p:set>
+                                  </p:childTnLst>
+                                </p:cTn>
+                              </p:par>
+                              <p:par>
+                                <p:cTn id="7" presetID="1" presetClass="entr" presetSubtype="0" fill="hold" nodeType="withEffect">
+                                  <p:stCondLst>
+                                    <p:cond delay="0"/>
+                                  </p:stCondLst>
+                                  <p:childTnLst>
+                                    <p:set>
+                                      <p:cBhvr>
+                                        <p:cTn id="8" dur="1" fill="hold">
+                                          <p:stCondLst>
+                                            <p:cond delay="0"/>
+                                          </p:stCondLst>
+                                        </p:cTn>
+                                        <p:tgtEl>
+                                          <p:spTgt spid="3">
+                                            <p:txEl>
+                                              <p:pRg st="2" end="2"/>
+                                            </p:txEl>
+                                          </p:spTgt>
+                                        </p:tgtEl>
+                                        <p:attrNameLst>
+                                          <p:attrName>style.visibility</p:attrName>
+                                        </p:attrNameLst>
+                                      </p:cBhvr>
+                                      <p:to>
+                                        <p:strVal val="visible"/>
+                                      </p:to>
+                                    </p:set>
+                                  </p:childTnLst>
+                                </p:cTn>
+                              </p:par>
+                              <p:par>
+                                <p:cTn id="9" presetID="1" presetClass="entr" presetSubtype="0" fill="hold" nodeType="withEffect">
+                                  <p:stCondLst>
+                                    <p:cond delay="0"/>
+                                  </p:stCondLst>
+                                  <p:childTnLst>
+                                    <p:set>
+                                      <p:cBhvr>
+                                        <p:cTn id="10" dur="1" fill="hold">
+                                          <p:stCondLst>
+                                            <p:cond delay="0"/>
+                                          </p:stCondLst>
+                                        </p:cTn>
+                                        <p:tgtEl>
+                                          <p:spTgt spid="3">
+                                            <p:txEl>
+                                              <p:pRg st="3" end="3"/>
+                                            </p:txEl>
+                                          </p:spTgt>
+                                        </p:tgtEl>
+                                        <p:attrNameLst>
+                                          <p:attrName>style.visibility</p:attrName>
+                                        </p:attrNameLst>
+                                      </p:cBhvr>
+                                      <p:to>
+                                        <p:strVal val="visible"/>
+                                      </p:to>
+                                    </p:set>
+                                  </p:childTnLst>
+                                </p:cTn>
+                              </p:par>
+                              <p:par>
+                                <p:cTn id="11" presetID="1" presetClass="entr" presetSubtype="0" fill="hold" nodeType="withEffect">
+                                  <p:stCondLst>
+                                    <p:cond delay="0"/>
+                                  </p:stCondLst>
+                                  <p:childTnLst>
+                                    <p:set>
+                                      <p:cBhvr>
+                                        <p:cTn id="12" dur="1" fill="hold">
+                                          <p:stCondLst>
+                                            <p:cond delay="0"/>
+                                          </p:stCondLst>
+                                        </p:cTn>
+                                        <p:tgtEl>
+                                          <p:spTgt spid="3">
+                                            <p:txEl>
+                                              <p:pRg st="4" end="4"/>
+                                            </p:txEl>
+                                          </p:spTgt>
+                                        </p:tgtEl>
+                                        <p:attrNameLst>
+                                          <p:attrName>style.visibility</p:attrName>
+                                        </p:attrNameLst>
+                                      </p:cBhvr>
+                                      <p:to>
+                                        <p:strVal val="visible"/>
+                                      </p:to>
+                                    </p:set>
+                                  </p:childTnLst>
+                                </p:cTn>
+                              </p:par>
+                            </p:childTnLst>
+                          </p:cTn>
+                        </p:par>
+                      </p:childTnLst>
+                    </p:cTn>
+                  </p:par>
+                  <p:par>
+                    <p:cTn id="13" fill="hold">
+                      <p:stCondLst>
+                        <p:cond delay="indefinite"/>
+                      </p:stCondLst>
+                      <p:childTnLst>
+                        <p:par>
+                          <p:cTn id="14" fill="hold">
+                            <p:stCondLst>
+                              <p:cond delay="0"/>
+                            </p:stCondLst>
+                            <p:childTnLst>
+                              <p:par>
+                                <p:cTn id="15" presetID="1" presetClass="entr" presetSubtype="0" fill="hold" nodeType="clickEffect">
+                                  <p:stCondLst>
+                                    <p:cond delay="0"/>
+                                  </p:stCondLst>
+                                  <p:childTnLst>
+                                    <p:set>
+                                      <p:cBhvr>
+                                        <p:cTn id="16" dur="1" fill="hold">
+                                          <p:stCondLst>
+                                            <p:cond delay="0"/>
+                                          </p:stCondLst>
+                                        </p:cTn>
+                                        <p:tgtEl>
+                                          <p:spTgt spid="3">
+                                            <p:txEl>
+                                              <p:pRg st="6" end="6"/>
+                                            </p:txEl>
+                                          </p:spTgt>
+                                        </p:tgtEl>
+                                        <p:attrNameLst>
+                                          <p:attrName>style.visibility</p:attrName>
+                                        </p:attrNameLst>
+                                      </p:cBhvr>
+                                      <p:to>
+                                        <p:strVal val="visible"/>
+                                      </p:to>
+                                    </p:set>
+                                  </p:childTnLst>
+                                </p:cTn>
+                              </p:par>
+                              <p:par>
+                                <p:cTn id="17" presetID="1" presetClass="entr" presetSubtype="0" fill="hold" nodeType="withEffect">
+                                  <p:stCondLst>
+                                    <p:cond delay="0"/>
+                                  </p:stCondLst>
+                                  <p:childTnLst>
+                                    <p:set>
+                                      <p:cBhvr>
+                                        <p:cTn id="18" dur="1" fill="hold">
+                                          <p:stCondLst>
+                                            <p:cond delay="0"/>
+                                          </p:stCondLst>
+                                        </p:cTn>
+                                        <p:tgtEl>
+                                          <p:spTgt spid="3">
+                                            <p:txEl>
+                                              <p:pRg st="7" end="7"/>
+                                            </p:txEl>
+                                          </p:spTgt>
+                                        </p:tgtEl>
+                                        <p:attrNameLst>
+                                          <p:attrName>style.visibility</p:attrName>
+                                        </p:attrNameLst>
+                                      </p:cBhvr>
+                                      <p:to>
+                                        <p:strVal val="visible"/>
+                                      </p:to>
+                                    </p:set>
+                                  </p:childTnLst>
+                                </p:cTn>
+                              </p:par>
+                              <p:par>
+                                <p:cTn id="19" presetID="1" presetClass="entr" presetSubtype="0" fill="hold" nodeType="withEffect">
+                                  <p:stCondLst>
+                                    <p:cond delay="0"/>
+                                  </p:stCondLst>
+                                  <p:childTnLst>
+                                    <p:set>
+                                      <p:cBhvr>
+                                        <p:cTn id="20" dur="1" fill="hold">
+                                          <p:stCondLst>
+                                            <p:cond delay="0"/>
+                                          </p:stCondLst>
+                                        </p:cTn>
+                                        <p:tgtEl>
+                                          <p:spTgt spid="3">
+                                            <p:txEl>
+                                              <p:pRg st="8" end="8"/>
+                                            </p:txEl>
+                                          </p:spTgt>
+                                        </p:tgtEl>
+                                        <p:attrNameLst>
+                                          <p:attrName>style.visibility</p:attrName>
+                                        </p:attrNameLst>
+                                      </p:cBhvr>
+                                      <p:to>
+                                        <p:strVal val="visible"/>
+                                      </p:to>
+                                    </p:set>
+                                  </p:childTnLst>
+                                </p:cTn>
+                              </p:par>
+                            </p:childTnLst>
+                          </p:cTn>
+                        </p:par>
+                      </p:childTnLst>
+                    </p:cTn>
+                  </p:par>
+                </p:childTnLst>
+              </p:cTn>
+              <p:prevCondLst>
+                <p:cond evt="onPrev" delay="0">
+                  <p:tgtEl>
+                    <p:sldTgt/>
+                  </p:tgtEl>
+                </p:cond>
+              </p:prevCondLst>
+              <p:nextCondLst>
+                <p:cond evt="onNext" delay="0">
+                  <p:tgtEl>
+                    <p:sldTgt/>
+                  </p:tgtEl>
+                </p:cond>
+              </p:nextCondLst>
+            </p:seq>
+          </p:childTnLst>
+        </p:cTn>
+      </p:par>
+    </p:tnLst>
+  </p:timing>
 </p:sld>
 </file>
 
@@ -3804,7 +4912,7 @@
           <p:cNvPr id="2" name="Title 1">
             <a:extLst>
               <a:ext uri="{FF2B5EF4-FFF2-40B4-BE49-F238E27FC236}">
-                <a16:creationId xmlns:a16="http://schemas.microsoft.com/office/drawing/2014/main" id="{C3F12680-89CF-4BDB-A290-39B51C9F4ECA}"/>
+                <a16:creationId xmlns:a16="http://schemas.microsoft.com/office/drawing/2014/main" id="{54462302-554B-4CDE-9880-08BF640D58D5}"/>
               </a:ext>
             </a:extLst>
           </p:cNvPr>
@@ -3820,11 +4928,7 @@
           <a:bodyPr/>
           <a:lstStyle/>
           <a:p>
-            <a:r>
-              <a:rPr lang="en-GB" dirty="0" err="1"/>
-              <a:t>Zgodovina</a:t>
-            </a:r>
-            <a:endParaRPr lang="en-GB" dirty="0"/>
+            <a:endParaRPr lang="en-GB"/>
           </a:p>
         </p:txBody>
       </p:sp>
@@ -3833,7 +4937,7 @@
           <p:cNvPr id="3" name="Content Placeholder 2">
             <a:extLst>
               <a:ext uri="{FF2B5EF4-FFF2-40B4-BE49-F238E27FC236}">
-                <a16:creationId xmlns:a16="http://schemas.microsoft.com/office/drawing/2014/main" id="{7338BA69-FEF9-44D7-93F9-66EFF7302F13}"/>
+                <a16:creationId xmlns:a16="http://schemas.microsoft.com/office/drawing/2014/main" id="{C1614B2D-32AE-405F-A3A2-3D01E6316DDB}"/>
               </a:ext>
             </a:extLst>
           </p:cNvPr>
@@ -3849,14 +4953,50 @@
           <a:bodyPr/>
           <a:lstStyle/>
           <a:p>
-            <a:endParaRPr lang="en-GB"/>
-          </a:p>
-        </p:txBody>
-      </p:sp>
+            <a:endParaRPr lang="en-GB" dirty="0"/>
+          </a:p>
+        </p:txBody>
+      </p:sp>
+      <p:pic>
+        <p:nvPicPr>
+          <p:cNvPr id="4" name="Picture 3">
+            <a:extLst>
+              <a:ext uri="{FF2B5EF4-FFF2-40B4-BE49-F238E27FC236}">
+                <a16:creationId xmlns:a16="http://schemas.microsoft.com/office/drawing/2014/main" id="{C0FA7B99-AD6C-41CF-93C3-2AF2DD90211A}"/>
+              </a:ext>
+            </a:extLst>
+          </p:cNvPr>
+          <p:cNvPicPr>
+            <a:picLocks noChangeAspect="1"/>
+          </p:cNvPicPr>
+          <p:nvPr/>
+        </p:nvPicPr>
+        <p:blipFill>
+          <a:blip r:embed="rId2">
+            <a:extLst>
+              <a:ext uri="{28A0092B-C50C-407E-A947-70E740481C1C}">
+                <a14:useLocalDpi xmlns:a14="http://schemas.microsoft.com/office/drawing/2010/main" val="0"/>
+              </a:ext>
+            </a:extLst>
+          </a:blip>
+          <a:stretch>
+            <a:fillRect/>
+          </a:stretch>
+        </p:blipFill>
+        <p:spPr>
+          <a:xfrm>
+            <a:off x="-808177" y="0"/>
+            <a:ext cx="13621248" cy="6757416"/>
+          </a:xfrm>
+          <a:prstGeom prst="rect">
+            <a:avLst/>
+          </a:prstGeom>
+        </p:spPr>
+      </p:pic>
     </p:spTree>
     <p:extLst>
       <p:ext uri="{BB962C8B-B14F-4D97-AF65-F5344CB8AC3E}">
-        <p14:creationId xmlns:p14="http://schemas.microsoft.com/office/powerpoint/2010/main" val="1167449501"/>
+        <p14:creationId xmlns:p14="http://schemas.microsoft.com/office/powerpoint/2010/main" val="211392532"/>
       </p:ext>
     </p:extLst>
   </p:cSld>
@@ -3888,7 +5028,7 @@
           <p:cNvPr id="2" name="Title 1">
             <a:extLst>
               <a:ext uri="{FF2B5EF4-FFF2-40B4-BE49-F238E27FC236}">
-                <a16:creationId xmlns:a16="http://schemas.microsoft.com/office/drawing/2014/main" id="{40229038-C757-47FD-871F-D3C60C52CB73}"/>
+                <a16:creationId xmlns:a16="http://schemas.microsoft.com/office/drawing/2014/main" id="{C3F12680-89CF-4BDB-A290-39B51C9F4ECA}"/>
               </a:ext>
             </a:extLst>
           </p:cNvPr>
@@ -3905,9 +5045,10 @@
           <a:lstStyle/>
           <a:p>
             <a:r>
-              <a:rPr lang="en-GB" dirty="0"/>
-              <a:t>Jump flood</a:t>
-            </a:r>
+              <a:rPr lang="en-GB" dirty="0" err="1"/>
+              <a:t>Zgodovina</a:t>
+            </a:r>
+            <a:endParaRPr lang="en-GB" dirty="0"/>
           </a:p>
         </p:txBody>
       </p:sp>
@@ -3916,7 +5057,7 @@
           <p:cNvPr id="3" name="Content Placeholder 2">
             <a:extLst>
               <a:ext uri="{FF2B5EF4-FFF2-40B4-BE49-F238E27FC236}">
-                <a16:creationId xmlns:a16="http://schemas.microsoft.com/office/drawing/2014/main" id="{9CF6BB80-AE4F-49BB-9E5F-890FCDC24A34}"/>
+                <a16:creationId xmlns:a16="http://schemas.microsoft.com/office/drawing/2014/main" id="{7338BA69-FEF9-44D7-93F9-66EFF7302F13}"/>
               </a:ext>
             </a:extLst>
           </p:cNvPr>
@@ -3939,7 +5080,7 @@
     </p:spTree>
     <p:extLst>
       <p:ext uri="{BB962C8B-B14F-4D97-AF65-F5344CB8AC3E}">
-        <p14:creationId xmlns:p14="http://schemas.microsoft.com/office/powerpoint/2010/main" val="2127496846"/>
+        <p14:creationId xmlns:p14="http://schemas.microsoft.com/office/powerpoint/2010/main" val="1167449501"/>
       </p:ext>
     </p:extLst>
   </p:cSld>
@@ -3971,7 +5112,7 @@
           <p:cNvPr id="2" name="Title 1">
             <a:extLst>
               <a:ext uri="{FF2B5EF4-FFF2-40B4-BE49-F238E27FC236}">
-                <a16:creationId xmlns:a16="http://schemas.microsoft.com/office/drawing/2014/main" id="{124CFA49-2ED5-4352-AAE2-97E150B8F05F}"/>
+                <a16:creationId xmlns:a16="http://schemas.microsoft.com/office/drawing/2014/main" id="{7F33135C-A679-4185-B8A6-56F2CEA9922E}"/>
               </a:ext>
             </a:extLst>
           </p:cNvPr>
@@ -3989,7 +5130,7 @@
           <a:p>
             <a:r>
               <a:rPr lang="en-GB" dirty="0" err="1"/>
-              <a:t>Delaunajeva</a:t>
+              <a:t>Naivna</a:t>
             </a:r>
             <a:r>
               <a:rPr lang="en-GB" dirty="0"/>
@@ -3997,7 +5138,7 @@
             </a:r>
             <a:r>
               <a:rPr lang="en-GB" dirty="0" err="1"/>
-              <a:t>triangulacija</a:t>
+              <a:t>metoda</a:t>
             </a:r>
             <a:endParaRPr lang="en-GB" dirty="0"/>
           </a:p>
@@ -4008,7 +5149,7 @@
           <p:cNvPr id="3" name="Content Placeholder 2">
             <a:extLst>
               <a:ext uri="{FF2B5EF4-FFF2-40B4-BE49-F238E27FC236}">
-                <a16:creationId xmlns:a16="http://schemas.microsoft.com/office/drawing/2014/main" id="{C1A98CC0-CB9E-489E-9978-A018E67BF16A}"/>
+                <a16:creationId xmlns:a16="http://schemas.microsoft.com/office/drawing/2014/main" id="{9A9705BF-B1B6-41B4-8036-8CD473C8445A}"/>
               </a:ext>
             </a:extLst>
           </p:cNvPr>
@@ -4025,17 +5166,630 @@
           <a:lstStyle/>
           <a:p>
             <a:r>
+              <a:rPr lang="en-GB" dirty="0"/>
+              <a:t>N x N </a:t>
+            </a:r>
+            <a:r>
               <a:rPr lang="en-GB" dirty="0" err="1"/>
-              <a:t>Kaj</a:t>
-            </a:r>
+              <a:t>pikslov</a:t>
+            </a:r>
+            <a:endParaRPr lang="en-GB" dirty="0"/>
+          </a:p>
+          <a:p>
             <a:r>
               <a:rPr lang="en-GB" dirty="0"/>
-              <a:t> je in </a:t>
+              <a:t>M </a:t>
             </a:r>
             <a:r>
               <a:rPr lang="en-GB" dirty="0" err="1"/>
-              <a:t>ideja</a:t>
-            </a:r>
+              <a:t>množica</a:t>
+            </a:r>
+            <a:r>
+              <a:rPr lang="en-GB" dirty="0"/>
+              <a:t> semen</a:t>
+            </a:r>
+          </a:p>
+          <a:p>
+            <a:endParaRPr lang="en-GB" dirty="0"/>
+          </a:p>
+          <a:p>
+            <a:r>
+              <a:rPr lang="en-GB" dirty="0" err="1"/>
+              <a:t>Ideja</a:t>
+            </a:r>
+            <a:r>
+              <a:rPr lang="en-GB" dirty="0"/>
+              <a:t>: Za </a:t>
+            </a:r>
+            <a:r>
+              <a:rPr lang="en-GB" dirty="0" err="1"/>
+              <a:t>vsak</a:t>
+            </a:r>
+            <a:r>
+              <a:rPr lang="en-GB" dirty="0"/>
+              <a:t> pixel</a:t>
+            </a:r>
+          </a:p>
+          <a:p>
+            <a:pPr marL="0" indent="0">
+              <a:buNone/>
+            </a:pPr>
+            <a:r>
+              <a:rPr lang="en-GB" dirty="0"/>
+              <a:t> </a:t>
+            </a:r>
+            <a:r>
+              <a:rPr lang="en-GB" dirty="0" err="1"/>
+              <a:t>poiščemo</a:t>
+            </a:r>
+            <a:r>
+              <a:rPr lang="en-GB" dirty="0"/>
+              <a:t> </a:t>
+            </a:r>
+            <a:r>
+              <a:rPr lang="en-GB" dirty="0" err="1"/>
+              <a:t>najbližje</a:t>
+            </a:r>
+            <a:r>
+              <a:rPr lang="en-GB" dirty="0"/>
+              <a:t> seme.</a:t>
+            </a:r>
+          </a:p>
+          <a:p>
+            <a:endParaRPr lang="en-GB" dirty="0"/>
+          </a:p>
+          <a:p>
+            <a:endParaRPr lang="en-GB" dirty="0"/>
+          </a:p>
+          <a:p>
+            <a:r>
+              <a:rPr lang="en-GB" dirty="0" err="1"/>
+              <a:t>Časovna</a:t>
+            </a:r>
+            <a:r>
+              <a:rPr lang="en-GB" dirty="0"/>
+              <a:t> </a:t>
+            </a:r>
+            <a:r>
+              <a:rPr lang="en-GB" dirty="0" err="1"/>
+              <a:t>zahtevnost</a:t>
+            </a:r>
+            <a:r>
+              <a:rPr lang="en-GB" dirty="0"/>
+              <a:t>: O(N^2 * M)</a:t>
+            </a:r>
+          </a:p>
+        </p:txBody>
+      </p:sp>
+      <p:sp>
+        <p:nvSpPr>
+          <p:cNvPr id="4" name="TextBox 3">
+            <a:extLst>
+              <a:ext uri="{FF2B5EF4-FFF2-40B4-BE49-F238E27FC236}">
+                <a16:creationId xmlns:a16="http://schemas.microsoft.com/office/drawing/2014/main" id="{D851302A-07F1-471B-A277-B556686AAC3D}"/>
+              </a:ext>
+            </a:extLst>
+          </p:cNvPr>
+          <p:cNvSpPr txBox="1"/>
+          <p:nvPr/>
+        </p:nvSpPr>
+        <p:spPr>
+          <a:xfrm>
+            <a:off x="4938204" y="1351508"/>
+            <a:ext cx="9392574" cy="4154984"/>
+          </a:xfrm>
+          <a:prstGeom prst="rect">
+            <a:avLst/>
+          </a:prstGeom>
+          <a:noFill/>
+        </p:spPr>
+        <p:txBody>
+          <a:bodyPr wrap="square" rtlCol="0">
+            <a:spAutoFit/>
+          </a:bodyPr>
+          <a:lstStyle/>
+          <a:p>
+            <a:r>
+              <a:rPr lang="en-GB" sz="1600" b="0" dirty="0">
+                <a:effectLst/>
+                <a:latin typeface="Consolas" panose="020B0609020204030204" pitchFamily="49" charset="0"/>
+              </a:rPr>
+              <a:t>def </a:t>
+            </a:r>
+            <a:r>
+              <a:rPr lang="en-GB" sz="1600" b="0" dirty="0" err="1">
+                <a:effectLst/>
+                <a:latin typeface="Consolas" panose="020B0609020204030204" pitchFamily="49" charset="0"/>
+              </a:rPr>
+              <a:t>voronoi_brute_force</a:t>
+            </a:r>
+            <a:r>
+              <a:rPr lang="en-GB" sz="1600" b="0" dirty="0">
+                <a:effectLst/>
+                <a:latin typeface="Consolas" panose="020B0609020204030204" pitchFamily="49" charset="0"/>
+              </a:rPr>
+              <a:t>(</a:t>
+            </a:r>
+            <a:r>
+              <a:rPr lang="en-GB" sz="1600" b="0" dirty="0" err="1">
+                <a:effectLst/>
+                <a:latin typeface="Consolas" panose="020B0609020204030204" pitchFamily="49" charset="0"/>
+              </a:rPr>
+              <a:t>semena</a:t>
+            </a:r>
+            <a:r>
+              <a:rPr lang="en-GB" sz="1600" b="0" dirty="0">
+                <a:effectLst/>
+                <a:latin typeface="Consolas" panose="020B0609020204030204" pitchFamily="49" charset="0"/>
+              </a:rPr>
+              <a:t>, </a:t>
+            </a:r>
+            <a:r>
+              <a:rPr lang="en-GB" sz="1600" b="0" dirty="0" err="1">
+                <a:effectLst/>
+                <a:latin typeface="Consolas" panose="020B0609020204030204" pitchFamily="49" charset="0"/>
+              </a:rPr>
+              <a:t>velikost</a:t>
+            </a:r>
+            <a:r>
+              <a:rPr lang="en-GB" sz="1600" b="0" dirty="0">
+                <a:effectLst/>
+                <a:latin typeface="Consolas" panose="020B0609020204030204" pitchFamily="49" charset="0"/>
+              </a:rPr>
+              <a:t>):</a:t>
+            </a:r>
+          </a:p>
+          <a:p>
+            <a:r>
+              <a:rPr lang="en-GB" sz="1600" b="0" dirty="0">
+                <a:effectLst/>
+                <a:latin typeface="Consolas" panose="020B0609020204030204" pitchFamily="49" charset="0"/>
+              </a:rPr>
+              <a:t>    </a:t>
+            </a:r>
+            <a:r>
+              <a:rPr lang="en-GB" sz="1600" b="0" dirty="0" err="1">
+                <a:effectLst/>
+                <a:latin typeface="Consolas" panose="020B0609020204030204" pitchFamily="49" charset="0"/>
+              </a:rPr>
+              <a:t>matrika</a:t>
+            </a:r>
+            <a:r>
+              <a:rPr lang="en-GB" sz="1600" b="0" dirty="0">
+                <a:effectLst/>
+                <a:latin typeface="Consolas" panose="020B0609020204030204" pitchFamily="49" charset="0"/>
+              </a:rPr>
+              <a:t> = list()</a:t>
+            </a:r>
+          </a:p>
+          <a:p>
+            <a:r>
+              <a:rPr lang="en-GB" sz="1600" b="0" dirty="0">
+                <a:effectLst/>
+                <a:latin typeface="Consolas" panose="020B0609020204030204" pitchFamily="49" charset="0"/>
+              </a:rPr>
+              <a:t>    for x in range(</a:t>
+            </a:r>
+            <a:r>
+              <a:rPr lang="en-GB" sz="1600" b="0" dirty="0" err="1">
+                <a:effectLst/>
+                <a:latin typeface="Consolas" panose="020B0609020204030204" pitchFamily="49" charset="0"/>
+              </a:rPr>
+              <a:t>velikost</a:t>
+            </a:r>
+            <a:r>
+              <a:rPr lang="en-GB" sz="1600" b="0" dirty="0">
+                <a:effectLst/>
+                <a:latin typeface="Consolas" panose="020B0609020204030204" pitchFamily="49" charset="0"/>
+              </a:rPr>
+              <a:t>):</a:t>
+            </a:r>
+          </a:p>
+          <a:p>
+            <a:r>
+              <a:rPr lang="en-GB" sz="1600" b="0" dirty="0">
+                <a:effectLst/>
+                <a:latin typeface="Consolas" panose="020B0609020204030204" pitchFamily="49" charset="0"/>
+              </a:rPr>
+              <a:t>        </a:t>
+            </a:r>
+            <a:r>
+              <a:rPr lang="en-GB" sz="1600" b="0" dirty="0" err="1">
+                <a:effectLst/>
+                <a:latin typeface="Consolas" panose="020B0609020204030204" pitchFamily="49" charset="0"/>
+              </a:rPr>
+              <a:t>vrsta</a:t>
+            </a:r>
+            <a:r>
+              <a:rPr lang="en-GB" sz="1600" b="0" dirty="0">
+                <a:effectLst/>
+                <a:latin typeface="Consolas" panose="020B0609020204030204" pitchFamily="49" charset="0"/>
+              </a:rPr>
+              <a:t> = list()</a:t>
+            </a:r>
+          </a:p>
+          <a:p>
+            <a:r>
+              <a:rPr lang="en-GB" sz="1600" b="0" dirty="0">
+                <a:effectLst/>
+                <a:latin typeface="Consolas" panose="020B0609020204030204" pitchFamily="49" charset="0"/>
+              </a:rPr>
+              <a:t>        for y in range(</a:t>
+            </a:r>
+            <a:r>
+              <a:rPr lang="en-GB" sz="1600" b="0" dirty="0" err="1">
+                <a:effectLst/>
+                <a:latin typeface="Consolas" panose="020B0609020204030204" pitchFamily="49" charset="0"/>
+              </a:rPr>
+              <a:t>velikost</a:t>
+            </a:r>
+            <a:r>
+              <a:rPr lang="en-GB" sz="1600" b="0" dirty="0">
+                <a:effectLst/>
+                <a:latin typeface="Consolas" panose="020B0609020204030204" pitchFamily="49" charset="0"/>
+              </a:rPr>
+              <a:t>):</a:t>
+            </a:r>
+          </a:p>
+          <a:p>
+            <a:r>
+              <a:rPr lang="en-GB" sz="1600" b="0" dirty="0">
+                <a:effectLst/>
+                <a:latin typeface="Consolas" panose="020B0609020204030204" pitchFamily="49" charset="0"/>
+              </a:rPr>
+              <a:t>            </a:t>
+            </a:r>
+            <a:r>
+              <a:rPr lang="en-GB" sz="1600" b="0" dirty="0" err="1">
+                <a:effectLst/>
+                <a:latin typeface="Consolas" panose="020B0609020204030204" pitchFamily="49" charset="0"/>
+              </a:rPr>
+              <a:t>najmanjsa</a:t>
+            </a:r>
+            <a:r>
+              <a:rPr lang="en-GB" sz="1600" b="0" dirty="0">
+                <a:effectLst/>
+                <a:latin typeface="Consolas" panose="020B0609020204030204" pitchFamily="49" charset="0"/>
+              </a:rPr>
+              <a:t> = </a:t>
+            </a:r>
+            <a:r>
+              <a:rPr lang="en-GB" sz="1600" b="0" dirty="0" err="1">
+                <a:effectLst/>
+                <a:latin typeface="Consolas" panose="020B0609020204030204" pitchFamily="49" charset="0"/>
+              </a:rPr>
+              <a:t>velikost</a:t>
+            </a:r>
+            <a:endParaRPr lang="en-GB" sz="1600" b="0" dirty="0">
+              <a:effectLst/>
+              <a:latin typeface="Consolas" panose="020B0609020204030204" pitchFamily="49" charset="0"/>
+            </a:endParaRPr>
+          </a:p>
+          <a:p>
+            <a:r>
+              <a:rPr lang="en-GB" sz="1600" b="0" dirty="0">
+                <a:effectLst/>
+                <a:latin typeface="Consolas" panose="020B0609020204030204" pitchFamily="49" charset="0"/>
+              </a:rPr>
+              <a:t>            </a:t>
+            </a:r>
+            <a:r>
+              <a:rPr lang="en-GB" sz="1600" b="0" dirty="0" err="1">
+                <a:effectLst/>
+                <a:latin typeface="Consolas" panose="020B0609020204030204" pitchFamily="49" charset="0"/>
+              </a:rPr>
+              <a:t>najmanjsa_barva</a:t>
+            </a:r>
+            <a:r>
+              <a:rPr lang="en-GB" sz="1600" b="0" dirty="0">
+                <a:effectLst/>
+                <a:latin typeface="Consolas" panose="020B0609020204030204" pitchFamily="49" charset="0"/>
+              </a:rPr>
+              <a:t> = (0, 0, 0)</a:t>
+            </a:r>
+          </a:p>
+          <a:p>
+            <a:r>
+              <a:rPr lang="en-GB" sz="1600" b="0" dirty="0">
+                <a:effectLst/>
+                <a:latin typeface="Consolas" panose="020B0609020204030204" pitchFamily="49" charset="0"/>
+              </a:rPr>
+              <a:t>            for </a:t>
+            </a:r>
+            <a:r>
+              <a:rPr lang="en-GB" sz="1600" b="0" dirty="0" err="1">
+                <a:effectLst/>
+                <a:latin typeface="Consolas" panose="020B0609020204030204" pitchFamily="49" charset="0"/>
+              </a:rPr>
+              <a:t>barva</a:t>
+            </a:r>
+            <a:r>
+              <a:rPr lang="en-GB" sz="1600" b="0" dirty="0">
+                <a:effectLst/>
+                <a:latin typeface="Consolas" panose="020B0609020204030204" pitchFamily="49" charset="0"/>
+              </a:rPr>
+              <a:t>, </a:t>
+            </a:r>
+            <a:r>
+              <a:rPr lang="en-GB" sz="1600" b="0" dirty="0" err="1">
+                <a:effectLst/>
+                <a:latin typeface="Consolas" panose="020B0609020204030204" pitchFamily="49" charset="0"/>
+              </a:rPr>
+              <a:t>koordinate</a:t>
+            </a:r>
+            <a:r>
+              <a:rPr lang="en-GB" sz="1600" b="0" dirty="0">
+                <a:effectLst/>
+                <a:latin typeface="Consolas" panose="020B0609020204030204" pitchFamily="49" charset="0"/>
+              </a:rPr>
+              <a:t> in </a:t>
+            </a:r>
+            <a:r>
+              <a:rPr lang="en-GB" sz="1600" b="0" dirty="0" err="1">
+                <a:effectLst/>
+                <a:latin typeface="Consolas" panose="020B0609020204030204" pitchFamily="49" charset="0"/>
+              </a:rPr>
+              <a:t>semena.items</a:t>
+            </a:r>
+            <a:r>
+              <a:rPr lang="en-GB" sz="1600" b="0" dirty="0">
+                <a:effectLst/>
+                <a:latin typeface="Consolas" panose="020B0609020204030204" pitchFamily="49" charset="0"/>
+              </a:rPr>
+              <a:t>():</a:t>
+            </a:r>
+          </a:p>
+          <a:p>
+            <a:r>
+              <a:rPr lang="en-GB" sz="1600" b="0" dirty="0">
+                <a:effectLst/>
+                <a:latin typeface="Consolas" panose="020B0609020204030204" pitchFamily="49" charset="0"/>
+              </a:rPr>
+              <a:t>                </a:t>
+            </a:r>
+            <a:r>
+              <a:rPr lang="en-GB" sz="1600" b="0" dirty="0" err="1">
+                <a:effectLst/>
+                <a:latin typeface="Consolas" panose="020B0609020204030204" pitchFamily="49" charset="0"/>
+              </a:rPr>
+              <a:t>razdalja</a:t>
+            </a:r>
+            <a:r>
+              <a:rPr lang="en-GB" sz="1600" b="0" dirty="0">
+                <a:effectLst/>
+                <a:latin typeface="Consolas" panose="020B0609020204030204" pitchFamily="49" charset="0"/>
+              </a:rPr>
+              <a:t> = </a:t>
+            </a:r>
+            <a:r>
+              <a:rPr lang="en-GB" sz="1600" b="0" dirty="0" err="1">
+                <a:effectLst/>
+                <a:latin typeface="Consolas" panose="020B0609020204030204" pitchFamily="49" charset="0"/>
+              </a:rPr>
+              <a:t>k_ta_razdalja</a:t>
+            </a:r>
+            <a:r>
+              <a:rPr lang="en-GB" sz="1600" b="0" dirty="0">
+                <a:effectLst/>
+                <a:latin typeface="Consolas" panose="020B0609020204030204" pitchFamily="49" charset="0"/>
+              </a:rPr>
+              <a:t>([x, y], </a:t>
+            </a:r>
+            <a:r>
+              <a:rPr lang="en-GB" sz="1600" b="0" dirty="0" err="1">
+                <a:effectLst/>
+                <a:latin typeface="Consolas" panose="020B0609020204030204" pitchFamily="49" charset="0"/>
+              </a:rPr>
+              <a:t>koordinate</a:t>
+            </a:r>
+            <a:r>
+              <a:rPr lang="en-GB" sz="1600" b="0" dirty="0">
+                <a:effectLst/>
+                <a:latin typeface="Consolas" panose="020B0609020204030204" pitchFamily="49" charset="0"/>
+              </a:rPr>
+              <a:t>)</a:t>
+            </a:r>
+          </a:p>
+          <a:p>
+            <a:r>
+              <a:rPr lang="en-GB" sz="1600" b="0" dirty="0">
+                <a:effectLst/>
+                <a:latin typeface="Consolas" panose="020B0609020204030204" pitchFamily="49" charset="0"/>
+              </a:rPr>
+              <a:t>                if  </a:t>
+            </a:r>
+            <a:r>
+              <a:rPr lang="en-GB" sz="1600" b="0" dirty="0" err="1">
+                <a:effectLst/>
+                <a:latin typeface="Consolas" panose="020B0609020204030204" pitchFamily="49" charset="0"/>
+              </a:rPr>
+              <a:t>razdalja</a:t>
+            </a:r>
+            <a:r>
+              <a:rPr lang="en-GB" sz="1600" b="0" dirty="0">
+                <a:effectLst/>
+                <a:latin typeface="Consolas" panose="020B0609020204030204" pitchFamily="49" charset="0"/>
+              </a:rPr>
+              <a:t> &lt; </a:t>
+            </a:r>
+            <a:r>
+              <a:rPr lang="en-GB" sz="1600" b="0" dirty="0" err="1">
+                <a:effectLst/>
+                <a:latin typeface="Consolas" panose="020B0609020204030204" pitchFamily="49" charset="0"/>
+              </a:rPr>
+              <a:t>najmanjsa</a:t>
+            </a:r>
+            <a:r>
+              <a:rPr lang="en-GB" sz="1600" b="0" dirty="0">
+                <a:effectLst/>
+                <a:latin typeface="Consolas" panose="020B0609020204030204" pitchFamily="49" charset="0"/>
+              </a:rPr>
+              <a:t>:</a:t>
+            </a:r>
+          </a:p>
+          <a:p>
+            <a:r>
+              <a:rPr lang="en-GB" sz="1600" b="0" dirty="0">
+                <a:effectLst/>
+                <a:latin typeface="Consolas" panose="020B0609020204030204" pitchFamily="49" charset="0"/>
+              </a:rPr>
+              <a:t>                    </a:t>
+            </a:r>
+            <a:r>
+              <a:rPr lang="en-GB" sz="1600" b="0" dirty="0" err="1">
+                <a:effectLst/>
+                <a:latin typeface="Consolas" panose="020B0609020204030204" pitchFamily="49" charset="0"/>
+              </a:rPr>
+              <a:t>najmanjsa</a:t>
+            </a:r>
+            <a:r>
+              <a:rPr lang="en-GB" sz="1600" b="0" dirty="0">
+                <a:effectLst/>
+                <a:latin typeface="Consolas" panose="020B0609020204030204" pitchFamily="49" charset="0"/>
+              </a:rPr>
+              <a:t> = </a:t>
+            </a:r>
+            <a:r>
+              <a:rPr lang="en-GB" sz="1600" b="0" dirty="0" err="1">
+                <a:effectLst/>
+                <a:latin typeface="Consolas" panose="020B0609020204030204" pitchFamily="49" charset="0"/>
+              </a:rPr>
+              <a:t>razdalja</a:t>
+            </a:r>
+            <a:endParaRPr lang="en-GB" sz="1600" b="0" dirty="0">
+              <a:effectLst/>
+              <a:latin typeface="Consolas" panose="020B0609020204030204" pitchFamily="49" charset="0"/>
+            </a:endParaRPr>
+          </a:p>
+          <a:p>
+            <a:r>
+              <a:rPr lang="en-GB" sz="1600" b="0" dirty="0">
+                <a:effectLst/>
+                <a:latin typeface="Consolas" panose="020B0609020204030204" pitchFamily="49" charset="0"/>
+              </a:rPr>
+              <a:t>                    </a:t>
+            </a:r>
+            <a:r>
+              <a:rPr lang="en-GB" sz="1600" b="0" dirty="0" err="1">
+                <a:effectLst/>
+                <a:latin typeface="Consolas" panose="020B0609020204030204" pitchFamily="49" charset="0"/>
+              </a:rPr>
+              <a:t>najmanjsa_barva</a:t>
+            </a:r>
+            <a:r>
+              <a:rPr lang="en-GB" sz="1600" b="0" dirty="0">
+                <a:effectLst/>
+                <a:latin typeface="Consolas" panose="020B0609020204030204" pitchFamily="49" charset="0"/>
+              </a:rPr>
+              <a:t> = </a:t>
+            </a:r>
+            <a:r>
+              <a:rPr lang="en-GB" sz="1600" b="0" dirty="0" err="1">
+                <a:effectLst/>
+                <a:latin typeface="Consolas" panose="020B0609020204030204" pitchFamily="49" charset="0"/>
+              </a:rPr>
+              <a:t>barva</a:t>
+            </a:r>
+            <a:endParaRPr lang="en-GB" sz="1600" b="0" dirty="0">
+              <a:effectLst/>
+              <a:latin typeface="Consolas" panose="020B0609020204030204" pitchFamily="49" charset="0"/>
+            </a:endParaRPr>
+          </a:p>
+          <a:p>
+            <a:r>
+              <a:rPr lang="en-GB" sz="1600" b="0" dirty="0">
+                <a:effectLst/>
+                <a:latin typeface="Consolas" panose="020B0609020204030204" pitchFamily="49" charset="0"/>
+              </a:rPr>
+              <a:t>            </a:t>
+            </a:r>
+            <a:r>
+              <a:rPr lang="en-GB" sz="1600" b="0" dirty="0" err="1">
+                <a:effectLst/>
+                <a:latin typeface="Consolas" panose="020B0609020204030204" pitchFamily="49" charset="0"/>
+              </a:rPr>
+              <a:t>vrsta.append</a:t>
+            </a:r>
+            <a:r>
+              <a:rPr lang="en-GB" sz="1600" b="0" dirty="0">
+                <a:effectLst/>
+                <a:latin typeface="Consolas" panose="020B0609020204030204" pitchFamily="49" charset="0"/>
+              </a:rPr>
+              <a:t>(</a:t>
+            </a:r>
+            <a:r>
+              <a:rPr lang="en-GB" sz="1600" b="0" dirty="0" err="1">
+                <a:effectLst/>
+                <a:latin typeface="Consolas" panose="020B0609020204030204" pitchFamily="49" charset="0"/>
+              </a:rPr>
+              <a:t>najmanjsa_barva</a:t>
+            </a:r>
+            <a:r>
+              <a:rPr lang="en-GB" sz="1600" b="0" dirty="0">
+                <a:effectLst/>
+                <a:latin typeface="Consolas" panose="020B0609020204030204" pitchFamily="49" charset="0"/>
+              </a:rPr>
+              <a:t>)</a:t>
+            </a:r>
+          </a:p>
+          <a:p>
+            <a:r>
+              <a:rPr lang="en-GB" sz="1600" b="0" dirty="0">
+                <a:effectLst/>
+                <a:latin typeface="Consolas" panose="020B0609020204030204" pitchFamily="49" charset="0"/>
+              </a:rPr>
+              <a:t>        </a:t>
+            </a:r>
+            <a:r>
+              <a:rPr lang="en-GB" sz="1600" b="0" dirty="0" err="1">
+                <a:effectLst/>
+                <a:latin typeface="Consolas" panose="020B0609020204030204" pitchFamily="49" charset="0"/>
+              </a:rPr>
+              <a:t>matrika.append</a:t>
+            </a:r>
+            <a:r>
+              <a:rPr lang="en-GB" sz="1600" b="0" dirty="0">
+                <a:effectLst/>
+                <a:latin typeface="Consolas" panose="020B0609020204030204" pitchFamily="49" charset="0"/>
+              </a:rPr>
+              <a:t>(</a:t>
+            </a:r>
+            <a:r>
+              <a:rPr lang="en-GB" sz="1600" b="0" dirty="0" err="1">
+                <a:effectLst/>
+                <a:latin typeface="Consolas" panose="020B0609020204030204" pitchFamily="49" charset="0"/>
+              </a:rPr>
+              <a:t>vrsta</a:t>
+            </a:r>
+            <a:r>
+              <a:rPr lang="en-GB" sz="1600" b="0" dirty="0">
+                <a:effectLst/>
+                <a:latin typeface="Consolas" panose="020B0609020204030204" pitchFamily="49" charset="0"/>
+              </a:rPr>
+              <a:t>)</a:t>
+            </a:r>
+          </a:p>
+          <a:p>
+            <a:r>
+              <a:rPr lang="en-GB" sz="1600" b="0" dirty="0">
+                <a:effectLst/>
+                <a:latin typeface="Consolas" panose="020B0609020204030204" pitchFamily="49" charset="0"/>
+              </a:rPr>
+              <a:t>    return </a:t>
+            </a:r>
+            <a:r>
+              <a:rPr lang="en-GB" sz="1600" b="0" dirty="0" err="1">
+                <a:effectLst/>
+                <a:latin typeface="Consolas" panose="020B0609020204030204" pitchFamily="49" charset="0"/>
+              </a:rPr>
+              <a:t>matrika</a:t>
+            </a:r>
+            <a:endParaRPr lang="en-GB" sz="1600" b="0" dirty="0">
+              <a:effectLst/>
+              <a:latin typeface="Consolas" panose="020B0609020204030204" pitchFamily="49" charset="0"/>
+            </a:endParaRPr>
+          </a:p>
+          <a:p>
             <a:endParaRPr lang="en-GB" dirty="0"/>
           </a:p>
         </p:txBody>
@@ -4043,13 +5797,140 @@
     </p:spTree>
     <p:extLst>
       <p:ext uri="{BB962C8B-B14F-4D97-AF65-F5344CB8AC3E}">
-        <p14:creationId xmlns:p14="http://schemas.microsoft.com/office/powerpoint/2010/main" val="214125740"/>
+        <p14:creationId xmlns:p14="http://schemas.microsoft.com/office/powerpoint/2010/main" val="1705334797"/>
       </p:ext>
     </p:extLst>
   </p:cSld>
   <p:clrMapOvr>
     <a:masterClrMapping/>
   </p:clrMapOvr>
+  <p:timing>
+    <p:tnLst>
+      <p:par>
+        <p:cTn id="1" dur="indefinite" restart="never" nodeType="tmRoot">
+          <p:childTnLst>
+            <p:seq concurrent="1" nextAc="seek">
+              <p:cTn id="2" dur="indefinite" nodeType="mainSeq">
+                <p:childTnLst>
+                  <p:par>
+                    <p:cTn id="3" fill="hold">
+                      <p:stCondLst>
+                        <p:cond delay="indefinite"/>
+                      </p:stCondLst>
+                      <p:childTnLst>
+                        <p:par>
+                          <p:cTn id="4" fill="hold">
+                            <p:stCondLst>
+                              <p:cond delay="0"/>
+                            </p:stCondLst>
+                            <p:childTnLst>
+                              <p:par>
+                                <p:cTn id="5" presetID="1" presetClass="entr" presetSubtype="0" fill="hold" grpId="0" nodeType="clickEffect">
+                                  <p:stCondLst>
+                                    <p:cond delay="0"/>
+                                  </p:stCondLst>
+                                  <p:childTnLst>
+                                    <p:set>
+                                      <p:cBhvr>
+                                        <p:cTn id="6" dur="1" fill="hold">
+                                          <p:stCondLst>
+                                            <p:cond delay="0"/>
+                                          </p:stCondLst>
+                                        </p:cTn>
+                                        <p:tgtEl>
+                                          <p:spTgt spid="4"/>
+                                        </p:tgtEl>
+                                        <p:attrNameLst>
+                                          <p:attrName>style.visibility</p:attrName>
+                                        </p:attrNameLst>
+                                      </p:cBhvr>
+                                      <p:to>
+                                        <p:strVal val="visible"/>
+                                      </p:to>
+                                    </p:set>
+                                  </p:childTnLst>
+                                </p:cTn>
+                              </p:par>
+                            </p:childTnLst>
+                          </p:cTn>
+                        </p:par>
+                      </p:childTnLst>
+                    </p:cTn>
+                  </p:par>
+                  <p:par>
+                    <p:cTn id="7" fill="hold">
+                      <p:stCondLst>
+                        <p:cond delay="indefinite"/>
+                      </p:stCondLst>
+                      <p:childTnLst>
+                        <p:par>
+                          <p:cTn id="8" fill="hold">
+                            <p:stCondLst>
+                              <p:cond delay="0"/>
+                            </p:stCondLst>
+                            <p:childTnLst>
+                              <p:par>
+                                <p:cTn id="9" presetID="1" presetClass="entr" presetSubtype="0" fill="hold" nodeType="clickEffect">
+                                  <p:stCondLst>
+                                    <p:cond delay="0"/>
+                                  </p:stCondLst>
+                                  <p:childTnLst>
+                                    <p:set>
+                                      <p:cBhvr>
+                                        <p:cTn id="10" dur="1" fill="hold">
+                                          <p:stCondLst>
+                                            <p:cond delay="0"/>
+                                          </p:stCondLst>
+                                        </p:cTn>
+                                        <p:tgtEl>
+                                          <p:spTgt spid="3">
+                                            <p:txEl>
+                                              <p:pRg st="7" end="7"/>
+                                            </p:txEl>
+                                          </p:spTgt>
+                                        </p:tgtEl>
+                                        <p:attrNameLst>
+                                          <p:attrName>style.visibility</p:attrName>
+                                        </p:attrNameLst>
+                                      </p:cBhvr>
+                                      <p:to>
+                                        <p:strVal val="visible"/>
+                                      </p:to>
+                                    </p:set>
+                                  </p:childTnLst>
+                                </p:cTn>
+                              </p:par>
+                            </p:childTnLst>
+                          </p:cTn>
+                        </p:par>
+                      </p:childTnLst>
+                    </p:cTn>
+                  </p:par>
+                </p:childTnLst>
+              </p:cTn>
+              <p:prevCondLst>
+                <p:cond evt="onPrev" delay="0">
+                  <p:tgtEl>
+                    <p:sldTgt/>
+                  </p:tgtEl>
+                </p:cond>
+              </p:prevCondLst>
+              <p:nextCondLst>
+                <p:cond evt="onNext" delay="0">
+                  <p:tgtEl>
+                    <p:sldTgt/>
+                  </p:tgtEl>
+                </p:cond>
+              </p:nextCondLst>
+            </p:seq>
+          </p:childTnLst>
+        </p:cTn>
+      </p:par>
+    </p:tnLst>
+    <p:bldLst>
+      <p:bldP spid="4" grpId="0"/>
+    </p:bldLst>
+  </p:timing>
 </p:sld>
 </file>
 
@@ -4075,7 +5956,7 @@
           <p:cNvPr id="2" name="Title 1">
             <a:extLst>
               <a:ext uri="{FF2B5EF4-FFF2-40B4-BE49-F238E27FC236}">
-                <a16:creationId xmlns:a16="http://schemas.microsoft.com/office/drawing/2014/main" id="{BBFE05F7-F9CD-4E1E-BBD4-536CF4320A93}"/>
+                <a16:creationId xmlns:a16="http://schemas.microsoft.com/office/drawing/2014/main" id="{40229038-C757-47FD-871F-D3C60C52CB73}"/>
               </a:ext>
             </a:extLst>
           </p:cNvPr>
@@ -4086,66 +5967,1147 @@
             <p:ph type="title"/>
           </p:nvPr>
         </p:nvSpPr>
-        <p:spPr/>
+        <p:spPr>
+          <a:xfrm>
+            <a:off x="838200" y="319405"/>
+            <a:ext cx="10515600" cy="1325563"/>
+          </a:xfrm>
+        </p:spPr>
         <p:txBody>
           <a:bodyPr/>
           <a:lstStyle/>
           <a:p>
             <a:r>
-              <a:rPr lang="en-GB" dirty="0" err="1"/>
-              <a:t>Delaunajeva</a:t>
-            </a:r>
-            <a:r>
               <a:rPr lang="en-GB" dirty="0"/>
-              <a:t> </a:t>
-            </a:r>
-            <a:r>
-              <a:rPr lang="en-GB" dirty="0" err="1"/>
-              <a:t>triangulacija</a:t>
-            </a:r>
-            <a:endParaRPr lang="en-GB" dirty="0"/>
-          </a:p>
-        </p:txBody>
-      </p:sp>
-      <p:sp>
-        <p:nvSpPr>
-          <p:cNvPr id="3" name="Content Placeholder 2">
-            <a:extLst>
-              <a:ext uri="{FF2B5EF4-FFF2-40B4-BE49-F238E27FC236}">
-                <a16:creationId xmlns:a16="http://schemas.microsoft.com/office/drawing/2014/main" id="{7BAD4088-F99E-4ADC-A4D7-2E80DC233616}"/>
-              </a:ext>
-            </a:extLst>
-          </p:cNvPr>
-          <p:cNvSpPr>
-            <a:spLocks noGrp="1"/>
-          </p:cNvSpPr>
-          <p:nvPr>
-            <p:ph idx="1"/>
-          </p:nvPr>
-        </p:nvSpPr>
-        <p:spPr/>
-        <p:txBody>
-          <a:bodyPr/>
+              <a:t>Jump flood</a:t>
+            </a:r>
+          </a:p>
+        </p:txBody>
+      </p:sp>
+      <mc:AlternateContent xmlns:mc="http://schemas.openxmlformats.org/markup-compatibility/2006">
+        <mc:Choice xmlns:a14="http://schemas.microsoft.com/office/drawing/2010/main" Requires="a14">
+          <p:sp>
+            <p:nvSpPr>
+              <p:cNvPr id="3" name="Content Placeholder 2">
+                <a:extLst>
+                  <a:ext uri="{FF2B5EF4-FFF2-40B4-BE49-F238E27FC236}">
+                    <a16:creationId xmlns:a16="http://schemas.microsoft.com/office/drawing/2014/main" id="{9CF6BB80-AE4F-49BB-9E5F-890FCDC24A34}"/>
+                  </a:ext>
+                </a:extLst>
+              </p:cNvPr>
+              <p:cNvSpPr>
+                <a:spLocks noGrp="1"/>
+              </p:cNvSpPr>
+              <p:nvPr>
+                <p:ph idx="1"/>
+              </p:nvPr>
+            </p:nvSpPr>
+            <p:spPr>
+              <a:xfrm>
+                <a:off x="838200" y="1523784"/>
+                <a:ext cx="10515600" cy="4904447"/>
+              </a:xfrm>
+            </p:spPr>
+            <p:txBody>
+              <a:bodyPr>
+                <a:normAutofit/>
+              </a:bodyPr>
+              <a:lstStyle/>
+              <a:p>
+                <a:r>
+                  <a:rPr lang="en-GB" dirty="0"/>
+                  <a:t>K </a:t>
+                </a:r>
+                <a:r>
+                  <a:rPr lang="az-Cyrl-AZ" dirty="0"/>
+                  <a:t>є</a:t>
+                </a:r>
+                <a:r>
+                  <a:rPr lang="en-GB" dirty="0"/>
+                  <a:t> {N/2, N/4, …, 1}  - </a:t>
+                </a:r>
+                <a:r>
+                  <a:rPr lang="en-GB" dirty="0" err="1"/>
+                  <a:t>korak</a:t>
+                </a:r>
+                <a:endParaRPr lang="en-GB" dirty="0"/>
+              </a:p>
+              <a:p>
+                <a:endParaRPr lang="en-GB" dirty="0"/>
+              </a:p>
+              <a:p>
+                <a:r>
+                  <a:rPr lang="en-GB" dirty="0" err="1"/>
+                  <a:t>Sprehodimo</a:t>
+                </a:r>
+                <a:r>
+                  <a:rPr lang="en-GB" dirty="0"/>
+                  <a:t> </a:t>
+                </a:r>
+                <a:r>
+                  <a:rPr lang="en-GB" dirty="0" err="1"/>
+                  <a:t>čez</a:t>
+                </a:r>
+                <a:r>
+                  <a:rPr lang="en-GB" dirty="0"/>
+                  <a:t> </a:t>
+                </a:r>
+                <a:r>
+                  <a:rPr lang="en-GB" dirty="0" err="1"/>
+                  <a:t>vsa</a:t>
+                </a:r>
+                <a:r>
+                  <a:rPr lang="en-GB" dirty="0"/>
+                  <a:t> P</a:t>
+                </a:r>
+                <a:r>
+                  <a:rPr lang="az-Cyrl-AZ" dirty="0"/>
+                  <a:t> є </a:t>
+                </a:r>
+                <a:r>
+                  <a:rPr lang="en-GB" dirty="0" err="1"/>
+                  <a:t>semena</a:t>
+                </a:r>
+                <a:r>
+                  <a:rPr lang="en-GB" dirty="0"/>
+                  <a:t>  in </a:t>
+                </a:r>
+                <a:r>
+                  <a:rPr lang="en-GB" dirty="0" err="1"/>
+                  <a:t>pogledamo</a:t>
+                </a:r>
+                <a:r>
+                  <a:rPr lang="en-GB" dirty="0"/>
+                  <a:t>:</a:t>
+                </a:r>
+              </a:p>
+              <a:p>
+                <a:pPr marL="457200" lvl="1" indent="0">
+                  <a:buNone/>
+                </a:pPr>
+                <a:r>
+                  <a:rPr lang="en-GB" dirty="0"/>
+                  <a:t>Q = (x + </a:t>
+                </a:r>
+                <a:r>
+                  <a:rPr lang="en-GB" dirty="0" err="1"/>
+                  <a:t>i</a:t>
+                </a:r>
+                <a:r>
+                  <a:rPr lang="en-GB" dirty="0"/>
+                  <a:t>, y + j) </a:t>
+                </a:r>
+                <a:r>
+                  <a:rPr lang="en-GB" dirty="0" err="1"/>
+                  <a:t>kjer</a:t>
+                </a:r>
+                <a:r>
+                  <a:rPr lang="en-GB" dirty="0"/>
+                  <a:t> so </a:t>
+                </a:r>
+                <a:r>
+                  <a:rPr lang="en-GB" dirty="0" err="1"/>
+                  <a:t>i,j</a:t>
+                </a:r>
+                <a:r>
+                  <a:rPr lang="az-Cyrl-AZ" dirty="0"/>
+                  <a:t> є</a:t>
+                </a:r>
+                <a:r>
+                  <a:rPr lang="en-GB" dirty="0"/>
+                  <a:t> {-k, 0, k}</a:t>
+                </a:r>
+              </a:p>
+              <a:p>
+                <a:pPr marL="457200" lvl="1" indent="0">
+                  <a:buNone/>
+                </a:pPr>
+                <a:endParaRPr lang="en-GB" dirty="0"/>
+              </a:p>
+              <a:p>
+                <a:r>
+                  <a:rPr lang="en-GB" dirty="0" err="1"/>
+                  <a:t>Dve</a:t>
+                </a:r>
+                <a:r>
+                  <a:rPr lang="en-GB" dirty="0"/>
+                  <a:t> </a:t>
+                </a:r>
+                <a:r>
+                  <a:rPr lang="en-GB" dirty="0" err="1"/>
+                  <a:t>možnosti</a:t>
+                </a:r>
+                <a:r>
+                  <a:rPr lang="en-GB" dirty="0"/>
+                  <a:t>:</a:t>
+                </a:r>
+              </a:p>
+              <a:p>
+                <a:pPr lvl="1"/>
+                <a:r>
+                  <a:rPr lang="en-GB" dirty="0"/>
+                  <a:t>Q </a:t>
+                </a:r>
+                <a:r>
+                  <a:rPr lang="en-GB" dirty="0" err="1"/>
+                  <a:t>še</a:t>
+                </a:r>
+                <a:r>
+                  <a:rPr lang="en-GB" dirty="0"/>
+                  <a:t> </a:t>
+                </a:r>
+                <a:r>
+                  <a:rPr lang="en-GB" dirty="0" err="1"/>
+                  <a:t>nima</a:t>
+                </a:r>
+                <a:r>
+                  <a:rPr lang="en-GB" dirty="0"/>
+                  <a:t> </a:t>
+                </a:r>
+                <a:r>
+                  <a:rPr lang="en-GB" dirty="0" err="1"/>
+                  <a:t>najbližjega</a:t>
+                </a:r>
+                <a:r>
+                  <a:rPr lang="en-GB" dirty="0"/>
+                  <a:t> </a:t>
+                </a:r>
+                <a:r>
+                  <a:rPr lang="en-GB" dirty="0">
+                    <a:sym typeface="Wingdings" panose="05000000000000000000" pitchFamily="2" charset="2"/>
+                  </a:rPr>
+                  <a:t> Ga </a:t>
+                </a:r>
+                <a:r>
+                  <a:rPr lang="en-GB" dirty="0" err="1">
+                    <a:sym typeface="Wingdings" panose="05000000000000000000" pitchFamily="2" charset="2"/>
+                  </a:rPr>
+                  <a:t>pobarvamo</a:t>
+                </a:r>
+                <a:r>
+                  <a:rPr lang="en-GB" dirty="0">
+                    <a:sym typeface="Wingdings" panose="05000000000000000000" pitchFamily="2" charset="2"/>
+                  </a:rPr>
+                  <a:t> z </a:t>
+                </a:r>
+                <a:r>
+                  <a:rPr lang="en-GB" dirty="0" err="1">
+                    <a:sym typeface="Wingdings" panose="05000000000000000000" pitchFamily="2" charset="2"/>
+                  </a:rPr>
+                  <a:t>našim</a:t>
+                </a:r>
+                <a:r>
+                  <a:rPr lang="en-GB" dirty="0">
+                    <a:sym typeface="Wingdings" panose="05000000000000000000" pitchFamily="2" charset="2"/>
+                  </a:rPr>
+                  <a:t> </a:t>
+                </a:r>
+                <a:r>
+                  <a:rPr lang="en-GB" dirty="0" err="1">
+                    <a:sym typeface="Wingdings" panose="05000000000000000000" pitchFamily="2" charset="2"/>
+                  </a:rPr>
+                  <a:t>semena</a:t>
+                </a:r>
+                <a:r>
+                  <a:rPr lang="en-GB" dirty="0">
+                    <a:sym typeface="Wingdings" panose="05000000000000000000" pitchFamily="2" charset="2"/>
+                  </a:rPr>
+                  <a:t>[P] in </a:t>
+                </a:r>
+                <a:r>
+                  <a:rPr lang="en-GB" dirty="0" err="1">
+                    <a:sym typeface="Wingdings" panose="05000000000000000000" pitchFamily="2" charset="2"/>
+                  </a:rPr>
+                  <a:t>dodamo</a:t>
+                </a:r>
+                <a:r>
+                  <a:rPr lang="en-GB" dirty="0">
+                    <a:sym typeface="Wingdings" panose="05000000000000000000" pitchFamily="2" charset="2"/>
+                  </a:rPr>
+                  <a:t> v </a:t>
+                </a:r>
+                <a:r>
+                  <a:rPr lang="en-GB" dirty="0" err="1">
+                    <a:sym typeface="Wingdings" panose="05000000000000000000" pitchFamily="2" charset="2"/>
+                  </a:rPr>
+                  <a:t>semena</a:t>
+                </a:r>
+                <a:endParaRPr lang="en-GB" dirty="0">
+                  <a:sym typeface="Wingdings" panose="05000000000000000000" pitchFamily="2" charset="2"/>
+                </a:endParaRPr>
+              </a:p>
+              <a:p>
+                <a:pPr lvl="1"/>
+                <a:r>
+                  <a:rPr lang="en-GB" dirty="0">
+                    <a:sym typeface="Wingdings" panose="05000000000000000000" pitchFamily="2" charset="2"/>
+                  </a:rPr>
+                  <a:t>Q </a:t>
+                </a:r>
+                <a:r>
+                  <a:rPr lang="en-GB" dirty="0" err="1">
+                    <a:sym typeface="Wingdings" panose="05000000000000000000" pitchFamily="2" charset="2"/>
+                  </a:rPr>
+                  <a:t>že</a:t>
+                </a:r>
+                <a:r>
+                  <a:rPr lang="en-GB" dirty="0">
+                    <a:sym typeface="Wingdings" panose="05000000000000000000" pitchFamily="2" charset="2"/>
+                  </a:rPr>
+                  <a:t> </a:t>
+                </a:r>
+                <a:r>
+                  <a:rPr lang="en-GB" dirty="0" err="1">
+                    <a:sym typeface="Wingdings" panose="05000000000000000000" pitchFamily="2" charset="2"/>
+                  </a:rPr>
+                  <a:t>ima</a:t>
+                </a:r>
+                <a:r>
+                  <a:rPr lang="en-GB" dirty="0">
+                    <a:sym typeface="Wingdings" panose="05000000000000000000" pitchFamily="2" charset="2"/>
+                  </a:rPr>
+                  <a:t> </a:t>
+                </a:r>
+                <a:r>
+                  <a:rPr lang="en-GB" dirty="0" err="1">
+                    <a:sym typeface="Wingdings" panose="05000000000000000000" pitchFamily="2" charset="2"/>
+                  </a:rPr>
+                  <a:t>najbližjega</a:t>
+                </a:r>
+                <a:r>
+                  <a:rPr lang="en-GB" dirty="0">
+                    <a:sym typeface="Wingdings" panose="05000000000000000000" pitchFamily="2" charset="2"/>
+                  </a:rPr>
+                  <a:t>  </a:t>
+                </a:r>
+                <a:r>
+                  <a:rPr lang="en-GB" dirty="0" err="1">
+                    <a:sym typeface="Wingdings" panose="05000000000000000000" pitchFamily="2" charset="2"/>
+                  </a:rPr>
+                  <a:t>razdalja</a:t>
+                </a:r>
+                <a:r>
+                  <a:rPr lang="en-GB" dirty="0">
+                    <a:sym typeface="Wingdings" panose="05000000000000000000" pitchFamily="2" charset="2"/>
+                  </a:rPr>
+                  <a:t>(</a:t>
+                </a:r>
+                <a:r>
+                  <a:rPr lang="en-GB" dirty="0" err="1">
+                    <a:sym typeface="Wingdings" panose="05000000000000000000" pitchFamily="2" charset="2"/>
+                  </a:rPr>
+                  <a:t>semena</a:t>
+                </a:r>
+                <a:r>
+                  <a:rPr lang="en-GB" dirty="0">
+                    <a:sym typeface="Wingdings" panose="05000000000000000000" pitchFamily="2" charset="2"/>
+                  </a:rPr>
+                  <a:t>[P], Q) &lt; </a:t>
+                </a:r>
+                <a:r>
+                  <a:rPr lang="en-GB" dirty="0" err="1">
+                    <a:sym typeface="Wingdings" panose="05000000000000000000" pitchFamily="2" charset="2"/>
+                  </a:rPr>
+                  <a:t>razdalja</a:t>
+                </a:r>
+                <a:r>
+                  <a:rPr lang="en-GB" dirty="0">
+                    <a:sym typeface="Wingdings" panose="05000000000000000000" pitchFamily="2" charset="2"/>
+                  </a:rPr>
+                  <a:t>(</a:t>
+                </a:r>
+                <a:r>
+                  <a:rPr lang="en-GB" dirty="0" err="1">
+                    <a:sym typeface="Wingdings" panose="05000000000000000000" pitchFamily="2" charset="2"/>
+                  </a:rPr>
+                  <a:t>semena</a:t>
+                </a:r>
+                <a:r>
+                  <a:rPr lang="en-GB" dirty="0">
+                    <a:sym typeface="Wingdings" panose="05000000000000000000" pitchFamily="2" charset="2"/>
+                  </a:rPr>
+                  <a:t>[Q], Q)</a:t>
+                </a:r>
+              </a:p>
+              <a:p>
+                <a:pPr marL="3657600" lvl="8" indent="0">
+                  <a:buNone/>
+                </a:pPr>
+                <a:r>
+                  <a:rPr lang="en-GB" dirty="0">
+                    <a:sym typeface="Wingdings" panose="05000000000000000000" pitchFamily="2" charset="2"/>
+                  </a:rPr>
+                  <a:t>		TRUE -&gt; </a:t>
+                </a:r>
+                <a:r>
+                  <a:rPr lang="en-GB" sz="2400" dirty="0">
+                    <a:sym typeface="Wingdings" panose="05000000000000000000" pitchFamily="2" charset="2"/>
+                  </a:rPr>
+                  <a:t>Q </a:t>
+                </a:r>
+                <a:r>
+                  <a:rPr lang="en-GB" sz="2400" dirty="0" err="1">
+                    <a:sym typeface="Wingdings" panose="05000000000000000000" pitchFamily="2" charset="2"/>
+                  </a:rPr>
+                  <a:t>prebarvaj</a:t>
+                </a:r>
+                <a:r>
+                  <a:rPr lang="en-GB" sz="2400" dirty="0">
+                    <a:sym typeface="Wingdings" panose="05000000000000000000" pitchFamily="2" charset="2"/>
+                  </a:rPr>
+                  <a:t> v P</a:t>
+                </a:r>
+              </a:p>
+              <a:p>
+                <a:r>
+                  <a:rPr lang="en-GB" sz="2600" dirty="0" err="1">
+                    <a:sym typeface="Wingdings" panose="05000000000000000000" pitchFamily="2" charset="2"/>
+                  </a:rPr>
+                  <a:t>Časovna</a:t>
+                </a:r>
+                <a:r>
+                  <a:rPr lang="en-GB" sz="2600" dirty="0">
+                    <a:sym typeface="Wingdings" panose="05000000000000000000" pitchFamily="2" charset="2"/>
+                  </a:rPr>
+                  <a:t> </a:t>
+                </a:r>
+                <a:r>
+                  <a:rPr lang="en-GB" sz="2600" dirty="0" err="1">
+                    <a:sym typeface="Wingdings" panose="05000000000000000000" pitchFamily="2" charset="2"/>
+                  </a:rPr>
+                  <a:t>zahtevnost</a:t>
+                </a:r>
+                <a:r>
+                  <a:rPr lang="en-GB" sz="2600" dirty="0">
+                    <a:sym typeface="Wingdings" panose="05000000000000000000" pitchFamily="2" charset="2"/>
+                  </a:rPr>
+                  <a:t>: </a:t>
+                </a:r>
+                <a:r>
+                  <a:rPr lang="en-GB" sz="2400" dirty="0"/>
+                  <a:t>O(N^2 * </a:t>
+                </a:r>
+                <a14:m>
+                  <m:oMath xmlns:m="http://schemas.openxmlformats.org/officeDocument/2006/math">
+                    <m:sSub>
+                      <m:sSubPr>
+                        <m:ctrlPr>
+                          <a:rPr lang="en-GB" sz="2400" i="1" smtClean="0">
+                            <a:latin typeface="Cambria Math" panose="02040503050406030204" pitchFamily="18" charset="0"/>
+                          </a:rPr>
+                        </m:ctrlPr>
+                      </m:sSubPr>
+                      <m:e>
+                        <m:r>
+                          <a:rPr lang="en-GB" sz="2400" b="0" i="1" smtClean="0">
+                            <a:latin typeface="Cambria Math" panose="02040503050406030204" pitchFamily="18" charset="0"/>
+                          </a:rPr>
+                          <m:t>𝑙𝑜𝑔</m:t>
+                        </m:r>
+                      </m:e>
+                      <m:sub>
+                        <m:r>
+                          <a:rPr lang="en-GB" sz="2400" b="0" i="1" smtClean="0">
+                            <a:latin typeface="Cambria Math" panose="02040503050406030204" pitchFamily="18" charset="0"/>
+                          </a:rPr>
+                          <m:t>2</m:t>
+                        </m:r>
+                      </m:sub>
+                    </m:sSub>
+                  </m:oMath>
+                </a14:m>
+                <a:r>
+                  <a:rPr lang="en-GB" sz="2400" dirty="0"/>
+                  <a:t>(N))</a:t>
+                </a:r>
+                <a:endParaRPr lang="en-GB" sz="2600" dirty="0">
+                  <a:sym typeface="Wingdings" panose="05000000000000000000" pitchFamily="2" charset="2"/>
+                </a:endParaRPr>
+              </a:p>
+              <a:p>
+                <a:pPr marL="3657600" lvl="8" indent="0">
+                  <a:buNone/>
+                </a:pPr>
+                <a:endParaRPr lang="en-GB" dirty="0"/>
+              </a:p>
+            </p:txBody>
+          </p:sp>
+        </mc:Choice>
+        <mc:Fallback>
+          <p:sp>
+            <p:nvSpPr>
+              <p:cNvPr id="3" name="Content Placeholder 2">
+                <a:extLst>
+                  <a:ext uri="{FF2B5EF4-FFF2-40B4-BE49-F238E27FC236}">
+                    <a16:creationId xmlns:a16="http://schemas.microsoft.com/office/drawing/2014/main" id="{9CF6BB80-AE4F-49BB-9E5F-890FCDC24A34}"/>
+                  </a:ext>
+                </a:extLst>
+              </p:cNvPr>
+              <p:cNvSpPr>
+                <a:spLocks noGrp="1" noRot="1" noChangeAspect="1" noMove="1" noResize="1" noEditPoints="1" noAdjustHandles="1" noChangeArrowheads="1" noChangeShapeType="1" noTextEdit="1"/>
+              </p:cNvSpPr>
+              <p:nvPr>
+                <p:ph idx="1"/>
+              </p:nvPr>
+            </p:nvSpPr>
+            <p:spPr>
+              <a:xfrm>
+                <a:off x="838200" y="1523784"/>
+                <a:ext cx="10515600" cy="4904447"/>
+              </a:xfrm>
+              <a:blipFill>
+                <a:blip r:embed="rId2"/>
+                <a:stretch>
+                  <a:fillRect l="-1043" t="-2114" b="-871"/>
+                </a:stretch>
+              </a:blipFill>
+            </p:spPr>
+            <p:txBody>
+              <a:bodyPr/>
+              <a:lstStyle/>
+              <a:p>
+                <a:r>
+                  <a:rPr lang="en-GB">
+                    <a:noFill/>
+                  </a:rPr>
+                  <a:t> </a:t>
+                </a:r>
+              </a:p>
+            </p:txBody>
+          </p:sp>
+        </mc:Fallback>
+      </mc:AlternateContent>
+      <p:sp>
+        <p:nvSpPr>
+          <p:cNvPr id="4" name="Rectangle 3">
+            <a:extLst>
+              <a:ext uri="{FF2B5EF4-FFF2-40B4-BE49-F238E27FC236}">
+                <a16:creationId xmlns:a16="http://schemas.microsoft.com/office/drawing/2014/main" id="{E505AD2A-B962-46A6-A447-5975BAC6E551}"/>
+              </a:ext>
+            </a:extLst>
+          </p:cNvPr>
+          <p:cNvSpPr/>
+          <p:nvPr/>
+        </p:nvSpPr>
+        <p:spPr>
+          <a:xfrm>
+            <a:off x="4303776" y="3886844"/>
+            <a:ext cx="7050024" cy="936883"/>
+          </a:xfrm>
+          <a:prstGeom prst="rect">
+            <a:avLst/>
+          </a:prstGeom>
+          <a:solidFill>
+            <a:schemeClr val="bg1"/>
+          </a:solidFill>
+          <a:ln>
+            <a:solidFill>
+              <a:schemeClr val="bg1"/>
+            </a:solidFill>
+          </a:ln>
+        </p:spPr>
+        <p:style>
+          <a:lnRef idx="2">
+            <a:schemeClr val="accent1">
+              <a:shade val="50000"/>
+            </a:schemeClr>
+          </a:lnRef>
+          <a:fillRef idx="1">
+            <a:schemeClr val="accent1"/>
+          </a:fillRef>
+          <a:effectRef idx="0">
+            <a:schemeClr val="accent1"/>
+          </a:effectRef>
+          <a:fontRef idx="minor">
+            <a:schemeClr val="lt1"/>
+          </a:fontRef>
+        </p:style>
+        <p:txBody>
+          <a:bodyPr rtlCol="0" anchor="ctr"/>
           <a:lstStyle/>
           <a:p>
-            <a:r>
-              <a:rPr lang="en-GB" dirty="0" err="1"/>
-              <a:t>Algoritem</a:t>
-            </a:r>
-            <a:endParaRPr lang="en-GB" dirty="0"/>
+            <a:pPr algn="ctr"/>
+            <a:endParaRPr lang="en-GB"/>
+          </a:p>
+        </p:txBody>
+      </p:sp>
+      <p:sp>
+        <p:nvSpPr>
+          <p:cNvPr id="5" name="Rectangle 4">
+            <a:extLst>
+              <a:ext uri="{FF2B5EF4-FFF2-40B4-BE49-F238E27FC236}">
+                <a16:creationId xmlns:a16="http://schemas.microsoft.com/office/drawing/2014/main" id="{15157D17-1925-433A-8C05-119A01BBBF8B}"/>
+              </a:ext>
+            </a:extLst>
+          </p:cNvPr>
+          <p:cNvSpPr/>
+          <p:nvPr/>
+        </p:nvSpPr>
+        <p:spPr>
+          <a:xfrm>
+            <a:off x="1371600" y="4681728"/>
+            <a:ext cx="2761488" cy="411262"/>
+          </a:xfrm>
+          <a:prstGeom prst="rect">
+            <a:avLst/>
+          </a:prstGeom>
+          <a:solidFill>
+            <a:schemeClr val="bg1"/>
+          </a:solidFill>
+          <a:ln>
+            <a:solidFill>
+              <a:schemeClr val="bg1"/>
+            </a:solidFill>
+          </a:ln>
+        </p:spPr>
+        <p:style>
+          <a:lnRef idx="2">
+            <a:schemeClr val="accent1">
+              <a:shade val="50000"/>
+            </a:schemeClr>
+          </a:lnRef>
+          <a:fillRef idx="1">
+            <a:schemeClr val="accent1"/>
+          </a:fillRef>
+          <a:effectRef idx="0">
+            <a:schemeClr val="accent1"/>
+          </a:effectRef>
+          <a:fontRef idx="minor">
+            <a:schemeClr val="lt1"/>
+          </a:fontRef>
+        </p:style>
+        <p:txBody>
+          <a:bodyPr rtlCol="0" anchor="ctr"/>
+          <a:lstStyle/>
+          <a:p>
+            <a:pPr algn="ctr"/>
+            <a:endParaRPr lang="en-GB"/>
+          </a:p>
+        </p:txBody>
+      </p:sp>
+      <p:sp>
+        <p:nvSpPr>
+          <p:cNvPr id="7" name="Rectangle 6">
+            <a:extLst>
+              <a:ext uri="{FF2B5EF4-FFF2-40B4-BE49-F238E27FC236}">
+                <a16:creationId xmlns:a16="http://schemas.microsoft.com/office/drawing/2014/main" id="{E9FB876F-A519-4CE1-9D77-34DC38B4EA5B}"/>
+              </a:ext>
+            </a:extLst>
+          </p:cNvPr>
+          <p:cNvSpPr/>
+          <p:nvPr/>
+        </p:nvSpPr>
+        <p:spPr>
+          <a:xfrm>
+            <a:off x="4133088" y="4887359"/>
+            <a:ext cx="7050024" cy="936883"/>
+          </a:xfrm>
+          <a:prstGeom prst="rect">
+            <a:avLst/>
+          </a:prstGeom>
+          <a:solidFill>
+            <a:schemeClr val="bg1"/>
+          </a:solidFill>
+          <a:ln>
+            <a:solidFill>
+              <a:schemeClr val="bg1"/>
+            </a:solidFill>
+          </a:ln>
+        </p:spPr>
+        <p:style>
+          <a:lnRef idx="2">
+            <a:schemeClr val="accent1">
+              <a:shade val="50000"/>
+            </a:schemeClr>
+          </a:lnRef>
+          <a:fillRef idx="1">
+            <a:schemeClr val="accent1"/>
+          </a:fillRef>
+          <a:effectRef idx="0">
+            <a:schemeClr val="accent1"/>
+          </a:effectRef>
+          <a:fontRef idx="minor">
+            <a:schemeClr val="lt1"/>
+          </a:fontRef>
+        </p:style>
+        <p:txBody>
+          <a:bodyPr rtlCol="0" anchor="ctr"/>
+          <a:lstStyle/>
+          <a:p>
+            <a:pPr algn="ctr"/>
+            <a:endParaRPr lang="en-GB"/>
           </a:p>
         </p:txBody>
       </p:sp>
     </p:spTree>
     <p:extLst>
       <p:ext uri="{BB962C8B-B14F-4D97-AF65-F5344CB8AC3E}">
-        <p14:creationId xmlns:p14="http://schemas.microsoft.com/office/powerpoint/2010/main" val="2149885589"/>
+        <p14:creationId xmlns:p14="http://schemas.microsoft.com/office/powerpoint/2010/main" val="2127496846"/>
       </p:ext>
     </p:extLst>
   </p:cSld>
   <p:clrMapOvr>
     <a:masterClrMapping/>
   </p:clrMapOvr>
+  <p:timing>
+    <p:tnLst>
+      <p:par>
+        <p:cTn id="1" dur="indefinite" restart="never" nodeType="tmRoot">
+          <p:childTnLst>
+            <p:seq concurrent="1" nextAc="seek">
+              <p:cTn id="2" dur="indefinite" nodeType="mainSeq">
+                <p:childTnLst>
+                  <p:par>
+                    <p:cTn id="3" fill="hold">
+                      <p:stCondLst>
+                        <p:cond delay="indefinite"/>
+                      </p:stCondLst>
+                      <p:childTnLst>
+                        <p:par>
+                          <p:cTn id="4" fill="hold">
+                            <p:stCondLst>
+                              <p:cond delay="0"/>
+                            </p:stCondLst>
+                            <p:childTnLst>
+                              <p:par>
+                                <p:cTn id="5" presetID="1" presetClass="entr" presetSubtype="0" fill="hold" nodeType="clickEffect">
+                                  <p:stCondLst>
+                                    <p:cond delay="0"/>
+                                  </p:stCondLst>
+                                  <p:childTnLst>
+                                    <p:set>
+                                      <p:cBhvr>
+                                        <p:cTn id="6" dur="1" fill="hold">
+                                          <p:stCondLst>
+                                            <p:cond delay="0"/>
+                                          </p:stCondLst>
+                                        </p:cTn>
+                                        <p:tgtEl>
+                                          <p:spTgt spid="3">
+                                            <p:txEl>
+                                              <p:pRg st="0" end="0"/>
+                                            </p:txEl>
+                                          </p:spTgt>
+                                        </p:tgtEl>
+                                        <p:attrNameLst>
+                                          <p:attrName>style.visibility</p:attrName>
+                                        </p:attrNameLst>
+                                      </p:cBhvr>
+                                      <p:to>
+                                        <p:strVal val="visible"/>
+                                      </p:to>
+                                    </p:set>
+                                  </p:childTnLst>
+                                </p:cTn>
+                              </p:par>
+                            </p:childTnLst>
+                          </p:cTn>
+                        </p:par>
+                      </p:childTnLst>
+                    </p:cTn>
+                  </p:par>
+                  <p:par>
+                    <p:cTn id="7" fill="hold">
+                      <p:stCondLst>
+                        <p:cond delay="indefinite"/>
+                      </p:stCondLst>
+                      <p:childTnLst>
+                        <p:par>
+                          <p:cTn id="8" fill="hold">
+                            <p:stCondLst>
+                              <p:cond delay="0"/>
+                            </p:stCondLst>
+                            <p:childTnLst>
+                              <p:par>
+                                <p:cTn id="9" presetID="1" presetClass="entr" presetSubtype="0" fill="hold" nodeType="clickEffect">
+                                  <p:stCondLst>
+                                    <p:cond delay="0"/>
+                                  </p:stCondLst>
+                                  <p:childTnLst>
+                                    <p:set>
+                                      <p:cBhvr>
+                                        <p:cTn id="10" dur="1" fill="hold">
+                                          <p:stCondLst>
+                                            <p:cond delay="0"/>
+                                          </p:stCondLst>
+                                        </p:cTn>
+                                        <p:tgtEl>
+                                          <p:spTgt spid="3">
+                                            <p:txEl>
+                                              <p:pRg st="2" end="2"/>
+                                            </p:txEl>
+                                          </p:spTgt>
+                                        </p:tgtEl>
+                                        <p:attrNameLst>
+                                          <p:attrName>style.visibility</p:attrName>
+                                        </p:attrNameLst>
+                                      </p:cBhvr>
+                                      <p:to>
+                                        <p:strVal val="visible"/>
+                                      </p:to>
+                                    </p:set>
+                                  </p:childTnLst>
+                                </p:cTn>
+                              </p:par>
+                              <p:par>
+                                <p:cTn id="11" presetID="1" presetClass="entr" presetSubtype="0" fill="hold" nodeType="withEffect">
+                                  <p:stCondLst>
+                                    <p:cond delay="0"/>
+                                  </p:stCondLst>
+                                  <p:childTnLst>
+                                    <p:set>
+                                      <p:cBhvr>
+                                        <p:cTn id="12" dur="1" fill="hold">
+                                          <p:stCondLst>
+                                            <p:cond delay="0"/>
+                                          </p:stCondLst>
+                                        </p:cTn>
+                                        <p:tgtEl>
+                                          <p:spTgt spid="3">
+                                            <p:txEl>
+                                              <p:pRg st="3" end="3"/>
+                                            </p:txEl>
+                                          </p:spTgt>
+                                        </p:tgtEl>
+                                        <p:attrNameLst>
+                                          <p:attrName>style.visibility</p:attrName>
+                                        </p:attrNameLst>
+                                      </p:cBhvr>
+                                      <p:to>
+                                        <p:strVal val="visible"/>
+                                      </p:to>
+                                    </p:set>
+                                  </p:childTnLst>
+                                </p:cTn>
+                              </p:par>
+                            </p:childTnLst>
+                          </p:cTn>
+                        </p:par>
+                      </p:childTnLst>
+                    </p:cTn>
+                  </p:par>
+                  <p:par>
+                    <p:cTn id="13" fill="hold">
+                      <p:stCondLst>
+                        <p:cond delay="indefinite"/>
+                      </p:stCondLst>
+                      <p:childTnLst>
+                        <p:par>
+                          <p:cTn id="14" fill="hold">
+                            <p:stCondLst>
+                              <p:cond delay="0"/>
+                            </p:stCondLst>
+                            <p:childTnLst>
+                              <p:par>
+                                <p:cTn id="15" presetID="1" presetClass="entr" presetSubtype="0" fill="hold" nodeType="clickEffect">
+                                  <p:stCondLst>
+                                    <p:cond delay="0"/>
+                                  </p:stCondLst>
+                                  <p:childTnLst>
+                                    <p:set>
+                                      <p:cBhvr>
+                                        <p:cTn id="16" dur="1" fill="hold">
+                                          <p:stCondLst>
+                                            <p:cond delay="0"/>
+                                          </p:stCondLst>
+                                        </p:cTn>
+                                        <p:tgtEl>
+                                          <p:spTgt spid="3">
+                                            <p:txEl>
+                                              <p:pRg st="5" end="5"/>
+                                            </p:txEl>
+                                          </p:spTgt>
+                                        </p:tgtEl>
+                                        <p:attrNameLst>
+                                          <p:attrName>style.visibility</p:attrName>
+                                        </p:attrNameLst>
+                                      </p:cBhvr>
+                                      <p:to>
+                                        <p:strVal val="visible"/>
+                                      </p:to>
+                                    </p:set>
+                                  </p:childTnLst>
+                                </p:cTn>
+                              </p:par>
+                            </p:childTnLst>
+                          </p:cTn>
+                        </p:par>
+                      </p:childTnLst>
+                    </p:cTn>
+                  </p:par>
+                  <p:par>
+                    <p:cTn id="17" fill="hold">
+                      <p:stCondLst>
+                        <p:cond delay="indefinite"/>
+                      </p:stCondLst>
+                      <p:childTnLst>
+                        <p:par>
+                          <p:cTn id="18" fill="hold">
+                            <p:stCondLst>
+                              <p:cond delay="0"/>
+                            </p:stCondLst>
+                            <p:childTnLst>
+                              <p:par>
+                                <p:cTn id="19" presetID="1" presetClass="entr" presetSubtype="0" fill="hold" nodeType="clickEffect">
+                                  <p:stCondLst>
+                                    <p:cond delay="0"/>
+                                  </p:stCondLst>
+                                  <p:childTnLst>
+                                    <p:set>
+                                      <p:cBhvr>
+                                        <p:cTn id="20" dur="1" fill="hold">
+                                          <p:stCondLst>
+                                            <p:cond delay="0"/>
+                                          </p:stCondLst>
+                                        </p:cTn>
+                                        <p:tgtEl>
+                                          <p:spTgt spid="3">
+                                            <p:txEl>
+                                              <p:pRg st="6" end="6"/>
+                                            </p:txEl>
+                                          </p:spTgt>
+                                        </p:tgtEl>
+                                        <p:attrNameLst>
+                                          <p:attrName>style.visibility</p:attrName>
+                                        </p:attrNameLst>
+                                      </p:cBhvr>
+                                      <p:to>
+                                        <p:strVal val="visible"/>
+                                      </p:to>
+                                    </p:set>
+                                  </p:childTnLst>
+                                </p:cTn>
+                              </p:par>
+                              <p:par>
+                                <p:cTn id="21" presetID="1" presetClass="entr" presetSubtype="0" fill="hold" nodeType="withEffect">
+                                  <p:stCondLst>
+                                    <p:cond delay="0"/>
+                                  </p:stCondLst>
+                                  <p:childTnLst>
+                                    <p:set>
+                                      <p:cBhvr>
+                                        <p:cTn id="22" dur="1" fill="hold">
+                                          <p:stCondLst>
+                                            <p:cond delay="0"/>
+                                          </p:stCondLst>
+                                        </p:cTn>
+                                        <p:tgtEl>
+                                          <p:spTgt spid="3">
+                                            <p:txEl>
+                                              <p:pRg st="7" end="7"/>
+                                            </p:txEl>
+                                          </p:spTgt>
+                                        </p:tgtEl>
+                                        <p:attrNameLst>
+                                          <p:attrName>style.visibility</p:attrName>
+                                        </p:attrNameLst>
+                                      </p:cBhvr>
+                                      <p:to>
+                                        <p:strVal val="visible"/>
+                                      </p:to>
+                                    </p:set>
+                                  </p:childTnLst>
+                                </p:cTn>
+                              </p:par>
+                            </p:childTnLst>
+                          </p:cTn>
+                        </p:par>
+                      </p:childTnLst>
+                    </p:cTn>
+                  </p:par>
+                  <p:par>
+                    <p:cTn id="23" fill="hold">
+                      <p:stCondLst>
+                        <p:cond delay="indefinite"/>
+                      </p:stCondLst>
+                      <p:childTnLst>
+                        <p:par>
+                          <p:cTn id="24" fill="hold">
+                            <p:stCondLst>
+                              <p:cond delay="0"/>
+                            </p:stCondLst>
+                            <p:childTnLst>
+                              <p:par>
+                                <p:cTn id="25" presetID="1" presetClass="exit" presetSubtype="0" fill="hold" grpId="0" nodeType="clickEffect">
+                                  <p:stCondLst>
+                                    <p:cond delay="0"/>
+                                  </p:stCondLst>
+                                  <p:childTnLst>
+                                    <p:set>
+                                      <p:cBhvr>
+                                        <p:cTn id="26" dur="1" fill="hold">
+                                          <p:stCondLst>
+                                            <p:cond delay="0"/>
+                                          </p:stCondLst>
+                                        </p:cTn>
+                                        <p:tgtEl>
+                                          <p:spTgt spid="4"/>
+                                        </p:tgtEl>
+                                        <p:attrNameLst>
+                                          <p:attrName>style.visibility</p:attrName>
+                                        </p:attrNameLst>
+                                      </p:cBhvr>
+                                      <p:to>
+                                        <p:strVal val="hidden"/>
+                                      </p:to>
+                                    </p:set>
+                                  </p:childTnLst>
+                                </p:cTn>
+                              </p:par>
+                              <p:par>
+                                <p:cTn id="27" presetID="1" presetClass="exit" presetSubtype="0" fill="hold" grpId="0" nodeType="withEffect">
+                                  <p:stCondLst>
+                                    <p:cond delay="0"/>
+                                  </p:stCondLst>
+                                  <p:childTnLst>
+                                    <p:set>
+                                      <p:cBhvr>
+                                        <p:cTn id="28" dur="1" fill="hold">
+                                          <p:stCondLst>
+                                            <p:cond delay="0"/>
+                                          </p:stCondLst>
+                                        </p:cTn>
+                                        <p:tgtEl>
+                                          <p:spTgt spid="5"/>
+                                        </p:tgtEl>
+                                        <p:attrNameLst>
+                                          <p:attrName>style.visibility</p:attrName>
+                                        </p:attrNameLst>
+                                      </p:cBhvr>
+                                      <p:to>
+                                        <p:strVal val="hidden"/>
+                                      </p:to>
+                                    </p:set>
+                                  </p:childTnLst>
+                                </p:cTn>
+                              </p:par>
+                            </p:childTnLst>
+                          </p:cTn>
+                        </p:par>
+                      </p:childTnLst>
+                    </p:cTn>
+                  </p:par>
+                  <p:par>
+                    <p:cTn id="29" fill="hold">
+                      <p:stCondLst>
+                        <p:cond delay="indefinite"/>
+                      </p:stCondLst>
+                      <p:childTnLst>
+                        <p:par>
+                          <p:cTn id="30" fill="hold">
+                            <p:stCondLst>
+                              <p:cond delay="0"/>
+                            </p:stCondLst>
+                            <p:childTnLst>
+                              <p:par>
+                                <p:cTn id="31" presetID="1" presetClass="exit" presetSubtype="0" fill="hold" grpId="0" nodeType="clickEffect">
+                                  <p:stCondLst>
+                                    <p:cond delay="0"/>
+                                  </p:stCondLst>
+                                  <p:childTnLst>
+                                    <p:set>
+                                      <p:cBhvr>
+                                        <p:cTn id="32" dur="1" fill="hold">
+                                          <p:stCondLst>
+                                            <p:cond delay="0"/>
+                                          </p:stCondLst>
+                                        </p:cTn>
+                                        <p:tgtEl>
+                                          <p:spTgt spid="7"/>
+                                        </p:tgtEl>
+                                        <p:attrNameLst>
+                                          <p:attrName>style.visibility</p:attrName>
+                                        </p:attrNameLst>
+                                      </p:cBhvr>
+                                      <p:to>
+                                        <p:strVal val="hidden"/>
+                                      </p:to>
+                                    </p:set>
+                                  </p:childTnLst>
+                                </p:cTn>
+                              </p:par>
+                            </p:childTnLst>
+                          </p:cTn>
+                        </p:par>
+                      </p:childTnLst>
+                    </p:cTn>
+                  </p:par>
+                  <p:par>
+                    <p:cTn id="33" fill="hold">
+                      <p:stCondLst>
+                        <p:cond delay="indefinite"/>
+                      </p:stCondLst>
+                      <p:childTnLst>
+                        <p:par>
+                          <p:cTn id="34" fill="hold">
+                            <p:stCondLst>
+                              <p:cond delay="0"/>
+                            </p:stCondLst>
+                            <p:childTnLst>
+                              <p:par>
+                                <p:cTn id="35" presetID="1" presetClass="entr" presetSubtype="0" fill="hold" nodeType="clickEffect">
+                                  <p:stCondLst>
+                                    <p:cond delay="0"/>
+                                  </p:stCondLst>
+                                  <p:childTnLst>
+                                    <p:set>
+                                      <p:cBhvr>
+                                        <p:cTn id="36" dur="1" fill="hold">
+                                          <p:stCondLst>
+                                            <p:cond delay="0"/>
+                                          </p:stCondLst>
+                                        </p:cTn>
+                                        <p:tgtEl>
+                                          <p:spTgt spid="3">
+                                            <p:txEl>
+                                              <p:pRg st="9" end="9"/>
+                                            </p:txEl>
+                                          </p:spTgt>
+                                        </p:tgtEl>
+                                        <p:attrNameLst>
+                                          <p:attrName>style.visibility</p:attrName>
+                                        </p:attrNameLst>
+                                      </p:cBhvr>
+                                      <p:to>
+                                        <p:strVal val="visible"/>
+                                      </p:to>
+                                    </p:set>
+                                  </p:childTnLst>
+                                </p:cTn>
+                              </p:par>
+                            </p:childTnLst>
+                          </p:cTn>
+                        </p:par>
+                      </p:childTnLst>
+                    </p:cTn>
+                  </p:par>
+                </p:childTnLst>
+              </p:cTn>
+              <p:prevCondLst>
+                <p:cond evt="onPrev" delay="0">
+                  <p:tgtEl>
+                    <p:sldTgt/>
+                  </p:tgtEl>
+                </p:cond>
+              </p:prevCondLst>
+              <p:nextCondLst>
+                <p:cond evt="onNext" delay="0">
+                  <p:tgtEl>
+                    <p:sldTgt/>
+                  </p:tgtEl>
+                </p:cond>
+              </p:nextCondLst>
+            </p:seq>
+          </p:childTnLst>
+        </p:cTn>
+      </p:par>
+    </p:tnLst>
+    <p:bldLst>
+      <p:bldP spid="4" grpId="0" animBg="1"/>
+      <p:bldP spid="5" grpId="0" animBg="1"/>
+      <p:bldP spid="7" grpId="0" animBg="1"/>
+    </p:bldLst>
+  </p:timing>
 </p:sld>
 </file>
 
@@ -4166,82 +7128,325 @@
           <a:chExt cx="0" cy="0"/>
         </a:xfrm>
       </p:grpSpPr>
-      <p:sp>
-        <p:nvSpPr>
-          <p:cNvPr id="2" name="Title 1">
-            <a:extLst>
-              <a:ext uri="{FF2B5EF4-FFF2-40B4-BE49-F238E27FC236}">
-                <a16:creationId xmlns:a16="http://schemas.microsoft.com/office/drawing/2014/main" id="{2A6D3955-70A8-4A0E-9265-F698F028F026}"/>
-              </a:ext>
-            </a:extLst>
-          </p:cNvPr>
-          <p:cNvSpPr>
-            <a:spLocks noGrp="1"/>
-          </p:cNvSpPr>
-          <p:nvPr>
-            <p:ph type="title"/>
-          </p:nvPr>
-        </p:nvSpPr>
-        <p:spPr/>
-        <p:txBody>
-          <a:bodyPr/>
-          <a:lstStyle/>
-          <a:p>
-            <a:r>
-              <a:rPr lang="en-GB" dirty="0" err="1"/>
-              <a:t>Delaunajeva</a:t>
-            </a:r>
-            <a:r>
-              <a:rPr lang="en-GB" dirty="0"/>
-              <a:t> </a:t>
-            </a:r>
-            <a:r>
-              <a:rPr lang="en-GB" dirty="0" err="1"/>
-              <a:t>triangulacija</a:t>
-            </a:r>
-            <a:endParaRPr lang="en-GB" dirty="0"/>
-          </a:p>
-        </p:txBody>
-      </p:sp>
-      <p:sp>
-        <p:nvSpPr>
-          <p:cNvPr id="3" name="Content Placeholder 2">
-            <a:extLst>
-              <a:ext uri="{FF2B5EF4-FFF2-40B4-BE49-F238E27FC236}">
-                <a16:creationId xmlns:a16="http://schemas.microsoft.com/office/drawing/2014/main" id="{C8B64E5B-109D-4C2B-984D-9569CEDE5709}"/>
-              </a:ext>
-            </a:extLst>
-          </p:cNvPr>
-          <p:cNvSpPr>
-            <a:spLocks noGrp="1"/>
-          </p:cNvSpPr>
-          <p:nvPr>
-            <p:ph idx="1"/>
-          </p:nvPr>
-        </p:nvSpPr>
-        <p:spPr/>
-        <p:txBody>
-          <a:bodyPr/>
-          <a:lstStyle/>
-          <a:p>
-            <a:r>
-              <a:rPr lang="en-GB" dirty="0" err="1"/>
-              <a:t>Algoritem</a:t>
-            </a:r>
-            <a:endParaRPr lang="en-GB" dirty="0"/>
-          </a:p>
-        </p:txBody>
-      </p:sp>
+      <p:pic>
+        <p:nvPicPr>
+          <p:cNvPr id="11" name="Picture 10">
+            <a:extLst>
+              <a:ext uri="{FF2B5EF4-FFF2-40B4-BE49-F238E27FC236}">
+                <a16:creationId xmlns:a16="http://schemas.microsoft.com/office/drawing/2014/main" id="{6C2A0088-B696-4E88-B591-48C4895D543D}"/>
+              </a:ext>
+            </a:extLst>
+          </p:cNvPr>
+          <p:cNvPicPr>
+            <a:picLocks noChangeAspect="1"/>
+          </p:cNvPicPr>
+          <p:nvPr/>
+        </p:nvPicPr>
+        <p:blipFill>
+          <a:blip r:embed="rId2">
+            <a:extLst>
+              <a:ext uri="{28A0092B-C50C-407E-A947-70E740481C1C}">
+                <a14:useLocalDpi xmlns:a14="http://schemas.microsoft.com/office/drawing/2010/main" val="0"/>
+              </a:ext>
+            </a:extLst>
+          </a:blip>
+          <a:stretch>
+            <a:fillRect/>
+          </a:stretch>
+        </p:blipFill>
+        <p:spPr>
+          <a:xfrm>
+            <a:off x="1596000" y="54000"/>
+            <a:ext cx="9000000" cy="6750000"/>
+          </a:xfrm>
+          <a:prstGeom prst="rect">
+            <a:avLst/>
+          </a:prstGeom>
+        </p:spPr>
+      </p:pic>
+      <p:pic>
+        <p:nvPicPr>
+          <p:cNvPr id="13" name="Picture 12">
+            <a:extLst>
+              <a:ext uri="{FF2B5EF4-FFF2-40B4-BE49-F238E27FC236}">
+                <a16:creationId xmlns:a16="http://schemas.microsoft.com/office/drawing/2014/main" id="{860990D0-67C4-4301-8126-6688B53AFA3D}"/>
+              </a:ext>
+            </a:extLst>
+          </p:cNvPr>
+          <p:cNvPicPr>
+            <a:picLocks noChangeAspect="1"/>
+          </p:cNvPicPr>
+          <p:nvPr/>
+        </p:nvPicPr>
+        <p:blipFill>
+          <a:blip r:embed="rId3">
+            <a:extLst>
+              <a:ext uri="{28A0092B-C50C-407E-A947-70E740481C1C}">
+                <a14:useLocalDpi xmlns:a14="http://schemas.microsoft.com/office/drawing/2010/main" val="0"/>
+              </a:ext>
+            </a:extLst>
+          </a:blip>
+          <a:stretch>
+            <a:fillRect/>
+          </a:stretch>
+        </p:blipFill>
+        <p:spPr>
+          <a:xfrm>
+            <a:off x="1596000" y="54000"/>
+            <a:ext cx="9000000" cy="6750000"/>
+          </a:xfrm>
+          <a:prstGeom prst="rect">
+            <a:avLst/>
+          </a:prstGeom>
+        </p:spPr>
+      </p:pic>
+      <p:pic>
+        <p:nvPicPr>
+          <p:cNvPr id="15" name="Picture 14">
+            <a:extLst>
+              <a:ext uri="{FF2B5EF4-FFF2-40B4-BE49-F238E27FC236}">
+                <a16:creationId xmlns:a16="http://schemas.microsoft.com/office/drawing/2014/main" id="{0298F1BA-6BBB-45C3-8B08-B9F601A942CB}"/>
+              </a:ext>
+            </a:extLst>
+          </p:cNvPr>
+          <p:cNvPicPr>
+            <a:picLocks noChangeAspect="1"/>
+          </p:cNvPicPr>
+          <p:nvPr/>
+        </p:nvPicPr>
+        <p:blipFill>
+          <a:blip r:embed="rId4">
+            <a:extLst>
+              <a:ext uri="{28A0092B-C50C-407E-A947-70E740481C1C}">
+                <a14:useLocalDpi xmlns:a14="http://schemas.microsoft.com/office/drawing/2010/main" val="0"/>
+              </a:ext>
+            </a:extLst>
+          </a:blip>
+          <a:stretch>
+            <a:fillRect/>
+          </a:stretch>
+        </p:blipFill>
+        <p:spPr>
+          <a:xfrm>
+            <a:off x="1596000" y="54000"/>
+            <a:ext cx="9000000" cy="6750000"/>
+          </a:xfrm>
+          <a:prstGeom prst="rect">
+            <a:avLst/>
+          </a:prstGeom>
+        </p:spPr>
+      </p:pic>
+      <p:pic>
+        <p:nvPicPr>
+          <p:cNvPr id="17" name="Picture 16">
+            <a:extLst>
+              <a:ext uri="{FF2B5EF4-FFF2-40B4-BE49-F238E27FC236}">
+                <a16:creationId xmlns:a16="http://schemas.microsoft.com/office/drawing/2014/main" id="{AA13C34B-2957-4489-8E07-0F677CE94636}"/>
+              </a:ext>
+            </a:extLst>
+          </p:cNvPr>
+          <p:cNvPicPr>
+            <a:picLocks noChangeAspect="1"/>
+          </p:cNvPicPr>
+          <p:nvPr/>
+        </p:nvPicPr>
+        <p:blipFill>
+          <a:blip r:embed="rId5">
+            <a:extLst>
+              <a:ext uri="{28A0092B-C50C-407E-A947-70E740481C1C}">
+                <a14:useLocalDpi xmlns:a14="http://schemas.microsoft.com/office/drawing/2010/main" val="0"/>
+              </a:ext>
+            </a:extLst>
+          </a:blip>
+          <a:stretch>
+            <a:fillRect/>
+          </a:stretch>
+        </p:blipFill>
+        <p:spPr>
+          <a:xfrm>
+            <a:off x="1596000" y="54000"/>
+            <a:ext cx="9000000" cy="6750000"/>
+          </a:xfrm>
+          <a:prstGeom prst="rect">
+            <a:avLst/>
+          </a:prstGeom>
+        </p:spPr>
+      </p:pic>
     </p:spTree>
     <p:extLst>
       <p:ext uri="{BB962C8B-B14F-4D97-AF65-F5344CB8AC3E}">
-        <p14:creationId xmlns:p14="http://schemas.microsoft.com/office/powerpoint/2010/main" val="3273298054"/>
+        <p14:creationId xmlns:p14="http://schemas.microsoft.com/office/powerpoint/2010/main" val="1414344838"/>
       </p:ext>
     </p:extLst>
   </p:cSld>
   <p:clrMapOvr>
     <a:masterClrMapping/>
   </p:clrMapOvr>
+  <p:timing>
+    <p:tnLst>
+      <p:par>
+        <p:cTn id="1" dur="indefinite" restart="never" nodeType="tmRoot">
+          <p:childTnLst>
+            <p:seq concurrent="1" nextAc="seek">
+              <p:cTn id="2" dur="indefinite" nodeType="mainSeq">
+                <p:childTnLst>
+                  <p:par>
+                    <p:cTn id="3" fill="hold">
+                      <p:stCondLst>
+                        <p:cond delay="indefinite"/>
+                      </p:stCondLst>
+                      <p:childTnLst>
+                        <p:par>
+                          <p:cTn id="4" fill="hold">
+                            <p:stCondLst>
+                              <p:cond delay="0"/>
+                            </p:stCondLst>
+                            <p:childTnLst>
+                              <p:par>
+                                <p:cTn id="5" presetID="1" presetClass="entr" presetSubtype="0" fill="hold" nodeType="clickEffect">
+                                  <p:stCondLst>
+                                    <p:cond delay="0"/>
+                                  </p:stCondLst>
+                                  <p:childTnLst>
+                                    <p:set>
+                                      <p:cBhvr>
+                                        <p:cTn id="6" dur="1" fill="hold">
+                                          <p:stCondLst>
+                                            <p:cond delay="0"/>
+                                          </p:stCondLst>
+                                        </p:cTn>
+                                        <p:tgtEl>
+                                          <p:spTgt spid="13"/>
+                                        </p:tgtEl>
+                                        <p:attrNameLst>
+                                          <p:attrName>style.visibility</p:attrName>
+                                        </p:attrNameLst>
+                                      </p:cBhvr>
+                                      <p:to>
+                                        <p:strVal val="visible"/>
+                                      </p:to>
+                                    </p:set>
+                                  </p:childTnLst>
+                                </p:cTn>
+                              </p:par>
+                            </p:childTnLst>
+                          </p:cTn>
+                        </p:par>
+                      </p:childTnLst>
+                    </p:cTn>
+                  </p:par>
+                  <p:par>
+                    <p:cTn id="7" fill="hold">
+                      <p:stCondLst>
+                        <p:cond delay="indefinite"/>
+                      </p:stCondLst>
+                      <p:childTnLst>
+                        <p:par>
+                          <p:cTn id="8" fill="hold">
+                            <p:stCondLst>
+                              <p:cond delay="0"/>
+                            </p:stCondLst>
+                            <p:childTnLst>
+                              <p:par>
+                                <p:cTn id="9" presetID="1" presetClass="entr" presetSubtype="0" fill="hold" nodeType="clickEffect">
+                                  <p:stCondLst>
+                                    <p:cond delay="0"/>
+                                  </p:stCondLst>
+                                  <p:childTnLst>
+                                    <p:set>
+                                      <p:cBhvr>
+                                        <p:cTn id="10" dur="1" fill="hold">
+                                          <p:stCondLst>
+                                            <p:cond delay="0"/>
+                                          </p:stCondLst>
+                                        </p:cTn>
+                                        <p:tgtEl>
+                                          <p:spTgt spid="15"/>
+                                        </p:tgtEl>
+                                        <p:attrNameLst>
+                                          <p:attrName>style.visibility</p:attrName>
+                                        </p:attrNameLst>
+                                      </p:cBhvr>
+                                      <p:to>
+                                        <p:strVal val="visible"/>
+                                      </p:to>
+                                    </p:set>
+                                  </p:childTnLst>
+                                </p:cTn>
+                              </p:par>
+                            </p:childTnLst>
+                          </p:cTn>
+                        </p:par>
+                      </p:childTnLst>
+                    </p:cTn>
+                  </p:par>
+                  <p:par>
+                    <p:cTn id="11" fill="hold">
+                      <p:stCondLst>
+                        <p:cond delay="indefinite"/>
+                      </p:stCondLst>
+                      <p:childTnLst>
+                        <p:par>
+                          <p:cTn id="12" fill="hold">
+                            <p:stCondLst>
+                              <p:cond delay="0"/>
+                            </p:stCondLst>
+                            <p:childTnLst>
+                              <p:par>
+                                <p:cTn id="13" presetID="1" presetClass="entr" presetSubtype="0" fill="hold" nodeType="clickEffect">
+                                  <p:stCondLst>
+                                    <p:cond delay="0"/>
+                                  </p:stCondLst>
+                                  <p:childTnLst>
+                                    <p:set>
+                                      <p:cBhvr>
+                                        <p:cTn id="14" dur="1" fill="hold">
+                                          <p:stCondLst>
+                                            <p:cond delay="0"/>
+                                          </p:stCondLst>
+                                        </p:cTn>
+                                        <p:tgtEl>
+                                          <p:spTgt spid="17"/>
+                                        </p:tgtEl>
+                                        <p:attrNameLst>
+                                          <p:attrName>style.visibility</p:attrName>
+                                        </p:attrNameLst>
+                                      </p:cBhvr>
+                                      <p:to>
+                                        <p:strVal val="visible"/>
+                                      </p:to>
+                                    </p:set>
+                                  </p:childTnLst>
+                                </p:cTn>
+                              </p:par>
+                            </p:childTnLst>
+                          </p:cTn>
+                        </p:par>
+                      </p:childTnLst>
+                    </p:cTn>
+                  </p:par>
+                </p:childTnLst>
+              </p:cTn>
+              <p:prevCondLst>
+                <p:cond evt="onPrev" delay="0">
+                  <p:tgtEl>
+                    <p:sldTgt/>
+                  </p:tgtEl>
+                </p:cond>
+              </p:prevCondLst>
+              <p:nextCondLst>
+                <p:cond evt="onNext" delay="0">
+                  <p:tgtEl>
+                    <p:sldTgt/>
+                  </p:tgtEl>
+                </p:cond>
+              </p:nextCondLst>
+            </p:seq>
+          </p:childTnLst>
+        </p:cTn>
+      </p:par>
+    </p:tnLst>
+  </p:timing>
 </p:sld>
 </file>
 
@@ -4262,78 +7467,406 @@
           <a:chExt cx="0" cy="0"/>
         </a:xfrm>
       </p:grpSpPr>
-      <p:sp>
-        <p:nvSpPr>
-          <p:cNvPr id="2" name="Title 1">
-            <a:extLst>
-              <a:ext uri="{FF2B5EF4-FFF2-40B4-BE49-F238E27FC236}">
-                <a16:creationId xmlns:a16="http://schemas.microsoft.com/office/drawing/2014/main" id="{A0EAE73B-6F8B-4BB8-A42B-92532DB8443D}"/>
-              </a:ext>
-            </a:extLst>
-          </p:cNvPr>
-          <p:cNvSpPr>
-            <a:spLocks noGrp="1"/>
-          </p:cNvSpPr>
-          <p:nvPr>
-            <p:ph type="title"/>
-          </p:nvPr>
-        </p:nvSpPr>
-        <p:spPr/>
-        <p:txBody>
-          <a:bodyPr/>
-          <a:lstStyle/>
-          <a:p>
-            <a:r>
-              <a:rPr lang="en-GB" dirty="0" err="1"/>
-              <a:t>Povezovanje</a:t>
-            </a:r>
-            <a:r>
-              <a:rPr lang="en-GB" dirty="0"/>
-              <a:t> </a:t>
-            </a:r>
-            <a:r>
-              <a:rPr lang="en-GB" dirty="0" err="1"/>
-              <a:t>točk</a:t>
-            </a:r>
-            <a:endParaRPr lang="en-GB" dirty="0"/>
-          </a:p>
-        </p:txBody>
-      </p:sp>
-      <p:sp>
-        <p:nvSpPr>
-          <p:cNvPr id="3" name="Content Placeholder 2">
-            <a:extLst>
-              <a:ext uri="{FF2B5EF4-FFF2-40B4-BE49-F238E27FC236}">
-                <a16:creationId xmlns:a16="http://schemas.microsoft.com/office/drawing/2014/main" id="{D45FCF20-91D5-47B4-82F1-712AD67B5261}"/>
-              </a:ext>
-            </a:extLst>
-          </p:cNvPr>
-          <p:cNvSpPr>
-            <a:spLocks noGrp="1"/>
-          </p:cNvSpPr>
-          <p:nvPr>
-            <p:ph idx="1"/>
-          </p:nvPr>
-        </p:nvSpPr>
-        <p:spPr/>
-        <p:txBody>
-          <a:bodyPr/>
-          <a:lstStyle/>
-          <a:p>
-            <a:endParaRPr lang="en-GB"/>
-          </a:p>
-        </p:txBody>
-      </p:sp>
+      <p:pic>
+        <p:nvPicPr>
+          <p:cNvPr id="5" name="Picture 4">
+            <a:extLst>
+              <a:ext uri="{FF2B5EF4-FFF2-40B4-BE49-F238E27FC236}">
+                <a16:creationId xmlns:a16="http://schemas.microsoft.com/office/drawing/2014/main" id="{93E7FD49-3F7E-4E08-AEB3-9743E79466A6}"/>
+              </a:ext>
+            </a:extLst>
+          </p:cNvPr>
+          <p:cNvPicPr>
+            <a:picLocks noChangeAspect="1"/>
+          </p:cNvPicPr>
+          <p:nvPr/>
+        </p:nvPicPr>
+        <p:blipFill>
+          <a:blip r:embed="rId2">
+            <a:extLst>
+              <a:ext uri="{28A0092B-C50C-407E-A947-70E740481C1C}">
+                <a14:useLocalDpi xmlns:a14="http://schemas.microsoft.com/office/drawing/2010/main" val="0"/>
+              </a:ext>
+            </a:extLst>
+          </a:blip>
+          <a:stretch>
+            <a:fillRect/>
+          </a:stretch>
+        </p:blipFill>
+        <p:spPr>
+          <a:xfrm>
+            <a:off x="1596000" y="54000"/>
+            <a:ext cx="9000000" cy="6750000"/>
+          </a:xfrm>
+          <a:prstGeom prst="rect">
+            <a:avLst/>
+          </a:prstGeom>
+        </p:spPr>
+      </p:pic>
+      <p:pic>
+        <p:nvPicPr>
+          <p:cNvPr id="7" name="Picture 6">
+            <a:extLst>
+              <a:ext uri="{FF2B5EF4-FFF2-40B4-BE49-F238E27FC236}">
+                <a16:creationId xmlns:a16="http://schemas.microsoft.com/office/drawing/2014/main" id="{FB354950-1BD7-4AA1-B3F2-B47BF510FCEF}"/>
+              </a:ext>
+            </a:extLst>
+          </p:cNvPr>
+          <p:cNvPicPr>
+            <a:picLocks noChangeAspect="1"/>
+          </p:cNvPicPr>
+          <p:nvPr/>
+        </p:nvPicPr>
+        <p:blipFill>
+          <a:blip r:embed="rId3">
+            <a:extLst>
+              <a:ext uri="{28A0092B-C50C-407E-A947-70E740481C1C}">
+                <a14:useLocalDpi xmlns:a14="http://schemas.microsoft.com/office/drawing/2010/main" val="0"/>
+              </a:ext>
+            </a:extLst>
+          </a:blip>
+          <a:stretch>
+            <a:fillRect/>
+          </a:stretch>
+        </p:blipFill>
+        <p:spPr>
+          <a:xfrm>
+            <a:off x="1596000" y="54000"/>
+            <a:ext cx="9000000" cy="6750000"/>
+          </a:xfrm>
+          <a:prstGeom prst="rect">
+            <a:avLst/>
+          </a:prstGeom>
+        </p:spPr>
+      </p:pic>
+      <p:pic>
+        <p:nvPicPr>
+          <p:cNvPr id="9" name="Picture 8">
+            <a:extLst>
+              <a:ext uri="{FF2B5EF4-FFF2-40B4-BE49-F238E27FC236}">
+                <a16:creationId xmlns:a16="http://schemas.microsoft.com/office/drawing/2014/main" id="{9710D7CB-BC2D-4EE8-B544-93D6EA58DC63}"/>
+              </a:ext>
+            </a:extLst>
+          </p:cNvPr>
+          <p:cNvPicPr>
+            <a:picLocks noChangeAspect="1"/>
+          </p:cNvPicPr>
+          <p:nvPr/>
+        </p:nvPicPr>
+        <p:blipFill>
+          <a:blip r:embed="rId4">
+            <a:extLst>
+              <a:ext uri="{28A0092B-C50C-407E-A947-70E740481C1C}">
+                <a14:useLocalDpi xmlns:a14="http://schemas.microsoft.com/office/drawing/2010/main" val="0"/>
+              </a:ext>
+            </a:extLst>
+          </a:blip>
+          <a:stretch>
+            <a:fillRect/>
+          </a:stretch>
+        </p:blipFill>
+        <p:spPr>
+          <a:xfrm>
+            <a:off x="1596000" y="54000"/>
+            <a:ext cx="9000000" cy="6750000"/>
+          </a:xfrm>
+          <a:prstGeom prst="rect">
+            <a:avLst/>
+          </a:prstGeom>
+        </p:spPr>
+      </p:pic>
+      <p:pic>
+        <p:nvPicPr>
+          <p:cNvPr id="11" name="Picture 10">
+            <a:extLst>
+              <a:ext uri="{FF2B5EF4-FFF2-40B4-BE49-F238E27FC236}">
+                <a16:creationId xmlns:a16="http://schemas.microsoft.com/office/drawing/2014/main" id="{DFC2524D-6EBF-46E3-9F10-FE2F76CB523C}"/>
+              </a:ext>
+            </a:extLst>
+          </p:cNvPr>
+          <p:cNvPicPr>
+            <a:picLocks noChangeAspect="1"/>
+          </p:cNvPicPr>
+          <p:nvPr/>
+        </p:nvPicPr>
+        <p:blipFill>
+          <a:blip r:embed="rId5">
+            <a:extLst>
+              <a:ext uri="{28A0092B-C50C-407E-A947-70E740481C1C}">
+                <a14:useLocalDpi xmlns:a14="http://schemas.microsoft.com/office/drawing/2010/main" val="0"/>
+              </a:ext>
+            </a:extLst>
+          </a:blip>
+          <a:stretch>
+            <a:fillRect/>
+          </a:stretch>
+        </p:blipFill>
+        <p:spPr>
+          <a:xfrm>
+            <a:off x="1596000" y="54000"/>
+            <a:ext cx="9000000" cy="6750000"/>
+          </a:xfrm>
+          <a:prstGeom prst="rect">
+            <a:avLst/>
+          </a:prstGeom>
+        </p:spPr>
+      </p:pic>
+      <p:pic>
+        <p:nvPicPr>
+          <p:cNvPr id="13" name="Picture 12">
+            <a:extLst>
+              <a:ext uri="{FF2B5EF4-FFF2-40B4-BE49-F238E27FC236}">
+                <a16:creationId xmlns:a16="http://schemas.microsoft.com/office/drawing/2014/main" id="{68A43413-38FA-4598-BF87-D37FDA04183D}"/>
+              </a:ext>
+            </a:extLst>
+          </p:cNvPr>
+          <p:cNvPicPr>
+            <a:picLocks noChangeAspect="1"/>
+          </p:cNvPicPr>
+          <p:nvPr/>
+        </p:nvPicPr>
+        <p:blipFill>
+          <a:blip r:embed="rId6">
+            <a:extLst>
+              <a:ext uri="{28A0092B-C50C-407E-A947-70E740481C1C}">
+                <a14:useLocalDpi xmlns:a14="http://schemas.microsoft.com/office/drawing/2010/main" val="0"/>
+              </a:ext>
+            </a:extLst>
+          </a:blip>
+          <a:stretch>
+            <a:fillRect/>
+          </a:stretch>
+        </p:blipFill>
+        <p:spPr>
+          <a:xfrm>
+            <a:off x="1596000" y="54000"/>
+            <a:ext cx="9000000" cy="6750000"/>
+          </a:xfrm>
+          <a:prstGeom prst="rect">
+            <a:avLst/>
+          </a:prstGeom>
+        </p:spPr>
+      </p:pic>
     </p:spTree>
     <p:extLst>
       <p:ext uri="{BB962C8B-B14F-4D97-AF65-F5344CB8AC3E}">
-        <p14:creationId xmlns:p14="http://schemas.microsoft.com/office/powerpoint/2010/main" val="2975574081"/>
+        <p14:creationId xmlns:p14="http://schemas.microsoft.com/office/powerpoint/2010/main" val="2144315058"/>
       </p:ext>
     </p:extLst>
   </p:cSld>
   <p:clrMapOvr>
     <a:masterClrMapping/>
   </p:clrMapOvr>
+  <p:timing>
+    <p:tnLst>
+      <p:par>
+        <p:cTn id="1" dur="indefinite" restart="never" nodeType="tmRoot">
+          <p:childTnLst>
+            <p:seq concurrent="1" nextAc="seek">
+              <p:cTn id="2" dur="indefinite" nodeType="mainSeq">
+                <p:childTnLst>
+                  <p:par>
+                    <p:cTn id="3" fill="hold">
+                      <p:stCondLst>
+                        <p:cond delay="indefinite"/>
+                      </p:stCondLst>
+                      <p:childTnLst>
+                        <p:par>
+                          <p:cTn id="4" fill="hold">
+                            <p:stCondLst>
+                              <p:cond delay="0"/>
+                            </p:stCondLst>
+                            <p:childTnLst>
+                              <p:par>
+                                <p:cTn id="5" presetID="1" presetClass="entr" presetSubtype="0" fill="hold" nodeType="clickEffect">
+                                  <p:stCondLst>
+                                    <p:cond delay="0"/>
+                                  </p:stCondLst>
+                                  <p:childTnLst>
+                                    <p:set>
+                                      <p:cBhvr>
+                                        <p:cTn id="6" dur="1" fill="hold">
+                                          <p:stCondLst>
+                                            <p:cond delay="0"/>
+                                          </p:stCondLst>
+                                        </p:cTn>
+                                        <p:tgtEl>
+                                          <p:spTgt spid="7"/>
+                                        </p:tgtEl>
+                                        <p:attrNameLst>
+                                          <p:attrName>style.visibility</p:attrName>
+                                        </p:attrNameLst>
+                                      </p:cBhvr>
+                                      <p:to>
+                                        <p:strVal val="visible"/>
+                                      </p:to>
+                                    </p:set>
+                                  </p:childTnLst>
+                                </p:cTn>
+                              </p:par>
+                            </p:childTnLst>
+                          </p:cTn>
+                        </p:par>
+                      </p:childTnLst>
+                    </p:cTn>
+                  </p:par>
+                  <p:par>
+                    <p:cTn id="7" fill="hold">
+                      <p:stCondLst>
+                        <p:cond delay="indefinite"/>
+                      </p:stCondLst>
+                      <p:childTnLst>
+                        <p:par>
+                          <p:cTn id="8" fill="hold">
+                            <p:stCondLst>
+                              <p:cond delay="0"/>
+                            </p:stCondLst>
+                            <p:childTnLst>
+                              <p:par>
+                                <p:cTn id="9" presetID="1" presetClass="entr" presetSubtype="0" fill="hold" nodeType="clickEffect">
+                                  <p:stCondLst>
+                                    <p:cond delay="0"/>
+                                  </p:stCondLst>
+                                  <p:childTnLst>
+                                    <p:set>
+                                      <p:cBhvr>
+                                        <p:cTn id="10" dur="1" fill="hold">
+                                          <p:stCondLst>
+                                            <p:cond delay="0"/>
+                                          </p:stCondLst>
+                                        </p:cTn>
+                                        <p:tgtEl>
+                                          <p:spTgt spid="9"/>
+                                        </p:tgtEl>
+                                        <p:attrNameLst>
+                                          <p:attrName>style.visibility</p:attrName>
+                                        </p:attrNameLst>
+                                      </p:cBhvr>
+                                      <p:to>
+                                        <p:strVal val="visible"/>
+                                      </p:to>
+                                    </p:set>
+                                  </p:childTnLst>
+                                </p:cTn>
+                              </p:par>
+                            </p:childTnLst>
+                          </p:cTn>
+                        </p:par>
+                      </p:childTnLst>
+                    </p:cTn>
+                  </p:par>
+                  <p:par>
+                    <p:cTn id="11" fill="hold">
+                      <p:stCondLst>
+                        <p:cond delay="indefinite"/>
+                      </p:stCondLst>
+                      <p:childTnLst>
+                        <p:par>
+                          <p:cTn id="12" fill="hold">
+                            <p:stCondLst>
+                              <p:cond delay="0"/>
+                            </p:stCondLst>
+                            <p:childTnLst>
+                              <p:par>
+                                <p:cTn id="13" presetID="1" presetClass="entr" presetSubtype="0" fill="hold" nodeType="clickEffect">
+                                  <p:stCondLst>
+                                    <p:cond delay="0"/>
+                                  </p:stCondLst>
+                                  <p:childTnLst>
+                                    <p:set>
+                                      <p:cBhvr>
+                                        <p:cTn id="14" dur="1" fill="hold">
+                                          <p:stCondLst>
+                                            <p:cond delay="0"/>
+                                          </p:stCondLst>
+                                        </p:cTn>
+                                        <p:tgtEl>
+                                          <p:spTgt spid="11"/>
+                                        </p:tgtEl>
+                                        <p:attrNameLst>
+                                          <p:attrName>style.visibility</p:attrName>
+                                        </p:attrNameLst>
+                                      </p:cBhvr>
+                                      <p:to>
+                                        <p:strVal val="visible"/>
+                                      </p:to>
+                                    </p:set>
+                                  </p:childTnLst>
+                                </p:cTn>
+                              </p:par>
+                            </p:childTnLst>
+                          </p:cTn>
+                        </p:par>
+                      </p:childTnLst>
+                    </p:cTn>
+                  </p:par>
+                  <p:par>
+                    <p:cTn id="15" fill="hold">
+                      <p:stCondLst>
+                        <p:cond delay="indefinite"/>
+                      </p:stCondLst>
+                      <p:childTnLst>
+                        <p:par>
+                          <p:cTn id="16" fill="hold">
+                            <p:stCondLst>
+                              <p:cond delay="0"/>
+                            </p:stCondLst>
+                            <p:childTnLst>
+                              <p:par>
+                                <p:cTn id="17" presetID="1" presetClass="entr" presetSubtype="0" fill="hold" nodeType="clickEffect">
+                                  <p:stCondLst>
+                                    <p:cond delay="0"/>
+                                  </p:stCondLst>
+                                  <p:childTnLst>
+                                    <p:set>
+                                      <p:cBhvr>
+                                        <p:cTn id="18" dur="1" fill="hold">
+                                          <p:stCondLst>
+                                            <p:cond delay="0"/>
+                                          </p:stCondLst>
+                                        </p:cTn>
+                                        <p:tgtEl>
+                                          <p:spTgt spid="13"/>
+                                        </p:tgtEl>
+                                        <p:attrNameLst>
+                                          <p:attrName>style.visibility</p:attrName>
+                                        </p:attrNameLst>
+                                      </p:cBhvr>
+                                      <p:to>
+                                        <p:strVal val="visible"/>
+                                      </p:to>
+                                    </p:set>
+                                  </p:childTnLst>
+                                </p:cTn>
+                              </p:par>
+                            </p:childTnLst>
+                          </p:cTn>
+                        </p:par>
+                      </p:childTnLst>
+                    </p:cTn>
+                  </p:par>
+                </p:childTnLst>
+              </p:cTn>
+              <p:prevCondLst>
+                <p:cond evt="onPrev" delay="0">
+                  <p:tgtEl>
+                    <p:sldTgt/>
+                  </p:tgtEl>
+                </p:cond>
+              </p:prevCondLst>
+              <p:nextCondLst>
+                <p:cond evt="onNext" delay="0">
+                  <p:tgtEl>
+                    <p:sldTgt/>
+                  </p:tgtEl>
+                </p:cond>
+              </p:nextCondLst>
+            </p:seq>
+          </p:childTnLst>
+        </p:cTn>
+      </p:par>
+    </p:tnLst>
+  </p:timing>
 </p:sld>
 </file>
 
@@ -4359,7 +7892,7 @@
           <p:cNvPr id="2" name="Title 1">
             <a:extLst>
               <a:ext uri="{FF2B5EF4-FFF2-40B4-BE49-F238E27FC236}">
-                <a16:creationId xmlns:a16="http://schemas.microsoft.com/office/drawing/2014/main" id="{AF637770-BFFA-499F-A743-11013ABC97EF}"/>
+                <a16:creationId xmlns:a16="http://schemas.microsoft.com/office/drawing/2014/main" id="{418ACE3E-39EB-4B4F-9849-EB41EE3C66A1}"/>
               </a:ext>
             </a:extLst>
           </p:cNvPr>
@@ -4377,17 +7910,20 @@
           <a:p>
             <a:r>
               <a:rPr lang="en-GB" dirty="0" err="1"/>
-              <a:t>Primeri</a:t>
+              <a:t>Verzije</a:t>
             </a:r>
             <a:r>
               <a:rPr lang="en-GB" dirty="0"/>
-              <a:t> in </a:t>
+              <a:t> jump flood </a:t>
             </a:r>
             <a:r>
               <a:rPr lang="en-GB" dirty="0" err="1"/>
-              <a:t>zanimivosto</a:t>
-            </a:r>
-            <a:endParaRPr lang="en-GB" dirty="0"/>
+              <a:t>algoritma</a:t>
+            </a:r>
+            <a:r>
+              <a:rPr lang="en-GB" dirty="0"/>
+              <a:t> (JFA)</a:t>
+            </a:r>
           </a:p>
         </p:txBody>
       </p:sp>
@@ -4396,7 +7932,7 @@
           <p:cNvPr id="3" name="Content Placeholder 2">
             <a:extLst>
               <a:ext uri="{FF2B5EF4-FFF2-40B4-BE49-F238E27FC236}">
-                <a16:creationId xmlns:a16="http://schemas.microsoft.com/office/drawing/2014/main" id="{5306AC4C-D1DD-44AE-A954-698F27024FC7}"/>
+                <a16:creationId xmlns:a16="http://schemas.microsoft.com/office/drawing/2014/main" id="{5E2C260F-58D6-48D2-BF72-A8ED1287AC70}"/>
               </a:ext>
             </a:extLst>
           </p:cNvPr>
@@ -4407,25 +7943,418 @@
             <p:ph idx="1"/>
           </p:nvPr>
         </p:nvSpPr>
-        <p:spPr/>
+        <p:spPr>
+          <a:xfrm>
+            <a:off x="838200" y="1852258"/>
+            <a:ext cx="10515600" cy="4351338"/>
+          </a:xfrm>
+        </p:spPr>
         <p:txBody>
           <a:bodyPr/>
           <a:lstStyle/>
           <a:p>
-            <a:endParaRPr lang="en-GB"/>
+            <a:r>
+              <a:rPr lang="en-GB" dirty="0" err="1"/>
+              <a:t>Napake</a:t>
+            </a:r>
+            <a:r>
+              <a:rPr lang="en-GB" dirty="0"/>
+              <a:t>, ki so </a:t>
+            </a:r>
+            <a:r>
+              <a:rPr lang="en-GB" dirty="0" err="1"/>
+              <a:t>zanemarljive</a:t>
+            </a:r>
+            <a:endParaRPr lang="en-GB" dirty="0"/>
+          </a:p>
+          <a:p>
+            <a:endParaRPr lang="en-GB" dirty="0"/>
+          </a:p>
+          <a:p>
+            <a:endParaRPr lang="en-GB" dirty="0"/>
+          </a:p>
+          <a:p>
+            <a:r>
+              <a:rPr lang="en-GB" dirty="0"/>
+              <a:t>JFA + 1 : {N/2, N/4, …, 1, 1}</a:t>
+            </a:r>
+          </a:p>
+          <a:p>
+            <a:r>
+              <a:rPr lang="en-GB" dirty="0"/>
+              <a:t>JFA + 2 : {N/2, N/4, …, 1, 2, 1}</a:t>
+            </a:r>
+          </a:p>
+          <a:p>
+            <a:r>
+              <a:rPr lang="en-GB" dirty="0"/>
+              <a:t>1 + JFA : {1, N/2, N/4, …, 1}</a:t>
+            </a:r>
+          </a:p>
+          <a:p>
+            <a:endParaRPr lang="en-GB" dirty="0"/>
+          </a:p>
+          <a:p>
+            <a:endParaRPr lang="en-GB" dirty="0"/>
+          </a:p>
+          <a:p>
+            <a:endParaRPr lang="en-GB" dirty="0"/>
+          </a:p>
+        </p:txBody>
+      </p:sp>
+      <p:pic>
+        <p:nvPicPr>
+          <p:cNvPr id="5" name="Picture 4" descr="Chart&#10;&#10;Description automatically generated">
+            <a:extLst>
+              <a:ext uri="{FF2B5EF4-FFF2-40B4-BE49-F238E27FC236}">
+                <a16:creationId xmlns:a16="http://schemas.microsoft.com/office/drawing/2014/main" id="{98159E0E-56F8-4D09-9C43-1FC7A9CECC8C}"/>
+              </a:ext>
+            </a:extLst>
+          </p:cNvPr>
+          <p:cNvPicPr>
+            <a:picLocks noChangeAspect="1"/>
+          </p:cNvPicPr>
+          <p:nvPr/>
+        </p:nvPicPr>
+        <p:blipFill>
+          <a:blip r:embed="rId2"/>
+          <a:stretch>
+            <a:fillRect/>
+          </a:stretch>
+        </p:blipFill>
+        <p:spPr>
+          <a:xfrm>
+            <a:off x="5536845" y="1717321"/>
+            <a:ext cx="6066269" cy="4343305"/>
+          </a:xfrm>
+          <a:prstGeom prst="rect">
+            <a:avLst/>
+          </a:prstGeom>
+        </p:spPr>
+      </p:pic>
+      <p:sp>
+        <p:nvSpPr>
+          <p:cNvPr id="6" name="TextBox 5">
+            <a:extLst>
+              <a:ext uri="{FF2B5EF4-FFF2-40B4-BE49-F238E27FC236}">
+                <a16:creationId xmlns:a16="http://schemas.microsoft.com/office/drawing/2014/main" id="{86D9245F-1820-4F67-B073-9313CCDE2C55}"/>
+              </a:ext>
+            </a:extLst>
+          </p:cNvPr>
+          <p:cNvSpPr txBox="1"/>
+          <p:nvPr/>
+        </p:nvSpPr>
+        <p:spPr>
+          <a:xfrm>
+            <a:off x="6232124" y="5949667"/>
+            <a:ext cx="5370990" cy="830997"/>
+          </a:xfrm>
+          <a:prstGeom prst="rect">
+            <a:avLst/>
+          </a:prstGeom>
+          <a:noFill/>
+        </p:spPr>
+        <p:txBody>
+          <a:bodyPr wrap="square" rtlCol="0">
+            <a:spAutoFit/>
+          </a:bodyPr>
+          <a:lstStyle/>
+          <a:p>
+            <a:r>
+              <a:rPr lang="en-GB" sz="1200" dirty="0"/>
+              <a:t>Graf </a:t>
+            </a:r>
+            <a:r>
+              <a:rPr lang="en-GB" sz="1200" dirty="0" err="1"/>
+              <a:t>dostopen</a:t>
+            </a:r>
+            <a:r>
+              <a:rPr lang="en-GB" sz="1200" dirty="0"/>
+              <a:t> </a:t>
+            </a:r>
+            <a:r>
+              <a:rPr lang="en-GB" sz="1200" dirty="0" err="1"/>
+              <a:t>na</a:t>
+            </a:r>
+            <a:r>
+              <a:rPr lang="en-GB" sz="1200" dirty="0"/>
+              <a:t>: </a:t>
+            </a:r>
+            <a:r>
+              <a:rPr lang="en-GB" sz="1200" dirty="0">
+                <a:hlinkClick r:id="rId3"/>
+              </a:rPr>
+              <a:t>https://www.researchgate.net/publication/4263565_Variants_of_Jump_Flooding_Algorithm_for_Computing_Discrete_Voronoi_Diagrams</a:t>
+            </a:r>
+            <a:endParaRPr lang="en-GB" sz="1200" dirty="0"/>
+          </a:p>
+          <a:p>
+            <a:endParaRPr lang="en-GB" sz="1200" dirty="0"/>
           </a:p>
         </p:txBody>
       </p:sp>
     </p:spTree>
     <p:extLst>
       <p:ext uri="{BB962C8B-B14F-4D97-AF65-F5344CB8AC3E}">
-        <p14:creationId xmlns:p14="http://schemas.microsoft.com/office/powerpoint/2010/main" val="3838925735"/>
+        <p14:creationId xmlns:p14="http://schemas.microsoft.com/office/powerpoint/2010/main" val="255822959"/>
       </p:ext>
     </p:extLst>
   </p:cSld>
   <p:clrMapOvr>
     <a:masterClrMapping/>
   </p:clrMapOvr>
+  <p:timing>
+    <p:tnLst>
+      <p:par>
+        <p:cTn id="1" dur="indefinite" restart="never" nodeType="tmRoot">
+          <p:childTnLst>
+            <p:seq concurrent="1" nextAc="seek">
+              <p:cTn id="2" dur="indefinite" nodeType="mainSeq">
+                <p:childTnLst>
+                  <p:par>
+                    <p:cTn id="3" fill="hold">
+                      <p:stCondLst>
+                        <p:cond delay="indefinite"/>
+                      </p:stCondLst>
+                      <p:childTnLst>
+                        <p:par>
+                          <p:cTn id="4" fill="hold">
+                            <p:stCondLst>
+                              <p:cond delay="0"/>
+                            </p:stCondLst>
+                            <p:childTnLst>
+                              <p:par>
+                                <p:cTn id="5" presetID="1" presetClass="entr" presetSubtype="0" fill="hold" nodeType="clickEffect">
+                                  <p:stCondLst>
+                                    <p:cond delay="0"/>
+                                  </p:stCondLst>
+                                  <p:childTnLst>
+                                    <p:set>
+                                      <p:cBhvr>
+                                        <p:cTn id="6" dur="1" fill="hold">
+                                          <p:stCondLst>
+                                            <p:cond delay="0"/>
+                                          </p:stCondLst>
+                                        </p:cTn>
+                                        <p:tgtEl>
+                                          <p:spTgt spid="3">
+                                            <p:txEl>
+                                              <p:pRg st="3" end="3"/>
+                                            </p:txEl>
+                                          </p:spTgt>
+                                        </p:tgtEl>
+                                        <p:attrNameLst>
+                                          <p:attrName>style.visibility</p:attrName>
+                                        </p:attrNameLst>
+                                      </p:cBhvr>
+                                      <p:to>
+                                        <p:strVal val="visible"/>
+                                      </p:to>
+                                    </p:set>
+                                  </p:childTnLst>
+                                </p:cTn>
+                              </p:par>
+                            </p:childTnLst>
+                          </p:cTn>
+                        </p:par>
+                      </p:childTnLst>
+                    </p:cTn>
+                  </p:par>
+                  <p:par>
+                    <p:cTn id="7" fill="hold">
+                      <p:stCondLst>
+                        <p:cond delay="indefinite"/>
+                      </p:stCondLst>
+                      <p:childTnLst>
+                        <p:par>
+                          <p:cTn id="8" fill="hold">
+                            <p:stCondLst>
+                              <p:cond delay="0"/>
+                            </p:stCondLst>
+                            <p:childTnLst>
+                              <p:par>
+                                <p:cTn id="9" presetID="1" presetClass="entr" presetSubtype="0" fill="hold" nodeType="clickEffect">
+                                  <p:stCondLst>
+                                    <p:cond delay="0"/>
+                                  </p:stCondLst>
+                                  <p:childTnLst>
+                                    <p:set>
+                                      <p:cBhvr>
+                                        <p:cTn id="10" dur="1" fill="hold">
+                                          <p:stCondLst>
+                                            <p:cond delay="0"/>
+                                          </p:stCondLst>
+                                        </p:cTn>
+                                        <p:tgtEl>
+                                          <p:spTgt spid="3">
+                                            <p:txEl>
+                                              <p:pRg st="4" end="4"/>
+                                            </p:txEl>
+                                          </p:spTgt>
+                                        </p:tgtEl>
+                                        <p:attrNameLst>
+                                          <p:attrName>style.visibility</p:attrName>
+                                        </p:attrNameLst>
+                                      </p:cBhvr>
+                                      <p:to>
+                                        <p:strVal val="visible"/>
+                                      </p:to>
+                                    </p:set>
+                                  </p:childTnLst>
+                                </p:cTn>
+                              </p:par>
+                            </p:childTnLst>
+                          </p:cTn>
+                        </p:par>
+                      </p:childTnLst>
+                    </p:cTn>
+                  </p:par>
+                  <p:par>
+                    <p:cTn id="11" fill="hold">
+                      <p:stCondLst>
+                        <p:cond delay="indefinite"/>
+                      </p:stCondLst>
+                      <p:childTnLst>
+                        <p:par>
+                          <p:cTn id="12" fill="hold">
+                            <p:stCondLst>
+                              <p:cond delay="0"/>
+                            </p:stCondLst>
+                            <p:childTnLst>
+                              <p:par>
+                                <p:cTn id="13" presetID="1" presetClass="entr" presetSubtype="0" fill="hold" nodeType="clickEffect">
+                                  <p:stCondLst>
+                                    <p:cond delay="0"/>
+                                  </p:stCondLst>
+                                  <p:childTnLst>
+                                    <p:set>
+                                      <p:cBhvr>
+                                        <p:cTn id="14" dur="1" fill="hold">
+                                          <p:stCondLst>
+                                            <p:cond delay="0"/>
+                                          </p:stCondLst>
+                                        </p:cTn>
+                                        <p:tgtEl>
+                                          <p:spTgt spid="3">
+                                            <p:txEl>
+                                              <p:pRg st="5" end="5"/>
+                                            </p:txEl>
+                                          </p:spTgt>
+                                        </p:tgtEl>
+                                        <p:attrNameLst>
+                                          <p:attrName>style.visibility</p:attrName>
+                                        </p:attrNameLst>
+                                      </p:cBhvr>
+                                      <p:to>
+                                        <p:strVal val="visible"/>
+                                      </p:to>
+                                    </p:set>
+                                  </p:childTnLst>
+                                </p:cTn>
+                              </p:par>
+                            </p:childTnLst>
+                          </p:cTn>
+                        </p:par>
+                      </p:childTnLst>
+                    </p:cTn>
+                  </p:par>
+                  <p:par>
+                    <p:cTn id="15" fill="hold">
+                      <p:stCondLst>
+                        <p:cond delay="indefinite"/>
+                      </p:stCondLst>
+                      <p:childTnLst>
+                        <p:par>
+                          <p:cTn id="16" fill="hold">
+                            <p:stCondLst>
+                              <p:cond delay="0"/>
+                            </p:stCondLst>
+                            <p:childTnLst>
+                              <p:par>
+                                <p:cTn id="17" presetID="1" presetClass="entr" presetSubtype="0" fill="hold" nodeType="clickEffect">
+                                  <p:stCondLst>
+                                    <p:cond delay="0"/>
+                                  </p:stCondLst>
+                                  <p:childTnLst>
+                                    <p:set>
+                                      <p:cBhvr>
+                                        <p:cTn id="18" dur="1" fill="hold">
+                                          <p:stCondLst>
+                                            <p:cond delay="0"/>
+                                          </p:stCondLst>
+                                        </p:cTn>
+                                        <p:tgtEl>
+                                          <p:spTgt spid="5"/>
+                                        </p:tgtEl>
+                                        <p:attrNameLst>
+                                          <p:attrName>style.visibility</p:attrName>
+                                        </p:attrNameLst>
+                                      </p:cBhvr>
+                                      <p:to>
+                                        <p:strVal val="visible"/>
+                                      </p:to>
+                                    </p:set>
+                                  </p:childTnLst>
+                                </p:cTn>
+                              </p:par>
+                              <p:par>
+                                <p:cTn id="19" presetID="1" presetClass="entr" presetSubtype="0" fill="hold" grpId="0" nodeType="withEffect">
+                                  <p:stCondLst>
+                                    <p:cond delay="0"/>
+                                  </p:stCondLst>
+                                  <p:childTnLst>
+                                    <p:set>
+                                      <p:cBhvr>
+                                        <p:cTn id="20" dur="1" fill="hold">
+                                          <p:stCondLst>
+                                            <p:cond delay="0"/>
+                                          </p:stCondLst>
+                                        </p:cTn>
+                                        <p:tgtEl>
+                                          <p:spTgt spid="6"/>
+                                        </p:tgtEl>
+                                        <p:attrNameLst>
+                                          <p:attrName>style.visibility</p:attrName>
+                                        </p:attrNameLst>
+                                      </p:cBhvr>
+                                      <p:to>
+                                        <p:strVal val="visible"/>
+                                      </p:to>
+                                    </p:set>
+                                  </p:childTnLst>
+                                </p:cTn>
+                              </p:par>
+                            </p:childTnLst>
+                          </p:cTn>
+                        </p:par>
+                      </p:childTnLst>
+                    </p:cTn>
+                  </p:par>
+                </p:childTnLst>
+              </p:cTn>
+              <p:prevCondLst>
+                <p:cond evt="onPrev" delay="0">
+                  <p:tgtEl>
+                    <p:sldTgt/>
+                  </p:tgtEl>
+                </p:cond>
+              </p:prevCondLst>
+              <p:nextCondLst>
+                <p:cond evt="onNext" delay="0">
+                  <p:tgtEl>
+                    <p:sldTgt/>
+                  </p:tgtEl>
+                </p:cond>
+              </p:nextCondLst>
+            </p:seq>
+          </p:childTnLst>
+        </p:cTn>
+      </p:par>
+    </p:tnLst>
+    <p:bldLst>
+      <p:bldP spid="6" grpId="0"/>
+    </p:bldLst>
+  </p:timing>
 </p:sld>
 </file>
 

--- a/predstavitev/Vornoievi_diagrami.pptx
+++ b/predstavitev/Vornoievi_diagrami.pptx
@@ -8,19 +8,23 @@
     <p:sldId id="256" r:id="rId2"/>
     <p:sldId id="258" r:id="rId3"/>
     <p:sldId id="271" r:id="rId4"/>
-    <p:sldId id="259" r:id="rId5"/>
+    <p:sldId id="272" r:id="rId5"/>
     <p:sldId id="267" r:id="rId6"/>
     <p:sldId id="260" r:id="rId7"/>
     <p:sldId id="269" r:id="rId8"/>
     <p:sldId id="270" r:id="rId9"/>
     <p:sldId id="268" r:id="rId10"/>
-    <p:sldId id="261" r:id="rId11"/>
-    <p:sldId id="262" r:id="rId12"/>
-    <p:sldId id="263" r:id="rId13"/>
-    <p:sldId id="264" r:id="rId14"/>
-    <p:sldId id="265" r:id="rId15"/>
-    <p:sldId id="266" r:id="rId16"/>
-    <p:sldId id="257" r:id="rId17"/>
+    <p:sldId id="273" r:id="rId11"/>
+    <p:sldId id="274" r:id="rId12"/>
+    <p:sldId id="275" r:id="rId13"/>
+    <p:sldId id="276" r:id="rId14"/>
+    <p:sldId id="277" r:id="rId15"/>
+    <p:sldId id="278" r:id="rId16"/>
+    <p:sldId id="279" r:id="rId17"/>
+    <p:sldId id="264" r:id="rId18"/>
+    <p:sldId id="265" r:id="rId19"/>
+    <p:sldId id="266" r:id="rId20"/>
+    <p:sldId id="257" r:id="rId21"/>
   </p:sldIdLst>
   <p:sldSz cx="12192000" cy="6858000"/>
   <p:notesSz cx="6858000" cy="9144000"/>
@@ -3513,14 +3517,27 @@
             <p:ph type="title"/>
           </p:nvPr>
         </p:nvSpPr>
-        <p:spPr/>
+        <p:spPr>
+          <a:xfrm>
+            <a:off x="256309" y="230909"/>
+            <a:ext cx="10515600" cy="794761"/>
+          </a:xfrm>
+        </p:spPr>
         <p:txBody>
           <a:bodyPr/>
           <a:lstStyle/>
           <a:p>
             <a:r>
               <a:rPr lang="en-GB" dirty="0" err="1"/>
-              <a:t>Delaunajeva</a:t>
+              <a:t>Delaun</a:t>
+            </a:r>
+            <a:r>
+              <a:rPr lang="en-SI" dirty="0"/>
+              <a:t>o</a:t>
+            </a:r>
+            <a:r>
+              <a:rPr lang="en-GB" dirty="0" err="1"/>
+              <a:t>jeva</a:t>
             </a:r>
             <a:r>
               <a:rPr lang="en-GB" dirty="0"/>
@@ -3536,45 +3553,557 @@
       </p:sp>
       <p:sp>
         <p:nvSpPr>
-          <p:cNvPr id="3" name="Content Placeholder 2">
-            <a:extLst>
-              <a:ext uri="{FF2B5EF4-FFF2-40B4-BE49-F238E27FC236}">
-                <a16:creationId xmlns:a16="http://schemas.microsoft.com/office/drawing/2014/main" id="{C1A98CC0-CB9E-489E-9978-A018E67BF16A}"/>
-              </a:ext>
-            </a:extLst>
-          </p:cNvPr>
-          <p:cNvSpPr>
-            <a:spLocks noGrp="1"/>
-          </p:cNvSpPr>
-          <p:nvPr>
-            <p:ph idx="1"/>
-          </p:nvPr>
+          <p:cNvPr id="4" name="TextBox 3">
+            <a:extLst>
+              <a:ext uri="{FF2B5EF4-FFF2-40B4-BE49-F238E27FC236}">
+                <a16:creationId xmlns:a16="http://schemas.microsoft.com/office/drawing/2014/main" id="{89D95324-5280-4520-9720-77EF1DCA6104}"/>
+              </a:ext>
+            </a:extLst>
+          </p:cNvPr>
+          <p:cNvSpPr txBox="1"/>
+          <p:nvPr/>
         </p:nvSpPr>
-        <p:spPr/>
+        <p:spPr>
+          <a:xfrm>
+            <a:off x="369454" y="1376218"/>
+            <a:ext cx="8873135" cy="1200329"/>
+          </a:xfrm>
+          <a:prstGeom prst="rect">
+            <a:avLst/>
+          </a:prstGeom>
+          <a:noFill/>
+        </p:spPr>
         <p:txBody>
-          <a:bodyPr/>
+          <a:bodyPr wrap="none" rtlCol="0">
+            <a:spAutoFit/>
+          </a:bodyPr>
           <a:lstStyle/>
           <a:p>
-            <a:r>
-              <a:rPr lang="en-GB" dirty="0" err="1"/>
-              <a:t>Kaj</a:t>
-            </a:r>
-            <a:r>
-              <a:rPr lang="en-GB" dirty="0"/>
-              <a:t> je in </a:t>
-            </a:r>
-            <a:r>
-              <a:rPr lang="en-GB" dirty="0" err="1"/>
-              <a:t>ideja</a:t>
-            </a:r>
-            <a:endParaRPr lang="en-GB" dirty="0"/>
+            <a:pPr marL="285750" indent="-285750">
+              <a:buFontTx/>
+              <a:buChar char="-"/>
+            </a:pPr>
+            <a:r>
+              <a:rPr lang="en-SI" dirty="0" err="1"/>
+              <a:t>Obstaja</a:t>
+            </a:r>
+            <a:r>
+              <a:rPr lang="en-SI" dirty="0"/>
+              <a:t> </a:t>
+            </a:r>
+            <a:r>
+              <a:rPr lang="en-SI" dirty="0" err="1"/>
+              <a:t>več</a:t>
+            </a:r>
+            <a:r>
+              <a:rPr lang="en-SI" dirty="0"/>
+              <a:t> </a:t>
+            </a:r>
+            <a:r>
+              <a:rPr lang="en-SI" dirty="0" err="1"/>
+              <a:t>algoritmov</a:t>
+            </a:r>
+            <a:endParaRPr lang="en-SI" dirty="0"/>
+          </a:p>
+          <a:p>
+            <a:pPr marL="285750" indent="-285750">
+              <a:buFontTx/>
+              <a:buChar char="-"/>
+            </a:pPr>
+            <a:r>
+              <a:rPr lang="en-SI" dirty="0"/>
+              <a:t>Deli in </a:t>
+            </a:r>
+            <a:r>
+              <a:rPr lang="en-SI" dirty="0" err="1"/>
+              <a:t>vladaj</a:t>
+            </a:r>
+            <a:r>
+              <a:rPr lang="en-SI" dirty="0"/>
+              <a:t> (Divide and conquer)</a:t>
+            </a:r>
+          </a:p>
+          <a:p>
+            <a:pPr marL="285750" indent="-285750">
+              <a:buFontTx/>
+              <a:buChar char="-"/>
+            </a:pPr>
+            <a:r>
+              <a:rPr lang="en-SI" dirty="0" err="1"/>
+              <a:t>Ideja</a:t>
+            </a:r>
+            <a:r>
+              <a:rPr lang="en-SI" dirty="0"/>
+              <a:t>: Problem “</a:t>
+            </a:r>
+            <a:r>
+              <a:rPr lang="en-SI" dirty="0" err="1"/>
+              <a:t>razbijemo</a:t>
+            </a:r>
+            <a:r>
+              <a:rPr lang="en-SI" dirty="0"/>
+              <a:t>” </a:t>
+            </a:r>
+            <a:r>
+              <a:rPr lang="en-SI" dirty="0" err="1"/>
+              <a:t>na</a:t>
+            </a:r>
+            <a:r>
+              <a:rPr lang="en-SI" dirty="0"/>
+              <a:t> </a:t>
+            </a:r>
+            <a:r>
+              <a:rPr lang="en-SI" dirty="0" err="1"/>
+              <a:t>manjše</a:t>
+            </a:r>
+            <a:r>
+              <a:rPr lang="en-SI" dirty="0"/>
+              <a:t> </a:t>
+            </a:r>
+            <a:r>
+              <a:rPr lang="en-SI" dirty="0" err="1"/>
+              <a:t>podprobleme</a:t>
+            </a:r>
+            <a:r>
+              <a:rPr lang="en-SI" dirty="0"/>
+              <a:t>, ki </a:t>
+            </a:r>
+            <a:r>
+              <a:rPr lang="en-SI" dirty="0" err="1"/>
+              <a:t>jih</a:t>
+            </a:r>
+            <a:r>
+              <a:rPr lang="en-SI" dirty="0"/>
+              <a:t> </a:t>
+            </a:r>
+            <a:r>
+              <a:rPr lang="en-SI" dirty="0" err="1"/>
+              <a:t>nato</a:t>
+            </a:r>
+            <a:r>
+              <a:rPr lang="en-SI" dirty="0"/>
+              <a:t> </a:t>
+            </a:r>
+            <a:r>
+              <a:rPr lang="en-SI" dirty="0" err="1"/>
+              <a:t>rekurzivno</a:t>
+            </a:r>
+            <a:r>
+              <a:rPr lang="en-SI" dirty="0"/>
+              <a:t> </a:t>
+            </a:r>
+            <a:r>
+              <a:rPr lang="en-SI" dirty="0" err="1"/>
+              <a:t>zlepimo</a:t>
+            </a:r>
+            <a:r>
+              <a:rPr lang="en-SI" dirty="0"/>
+              <a:t> </a:t>
+            </a:r>
+            <a:r>
+              <a:rPr lang="en-SI" dirty="0" err="1"/>
+              <a:t>skupaj</a:t>
+            </a:r>
+            <a:endParaRPr lang="en-SI" dirty="0"/>
+          </a:p>
+          <a:p>
+            <a:pPr marL="285750" indent="-285750">
+              <a:buFontTx/>
+              <a:buChar char="-"/>
+            </a:pPr>
+            <a:r>
+              <a:rPr lang="en-SI" dirty="0" err="1"/>
+              <a:t>Rezultat</a:t>
+            </a:r>
+            <a:r>
+              <a:rPr lang="en-SI" dirty="0"/>
+              <a:t>: </a:t>
+            </a:r>
+            <a:r>
+              <a:rPr lang="en-SI" dirty="0" err="1"/>
+              <a:t>Triangulacija</a:t>
+            </a:r>
+            <a:r>
+              <a:rPr lang="en-SI" dirty="0"/>
+              <a:t> </a:t>
+            </a:r>
+            <a:r>
+              <a:rPr lang="en-SI" dirty="0" err="1"/>
+              <a:t>znotraj</a:t>
+            </a:r>
+            <a:r>
+              <a:rPr lang="en-SI" dirty="0"/>
+              <a:t> </a:t>
+            </a:r>
+            <a:r>
+              <a:rPr lang="en-SI" dirty="0" err="1"/>
+              <a:t>konveksne</a:t>
+            </a:r>
+            <a:r>
+              <a:rPr lang="en-SI" dirty="0"/>
+              <a:t> </a:t>
+            </a:r>
+            <a:r>
+              <a:rPr lang="en-SI" dirty="0" err="1"/>
+              <a:t>ogrinjače</a:t>
+            </a:r>
+            <a:r>
+              <a:rPr lang="en-SI" dirty="0"/>
+              <a:t> </a:t>
+            </a:r>
+            <a:r>
+              <a:rPr lang="en-SI" dirty="0" err="1"/>
+              <a:t>neke</a:t>
+            </a:r>
+            <a:r>
+              <a:rPr lang="en-SI" dirty="0"/>
+              <a:t> </a:t>
+            </a:r>
+            <a:r>
+              <a:rPr lang="en-SI" dirty="0" err="1"/>
+              <a:t>množice</a:t>
+            </a:r>
+            <a:r>
+              <a:rPr lang="en-SI" dirty="0"/>
+              <a:t> </a:t>
+            </a:r>
+            <a:r>
+              <a:rPr lang="en-SI" dirty="0" err="1"/>
+              <a:t>točk</a:t>
+            </a:r>
+            <a:endParaRPr lang="en-SI" dirty="0"/>
+          </a:p>
+        </p:txBody>
+      </p:sp>
+      <p:sp>
+        <p:nvSpPr>
+          <p:cNvPr id="5" name="TextBox 4">
+            <a:extLst>
+              <a:ext uri="{FF2B5EF4-FFF2-40B4-BE49-F238E27FC236}">
+                <a16:creationId xmlns:a16="http://schemas.microsoft.com/office/drawing/2014/main" id="{40B4BDB0-B97E-400F-9957-7F554AC0D419}"/>
+              </a:ext>
+            </a:extLst>
+          </p:cNvPr>
+          <p:cNvSpPr txBox="1"/>
+          <p:nvPr/>
+        </p:nvSpPr>
+        <p:spPr>
+          <a:xfrm>
+            <a:off x="483937" y="3260808"/>
+            <a:ext cx="5816196" cy="1754326"/>
+          </a:xfrm>
+          <a:prstGeom prst="rect">
+            <a:avLst/>
+          </a:prstGeom>
+          <a:noFill/>
+        </p:spPr>
+        <p:txBody>
+          <a:bodyPr wrap="square" rtlCol="0">
+            <a:spAutoFit/>
+          </a:bodyPr>
+          <a:lstStyle/>
+          <a:p>
+            <a:r>
+              <a:rPr lang="sl-SI" dirty="0"/>
+              <a:t>Pravimo, da Delaun</a:t>
+            </a:r>
+            <a:r>
+              <a:rPr lang="en-SI" dirty="0" err="1"/>
+              <a:t>ojeva</a:t>
+            </a:r>
+            <a:r>
+              <a:rPr lang="en-SI" dirty="0"/>
+              <a:t> </a:t>
+            </a:r>
+            <a:r>
+              <a:rPr lang="sl-SI" dirty="0"/>
+              <a:t> triangulacija</a:t>
+            </a:r>
+            <a:r>
+              <a:rPr lang="en-SI" dirty="0"/>
+              <a:t> </a:t>
+            </a:r>
+            <a:r>
+              <a:rPr lang="en-SI" dirty="0" err="1"/>
+              <a:t>velja</a:t>
+            </a:r>
+            <a:r>
+              <a:rPr lang="sl-SI" dirty="0"/>
+              <a:t>, če</a:t>
+            </a:r>
+            <a:r>
+              <a:rPr lang="en-SI" dirty="0"/>
+              <a:t> </a:t>
+            </a:r>
+            <a:r>
+              <a:rPr lang="en-SI" dirty="0" err="1"/>
+              <a:t>na</a:t>
+            </a:r>
+            <a:r>
+              <a:rPr lang="en-SI" dirty="0"/>
+              <a:t> </a:t>
+            </a:r>
+            <a:r>
+              <a:rPr lang="en-SI" dirty="0" err="1"/>
+              <a:t>poljubni</a:t>
+            </a:r>
+            <a:r>
+              <a:rPr lang="en-SI" dirty="0"/>
+              <a:t> </a:t>
+            </a:r>
+            <a:r>
+              <a:rPr lang="en-SI" dirty="0" err="1"/>
+              <a:t>množici</a:t>
+            </a:r>
+            <a:r>
+              <a:rPr lang="en-SI" dirty="0"/>
+              <a:t> </a:t>
+            </a:r>
+            <a:r>
+              <a:rPr lang="en-SI" dirty="0" err="1"/>
+              <a:t>točk</a:t>
+            </a:r>
+            <a:r>
+              <a:rPr lang="en-SI" dirty="0"/>
+              <a:t> (</a:t>
+            </a:r>
+            <a:r>
+              <a:rPr lang="en-SI" dirty="0" err="1"/>
+              <a:t>povezane</a:t>
+            </a:r>
+            <a:r>
+              <a:rPr lang="en-SI" dirty="0"/>
+              <a:t> v </a:t>
+            </a:r>
+            <a:r>
+              <a:rPr lang="en-SI" dirty="0" err="1"/>
+              <a:t>trikotnike</a:t>
+            </a:r>
+            <a:r>
+              <a:rPr lang="en-SI" dirty="0"/>
+              <a:t>), za </a:t>
+            </a:r>
+            <a:r>
+              <a:rPr lang="en-SI" dirty="0" err="1"/>
+              <a:t>dva</a:t>
+            </a:r>
+            <a:r>
+              <a:rPr lang="en-SI" dirty="0"/>
+              <a:t> </a:t>
+            </a:r>
+            <a:r>
+              <a:rPr lang="en-SI" dirty="0" err="1"/>
+              <a:t>poljubna</a:t>
+            </a:r>
+            <a:r>
+              <a:rPr lang="en-SI" dirty="0"/>
+              <a:t> </a:t>
+            </a:r>
+            <a:r>
+              <a:rPr lang="en-SI" dirty="0" err="1"/>
+              <a:t>sosednja</a:t>
+            </a:r>
+            <a:r>
+              <a:rPr lang="en-SI" dirty="0"/>
+              <a:t> </a:t>
+            </a:r>
+            <a:r>
+              <a:rPr lang="en-SI" dirty="0" err="1"/>
+              <a:t>trikotnika</a:t>
+            </a:r>
+            <a:r>
+              <a:rPr lang="en-SI" dirty="0"/>
+              <a:t> </a:t>
+            </a:r>
+            <a:r>
+              <a:rPr lang="en-SI" dirty="0" err="1"/>
+              <a:t>velja</a:t>
+            </a:r>
+            <a:r>
+              <a:rPr lang="en-SI" dirty="0"/>
+              <a:t> </a:t>
+            </a:r>
+            <a:r>
+              <a:rPr lang="en-SI" dirty="0" err="1"/>
+              <a:t>naslednje</a:t>
+            </a:r>
+            <a:r>
+              <a:rPr lang="en-SI" dirty="0"/>
+              <a:t>: </a:t>
+            </a:r>
+          </a:p>
+          <a:p>
+            <a:endParaRPr lang="en-SI" dirty="0"/>
+          </a:p>
+          <a:p>
+            <a:r>
+              <a:rPr lang="en-SI" dirty="0"/>
+              <a:t>K</a:t>
+            </a:r>
+            <a:r>
+              <a:rPr lang="sl-SI" dirty="0"/>
+              <a:t>ota, ki si nasprotujeta in nista "presekana" z </a:t>
+            </a:r>
+            <a:r>
+              <a:rPr lang="en-SI" dirty="0" err="1"/>
+              <a:t>njuno</a:t>
+            </a:r>
+            <a:r>
+              <a:rPr lang="en-SI" dirty="0"/>
+              <a:t> </a:t>
+            </a:r>
+            <a:r>
+              <a:rPr lang="en-SI" dirty="0" err="1"/>
+              <a:t>skupno</a:t>
+            </a:r>
+            <a:r>
+              <a:rPr lang="en-SI" dirty="0"/>
+              <a:t> </a:t>
+            </a:r>
+            <a:r>
+              <a:rPr lang="en-SI" dirty="0" err="1"/>
+              <a:t>stranico</a:t>
+            </a:r>
+            <a:r>
+              <a:rPr lang="en-SI" dirty="0"/>
+              <a:t>, </a:t>
+            </a:r>
+            <a:r>
+              <a:rPr lang="sl-SI" dirty="0"/>
+              <a:t>skupaj sestavljata kot, ki je manjši od 180</a:t>
+            </a:r>
+            <a:r>
+              <a:rPr lang="en-SI" dirty="0"/>
+              <a:t> </a:t>
+            </a:r>
+            <a:r>
+              <a:rPr lang="sl-SI" dirty="0"/>
+              <a:t>stopinj.</a:t>
+            </a:r>
+            <a:endParaRPr lang="en-SI" dirty="0"/>
+          </a:p>
+        </p:txBody>
+      </p:sp>
+      <p:sp>
+        <p:nvSpPr>
+          <p:cNvPr id="6" name="TextBox 5">
+            <a:extLst>
+              <a:ext uri="{FF2B5EF4-FFF2-40B4-BE49-F238E27FC236}">
+                <a16:creationId xmlns:a16="http://schemas.microsoft.com/office/drawing/2014/main" id="{B495FDFD-FBFF-4538-BD9E-C7B673E08D8D}"/>
+              </a:ext>
+            </a:extLst>
+          </p:cNvPr>
+          <p:cNvSpPr txBox="1"/>
+          <p:nvPr/>
+        </p:nvSpPr>
+        <p:spPr>
+          <a:xfrm>
+            <a:off x="483936" y="2860698"/>
+            <a:ext cx="1221168" cy="400110"/>
+          </a:xfrm>
+          <a:prstGeom prst="rect">
+            <a:avLst/>
+          </a:prstGeom>
+          <a:noFill/>
+        </p:spPr>
+        <p:txBody>
+          <a:bodyPr wrap="none" rtlCol="0">
+            <a:spAutoFit/>
+          </a:bodyPr>
+          <a:lstStyle/>
+          <a:p>
+            <a:r>
+              <a:rPr lang="en-SI" sz="2000" dirty="0" err="1"/>
+              <a:t>Definicija</a:t>
+            </a:r>
+            <a:r>
+              <a:rPr lang="en-SI" sz="2000" dirty="0"/>
+              <a:t>:</a:t>
+            </a:r>
+          </a:p>
+        </p:txBody>
+      </p:sp>
+      <p:pic>
+        <p:nvPicPr>
+          <p:cNvPr id="8" name="Picture 7" descr="Shape, polygon&#10;&#10;Description automatically generated">
+            <a:extLst>
+              <a:ext uri="{FF2B5EF4-FFF2-40B4-BE49-F238E27FC236}">
+                <a16:creationId xmlns:a16="http://schemas.microsoft.com/office/drawing/2014/main" id="{EF663A7F-21A4-4894-AC28-FEEF8DD37D6E}"/>
+              </a:ext>
+            </a:extLst>
+          </p:cNvPr>
+          <p:cNvPicPr>
+            <a:picLocks noChangeAspect="1"/>
+          </p:cNvPicPr>
+          <p:nvPr/>
+        </p:nvPicPr>
+        <p:blipFill>
+          <a:blip r:embed="rId2">
+            <a:extLst>
+              <a:ext uri="{28A0092B-C50C-407E-A947-70E740481C1C}">
+                <a14:useLocalDpi xmlns:a14="http://schemas.microsoft.com/office/drawing/2010/main" val="0"/>
+              </a:ext>
+            </a:extLst>
+          </a:blip>
+          <a:stretch>
+            <a:fillRect/>
+          </a:stretch>
+        </p:blipFill>
+        <p:spPr>
+          <a:xfrm>
+            <a:off x="7521959" y="2409394"/>
+            <a:ext cx="4186104" cy="4217697"/>
+          </a:xfrm>
+          <a:prstGeom prst="rect">
+            <a:avLst/>
+          </a:prstGeom>
+        </p:spPr>
+      </p:pic>
+      <p:sp>
+        <p:nvSpPr>
+          <p:cNvPr id="3" name="TextBox 2">
+            <a:extLst>
+              <a:ext uri="{FF2B5EF4-FFF2-40B4-BE49-F238E27FC236}">
+                <a16:creationId xmlns:a16="http://schemas.microsoft.com/office/drawing/2014/main" id="{4DC55001-7A68-4A43-94CB-FB4840D1F55E}"/>
+              </a:ext>
+            </a:extLst>
+          </p:cNvPr>
+          <p:cNvSpPr txBox="1"/>
+          <p:nvPr/>
+        </p:nvSpPr>
+        <p:spPr>
+          <a:xfrm>
+            <a:off x="7102137" y="6550223"/>
+            <a:ext cx="6418556" cy="307777"/>
+          </a:xfrm>
+          <a:prstGeom prst="rect">
+            <a:avLst/>
+          </a:prstGeom>
+          <a:noFill/>
+        </p:spPr>
+        <p:txBody>
+          <a:bodyPr wrap="square" rtlCol="0">
+            <a:spAutoFit/>
+          </a:bodyPr>
+          <a:lstStyle/>
+          <a:p>
+            <a:r>
+              <a:rPr lang="en-GB" sz="1400" dirty="0">
+                <a:hlinkClick r:id="rId3"/>
+              </a:rPr>
+              <a:t>http://www.geom.uiuc.edu/~samuelp/del_project.html#problem</a:t>
+            </a:r>
+            <a:r>
+              <a:rPr lang="en-GB" sz="1400" dirty="0"/>
+              <a:t> </a:t>
+            </a:r>
           </a:p>
         </p:txBody>
       </p:sp>
     </p:spTree>
     <p:extLst>
       <p:ext uri="{BB962C8B-B14F-4D97-AF65-F5344CB8AC3E}">
-        <p14:creationId xmlns:p14="http://schemas.microsoft.com/office/powerpoint/2010/main" val="214125740"/>
+        <p14:creationId xmlns:p14="http://schemas.microsoft.com/office/powerpoint/2010/main" val="2800604370"/>
       </p:ext>
     </p:extLst>
   </p:cSld>
@@ -3603,10 +4132,10 @@
       </p:grpSpPr>
       <p:sp>
         <p:nvSpPr>
-          <p:cNvPr id="2" name="Title 1">
-            <a:extLst>
-              <a:ext uri="{FF2B5EF4-FFF2-40B4-BE49-F238E27FC236}">
-                <a16:creationId xmlns:a16="http://schemas.microsoft.com/office/drawing/2014/main" id="{BBFE05F7-F9CD-4E1E-BBD4-536CF4320A93}"/>
+          <p:cNvPr id="5" name="Title 4">
+            <a:extLst>
+              <a:ext uri="{FF2B5EF4-FFF2-40B4-BE49-F238E27FC236}">
+                <a16:creationId xmlns:a16="http://schemas.microsoft.com/office/drawing/2014/main" id="{F0741A85-4794-40A1-8A92-86C9D68717E6}"/>
               </a:ext>
             </a:extLst>
           </p:cNvPr>
@@ -3617,60 +4146,503 @@
             <p:ph type="title"/>
           </p:nvPr>
         </p:nvSpPr>
-        <p:spPr/>
+        <p:spPr>
+          <a:xfrm>
+            <a:off x="219364" y="240146"/>
+            <a:ext cx="10515600" cy="702397"/>
+          </a:xfrm>
+        </p:spPr>
         <p:txBody>
           <a:bodyPr/>
           <a:lstStyle/>
           <a:p>
             <a:r>
-              <a:rPr lang="en-GB" dirty="0" err="1"/>
-              <a:t>Delaunajeva</a:t>
-            </a:r>
-            <a:r>
-              <a:rPr lang="en-GB" dirty="0"/>
-              <a:t> </a:t>
-            </a:r>
-            <a:r>
-              <a:rPr lang="en-GB" dirty="0" err="1"/>
-              <a:t>triangulacija</a:t>
-            </a:r>
-            <a:endParaRPr lang="en-GB" dirty="0"/>
+              <a:rPr lang="en-SI" dirty="0" err="1"/>
+              <a:t>Priprava</a:t>
+            </a:r>
+            <a:r>
+              <a:rPr lang="en-SI" dirty="0"/>
+              <a:t> </a:t>
+            </a:r>
+            <a:r>
+              <a:rPr lang="en-SI" dirty="0" err="1"/>
+              <a:t>podatkov</a:t>
+            </a:r>
+            <a:endParaRPr lang="en-SI" dirty="0"/>
+          </a:p>
+        </p:txBody>
+      </p:sp>
+      <p:pic>
+        <p:nvPicPr>
+          <p:cNvPr id="9" name="Picture 8" descr="Chart, scatter chart&#10;&#10;Description automatically generated">
+            <a:extLst>
+              <a:ext uri="{FF2B5EF4-FFF2-40B4-BE49-F238E27FC236}">
+                <a16:creationId xmlns:a16="http://schemas.microsoft.com/office/drawing/2014/main" id="{820AB7DE-0FF9-4560-8044-5241B39C9F4B}"/>
+              </a:ext>
+            </a:extLst>
+          </p:cNvPr>
+          <p:cNvPicPr>
+            <a:picLocks noChangeAspect="1"/>
+          </p:cNvPicPr>
+          <p:nvPr/>
+        </p:nvPicPr>
+        <p:blipFill>
+          <a:blip r:embed="rId2">
+            <a:extLst>
+              <a:ext uri="{28A0092B-C50C-407E-A947-70E740481C1C}">
+                <a14:useLocalDpi xmlns:a14="http://schemas.microsoft.com/office/drawing/2010/main" val="0"/>
+              </a:ext>
+            </a:extLst>
+          </a:blip>
+          <a:stretch>
+            <a:fillRect/>
+          </a:stretch>
+        </p:blipFill>
+        <p:spPr>
+          <a:xfrm>
+            <a:off x="7825455" y="324741"/>
+            <a:ext cx="3156393" cy="2082899"/>
+          </a:xfrm>
+          <a:prstGeom prst="rect">
+            <a:avLst/>
+          </a:prstGeom>
+        </p:spPr>
+      </p:pic>
+      <p:sp>
+        <p:nvSpPr>
+          <p:cNvPr id="10" name="TextBox 9">
+            <a:extLst>
+              <a:ext uri="{FF2B5EF4-FFF2-40B4-BE49-F238E27FC236}">
+                <a16:creationId xmlns:a16="http://schemas.microsoft.com/office/drawing/2014/main" id="{49F8EA5A-1298-4125-805E-1D523449EBB4}"/>
+              </a:ext>
+            </a:extLst>
+          </p:cNvPr>
+          <p:cNvSpPr txBox="1"/>
+          <p:nvPr/>
+        </p:nvSpPr>
+        <p:spPr>
+          <a:xfrm flipH="1">
+            <a:off x="427839" y="1081202"/>
+            <a:ext cx="5964572" cy="923330"/>
+          </a:xfrm>
+          <a:prstGeom prst="rect">
+            <a:avLst/>
+          </a:prstGeom>
+          <a:noFill/>
+        </p:spPr>
+        <p:txBody>
+          <a:bodyPr wrap="square" rtlCol="0">
+            <a:spAutoFit/>
+          </a:bodyPr>
+          <a:lstStyle/>
+          <a:p>
+            <a:r>
+              <a:rPr lang="en-SI" dirty="0" err="1"/>
+              <a:t>Uredimo</a:t>
+            </a:r>
+            <a:r>
+              <a:rPr lang="en-SI" dirty="0"/>
+              <a:t> po </a:t>
+            </a:r>
+            <a:r>
+              <a:rPr lang="en-SI" dirty="0" err="1"/>
+              <a:t>velikosti</a:t>
+            </a:r>
+            <a:r>
+              <a:rPr lang="en-SI" dirty="0"/>
+              <a:t> (</a:t>
+            </a:r>
+            <a:r>
+              <a:rPr lang="en-SI" dirty="0" err="1"/>
+              <a:t>naraščajoče</a:t>
+            </a:r>
+            <a:r>
+              <a:rPr lang="en-SI" dirty="0"/>
+              <a:t>):</a:t>
+            </a:r>
+          </a:p>
+          <a:p>
+            <a:pPr marL="285750" indent="-285750">
+              <a:buFontTx/>
+              <a:buChar char="-"/>
+            </a:pPr>
+            <a:r>
+              <a:rPr lang="en-SI" dirty="0"/>
+              <a:t>Po x-</a:t>
+            </a:r>
+            <a:r>
+              <a:rPr lang="en-SI" dirty="0" err="1"/>
+              <a:t>koordinati</a:t>
+            </a:r>
+            <a:endParaRPr lang="en-SI" dirty="0"/>
+          </a:p>
+          <a:p>
+            <a:pPr marL="285750" indent="-285750">
+              <a:buFontTx/>
+              <a:buChar char="-"/>
+            </a:pPr>
+            <a:r>
+              <a:rPr lang="en-SI" dirty="0"/>
+              <a:t>V </a:t>
+            </a:r>
+            <a:r>
+              <a:rPr lang="en-SI" dirty="0" err="1"/>
+              <a:t>primeru</a:t>
+            </a:r>
+            <a:r>
+              <a:rPr lang="en-SI" dirty="0"/>
+              <a:t> </a:t>
+            </a:r>
+            <a:r>
+              <a:rPr lang="en-SI" dirty="0" err="1"/>
+              <a:t>enakih</a:t>
+            </a:r>
+            <a:r>
+              <a:rPr lang="en-SI" dirty="0"/>
+              <a:t> x-</a:t>
+            </a:r>
+            <a:r>
+              <a:rPr lang="en-SI" dirty="0" err="1"/>
+              <a:t>vrednosti</a:t>
+            </a:r>
+            <a:r>
+              <a:rPr lang="en-SI" dirty="0"/>
+              <a:t>, </a:t>
+            </a:r>
+            <a:r>
+              <a:rPr lang="en-SI" dirty="0" err="1"/>
+              <a:t>uredimo</a:t>
+            </a:r>
+            <a:r>
+              <a:rPr lang="en-SI" dirty="0"/>
+              <a:t> po y- </a:t>
+            </a:r>
+            <a:r>
+              <a:rPr lang="en-SI" dirty="0" err="1"/>
+              <a:t>koordinati</a:t>
+            </a:r>
+            <a:endParaRPr lang="en-SI" dirty="0"/>
           </a:p>
         </p:txBody>
       </p:sp>
       <p:sp>
         <p:nvSpPr>
-          <p:cNvPr id="3" name="Content Placeholder 2">
-            <a:extLst>
-              <a:ext uri="{FF2B5EF4-FFF2-40B4-BE49-F238E27FC236}">
-                <a16:creationId xmlns:a16="http://schemas.microsoft.com/office/drawing/2014/main" id="{7BAD4088-F99E-4ADC-A4D7-2E80DC233616}"/>
-              </a:ext>
-            </a:extLst>
-          </p:cNvPr>
-          <p:cNvSpPr>
-            <a:spLocks noGrp="1"/>
-          </p:cNvSpPr>
-          <p:nvPr>
-            <p:ph idx="1"/>
-          </p:nvPr>
+          <p:cNvPr id="12" name="TextBox 11">
+            <a:extLst>
+              <a:ext uri="{FF2B5EF4-FFF2-40B4-BE49-F238E27FC236}">
+                <a16:creationId xmlns:a16="http://schemas.microsoft.com/office/drawing/2014/main" id="{760F524A-F589-4442-B27A-B8927EF0BEA3}"/>
+              </a:ext>
+            </a:extLst>
+          </p:cNvPr>
+          <p:cNvSpPr txBox="1"/>
+          <p:nvPr/>
         </p:nvSpPr>
-        <p:spPr/>
+        <p:spPr>
+          <a:xfrm>
+            <a:off x="219364" y="2524549"/>
+            <a:ext cx="6107184" cy="523220"/>
+          </a:xfrm>
+          <a:prstGeom prst="rect">
+            <a:avLst/>
+          </a:prstGeom>
+          <a:noFill/>
+        </p:spPr>
         <p:txBody>
-          <a:bodyPr/>
+          <a:bodyPr wrap="square">
+            <a:spAutoFit/>
+          </a:bodyPr>
           <a:lstStyle/>
           <a:p>
             <a:r>
-              <a:rPr lang="en-GB" dirty="0" err="1"/>
-              <a:t>Algoritem</a:t>
-            </a:r>
-            <a:endParaRPr lang="en-GB" dirty="0"/>
+              <a:rPr lang="en-SI" sz="2800" dirty="0" err="1"/>
+              <a:t>Deljenje</a:t>
+            </a:r>
+            <a:r>
+              <a:rPr lang="en-SI" sz="2800" dirty="0"/>
+              <a:t> </a:t>
+            </a:r>
+            <a:r>
+              <a:rPr lang="en-SI" sz="2800" dirty="0" err="1"/>
+              <a:t>na</a:t>
+            </a:r>
+            <a:r>
+              <a:rPr lang="en-SI" sz="2800" dirty="0"/>
+              <a:t> </a:t>
+            </a:r>
+            <a:r>
+              <a:rPr lang="en-SI" sz="2800" dirty="0" err="1"/>
+              <a:t>celice</a:t>
+            </a:r>
+            <a:r>
+              <a:rPr lang="en-SI" sz="2800" dirty="0"/>
+              <a:t> (Divide)</a:t>
+            </a:r>
+          </a:p>
+        </p:txBody>
+      </p:sp>
+      <p:sp>
+        <p:nvSpPr>
+          <p:cNvPr id="13" name="TextBox 12">
+            <a:extLst>
+              <a:ext uri="{FF2B5EF4-FFF2-40B4-BE49-F238E27FC236}">
+                <a16:creationId xmlns:a16="http://schemas.microsoft.com/office/drawing/2014/main" id="{BB48205C-AE7B-4373-B07C-C7B279AE12DF}"/>
+              </a:ext>
+            </a:extLst>
+          </p:cNvPr>
+          <p:cNvSpPr txBox="1"/>
+          <p:nvPr/>
+        </p:nvSpPr>
+        <p:spPr>
+          <a:xfrm>
+            <a:off x="427839" y="3363985"/>
+            <a:ext cx="4951868" cy="646331"/>
+          </a:xfrm>
+          <a:prstGeom prst="rect">
+            <a:avLst/>
+          </a:prstGeom>
+          <a:noFill/>
+        </p:spPr>
+        <p:txBody>
+          <a:bodyPr wrap="none" rtlCol="0">
+            <a:spAutoFit/>
+          </a:bodyPr>
+          <a:lstStyle/>
+          <a:p>
+            <a:r>
+              <a:rPr lang="en-SI" dirty="0" err="1"/>
+              <a:t>Delimo</a:t>
+            </a:r>
+            <a:r>
+              <a:rPr lang="en-SI" dirty="0"/>
+              <a:t> </a:t>
+            </a:r>
+            <a:r>
+              <a:rPr lang="en-SI" dirty="0" err="1"/>
+              <a:t>na</a:t>
+            </a:r>
+            <a:r>
+              <a:rPr lang="en-SI" dirty="0"/>
+              <a:t> </a:t>
+            </a:r>
+            <a:r>
+              <a:rPr lang="en-SI" dirty="0" err="1"/>
+              <a:t>podmnožice</a:t>
+            </a:r>
+            <a:r>
+              <a:rPr lang="en-SI" dirty="0"/>
+              <a:t> (</a:t>
+            </a:r>
+            <a:r>
+              <a:rPr lang="en-SI" dirty="0" err="1"/>
+              <a:t>celice</a:t>
+            </a:r>
+            <a:r>
+              <a:rPr lang="en-SI" dirty="0"/>
+              <a:t>):</a:t>
+            </a:r>
+          </a:p>
+          <a:p>
+            <a:pPr marL="285750" indent="-285750">
+              <a:buFont typeface="Calibri" panose="020F0502020204030204" pitchFamily="34" charset="0"/>
+              <a:buChar char="‐"/>
+            </a:pPr>
+            <a:r>
+              <a:rPr lang="en-SI" dirty="0" err="1"/>
+              <a:t>Vsaka</a:t>
+            </a:r>
+            <a:r>
+              <a:rPr lang="en-SI" dirty="0"/>
+              <a:t> </a:t>
+            </a:r>
+            <a:r>
+              <a:rPr lang="en-SI" dirty="0" err="1"/>
+              <a:t>celica</a:t>
+            </a:r>
+            <a:r>
+              <a:rPr lang="en-SI" dirty="0"/>
+              <a:t> </a:t>
+            </a:r>
+            <a:r>
+              <a:rPr lang="en-SI" dirty="0" err="1"/>
+              <a:t>vsebuje</a:t>
+            </a:r>
+            <a:r>
+              <a:rPr lang="en-SI" dirty="0"/>
+              <a:t> </a:t>
+            </a:r>
+            <a:r>
+              <a:rPr lang="en-SI" dirty="0" err="1"/>
+              <a:t>najmanj</a:t>
+            </a:r>
+            <a:r>
+              <a:rPr lang="en-SI" dirty="0"/>
+              <a:t> 2 in </a:t>
+            </a:r>
+            <a:r>
+              <a:rPr lang="en-SI" dirty="0" err="1"/>
+              <a:t>največ</a:t>
+            </a:r>
+            <a:r>
+              <a:rPr lang="en-SI" dirty="0"/>
+              <a:t> 3 </a:t>
+            </a:r>
+            <a:r>
+              <a:rPr lang="en-SI" dirty="0" err="1"/>
+              <a:t>točke</a:t>
+            </a:r>
+            <a:endParaRPr lang="en-SI" dirty="0"/>
+          </a:p>
+        </p:txBody>
+      </p:sp>
+      <p:pic>
+        <p:nvPicPr>
+          <p:cNvPr id="15" name="Picture 14" descr="A picture containing sky, air&#10;&#10;Description automatically generated">
+            <a:extLst>
+              <a:ext uri="{FF2B5EF4-FFF2-40B4-BE49-F238E27FC236}">
+                <a16:creationId xmlns:a16="http://schemas.microsoft.com/office/drawing/2014/main" id="{036362C2-0E4C-4E7A-BE15-0CA9962FBC86}"/>
+              </a:ext>
+            </a:extLst>
+          </p:cNvPr>
+          <p:cNvPicPr>
+            <a:picLocks noChangeAspect="1"/>
+          </p:cNvPicPr>
+          <p:nvPr/>
+        </p:nvPicPr>
+        <p:blipFill>
+          <a:blip r:embed="rId3">
+            <a:extLst>
+              <a:ext uri="{28A0092B-C50C-407E-A947-70E740481C1C}">
+                <a14:useLocalDpi xmlns:a14="http://schemas.microsoft.com/office/drawing/2010/main" val="0"/>
+              </a:ext>
+            </a:extLst>
+          </a:blip>
+          <a:stretch>
+            <a:fillRect/>
+          </a:stretch>
+        </p:blipFill>
+        <p:spPr>
+          <a:xfrm>
+            <a:off x="7825455" y="3268036"/>
+            <a:ext cx="3441264" cy="3006930"/>
+          </a:xfrm>
+          <a:prstGeom prst="rect">
+            <a:avLst/>
+          </a:prstGeom>
+        </p:spPr>
+      </p:pic>
+      <p:sp>
+        <p:nvSpPr>
+          <p:cNvPr id="16" name="TextBox 15">
+            <a:extLst>
+              <a:ext uri="{FF2B5EF4-FFF2-40B4-BE49-F238E27FC236}">
+                <a16:creationId xmlns:a16="http://schemas.microsoft.com/office/drawing/2014/main" id="{0552A32A-3EAD-4551-A34C-4D95400A6DEF}"/>
+              </a:ext>
+            </a:extLst>
+          </p:cNvPr>
+          <p:cNvSpPr txBox="1"/>
+          <p:nvPr/>
+        </p:nvSpPr>
+        <p:spPr>
+          <a:xfrm>
+            <a:off x="416041" y="4586835"/>
+            <a:ext cx="3950505" cy="369332"/>
+          </a:xfrm>
+          <a:prstGeom prst="rect">
+            <a:avLst/>
+          </a:prstGeom>
+          <a:noFill/>
+        </p:spPr>
+        <p:txBody>
+          <a:bodyPr wrap="none" rtlCol="0">
+            <a:spAutoFit/>
+          </a:bodyPr>
+          <a:lstStyle/>
+          <a:p>
+            <a:r>
+              <a:rPr lang="en-SI" dirty="0" err="1"/>
+              <a:t>Točke</a:t>
+            </a:r>
+            <a:r>
+              <a:rPr lang="en-SI" dirty="0"/>
+              <a:t> v </a:t>
+            </a:r>
+            <a:r>
+              <a:rPr lang="en-SI" dirty="0" err="1"/>
+              <a:t>vsaki</a:t>
+            </a:r>
+            <a:r>
+              <a:rPr lang="en-SI" dirty="0"/>
+              <a:t> </a:t>
+            </a:r>
+            <a:r>
+              <a:rPr lang="en-SI" dirty="0" err="1"/>
+              <a:t>celici</a:t>
+            </a:r>
+            <a:r>
+              <a:rPr lang="en-SI" dirty="0"/>
+              <a:t> med </a:t>
+            </a:r>
+            <a:r>
+              <a:rPr lang="en-SI" dirty="0" err="1"/>
+              <a:t>seboj</a:t>
+            </a:r>
+            <a:r>
+              <a:rPr lang="en-SI" dirty="0"/>
+              <a:t> </a:t>
+            </a:r>
+            <a:r>
+              <a:rPr lang="en-SI" dirty="0" err="1"/>
+              <a:t>povežemo</a:t>
+            </a:r>
+            <a:endParaRPr lang="en-SI" dirty="0"/>
+          </a:p>
+        </p:txBody>
+      </p:sp>
+      <p:sp>
+        <p:nvSpPr>
+          <p:cNvPr id="11" name="TextBox 10">
+            <a:extLst>
+              <a:ext uri="{FF2B5EF4-FFF2-40B4-BE49-F238E27FC236}">
+                <a16:creationId xmlns:a16="http://schemas.microsoft.com/office/drawing/2014/main" id="{463C485C-17D4-4A1D-A760-637F2A2EC907}"/>
+              </a:ext>
+            </a:extLst>
+          </p:cNvPr>
+          <p:cNvSpPr txBox="1"/>
+          <p:nvPr/>
+        </p:nvSpPr>
+        <p:spPr>
+          <a:xfrm>
+            <a:off x="7270813" y="6274966"/>
+            <a:ext cx="6418556" cy="307777"/>
+          </a:xfrm>
+          <a:prstGeom prst="rect">
+            <a:avLst/>
+          </a:prstGeom>
+          <a:noFill/>
+        </p:spPr>
+        <p:txBody>
+          <a:bodyPr wrap="square" rtlCol="0">
+            <a:spAutoFit/>
+          </a:bodyPr>
+          <a:lstStyle/>
+          <a:p>
+            <a:r>
+              <a:rPr lang="en-GB" sz="1400" dirty="0">
+                <a:hlinkClick r:id="rId4"/>
+              </a:rPr>
+              <a:t>http://www.geom.uiuc.edu/~samuelp/del_project.html#problem</a:t>
+            </a:r>
+            <a:r>
+              <a:rPr lang="en-GB" sz="1400" dirty="0"/>
+              <a:t> </a:t>
+            </a:r>
           </a:p>
         </p:txBody>
       </p:sp>
     </p:spTree>
     <p:extLst>
       <p:ext uri="{BB962C8B-B14F-4D97-AF65-F5344CB8AC3E}">
-        <p14:creationId xmlns:p14="http://schemas.microsoft.com/office/powerpoint/2010/main" val="2149885589"/>
+        <p14:creationId xmlns:p14="http://schemas.microsoft.com/office/powerpoint/2010/main" val="3403832340"/>
       </p:ext>
     </p:extLst>
   </p:cSld>
@@ -3713,22 +4685,23 @@
             <p:ph type="title"/>
           </p:nvPr>
         </p:nvSpPr>
-        <p:spPr/>
+        <p:spPr>
+          <a:xfrm>
+            <a:off x="182418" y="171163"/>
+            <a:ext cx="6578600" cy="734002"/>
+          </a:xfrm>
+        </p:spPr>
         <p:txBody>
           <a:bodyPr/>
           <a:lstStyle/>
           <a:p>
             <a:r>
-              <a:rPr lang="en-GB" dirty="0" err="1"/>
-              <a:t>Delaunajeva</a:t>
-            </a:r>
-            <a:r>
-              <a:rPr lang="en-GB" dirty="0"/>
-              <a:t> </a:t>
-            </a:r>
-            <a:r>
-              <a:rPr lang="en-GB" dirty="0" err="1"/>
-              <a:t>triangulacija</a:t>
+              <a:rPr lang="en-SI" dirty="0" err="1"/>
+              <a:t>Spajanje</a:t>
+            </a:r>
+            <a:r>
+              <a:rPr lang="en-SI" dirty="0"/>
+              <a:t> (Conquer)</a:t>
             </a:r>
             <a:endParaRPr lang="en-GB" dirty="0"/>
           </a:p>
@@ -3736,37 +4709,571 @@
       </p:sp>
       <p:sp>
         <p:nvSpPr>
-          <p:cNvPr id="3" name="Content Placeholder 2">
-            <a:extLst>
-              <a:ext uri="{FF2B5EF4-FFF2-40B4-BE49-F238E27FC236}">
-                <a16:creationId xmlns:a16="http://schemas.microsoft.com/office/drawing/2014/main" id="{C8B64E5B-109D-4C2B-984D-9569CEDE5709}"/>
-              </a:ext>
-            </a:extLst>
-          </p:cNvPr>
-          <p:cNvSpPr>
-            <a:spLocks noGrp="1"/>
-          </p:cNvSpPr>
-          <p:nvPr>
-            <p:ph idx="1"/>
-          </p:nvPr>
+          <p:cNvPr id="6" name="TextBox 5">
+            <a:extLst>
+              <a:ext uri="{FF2B5EF4-FFF2-40B4-BE49-F238E27FC236}">
+                <a16:creationId xmlns:a16="http://schemas.microsoft.com/office/drawing/2014/main" id="{200E6B05-3710-4CD8-BCDF-444C344A6639}"/>
+              </a:ext>
+            </a:extLst>
+          </p:cNvPr>
+          <p:cNvSpPr txBox="1"/>
+          <p:nvPr/>
         </p:nvSpPr>
-        <p:spPr/>
+        <p:spPr>
+          <a:xfrm>
+            <a:off x="419449" y="1124126"/>
+            <a:ext cx="4924338" cy="646331"/>
+          </a:xfrm>
+          <a:prstGeom prst="rect">
+            <a:avLst/>
+          </a:prstGeom>
+          <a:noFill/>
+        </p:spPr>
         <p:txBody>
-          <a:bodyPr/>
+          <a:bodyPr wrap="square" rtlCol="0">
+            <a:spAutoFit/>
+          </a:bodyPr>
           <a:lstStyle/>
           <a:p>
-            <a:r>
-              <a:rPr lang="en-GB" dirty="0" err="1"/>
-              <a:t>Algoritem</a:t>
-            </a:r>
-            <a:endParaRPr lang="en-GB" dirty="0"/>
+            <a:pPr marL="285750" indent="-285750">
+              <a:buFontTx/>
+              <a:buChar char="-"/>
+            </a:pPr>
+            <a:r>
+              <a:rPr lang="en-SI" dirty="0" err="1"/>
+              <a:t>Celice</a:t>
+            </a:r>
+            <a:r>
+              <a:rPr lang="en-SI" dirty="0"/>
+              <a:t> </a:t>
+            </a:r>
+            <a:r>
+              <a:rPr lang="en-SI" dirty="0" err="1"/>
+              <a:t>spajamo</a:t>
+            </a:r>
+            <a:r>
+              <a:rPr lang="en-SI" dirty="0"/>
+              <a:t> za “</a:t>
+            </a:r>
+            <a:r>
+              <a:rPr lang="en-SI" dirty="0" err="1"/>
+              <a:t>nazaj</a:t>
+            </a:r>
+            <a:r>
+              <a:rPr lang="en-SI" dirty="0"/>
+              <a:t>”, po </a:t>
+            </a:r>
+            <a:r>
+              <a:rPr lang="en-SI" dirty="0" err="1"/>
+              <a:t>dve</a:t>
+            </a:r>
+            <a:r>
+              <a:rPr lang="en-SI" dirty="0"/>
+              <a:t> </a:t>
+            </a:r>
+            <a:r>
+              <a:rPr lang="en-SI" dirty="0" err="1"/>
+              <a:t>hkrati</a:t>
+            </a:r>
+            <a:endParaRPr lang="en-SI" dirty="0"/>
+          </a:p>
+          <a:p>
+            <a:pPr marL="285750" indent="-285750">
+              <a:buFontTx/>
+              <a:buChar char="-"/>
+            </a:pPr>
+            <a:r>
+              <a:rPr lang="en-SI" dirty="0"/>
+              <a:t>S </a:t>
+            </a:r>
+            <a:r>
+              <a:rPr lang="en-SI" dirty="0" err="1"/>
+              <a:t>povezavami</a:t>
+            </a:r>
+            <a:r>
+              <a:rPr lang="en-SI" dirty="0"/>
+              <a:t> </a:t>
+            </a:r>
+            <a:r>
+              <a:rPr lang="en-SI" dirty="0" err="1"/>
+              <a:t>vedno</a:t>
+            </a:r>
+            <a:r>
+              <a:rPr lang="en-SI" dirty="0"/>
+              <a:t> </a:t>
+            </a:r>
+            <a:r>
+              <a:rPr lang="en-SI" dirty="0" err="1"/>
+              <a:t>ustvarjamo</a:t>
+            </a:r>
+            <a:r>
+              <a:rPr lang="en-SI" dirty="0"/>
+              <a:t> </a:t>
+            </a:r>
+            <a:r>
+              <a:rPr lang="en-SI" dirty="0" err="1"/>
+              <a:t>trikotnike</a:t>
+            </a:r>
+            <a:endParaRPr lang="en-SI" dirty="0"/>
+          </a:p>
+        </p:txBody>
+      </p:sp>
+      <p:sp>
+        <p:nvSpPr>
+          <p:cNvPr id="7" name="TextBox 6">
+            <a:extLst>
+              <a:ext uri="{FF2B5EF4-FFF2-40B4-BE49-F238E27FC236}">
+                <a16:creationId xmlns:a16="http://schemas.microsoft.com/office/drawing/2014/main" id="{86AAA304-8DBB-4ACF-81B3-8F84944B9D35}"/>
+              </a:ext>
+            </a:extLst>
+          </p:cNvPr>
+          <p:cNvSpPr txBox="1"/>
+          <p:nvPr/>
+        </p:nvSpPr>
+        <p:spPr>
+          <a:xfrm>
+            <a:off x="419449" y="2055303"/>
+            <a:ext cx="3485313" cy="923330"/>
+          </a:xfrm>
+          <a:prstGeom prst="rect">
+            <a:avLst/>
+          </a:prstGeom>
+          <a:noFill/>
+        </p:spPr>
+        <p:txBody>
+          <a:bodyPr wrap="none" rtlCol="0">
+            <a:spAutoFit/>
+          </a:bodyPr>
+          <a:lstStyle/>
+          <a:p>
+            <a:pPr marL="285750" indent="-285750">
+              <a:buFontTx/>
+              <a:buChar char="-"/>
+            </a:pPr>
+            <a:r>
+              <a:rPr lang="en-SI" dirty="0"/>
+              <a:t>LL ... </a:t>
+            </a:r>
+            <a:r>
+              <a:rPr lang="en-SI" dirty="0" err="1"/>
+              <a:t>Vse</a:t>
+            </a:r>
+            <a:r>
+              <a:rPr lang="en-SI" dirty="0"/>
+              <a:t> </a:t>
+            </a:r>
+            <a:r>
+              <a:rPr lang="en-SI" dirty="0" err="1"/>
+              <a:t>povezave</a:t>
+            </a:r>
+            <a:r>
+              <a:rPr lang="en-SI" dirty="0"/>
+              <a:t> v </a:t>
+            </a:r>
+            <a:r>
+              <a:rPr lang="en-SI" dirty="0" err="1"/>
+              <a:t>levi</a:t>
+            </a:r>
+            <a:r>
+              <a:rPr lang="en-SI" dirty="0"/>
+              <a:t> </a:t>
+            </a:r>
+            <a:r>
+              <a:rPr lang="en-SI" dirty="0" err="1"/>
+              <a:t>celici</a:t>
+            </a:r>
+            <a:endParaRPr lang="en-SI" dirty="0"/>
+          </a:p>
+          <a:p>
+            <a:pPr marL="285750" indent="-285750">
+              <a:buFontTx/>
+              <a:buChar char="-"/>
+            </a:pPr>
+            <a:r>
+              <a:rPr lang="en-SI" dirty="0"/>
+              <a:t>RR ... </a:t>
+            </a:r>
+            <a:r>
+              <a:rPr lang="en-SI" dirty="0" err="1"/>
+              <a:t>Vse</a:t>
+            </a:r>
+            <a:r>
+              <a:rPr lang="en-SI" dirty="0"/>
+              <a:t> </a:t>
+            </a:r>
+            <a:r>
+              <a:rPr lang="en-SI" dirty="0" err="1"/>
+              <a:t>povezave</a:t>
+            </a:r>
+            <a:r>
+              <a:rPr lang="en-SI" dirty="0"/>
+              <a:t> v </a:t>
+            </a:r>
+            <a:r>
+              <a:rPr lang="en-SI" dirty="0" err="1"/>
+              <a:t>desni</a:t>
+            </a:r>
+            <a:r>
+              <a:rPr lang="en-SI" dirty="0"/>
+              <a:t> </a:t>
+            </a:r>
+            <a:r>
+              <a:rPr lang="en-SI" dirty="0" err="1"/>
+              <a:t>celici</a:t>
+            </a:r>
+            <a:endParaRPr lang="en-SI" dirty="0"/>
+          </a:p>
+          <a:p>
+            <a:pPr marL="285750" indent="-285750">
+              <a:buFontTx/>
+              <a:buChar char="-"/>
+            </a:pPr>
+            <a:r>
+              <a:rPr lang="en-SI" dirty="0"/>
+              <a:t>LR ... </a:t>
+            </a:r>
+            <a:r>
+              <a:rPr lang="en-SI" dirty="0" err="1"/>
+              <a:t>Povezave</a:t>
+            </a:r>
+            <a:r>
+              <a:rPr lang="en-SI" dirty="0"/>
+              <a:t> med </a:t>
+            </a:r>
+            <a:r>
+              <a:rPr lang="en-SI" dirty="0" err="1"/>
+              <a:t>celicama</a:t>
+            </a:r>
+            <a:endParaRPr lang="en-SI" dirty="0"/>
+          </a:p>
+        </p:txBody>
+      </p:sp>
+      <p:sp>
+        <p:nvSpPr>
+          <p:cNvPr id="8" name="TextBox 7">
+            <a:extLst>
+              <a:ext uri="{FF2B5EF4-FFF2-40B4-BE49-F238E27FC236}">
+                <a16:creationId xmlns:a16="http://schemas.microsoft.com/office/drawing/2014/main" id="{E19E8E5C-9CC8-430B-B590-AA2FFC734692}"/>
+              </a:ext>
+            </a:extLst>
+          </p:cNvPr>
+          <p:cNvSpPr txBox="1"/>
+          <p:nvPr/>
+        </p:nvSpPr>
+        <p:spPr>
+          <a:xfrm>
+            <a:off x="419449" y="3263479"/>
+            <a:ext cx="5608395" cy="646331"/>
+          </a:xfrm>
+          <a:prstGeom prst="rect">
+            <a:avLst/>
+          </a:prstGeom>
+          <a:noFill/>
+        </p:spPr>
+        <p:txBody>
+          <a:bodyPr wrap="none" rtlCol="0">
+            <a:spAutoFit/>
+          </a:bodyPr>
+          <a:lstStyle/>
+          <a:p>
+            <a:pPr marL="285750" indent="-285750">
+              <a:buFont typeface="Calibri" panose="020F0502020204030204" pitchFamily="34" charset="0"/>
+              <a:buChar char="‐"/>
+            </a:pPr>
+            <a:r>
+              <a:rPr lang="en-SI" dirty="0" err="1"/>
+              <a:t>Včasih</a:t>
+            </a:r>
+            <a:r>
+              <a:rPr lang="en-SI" dirty="0"/>
+              <a:t> </a:t>
+            </a:r>
+            <a:r>
+              <a:rPr lang="en-SI" dirty="0" err="1"/>
+              <a:t>potrebno</a:t>
+            </a:r>
+            <a:r>
+              <a:rPr lang="en-SI" dirty="0"/>
+              <a:t> </a:t>
+            </a:r>
+            <a:r>
+              <a:rPr lang="en-SI" dirty="0" err="1"/>
+              <a:t>nekatere</a:t>
+            </a:r>
+            <a:r>
+              <a:rPr lang="en-SI" dirty="0"/>
+              <a:t> </a:t>
+            </a:r>
+            <a:r>
+              <a:rPr lang="en-SI" dirty="0" err="1"/>
+              <a:t>povezave</a:t>
+            </a:r>
+            <a:r>
+              <a:rPr lang="en-SI" dirty="0"/>
+              <a:t> </a:t>
+            </a:r>
+            <a:r>
+              <a:rPr lang="en-SI" dirty="0" err="1"/>
+              <a:t>iz</a:t>
+            </a:r>
+            <a:r>
+              <a:rPr lang="en-SI" dirty="0"/>
+              <a:t> RR in LL </a:t>
+            </a:r>
+            <a:r>
+              <a:rPr lang="en-SI" dirty="0" err="1"/>
+              <a:t>izbrisati</a:t>
+            </a:r>
+            <a:r>
+              <a:rPr lang="en-SI" dirty="0"/>
+              <a:t> </a:t>
+            </a:r>
+          </a:p>
+          <a:p>
+            <a:pPr marL="285750" indent="-285750">
+              <a:buFont typeface="Calibri" panose="020F0502020204030204" pitchFamily="34" charset="0"/>
+              <a:buChar char="‐"/>
+            </a:pPr>
+            <a:r>
+              <a:rPr lang="sl-SI" dirty="0"/>
+              <a:t>N</a:t>
+            </a:r>
+            <a:r>
+              <a:rPr lang="en-SI" dirty="0" err="1"/>
+              <a:t>ikoli</a:t>
+            </a:r>
+            <a:r>
+              <a:rPr lang="en-SI" dirty="0"/>
+              <a:t> pa ne </a:t>
+            </a:r>
+            <a:r>
+              <a:rPr lang="en-SI" dirty="0" err="1"/>
+              <a:t>ustvarjamo</a:t>
+            </a:r>
+            <a:r>
+              <a:rPr lang="en-SI" dirty="0"/>
+              <a:t> </a:t>
+            </a:r>
+            <a:r>
+              <a:rPr lang="en-SI" dirty="0" err="1"/>
+              <a:t>novih</a:t>
+            </a:r>
+            <a:r>
+              <a:rPr lang="en-SI" dirty="0"/>
+              <a:t> LL in RR </a:t>
+            </a:r>
+            <a:r>
+              <a:rPr lang="en-SI" dirty="0" err="1"/>
+              <a:t>povezav</a:t>
+            </a:r>
+            <a:endParaRPr lang="en-SI" dirty="0"/>
+          </a:p>
+        </p:txBody>
+      </p:sp>
+      <p:pic>
+        <p:nvPicPr>
+          <p:cNvPr id="9" name="Picture 8" descr="A picture containing sky, air&#10;&#10;Description automatically generated">
+            <a:extLst>
+              <a:ext uri="{FF2B5EF4-FFF2-40B4-BE49-F238E27FC236}">
+                <a16:creationId xmlns:a16="http://schemas.microsoft.com/office/drawing/2014/main" id="{4A7B4D46-FB6B-4FC0-96BA-6F89B913DAC3}"/>
+              </a:ext>
+            </a:extLst>
+          </p:cNvPr>
+          <p:cNvPicPr>
+            <a:picLocks noChangeAspect="1"/>
+          </p:cNvPicPr>
+          <p:nvPr/>
+        </p:nvPicPr>
+        <p:blipFill>
+          <a:blip r:embed="rId2">
+            <a:extLst>
+              <a:ext uri="{28A0092B-C50C-407E-A947-70E740481C1C}">
+                <a14:useLocalDpi xmlns:a14="http://schemas.microsoft.com/office/drawing/2010/main" val="0"/>
+              </a:ext>
+            </a:extLst>
+          </a:blip>
+          <a:stretch>
+            <a:fillRect/>
+          </a:stretch>
+        </p:blipFill>
+        <p:spPr>
+          <a:xfrm>
+            <a:off x="7724787" y="422070"/>
+            <a:ext cx="3105400" cy="2713457"/>
+          </a:xfrm>
+          <a:prstGeom prst="rect">
+            <a:avLst/>
+          </a:prstGeom>
+        </p:spPr>
+      </p:pic>
+      <p:pic>
+        <p:nvPicPr>
+          <p:cNvPr id="11" name="Picture 10" descr="Diagram&#10;&#10;Description automatically generated">
+            <a:extLst>
+              <a:ext uri="{FF2B5EF4-FFF2-40B4-BE49-F238E27FC236}">
+                <a16:creationId xmlns:a16="http://schemas.microsoft.com/office/drawing/2014/main" id="{7A591FDF-B683-4384-8947-EA008728CA6C}"/>
+              </a:ext>
+            </a:extLst>
+          </p:cNvPr>
+          <p:cNvPicPr>
+            <a:picLocks noChangeAspect="1"/>
+          </p:cNvPicPr>
+          <p:nvPr/>
+        </p:nvPicPr>
+        <p:blipFill>
+          <a:blip r:embed="rId3">
+            <a:extLst>
+              <a:ext uri="{28A0092B-C50C-407E-A947-70E740481C1C}">
+                <a14:useLocalDpi xmlns:a14="http://schemas.microsoft.com/office/drawing/2010/main" val="0"/>
+              </a:ext>
+            </a:extLst>
+          </a:blip>
+          <a:stretch>
+            <a:fillRect/>
+          </a:stretch>
+        </p:blipFill>
+        <p:spPr>
+          <a:xfrm>
+            <a:off x="6096000" y="3827494"/>
+            <a:ext cx="5832753" cy="2608436"/>
+          </a:xfrm>
+          <a:prstGeom prst="rect">
+            <a:avLst/>
+          </a:prstGeom>
+        </p:spPr>
+      </p:pic>
+      <p:sp>
+        <p:nvSpPr>
+          <p:cNvPr id="12" name="TextBox 11">
+            <a:extLst>
+              <a:ext uri="{FF2B5EF4-FFF2-40B4-BE49-F238E27FC236}">
+                <a16:creationId xmlns:a16="http://schemas.microsoft.com/office/drawing/2014/main" id="{0A93E961-BE86-42CC-A99F-31F570A15A6E}"/>
+              </a:ext>
+            </a:extLst>
+          </p:cNvPr>
+          <p:cNvSpPr txBox="1"/>
+          <p:nvPr/>
+        </p:nvSpPr>
+        <p:spPr>
+          <a:xfrm>
+            <a:off x="419449" y="5033500"/>
+            <a:ext cx="5690147" cy="369332"/>
+          </a:xfrm>
+          <a:prstGeom prst="rect">
+            <a:avLst/>
+          </a:prstGeom>
+          <a:noFill/>
+        </p:spPr>
+        <p:txBody>
+          <a:bodyPr wrap="none" rtlCol="0">
+            <a:spAutoFit/>
+          </a:bodyPr>
+          <a:lstStyle/>
+          <a:p>
+            <a:pPr marL="285750" indent="-285750">
+              <a:buFont typeface="Calibri" panose="020F0502020204030204" pitchFamily="34" charset="0"/>
+              <a:buChar char="‐"/>
+            </a:pPr>
+            <a:r>
+              <a:rPr lang="en-SI" dirty="0"/>
+              <a:t>Nova LR </a:t>
+            </a:r>
+            <a:r>
+              <a:rPr lang="en-SI" dirty="0" err="1"/>
+              <a:t>povezava</a:t>
+            </a:r>
+            <a:r>
+              <a:rPr lang="en-SI" dirty="0"/>
+              <a:t> ne </a:t>
+            </a:r>
+            <a:r>
+              <a:rPr lang="en-SI" dirty="0" err="1"/>
+              <a:t>sme</a:t>
+            </a:r>
+            <a:r>
+              <a:rPr lang="en-SI" dirty="0"/>
+              <a:t> </a:t>
+            </a:r>
+            <a:r>
+              <a:rPr lang="en-SI" dirty="0" err="1"/>
+              <a:t>sekati</a:t>
+            </a:r>
+            <a:r>
+              <a:rPr lang="en-SI" dirty="0"/>
+              <a:t> </a:t>
+            </a:r>
+            <a:r>
+              <a:rPr lang="en-SI" dirty="0" err="1"/>
+              <a:t>že</a:t>
+            </a:r>
+            <a:r>
+              <a:rPr lang="en-SI" dirty="0"/>
+              <a:t> </a:t>
+            </a:r>
+            <a:r>
+              <a:rPr lang="en-SI" dirty="0" err="1"/>
+              <a:t>obstoječe</a:t>
+            </a:r>
+            <a:r>
+              <a:rPr lang="en-SI" dirty="0"/>
+              <a:t> </a:t>
+            </a:r>
+            <a:r>
+              <a:rPr lang="en-SI" dirty="0" err="1"/>
+              <a:t>povezave</a:t>
+            </a:r>
+            <a:r>
+              <a:rPr lang="en-SI" dirty="0"/>
+              <a:t>!</a:t>
+            </a:r>
+          </a:p>
+        </p:txBody>
+      </p:sp>
+      <p:sp>
+        <p:nvSpPr>
+          <p:cNvPr id="10" name="TextBox 9">
+            <a:extLst>
+              <a:ext uri="{FF2B5EF4-FFF2-40B4-BE49-F238E27FC236}">
+                <a16:creationId xmlns:a16="http://schemas.microsoft.com/office/drawing/2014/main" id="{5FF03C40-5B55-4368-B8FB-09045036E1C3}"/>
+              </a:ext>
+            </a:extLst>
+          </p:cNvPr>
+          <p:cNvSpPr txBox="1"/>
+          <p:nvPr/>
+        </p:nvSpPr>
+        <p:spPr>
+          <a:xfrm>
+            <a:off x="6924584" y="6435930"/>
+            <a:ext cx="6418556" cy="307777"/>
+          </a:xfrm>
+          <a:prstGeom prst="rect">
+            <a:avLst/>
+          </a:prstGeom>
+          <a:noFill/>
+        </p:spPr>
+        <p:txBody>
+          <a:bodyPr wrap="square" rtlCol="0">
+            <a:spAutoFit/>
+          </a:bodyPr>
+          <a:lstStyle/>
+          <a:p>
+            <a:r>
+              <a:rPr lang="en-GB" sz="1400" dirty="0">
+                <a:hlinkClick r:id="rId4"/>
+              </a:rPr>
+              <a:t>http://www.geom.uiuc.edu/~samuelp/del_project.html#problem</a:t>
+            </a:r>
+            <a:r>
+              <a:rPr lang="en-GB" sz="1400" dirty="0"/>
+              <a:t> </a:t>
+            </a:r>
           </a:p>
         </p:txBody>
       </p:sp>
     </p:spTree>
     <p:extLst>
       <p:ext uri="{BB962C8B-B14F-4D97-AF65-F5344CB8AC3E}">
-        <p14:creationId xmlns:p14="http://schemas.microsoft.com/office/powerpoint/2010/main" val="3273298054"/>
+        <p14:creationId xmlns:p14="http://schemas.microsoft.com/office/powerpoint/2010/main" val="2026267685"/>
       </p:ext>
     </p:extLst>
   </p:cSld>
@@ -3798,7 +5305,7 @@
           <p:cNvPr id="2" name="Title 1">
             <a:extLst>
               <a:ext uri="{FF2B5EF4-FFF2-40B4-BE49-F238E27FC236}">
-                <a16:creationId xmlns:a16="http://schemas.microsoft.com/office/drawing/2014/main" id="{A0EAE73B-6F8B-4BB8-A42B-92532DB8443D}"/>
+                <a16:creationId xmlns:a16="http://schemas.microsoft.com/office/drawing/2014/main" id="{2A6D3955-70A8-4A0E-9265-F698F028F026}"/>
               </a:ext>
             </a:extLst>
           </p:cNvPr>
@@ -3809,22 +5316,49 @@
             <p:ph type="title"/>
           </p:nvPr>
         </p:nvSpPr>
-        <p:spPr/>
+        <p:spPr>
+          <a:xfrm>
+            <a:off x="182417" y="171163"/>
+            <a:ext cx="8533743" cy="734002"/>
+          </a:xfrm>
+        </p:spPr>
         <p:txBody>
-          <a:bodyPr/>
+          <a:bodyPr>
+            <a:normAutofit fontScale="90000"/>
+          </a:bodyPr>
           <a:lstStyle/>
           <a:p>
             <a:r>
-              <a:rPr lang="en-GB" dirty="0" err="1"/>
-              <a:t>Povezovanje</a:t>
-            </a:r>
-            <a:r>
-              <a:rPr lang="en-GB" dirty="0"/>
-              <a:t> </a:t>
-            </a:r>
-            <a:r>
-              <a:rPr lang="en-GB" dirty="0" err="1"/>
-              <a:t>točk</a:t>
+              <a:rPr lang="en-SI" dirty="0" err="1"/>
+              <a:t>Določanje</a:t>
+            </a:r>
+            <a:r>
+              <a:rPr lang="en-SI" dirty="0"/>
+              <a:t> </a:t>
+            </a:r>
+            <a:r>
+              <a:rPr lang="en-SI" dirty="0" err="1"/>
+              <a:t>novih</a:t>
+            </a:r>
+            <a:r>
+              <a:rPr lang="en-SI" dirty="0"/>
+              <a:t> LR </a:t>
+            </a:r>
+            <a:r>
+              <a:rPr lang="en-SI" dirty="0" err="1"/>
+              <a:t>povezav</a:t>
+            </a:r>
+            <a:r>
+              <a:rPr lang="en-SI" dirty="0"/>
+              <a:t> (</a:t>
+            </a:r>
+            <a:r>
+              <a:rPr lang="en-SI" dirty="0" err="1"/>
+              <a:t>iteracija</a:t>
+            </a:r>
+            <a:r>
+              <a:rPr lang="en-SI" dirty="0"/>
+              <a:t>)</a:t>
             </a:r>
             <a:endParaRPr lang="en-GB" dirty="0"/>
           </a:p>
@@ -3832,33 +5366,400 @@
       </p:sp>
       <p:sp>
         <p:nvSpPr>
-          <p:cNvPr id="3" name="Content Placeholder 2">
-            <a:extLst>
-              <a:ext uri="{FF2B5EF4-FFF2-40B4-BE49-F238E27FC236}">
-                <a16:creationId xmlns:a16="http://schemas.microsoft.com/office/drawing/2014/main" id="{D45FCF20-91D5-47B4-82F1-712AD67B5261}"/>
-              </a:ext>
-            </a:extLst>
-          </p:cNvPr>
-          <p:cNvSpPr>
-            <a:spLocks noGrp="1"/>
-          </p:cNvSpPr>
-          <p:nvPr>
-            <p:ph idx="1"/>
-          </p:nvPr>
+          <p:cNvPr id="3" name="TextBox 2">
+            <a:extLst>
+              <a:ext uri="{FF2B5EF4-FFF2-40B4-BE49-F238E27FC236}">
+                <a16:creationId xmlns:a16="http://schemas.microsoft.com/office/drawing/2014/main" id="{F176285E-BF18-440A-98AE-75D6577F297A}"/>
+              </a:ext>
+            </a:extLst>
+          </p:cNvPr>
+          <p:cNvSpPr txBox="1"/>
+          <p:nvPr/>
         </p:nvSpPr>
-        <p:spPr/>
+        <p:spPr>
+          <a:xfrm>
+            <a:off x="260058" y="1132514"/>
+            <a:ext cx="4932727" cy="646331"/>
+          </a:xfrm>
+          <a:prstGeom prst="rect">
+            <a:avLst/>
+          </a:prstGeom>
+          <a:noFill/>
+        </p:spPr>
         <p:txBody>
-          <a:bodyPr/>
+          <a:bodyPr wrap="square" rtlCol="0">
+            <a:spAutoFit/>
+          </a:bodyPr>
           <a:lstStyle/>
           <a:p>
-            <a:endParaRPr lang="en-GB"/>
+            <a:pPr marL="285750" indent="-285750">
+              <a:buFontTx/>
+              <a:buChar char="-"/>
+            </a:pPr>
+            <a:r>
+              <a:rPr lang="en-SI" dirty="0" err="1"/>
+              <a:t>Ustvarimo</a:t>
+            </a:r>
+            <a:r>
+              <a:rPr lang="en-SI" dirty="0"/>
+              <a:t> </a:t>
+            </a:r>
+            <a:r>
+              <a:rPr lang="en-SI" dirty="0" err="1"/>
+              <a:t>bazno</a:t>
+            </a:r>
+            <a:r>
+              <a:rPr lang="en-SI" dirty="0"/>
+              <a:t> LR </a:t>
+            </a:r>
+            <a:r>
+              <a:rPr lang="en-SI" dirty="0" err="1"/>
+              <a:t>povezavo</a:t>
+            </a:r>
+            <a:endParaRPr lang="en-SI" dirty="0"/>
+          </a:p>
+          <a:p>
+            <a:pPr marL="285750" indent="-285750">
+              <a:buFontTx/>
+              <a:buChar char="-"/>
+            </a:pPr>
+            <a:endParaRPr lang="en-SI" dirty="0"/>
+          </a:p>
+        </p:txBody>
+      </p:sp>
+      <p:pic>
+        <p:nvPicPr>
+          <p:cNvPr id="5" name="Picture 4" descr="Chart, radar chart&#10;&#10;Description automatically generated">
+            <a:extLst>
+              <a:ext uri="{FF2B5EF4-FFF2-40B4-BE49-F238E27FC236}">
+                <a16:creationId xmlns:a16="http://schemas.microsoft.com/office/drawing/2014/main" id="{8BB19831-6BD2-4EA2-BD5C-2AB2D9744C5B}"/>
+              </a:ext>
+            </a:extLst>
+          </p:cNvPr>
+          <p:cNvPicPr>
+            <a:picLocks noChangeAspect="1"/>
+          </p:cNvPicPr>
+          <p:nvPr/>
+        </p:nvPicPr>
+        <p:blipFill>
+          <a:blip r:embed="rId2">
+            <a:extLst>
+              <a:ext uri="{28A0092B-C50C-407E-A947-70E740481C1C}">
+                <a14:useLocalDpi xmlns:a14="http://schemas.microsoft.com/office/drawing/2010/main" val="0"/>
+              </a:ext>
+            </a:extLst>
+          </a:blip>
+          <a:stretch>
+            <a:fillRect/>
+          </a:stretch>
+        </p:blipFill>
+        <p:spPr>
+          <a:xfrm>
+            <a:off x="7997832" y="328204"/>
+            <a:ext cx="3180832" cy="2648562"/>
+          </a:xfrm>
+          <a:prstGeom prst="rect">
+            <a:avLst/>
+          </a:prstGeom>
+        </p:spPr>
+      </p:pic>
+      <p:sp>
+        <p:nvSpPr>
+          <p:cNvPr id="6" name="TextBox 5">
+            <a:extLst>
+              <a:ext uri="{FF2B5EF4-FFF2-40B4-BE49-F238E27FC236}">
+                <a16:creationId xmlns:a16="http://schemas.microsoft.com/office/drawing/2014/main" id="{6677CC0B-231B-4A71-A380-2D0DE5E62E4C}"/>
+              </a:ext>
+            </a:extLst>
+          </p:cNvPr>
+          <p:cNvSpPr txBox="1"/>
+          <p:nvPr/>
+        </p:nvSpPr>
+        <p:spPr>
+          <a:xfrm>
+            <a:off x="260056" y="1570140"/>
+            <a:ext cx="6191077" cy="923330"/>
+          </a:xfrm>
+          <a:prstGeom prst="rect">
+            <a:avLst/>
+          </a:prstGeom>
+          <a:noFill/>
+        </p:spPr>
+        <p:txBody>
+          <a:bodyPr wrap="square" rtlCol="0">
+            <a:spAutoFit/>
+          </a:bodyPr>
+          <a:lstStyle/>
+          <a:p>
+            <a:pPr marL="285750" indent="-285750">
+              <a:buFontTx/>
+              <a:buChar char="-"/>
+            </a:pPr>
+            <a:r>
+              <a:rPr lang="en-SI" dirty="0" err="1"/>
+              <a:t>Opazka</a:t>
+            </a:r>
+            <a:r>
+              <a:rPr lang="en-SI" dirty="0"/>
+              <a:t>: Novo </a:t>
+            </a:r>
+            <a:r>
+              <a:rPr lang="en-SI" dirty="0" err="1"/>
+              <a:t>nastala</a:t>
+            </a:r>
+            <a:r>
+              <a:rPr lang="en-SI" dirty="0"/>
+              <a:t> </a:t>
+            </a:r>
+            <a:r>
+              <a:rPr lang="en-SI" dirty="0" err="1"/>
+              <a:t>povezava</a:t>
+            </a:r>
+            <a:r>
+              <a:rPr lang="en-SI" dirty="0"/>
+              <a:t> </a:t>
+            </a:r>
+            <a:r>
+              <a:rPr lang="en-SI" dirty="0" err="1"/>
+              <a:t>si</a:t>
+            </a:r>
+            <a:r>
+              <a:rPr lang="en-SI" dirty="0"/>
+              <a:t> </a:t>
+            </a:r>
+            <a:r>
+              <a:rPr lang="en-SI" dirty="0" err="1"/>
+              <a:t>bo</a:t>
+            </a:r>
+            <a:r>
+              <a:rPr lang="en-SI" dirty="0"/>
+              <a:t> </a:t>
+            </a:r>
+            <a:r>
+              <a:rPr lang="en-SI" dirty="0" err="1"/>
+              <a:t>delila</a:t>
+            </a:r>
+            <a:r>
+              <a:rPr lang="en-SI" dirty="0"/>
+              <a:t> </a:t>
+            </a:r>
+            <a:r>
+              <a:rPr lang="en-SI" dirty="0" err="1"/>
+              <a:t>točko</a:t>
+            </a:r>
+            <a:r>
+              <a:rPr lang="en-SI" dirty="0"/>
+              <a:t> z </a:t>
+            </a:r>
+            <a:r>
+              <a:rPr lang="en-SI" dirty="0" err="1"/>
+              <a:t>bazno</a:t>
+            </a:r>
+            <a:r>
+              <a:rPr lang="en-SI" dirty="0"/>
+              <a:t> LR </a:t>
+            </a:r>
+            <a:r>
+              <a:rPr lang="en-SI" dirty="0" err="1"/>
+              <a:t>povezavo</a:t>
+            </a:r>
+            <a:r>
+              <a:rPr lang="en-SI" dirty="0"/>
+              <a:t> </a:t>
+            </a:r>
+          </a:p>
+          <a:p>
+            <a:pPr marL="285750" indent="-285750">
+              <a:buFontTx/>
+              <a:buChar char="-"/>
+            </a:pPr>
+            <a:endParaRPr lang="en-SI" dirty="0"/>
+          </a:p>
+        </p:txBody>
+      </p:sp>
+      <p:sp>
+        <p:nvSpPr>
+          <p:cNvPr id="7" name="TextBox 6">
+            <a:extLst>
+              <a:ext uri="{FF2B5EF4-FFF2-40B4-BE49-F238E27FC236}">
+                <a16:creationId xmlns:a16="http://schemas.microsoft.com/office/drawing/2014/main" id="{95620480-5B49-4056-968B-2075B76C4141}"/>
+              </a:ext>
+            </a:extLst>
+          </p:cNvPr>
+          <p:cNvSpPr txBox="1"/>
+          <p:nvPr/>
+        </p:nvSpPr>
+        <p:spPr>
+          <a:xfrm>
+            <a:off x="260056" y="4225954"/>
+            <a:ext cx="5134065" cy="923330"/>
+          </a:xfrm>
+          <a:prstGeom prst="rect">
+            <a:avLst/>
+          </a:prstGeom>
+          <a:noFill/>
+        </p:spPr>
+        <p:txBody>
+          <a:bodyPr wrap="square" rtlCol="0">
+            <a:spAutoFit/>
+          </a:bodyPr>
+          <a:lstStyle/>
+          <a:p>
+            <a:pPr marL="285750" indent="-285750">
+              <a:buFontTx/>
+              <a:buChar char="-"/>
+            </a:pPr>
+            <a:r>
+              <a:rPr lang="en-SI" dirty="0"/>
+              <a:t>V </a:t>
+            </a:r>
+            <a:r>
+              <a:rPr lang="en-SI" dirty="0" err="1"/>
+              <a:t>obeh</a:t>
+            </a:r>
+            <a:r>
+              <a:rPr lang="en-SI" dirty="0"/>
+              <a:t> </a:t>
+            </a:r>
+            <a:r>
+              <a:rPr lang="en-SI" dirty="0" err="1"/>
+              <a:t>celicah</a:t>
+            </a:r>
+            <a:r>
+              <a:rPr lang="en-SI" dirty="0"/>
+              <a:t> </a:t>
+            </a:r>
+            <a:r>
+              <a:rPr lang="en-SI" dirty="0" err="1"/>
+              <a:t>določimo</a:t>
+            </a:r>
+            <a:r>
+              <a:rPr lang="en-SI" dirty="0"/>
+              <a:t> </a:t>
+            </a:r>
+            <a:r>
+              <a:rPr lang="en-SI" dirty="0" err="1"/>
+              <a:t>potencialne</a:t>
+            </a:r>
+            <a:r>
+              <a:rPr lang="en-SI" dirty="0"/>
+              <a:t> </a:t>
+            </a:r>
+            <a:r>
+              <a:rPr lang="en-SI" dirty="0" err="1"/>
+              <a:t>kandidate</a:t>
+            </a:r>
+            <a:r>
+              <a:rPr lang="en-SI" dirty="0"/>
+              <a:t> (</a:t>
+            </a:r>
+            <a:r>
+              <a:rPr lang="en-SI" dirty="0" err="1"/>
+              <a:t>vrstni</a:t>
+            </a:r>
+            <a:r>
+              <a:rPr lang="en-SI" dirty="0"/>
+              <a:t> red je </a:t>
+            </a:r>
+            <a:r>
+              <a:rPr lang="en-SI" dirty="0" err="1"/>
+              <a:t>pomemben</a:t>
+            </a:r>
+            <a:r>
+              <a:rPr lang="en-SI" dirty="0"/>
+              <a:t>!)</a:t>
+            </a:r>
+          </a:p>
+          <a:p>
+            <a:pPr marL="285750" indent="-285750">
+              <a:buFontTx/>
+              <a:buChar char="-"/>
+            </a:pPr>
+            <a:endParaRPr lang="en-SI" dirty="0"/>
+          </a:p>
+        </p:txBody>
+      </p:sp>
+      <p:pic>
+        <p:nvPicPr>
+          <p:cNvPr id="9" name="Picture 8" descr="Chart, radar chart&#10;&#10;Description automatically generated">
+            <a:extLst>
+              <a:ext uri="{FF2B5EF4-FFF2-40B4-BE49-F238E27FC236}">
+                <a16:creationId xmlns:a16="http://schemas.microsoft.com/office/drawing/2014/main" id="{5FDF1A10-91AA-475F-A95B-23904E83656A}"/>
+              </a:ext>
+            </a:extLst>
+          </p:cNvPr>
+          <p:cNvPicPr>
+            <a:picLocks noChangeAspect="1"/>
+          </p:cNvPicPr>
+          <p:nvPr/>
+        </p:nvPicPr>
+        <p:blipFill>
+          <a:blip r:embed="rId3">
+            <a:extLst>
+              <a:ext uri="{28A0092B-C50C-407E-A947-70E740481C1C}">
+                <a14:useLocalDpi xmlns:a14="http://schemas.microsoft.com/office/drawing/2010/main" val="0"/>
+              </a:ext>
+            </a:extLst>
+          </a:blip>
+          <a:stretch>
+            <a:fillRect/>
+          </a:stretch>
+        </p:blipFill>
+        <p:spPr>
+          <a:xfrm>
+            <a:off x="6486964" y="3703182"/>
+            <a:ext cx="4563611" cy="2553449"/>
+          </a:xfrm>
+          <a:prstGeom prst="rect">
+            <a:avLst/>
+          </a:prstGeom>
+        </p:spPr>
+      </p:pic>
+      <p:sp>
+        <p:nvSpPr>
+          <p:cNvPr id="8" name="TextBox 7">
+            <a:extLst>
+              <a:ext uri="{FF2B5EF4-FFF2-40B4-BE49-F238E27FC236}">
+                <a16:creationId xmlns:a16="http://schemas.microsoft.com/office/drawing/2014/main" id="{9A23B41B-E199-4E06-9B71-6FA75418B8B2}"/>
+              </a:ext>
+            </a:extLst>
+          </p:cNvPr>
+          <p:cNvSpPr txBox="1"/>
+          <p:nvPr/>
+        </p:nvSpPr>
+        <p:spPr>
+          <a:xfrm>
+            <a:off x="7004483" y="6379060"/>
+            <a:ext cx="6418556" cy="307777"/>
+          </a:xfrm>
+          <a:prstGeom prst="rect">
+            <a:avLst/>
+          </a:prstGeom>
+          <a:noFill/>
+        </p:spPr>
+        <p:txBody>
+          <a:bodyPr wrap="square" rtlCol="0">
+            <a:spAutoFit/>
+          </a:bodyPr>
+          <a:lstStyle/>
+          <a:p>
+            <a:r>
+              <a:rPr lang="en-GB" sz="1400" dirty="0">
+                <a:hlinkClick r:id="rId4"/>
+              </a:rPr>
+              <a:t>http://www.geom.uiuc.edu/~samuelp/del_project.html#problem</a:t>
+            </a:r>
+            <a:r>
+              <a:rPr lang="en-GB" sz="1400" dirty="0"/>
+              <a:t> </a:t>
+            </a:r>
           </a:p>
         </p:txBody>
       </p:sp>
     </p:spTree>
     <p:extLst>
       <p:ext uri="{BB962C8B-B14F-4D97-AF65-F5344CB8AC3E}">
-        <p14:creationId xmlns:p14="http://schemas.microsoft.com/office/powerpoint/2010/main" val="2975574081"/>
+        <p14:creationId xmlns:p14="http://schemas.microsoft.com/office/powerpoint/2010/main" val="3587909912"/>
       </p:ext>
     </p:extLst>
   </p:cSld>
@@ -3890,7 +5791,7 @@
           <p:cNvPr id="2" name="Title 1">
             <a:extLst>
               <a:ext uri="{FF2B5EF4-FFF2-40B4-BE49-F238E27FC236}">
-                <a16:creationId xmlns:a16="http://schemas.microsoft.com/office/drawing/2014/main" id="{AF637770-BFFA-499F-A743-11013ABC97EF}"/>
+                <a16:creationId xmlns:a16="http://schemas.microsoft.com/office/drawing/2014/main" id="{2A6D3955-70A8-4A0E-9265-F698F028F026}"/>
               </a:ext>
             </a:extLst>
           </p:cNvPr>
@@ -3901,22 +5802,49 @@
             <p:ph type="title"/>
           </p:nvPr>
         </p:nvSpPr>
-        <p:spPr/>
+        <p:spPr>
+          <a:xfrm>
+            <a:off x="182417" y="171163"/>
+            <a:ext cx="8533743" cy="734002"/>
+          </a:xfrm>
+        </p:spPr>
         <p:txBody>
-          <a:bodyPr/>
+          <a:bodyPr>
+            <a:normAutofit fontScale="90000"/>
+          </a:bodyPr>
           <a:lstStyle/>
           <a:p>
             <a:r>
-              <a:rPr lang="en-GB" dirty="0" err="1"/>
-              <a:t>Primeri</a:t>
-            </a:r>
-            <a:r>
-              <a:rPr lang="en-GB" dirty="0"/>
-              <a:t> in </a:t>
-            </a:r>
-            <a:r>
-              <a:rPr lang="en-GB" dirty="0" err="1"/>
-              <a:t>zanimivosti</a:t>
+              <a:rPr lang="en-SI" dirty="0" err="1"/>
+              <a:t>Določanje</a:t>
+            </a:r>
+            <a:r>
+              <a:rPr lang="en-SI" dirty="0"/>
+              <a:t> </a:t>
+            </a:r>
+            <a:r>
+              <a:rPr lang="en-SI" dirty="0" err="1"/>
+              <a:t>novih</a:t>
+            </a:r>
+            <a:r>
+              <a:rPr lang="en-SI" dirty="0"/>
+              <a:t> LR </a:t>
+            </a:r>
+            <a:r>
+              <a:rPr lang="en-SI" dirty="0" err="1"/>
+              <a:t>povezav</a:t>
+            </a:r>
+            <a:r>
+              <a:rPr lang="en-SI" dirty="0"/>
+              <a:t> (</a:t>
+            </a:r>
+            <a:r>
+              <a:rPr lang="en-SI" dirty="0" err="1"/>
+              <a:t>iteracija</a:t>
+            </a:r>
+            <a:r>
+              <a:rPr lang="en-SI" dirty="0"/>
+              <a:t>)</a:t>
             </a:r>
             <a:endParaRPr lang="en-GB" dirty="0"/>
           </a:p>
@@ -3924,33 +5852,986 @@
       </p:sp>
       <p:sp>
         <p:nvSpPr>
-          <p:cNvPr id="3" name="Content Placeholder 2">
-            <a:extLst>
-              <a:ext uri="{FF2B5EF4-FFF2-40B4-BE49-F238E27FC236}">
-                <a16:creationId xmlns:a16="http://schemas.microsoft.com/office/drawing/2014/main" id="{5306AC4C-D1DD-44AE-A954-698F27024FC7}"/>
-              </a:ext>
-            </a:extLst>
-          </p:cNvPr>
-          <p:cNvSpPr>
-            <a:spLocks noGrp="1"/>
-          </p:cNvSpPr>
-          <p:nvPr>
-            <p:ph idx="1"/>
-          </p:nvPr>
+          <p:cNvPr id="10" name="TextBox 9">
+            <a:extLst>
+              <a:ext uri="{FF2B5EF4-FFF2-40B4-BE49-F238E27FC236}">
+                <a16:creationId xmlns:a16="http://schemas.microsoft.com/office/drawing/2014/main" id="{FFA361C6-EE55-44D2-813D-37393EA04819}"/>
+              </a:ext>
+            </a:extLst>
+          </p:cNvPr>
+          <p:cNvSpPr txBox="1"/>
+          <p:nvPr/>
         </p:nvSpPr>
-        <p:spPr/>
+        <p:spPr>
+          <a:xfrm>
+            <a:off x="436227" y="1283140"/>
+            <a:ext cx="7038363" cy="1477328"/>
+          </a:xfrm>
+          <a:prstGeom prst="rect">
+            <a:avLst/>
+          </a:prstGeom>
+          <a:noFill/>
+        </p:spPr>
         <p:txBody>
-          <a:bodyPr/>
+          <a:bodyPr wrap="square" rtlCol="0">
+            <a:spAutoFit/>
+          </a:bodyPr>
           <a:lstStyle/>
           <a:p>
-            <a:endParaRPr lang="en-GB"/>
+            <a:r>
+              <a:rPr lang="en-SI" dirty="0"/>
+              <a:t>Za </a:t>
+            </a:r>
+            <a:r>
+              <a:rPr lang="en-SI" dirty="0" err="1"/>
+              <a:t>vsakega</a:t>
+            </a:r>
+            <a:r>
+              <a:rPr lang="en-SI" dirty="0"/>
+              <a:t> </a:t>
+            </a:r>
+            <a:r>
+              <a:rPr lang="en-SI" dirty="0" err="1"/>
+              <a:t>kandiata</a:t>
+            </a:r>
+            <a:r>
+              <a:rPr lang="en-SI" dirty="0"/>
+              <a:t> </a:t>
+            </a:r>
+            <a:r>
+              <a:rPr lang="en-SI" dirty="0" err="1"/>
+              <a:t>preverimo</a:t>
+            </a:r>
+            <a:r>
+              <a:rPr lang="en-SI" dirty="0"/>
+              <a:t>, </a:t>
+            </a:r>
+            <a:r>
+              <a:rPr lang="en-SI" dirty="0" err="1"/>
+              <a:t>če</a:t>
+            </a:r>
+            <a:r>
+              <a:rPr lang="en-SI" dirty="0"/>
+              <a:t> </a:t>
+            </a:r>
+            <a:r>
+              <a:rPr lang="en-SI" dirty="0" err="1"/>
+              <a:t>zadostuje</a:t>
+            </a:r>
+            <a:r>
+              <a:rPr lang="en-SI" dirty="0"/>
+              <a:t> </a:t>
+            </a:r>
+            <a:r>
+              <a:rPr lang="en-SI" dirty="0" err="1"/>
+              <a:t>pogojem</a:t>
+            </a:r>
+            <a:r>
+              <a:rPr lang="en-SI" dirty="0"/>
+              <a:t>:</a:t>
+            </a:r>
+          </a:p>
+          <a:p>
+            <a:pPr marL="400050" indent="-400050">
+              <a:buFont typeface="+mj-lt"/>
+              <a:buAutoNum type="romanUcPeriod"/>
+            </a:pPr>
+            <a:r>
+              <a:rPr lang="en-SI" dirty="0" err="1"/>
+              <a:t>Kot</a:t>
+            </a:r>
+            <a:r>
+              <a:rPr lang="en-SI" dirty="0"/>
+              <a:t> med </a:t>
+            </a:r>
+            <a:r>
+              <a:rPr lang="en-SI" dirty="0" err="1"/>
+              <a:t>bazno</a:t>
+            </a:r>
+            <a:r>
+              <a:rPr lang="en-SI" dirty="0"/>
+              <a:t> LR </a:t>
+            </a:r>
+            <a:r>
+              <a:rPr lang="en-SI" dirty="0" err="1"/>
+              <a:t>povezavo</a:t>
+            </a:r>
+            <a:r>
+              <a:rPr lang="en-SI" dirty="0"/>
+              <a:t> in </a:t>
+            </a:r>
+            <a:r>
+              <a:rPr lang="en-SI" dirty="0" err="1"/>
+              <a:t>povezavo</a:t>
+            </a:r>
+            <a:r>
+              <a:rPr lang="en-SI" dirty="0"/>
+              <a:t> </a:t>
+            </a:r>
+            <a:r>
+              <a:rPr lang="en-SI" dirty="0" err="1"/>
+              <a:t>desne</a:t>
+            </a:r>
+            <a:r>
+              <a:rPr lang="en-SI" dirty="0"/>
+              <a:t> </a:t>
+            </a:r>
+            <a:r>
+              <a:rPr lang="en-SI" dirty="0" err="1"/>
+              <a:t>točke</a:t>
+            </a:r>
+            <a:r>
+              <a:rPr lang="en-SI" dirty="0"/>
+              <a:t> do </a:t>
+            </a:r>
+            <a:r>
+              <a:rPr lang="en-SI" dirty="0" err="1"/>
+              <a:t>kandidata</a:t>
+            </a:r>
+            <a:r>
+              <a:rPr lang="en-SI" dirty="0"/>
+              <a:t> mora </a:t>
+            </a:r>
+            <a:r>
+              <a:rPr lang="en-SI" dirty="0" err="1"/>
+              <a:t>biti</a:t>
+            </a:r>
+            <a:r>
+              <a:rPr lang="en-SI" dirty="0"/>
+              <a:t> </a:t>
+            </a:r>
+            <a:r>
+              <a:rPr lang="en-SI" dirty="0" err="1"/>
+              <a:t>manj</a:t>
+            </a:r>
+            <a:r>
+              <a:rPr lang="en-SI" dirty="0"/>
+              <a:t> </a:t>
+            </a:r>
+            <a:r>
+              <a:rPr lang="en-SI" dirty="0" err="1"/>
+              <a:t>kot</a:t>
+            </a:r>
+            <a:r>
+              <a:rPr lang="en-SI" dirty="0"/>
+              <a:t> 180 </a:t>
+            </a:r>
+            <a:r>
+              <a:rPr lang="en-SI" dirty="0" err="1"/>
+              <a:t>stopinj</a:t>
+            </a:r>
+            <a:endParaRPr lang="en-SI" dirty="0"/>
+          </a:p>
+          <a:p>
+            <a:pPr marL="400050" indent="-400050">
+              <a:buFont typeface="+mj-lt"/>
+              <a:buAutoNum type="romanUcPeriod"/>
+            </a:pPr>
+            <a:r>
+              <a:rPr lang="en-SI" dirty="0" err="1"/>
+              <a:t>Očrtana</a:t>
+            </a:r>
+            <a:r>
+              <a:rPr lang="en-SI" dirty="0"/>
+              <a:t> </a:t>
+            </a:r>
+            <a:r>
+              <a:rPr lang="en-SI" dirty="0" err="1"/>
+              <a:t>krožnica</a:t>
+            </a:r>
+            <a:r>
+              <a:rPr lang="en-SI" dirty="0"/>
+              <a:t>, ki jo </a:t>
+            </a:r>
+            <a:r>
+              <a:rPr lang="en-SI" dirty="0" err="1"/>
+              <a:t>tvorita</a:t>
+            </a:r>
+            <a:r>
+              <a:rPr lang="en-SI" dirty="0"/>
+              <a:t> </a:t>
+            </a:r>
+            <a:r>
+              <a:rPr lang="en-SI" dirty="0" err="1"/>
+              <a:t>obe</a:t>
+            </a:r>
+            <a:r>
+              <a:rPr lang="en-SI" dirty="0"/>
+              <a:t> </a:t>
+            </a:r>
+            <a:r>
+              <a:rPr lang="en-SI" dirty="0" err="1"/>
+              <a:t>točki</a:t>
+            </a:r>
+            <a:r>
+              <a:rPr lang="en-SI" dirty="0"/>
+              <a:t> </a:t>
+            </a:r>
+            <a:r>
+              <a:rPr lang="en-SI" dirty="0" err="1"/>
+              <a:t>bazne</a:t>
+            </a:r>
+            <a:r>
+              <a:rPr lang="en-SI" dirty="0"/>
+              <a:t> LR </a:t>
+            </a:r>
+            <a:r>
+              <a:rPr lang="en-SI" dirty="0" err="1"/>
+              <a:t>povezave</a:t>
+            </a:r>
+            <a:r>
+              <a:rPr lang="en-SI" dirty="0"/>
+              <a:t> in </a:t>
+            </a:r>
+            <a:r>
+              <a:rPr lang="en-SI" dirty="0" err="1"/>
+              <a:t>kandidat</a:t>
+            </a:r>
+            <a:r>
+              <a:rPr lang="en-SI" dirty="0"/>
+              <a:t> ne </a:t>
+            </a:r>
+            <a:r>
+              <a:rPr lang="en-SI" dirty="0" err="1"/>
+              <a:t>sme</a:t>
+            </a:r>
+            <a:r>
+              <a:rPr lang="en-SI" dirty="0"/>
+              <a:t> </a:t>
+            </a:r>
+            <a:r>
+              <a:rPr lang="en-SI" dirty="0" err="1"/>
+              <a:t>vsebovati</a:t>
+            </a:r>
+            <a:r>
+              <a:rPr lang="en-SI" dirty="0"/>
+              <a:t> </a:t>
+            </a:r>
+            <a:r>
+              <a:rPr lang="en-SI" dirty="0" err="1"/>
+              <a:t>naslednjega</a:t>
+            </a:r>
+            <a:r>
+              <a:rPr lang="en-SI" dirty="0"/>
+              <a:t> </a:t>
+            </a:r>
+            <a:r>
+              <a:rPr lang="en-SI" dirty="0" err="1"/>
+              <a:t>kandidata</a:t>
+            </a:r>
+            <a:endParaRPr lang="en-SI" dirty="0"/>
+          </a:p>
+        </p:txBody>
+      </p:sp>
+      <p:grpSp>
+        <p:nvGrpSpPr>
+          <p:cNvPr id="8" name="Group 7">
+            <a:extLst>
+              <a:ext uri="{FF2B5EF4-FFF2-40B4-BE49-F238E27FC236}">
+                <a16:creationId xmlns:a16="http://schemas.microsoft.com/office/drawing/2014/main" id="{35B3E2DC-D499-48E5-9F40-2C616739F43E}"/>
+              </a:ext>
+            </a:extLst>
+          </p:cNvPr>
+          <p:cNvGrpSpPr/>
+          <p:nvPr/>
+        </p:nvGrpSpPr>
+        <p:grpSpPr>
+          <a:xfrm>
+            <a:off x="7710222" y="791423"/>
+            <a:ext cx="4407017" cy="2768382"/>
+            <a:chOff x="7710222" y="791423"/>
+            <a:chExt cx="4407017" cy="2768382"/>
+          </a:xfrm>
+        </p:grpSpPr>
+        <p:pic>
+          <p:nvPicPr>
+            <p:cNvPr id="12" name="Picture 11" descr="Chart, radar chart&#10;&#10;Description automatically generated">
+              <a:extLst>
+                <a:ext uri="{FF2B5EF4-FFF2-40B4-BE49-F238E27FC236}">
+                  <a16:creationId xmlns:a16="http://schemas.microsoft.com/office/drawing/2014/main" id="{8175A3BE-CEBB-42F6-BBA3-4E71EF10A080}"/>
+                </a:ext>
+              </a:extLst>
+            </p:cNvPr>
+            <p:cNvPicPr>
+              <a:picLocks noChangeAspect="1"/>
+            </p:cNvPicPr>
+            <p:nvPr/>
+          </p:nvPicPr>
+          <p:blipFill>
+            <a:blip r:embed="rId2">
+              <a:extLst>
+                <a:ext uri="{28A0092B-C50C-407E-A947-70E740481C1C}">
+                  <a14:useLocalDpi xmlns:a14="http://schemas.microsoft.com/office/drawing/2010/main" val="0"/>
+                </a:ext>
+              </a:extLst>
+            </a:blip>
+            <a:stretch>
+              <a:fillRect/>
+            </a:stretch>
+          </p:blipFill>
+          <p:spPr>
+            <a:xfrm>
+              <a:off x="7710222" y="791423"/>
+              <a:ext cx="4171385" cy="2637577"/>
+            </a:xfrm>
+            <a:prstGeom prst="rect">
+              <a:avLst/>
+            </a:prstGeom>
+          </p:spPr>
+        </p:pic>
+        <p:sp>
+          <p:nvSpPr>
+            <p:cNvPr id="4" name="TextBox 3">
+              <a:extLst>
+                <a:ext uri="{FF2B5EF4-FFF2-40B4-BE49-F238E27FC236}">
+                  <a16:creationId xmlns:a16="http://schemas.microsoft.com/office/drawing/2014/main" id="{29A8E647-54E9-4AEA-A1FC-4013ABB1A6D4}"/>
+                </a:ext>
+              </a:extLst>
+            </p:cNvPr>
+            <p:cNvSpPr txBox="1"/>
+            <p:nvPr/>
+          </p:nvSpPr>
+          <p:spPr>
+            <a:xfrm>
+              <a:off x="9518451" y="3298195"/>
+              <a:ext cx="2598788" cy="261610"/>
+            </a:xfrm>
+            <a:prstGeom prst="rect">
+              <a:avLst/>
+            </a:prstGeom>
+            <a:noFill/>
+          </p:spPr>
+          <p:txBody>
+            <a:bodyPr wrap="none" rtlCol="0">
+              <a:spAutoFit/>
+            </a:bodyPr>
+            <a:lstStyle/>
+            <a:p>
+              <a:r>
+                <a:rPr lang="en-SI" sz="1100" dirty="0" err="1"/>
+                <a:t>Prvi</a:t>
+              </a:r>
+              <a:r>
+                <a:rPr lang="en-SI" sz="1100" dirty="0"/>
+                <a:t> </a:t>
+              </a:r>
+              <a:r>
+                <a:rPr lang="en-SI" sz="1100" dirty="0" err="1"/>
+                <a:t>kandidat</a:t>
+              </a:r>
+              <a:r>
+                <a:rPr lang="en-SI" sz="1100" dirty="0"/>
+                <a:t> </a:t>
+              </a:r>
+              <a:r>
+                <a:rPr lang="en-SI" sz="1100" dirty="0" err="1"/>
+                <a:t>zadostuje</a:t>
+              </a:r>
+              <a:r>
+                <a:rPr lang="en-SI" sz="1100" dirty="0"/>
+                <a:t> le </a:t>
+              </a:r>
+              <a:r>
+                <a:rPr lang="en-SI" sz="1100" dirty="0" err="1"/>
+                <a:t>prvemu</a:t>
+              </a:r>
+              <a:r>
+                <a:rPr lang="en-SI" sz="1100" dirty="0"/>
+                <a:t> </a:t>
+              </a:r>
+              <a:r>
+                <a:rPr lang="en-SI" sz="1100" dirty="0" err="1"/>
+                <a:t>pogoju</a:t>
+              </a:r>
+              <a:r>
+                <a:rPr lang="en-SI" sz="1100" dirty="0"/>
+                <a:t>!</a:t>
+              </a:r>
+            </a:p>
+          </p:txBody>
+        </p:sp>
+      </p:grpSp>
+      <p:sp>
+        <p:nvSpPr>
+          <p:cNvPr id="11" name="TextBox 10">
+            <a:extLst>
+              <a:ext uri="{FF2B5EF4-FFF2-40B4-BE49-F238E27FC236}">
+                <a16:creationId xmlns:a16="http://schemas.microsoft.com/office/drawing/2014/main" id="{29B75E45-CE76-4CF3-872D-DC8FC45D80AF}"/>
+              </a:ext>
+            </a:extLst>
+          </p:cNvPr>
+          <p:cNvSpPr txBox="1"/>
+          <p:nvPr/>
+        </p:nvSpPr>
+        <p:spPr>
+          <a:xfrm>
+            <a:off x="436227" y="3741490"/>
+            <a:ext cx="6459523" cy="1754326"/>
+          </a:xfrm>
+          <a:prstGeom prst="rect">
+            <a:avLst/>
+          </a:prstGeom>
+          <a:noFill/>
+        </p:spPr>
+        <p:txBody>
+          <a:bodyPr wrap="square" rtlCol="0">
+            <a:spAutoFit/>
+          </a:bodyPr>
+          <a:lstStyle/>
+          <a:p>
+            <a:r>
+              <a:rPr lang="en-SI" dirty="0" err="1"/>
+              <a:t>Ločimo</a:t>
+            </a:r>
+            <a:r>
+              <a:rPr lang="en-SI" dirty="0"/>
+              <a:t> </a:t>
+            </a:r>
+            <a:r>
+              <a:rPr lang="en-SI" dirty="0" err="1"/>
+              <a:t>na</a:t>
+            </a:r>
+            <a:r>
+              <a:rPr lang="en-SI" dirty="0"/>
+              <a:t> </a:t>
+            </a:r>
+            <a:r>
+              <a:rPr lang="en-SI" dirty="0" err="1"/>
+              <a:t>primere</a:t>
+            </a:r>
+            <a:r>
+              <a:rPr lang="en-SI" dirty="0"/>
+              <a:t>:</a:t>
+            </a:r>
+          </a:p>
+          <a:p>
+            <a:endParaRPr lang="en-SI" dirty="0"/>
+          </a:p>
+          <a:p>
+            <a:pPr marL="285750" indent="-285750">
+              <a:buFontTx/>
+              <a:buChar char="-"/>
+            </a:pPr>
+            <a:r>
+              <a:rPr lang="en-SI" dirty="0"/>
+              <a:t>I. in II. </a:t>
+            </a:r>
+            <a:r>
+              <a:rPr lang="en-SI" dirty="0" err="1"/>
+              <a:t>velja</a:t>
+            </a:r>
+            <a:r>
+              <a:rPr lang="en-SI" dirty="0"/>
+              <a:t> </a:t>
+            </a:r>
+            <a:r>
+              <a:rPr lang="en-SI" dirty="0">
+                <a:sym typeface="Wingdings" panose="05000000000000000000" pitchFamily="2" charset="2"/>
+              </a:rPr>
+              <a:t></a:t>
+            </a:r>
+            <a:r>
+              <a:rPr lang="en-SI" dirty="0"/>
+              <a:t> </a:t>
+            </a:r>
+            <a:r>
+              <a:rPr lang="en-SI" dirty="0" err="1"/>
+              <a:t>Kandidat</a:t>
+            </a:r>
+            <a:r>
+              <a:rPr lang="en-SI" dirty="0"/>
+              <a:t> </a:t>
+            </a:r>
+            <a:r>
+              <a:rPr lang="en-SI" dirty="0" err="1"/>
+              <a:t>postane</a:t>
+            </a:r>
+            <a:r>
+              <a:rPr lang="en-SI" dirty="0"/>
+              <a:t> </a:t>
+            </a:r>
+            <a:r>
+              <a:rPr lang="en-SI" dirty="0" err="1"/>
+              <a:t>naš</a:t>
+            </a:r>
+            <a:r>
+              <a:rPr lang="en-SI" dirty="0"/>
+              <a:t> </a:t>
+            </a:r>
+            <a:r>
+              <a:rPr lang="en-SI" dirty="0" err="1"/>
+              <a:t>končni</a:t>
+            </a:r>
+            <a:r>
+              <a:rPr lang="en-SI" dirty="0"/>
+              <a:t> </a:t>
+            </a:r>
+            <a:r>
+              <a:rPr lang="en-SI" dirty="0" err="1"/>
+              <a:t>kandidat</a:t>
+            </a:r>
+            <a:r>
+              <a:rPr lang="en-SI" dirty="0"/>
+              <a:t> (</a:t>
+            </a:r>
+            <a:r>
+              <a:rPr lang="en-SI" dirty="0" err="1"/>
+              <a:t>izbranec</a:t>
+            </a:r>
+            <a:r>
+              <a:rPr lang="en-SI" dirty="0"/>
+              <a:t>)</a:t>
+            </a:r>
+          </a:p>
+          <a:p>
+            <a:pPr marL="285750" indent="-285750">
+              <a:buFontTx/>
+              <a:buChar char="-"/>
+            </a:pPr>
+            <a:r>
+              <a:rPr lang="en-SI" dirty="0"/>
+              <a:t>I. ne </a:t>
+            </a:r>
+            <a:r>
+              <a:rPr lang="en-SI" dirty="0" err="1"/>
+              <a:t>velja</a:t>
+            </a:r>
+            <a:r>
+              <a:rPr lang="en-SI" dirty="0"/>
+              <a:t> </a:t>
+            </a:r>
+            <a:r>
+              <a:rPr lang="en-SI" dirty="0">
+                <a:sym typeface="Wingdings" panose="05000000000000000000" pitchFamily="2" charset="2"/>
+              </a:rPr>
+              <a:t></a:t>
+            </a:r>
+            <a:r>
+              <a:rPr lang="en-SI" dirty="0"/>
+              <a:t> Ne </a:t>
+            </a:r>
+            <a:r>
+              <a:rPr lang="en-SI" dirty="0" err="1"/>
+              <a:t>izberemo</a:t>
+            </a:r>
+            <a:r>
+              <a:rPr lang="en-SI" dirty="0"/>
+              <a:t> </a:t>
+            </a:r>
+            <a:r>
+              <a:rPr lang="en-SI" dirty="0" err="1"/>
+              <a:t>nobenega</a:t>
+            </a:r>
+            <a:r>
+              <a:rPr lang="en-SI" dirty="0"/>
+              <a:t> </a:t>
+            </a:r>
+            <a:r>
+              <a:rPr lang="en-SI" dirty="0" err="1"/>
+              <a:t>kandidata</a:t>
+            </a:r>
+            <a:r>
+              <a:rPr lang="en-SI" dirty="0"/>
+              <a:t> za to </a:t>
+            </a:r>
+            <a:r>
+              <a:rPr lang="en-SI" dirty="0" err="1"/>
+              <a:t>stran</a:t>
+            </a:r>
+            <a:endParaRPr lang="en-SI" dirty="0"/>
+          </a:p>
+          <a:p>
+            <a:pPr marL="285750" indent="-285750">
+              <a:buFontTx/>
+              <a:buChar char="-"/>
+            </a:pPr>
+            <a:r>
+              <a:rPr lang="en-SI" dirty="0"/>
+              <a:t>I. </a:t>
+            </a:r>
+            <a:r>
+              <a:rPr lang="sl-SI" dirty="0"/>
+              <a:t>V</a:t>
+            </a:r>
+            <a:r>
+              <a:rPr lang="en-SI" dirty="0" err="1"/>
+              <a:t>elja</a:t>
+            </a:r>
+            <a:r>
+              <a:rPr lang="en-SI" dirty="0"/>
+              <a:t> II. ne </a:t>
+            </a:r>
+            <a:r>
+              <a:rPr lang="en-SI" dirty="0" err="1"/>
+              <a:t>velja</a:t>
+            </a:r>
+            <a:r>
+              <a:rPr lang="en-SI" dirty="0"/>
+              <a:t> </a:t>
+            </a:r>
+            <a:r>
+              <a:rPr lang="en-SI" dirty="0">
+                <a:sym typeface="Wingdings" panose="05000000000000000000" pitchFamily="2" charset="2"/>
+              </a:rPr>
+              <a:t></a:t>
+            </a:r>
+            <a:r>
+              <a:rPr lang="en-SI" dirty="0" err="1"/>
+              <a:t>Izbrišemo</a:t>
+            </a:r>
+            <a:r>
+              <a:rPr lang="en-SI" dirty="0"/>
+              <a:t> </a:t>
+            </a:r>
+            <a:r>
+              <a:rPr lang="en-SI" dirty="0" err="1"/>
+              <a:t>povezavo</a:t>
+            </a:r>
+            <a:r>
+              <a:rPr lang="en-SI" dirty="0"/>
+              <a:t> RR med </a:t>
+            </a:r>
+            <a:r>
+              <a:rPr lang="en-SI" dirty="0" err="1"/>
+              <a:t>desno</a:t>
+            </a:r>
+            <a:r>
+              <a:rPr lang="en-SI" dirty="0"/>
+              <a:t> </a:t>
+            </a:r>
+            <a:r>
+              <a:rPr lang="en-SI" dirty="0" err="1"/>
+              <a:t>točko</a:t>
+            </a:r>
+            <a:r>
+              <a:rPr lang="en-SI" dirty="0"/>
+              <a:t> </a:t>
+            </a:r>
+            <a:r>
+              <a:rPr lang="en-SI" dirty="0" err="1"/>
+              <a:t>bazne</a:t>
+            </a:r>
+            <a:r>
+              <a:rPr lang="en-SI" dirty="0"/>
+              <a:t> LR </a:t>
+            </a:r>
+            <a:r>
+              <a:rPr lang="en-SI" dirty="0" err="1"/>
+              <a:t>povezave</a:t>
+            </a:r>
+            <a:r>
+              <a:rPr lang="en-SI" dirty="0"/>
+              <a:t> in </a:t>
+            </a:r>
+            <a:r>
+              <a:rPr lang="en-SI" dirty="0" err="1"/>
+              <a:t>kandidatom</a:t>
+            </a:r>
+            <a:r>
+              <a:rPr lang="en-SI" dirty="0"/>
+              <a:t>  </a:t>
+            </a:r>
+          </a:p>
+        </p:txBody>
+      </p:sp>
+      <p:sp>
+        <p:nvSpPr>
+          <p:cNvPr id="13" name="TextBox 12">
+            <a:extLst>
+              <a:ext uri="{FF2B5EF4-FFF2-40B4-BE49-F238E27FC236}">
+                <a16:creationId xmlns:a16="http://schemas.microsoft.com/office/drawing/2014/main" id="{080D41F8-F4EB-42A0-8613-1C60289F56D0}"/>
+              </a:ext>
+            </a:extLst>
+          </p:cNvPr>
+          <p:cNvSpPr txBox="1"/>
+          <p:nvPr/>
+        </p:nvSpPr>
+        <p:spPr>
+          <a:xfrm>
+            <a:off x="436227" y="5696125"/>
+            <a:ext cx="4584268" cy="923330"/>
+          </a:xfrm>
+          <a:prstGeom prst="rect">
+            <a:avLst/>
+          </a:prstGeom>
+          <a:noFill/>
+        </p:spPr>
+        <p:txBody>
+          <a:bodyPr wrap="none" rtlCol="0">
+            <a:spAutoFit/>
+          </a:bodyPr>
+          <a:lstStyle/>
+          <a:p>
+            <a:r>
+              <a:rPr lang="en-SI" dirty="0" err="1"/>
+              <a:t>Izvajamo</a:t>
+            </a:r>
+            <a:r>
+              <a:rPr lang="en-SI" dirty="0"/>
+              <a:t> </a:t>
+            </a:r>
+            <a:r>
+              <a:rPr lang="en-SI" dirty="0" err="1"/>
+              <a:t>dokler</a:t>
+            </a:r>
+            <a:r>
+              <a:rPr lang="en-SI" dirty="0"/>
+              <a:t>:</a:t>
+            </a:r>
+          </a:p>
+          <a:p>
+            <a:pPr marL="285750" indent="-285750">
+              <a:buFontTx/>
+              <a:buChar char="-"/>
+            </a:pPr>
+            <a:r>
+              <a:rPr lang="en-SI" dirty="0" err="1"/>
+              <a:t>Dobimo</a:t>
+            </a:r>
+            <a:r>
+              <a:rPr lang="en-SI" dirty="0"/>
+              <a:t> </a:t>
+            </a:r>
+            <a:r>
+              <a:rPr lang="en-SI" dirty="0" err="1"/>
+              <a:t>izbranca</a:t>
+            </a:r>
+            <a:endParaRPr lang="en-SI" dirty="0"/>
+          </a:p>
+          <a:p>
+            <a:pPr marL="285750" indent="-285750">
+              <a:buFontTx/>
+              <a:buChar char="-"/>
+            </a:pPr>
+            <a:r>
+              <a:rPr lang="en-SI" dirty="0" err="1"/>
+              <a:t>Ugotovimo</a:t>
+            </a:r>
+            <a:r>
+              <a:rPr lang="en-SI" dirty="0"/>
+              <a:t>, da </a:t>
+            </a:r>
+            <a:r>
+              <a:rPr lang="en-SI" dirty="0" err="1"/>
+              <a:t>noben</a:t>
+            </a:r>
+            <a:r>
+              <a:rPr lang="en-SI" dirty="0"/>
+              <a:t> </a:t>
+            </a:r>
+            <a:r>
+              <a:rPr lang="en-SI" dirty="0" err="1"/>
+              <a:t>kandidat</a:t>
+            </a:r>
+            <a:r>
+              <a:rPr lang="en-SI" dirty="0"/>
+              <a:t> ne </a:t>
+            </a:r>
+            <a:r>
+              <a:rPr lang="en-SI" dirty="0" err="1"/>
+              <a:t>bo</a:t>
+            </a:r>
+            <a:r>
+              <a:rPr lang="en-SI" dirty="0"/>
+              <a:t> </a:t>
+            </a:r>
+            <a:r>
+              <a:rPr lang="en-SI" dirty="0" err="1"/>
+              <a:t>izbran</a:t>
+            </a:r>
+            <a:endParaRPr lang="en-SI" dirty="0"/>
+          </a:p>
+        </p:txBody>
+      </p:sp>
+      <p:pic>
+        <p:nvPicPr>
+          <p:cNvPr id="15" name="Picture 14" descr="Chart&#10;&#10;Description automatically generated">
+            <a:extLst>
+              <a:ext uri="{FF2B5EF4-FFF2-40B4-BE49-F238E27FC236}">
+                <a16:creationId xmlns:a16="http://schemas.microsoft.com/office/drawing/2014/main" id="{A70DF57E-BEA0-4D7A-8937-08998908F29F}"/>
+              </a:ext>
+            </a:extLst>
+          </p:cNvPr>
+          <p:cNvPicPr>
+            <a:picLocks noChangeAspect="1"/>
+          </p:cNvPicPr>
+          <p:nvPr/>
+        </p:nvPicPr>
+        <p:blipFill>
+          <a:blip r:embed="rId3">
+            <a:extLst>
+              <a:ext uri="{28A0092B-C50C-407E-A947-70E740481C1C}">
+                <a14:useLocalDpi xmlns:a14="http://schemas.microsoft.com/office/drawing/2010/main" val="0"/>
+              </a:ext>
+            </a:extLst>
+          </a:blip>
+          <a:stretch>
+            <a:fillRect/>
+          </a:stretch>
+        </p:blipFill>
+        <p:spPr>
+          <a:xfrm>
+            <a:off x="7432758" y="3952900"/>
+            <a:ext cx="4171385" cy="2528545"/>
+          </a:xfrm>
+          <a:prstGeom prst="rect">
+            <a:avLst/>
+          </a:prstGeom>
+        </p:spPr>
+      </p:pic>
+      <p:sp>
+        <p:nvSpPr>
+          <p:cNvPr id="16" name="TextBox 15">
+            <a:extLst>
+              <a:ext uri="{FF2B5EF4-FFF2-40B4-BE49-F238E27FC236}">
+                <a16:creationId xmlns:a16="http://schemas.microsoft.com/office/drawing/2014/main" id="{6B500003-8DEF-4ABC-AFB2-52E58C84F9FC}"/>
+              </a:ext>
+            </a:extLst>
+          </p:cNvPr>
+          <p:cNvSpPr txBox="1"/>
+          <p:nvPr/>
+        </p:nvSpPr>
+        <p:spPr>
+          <a:xfrm>
+            <a:off x="9396622" y="6488650"/>
+            <a:ext cx="2720617" cy="261610"/>
+          </a:xfrm>
+          <a:prstGeom prst="rect">
+            <a:avLst/>
+          </a:prstGeom>
+          <a:noFill/>
+        </p:spPr>
+        <p:txBody>
+          <a:bodyPr wrap="none" rtlCol="0">
+            <a:spAutoFit/>
+          </a:bodyPr>
+          <a:lstStyle/>
+          <a:p>
+            <a:r>
+              <a:rPr lang="en-SI" sz="1100" dirty="0"/>
+              <a:t>Po </a:t>
+            </a:r>
+            <a:r>
+              <a:rPr lang="en-SI" sz="1100" dirty="0" err="1"/>
+              <a:t>izbrisu</a:t>
+            </a:r>
+            <a:r>
+              <a:rPr lang="en-SI" sz="1100" dirty="0"/>
+              <a:t> </a:t>
+            </a:r>
+            <a:r>
+              <a:rPr lang="en-SI" sz="1100" dirty="0" err="1"/>
+              <a:t>povezave</a:t>
+            </a:r>
+            <a:r>
+              <a:rPr lang="en-SI" sz="1100" dirty="0"/>
+              <a:t> </a:t>
+            </a:r>
+            <a:r>
+              <a:rPr lang="en-SI" sz="1100" dirty="0" err="1"/>
+              <a:t>dobimo</a:t>
+            </a:r>
+            <a:r>
+              <a:rPr lang="en-SI" sz="1100" dirty="0"/>
+              <a:t> </a:t>
+            </a:r>
+            <a:r>
+              <a:rPr lang="en-SI" sz="1100" dirty="0" err="1"/>
+              <a:t>našega</a:t>
+            </a:r>
+            <a:r>
+              <a:rPr lang="en-SI" sz="1100" dirty="0"/>
+              <a:t> </a:t>
+            </a:r>
+            <a:r>
+              <a:rPr lang="en-SI" sz="1100" dirty="0" err="1"/>
+              <a:t>izbranca</a:t>
+            </a:r>
+            <a:endParaRPr lang="en-SI" sz="1100" dirty="0"/>
+          </a:p>
+        </p:txBody>
+      </p:sp>
+      <p:pic>
+        <p:nvPicPr>
+          <p:cNvPr id="18" name="Picture 17" descr="Chart, radar chart&#10;&#10;Description automatically generated">
+            <a:extLst>
+              <a:ext uri="{FF2B5EF4-FFF2-40B4-BE49-F238E27FC236}">
+                <a16:creationId xmlns:a16="http://schemas.microsoft.com/office/drawing/2014/main" id="{DFEDEEF7-3E84-405F-93B4-7496D4B4165F}"/>
+              </a:ext>
+            </a:extLst>
+          </p:cNvPr>
+          <p:cNvPicPr>
+            <a:picLocks noChangeAspect="1"/>
+          </p:cNvPicPr>
+          <p:nvPr/>
+        </p:nvPicPr>
+        <p:blipFill>
+          <a:blip r:embed="rId4">
+            <a:extLst>
+              <a:ext uri="{28A0092B-C50C-407E-A947-70E740481C1C}">
+                <a14:useLocalDpi xmlns:a14="http://schemas.microsoft.com/office/drawing/2010/main" val="0"/>
+              </a:ext>
+            </a:extLst>
+          </a:blip>
+          <a:stretch>
+            <a:fillRect/>
+          </a:stretch>
+        </p:blipFill>
+        <p:spPr>
+          <a:xfrm>
+            <a:off x="7397535" y="3952900"/>
+            <a:ext cx="2398379" cy="2540101"/>
+          </a:xfrm>
+          <a:prstGeom prst="rect">
+            <a:avLst/>
+          </a:prstGeom>
+        </p:spPr>
+      </p:pic>
+      <p:sp>
+        <p:nvSpPr>
+          <p:cNvPr id="14" name="TextBox 13">
+            <a:extLst>
+              <a:ext uri="{FF2B5EF4-FFF2-40B4-BE49-F238E27FC236}">
+                <a16:creationId xmlns:a16="http://schemas.microsoft.com/office/drawing/2014/main" id="{F080F025-1DE8-4A6F-B6BF-6B4792118D51}"/>
+              </a:ext>
+            </a:extLst>
+          </p:cNvPr>
+          <p:cNvSpPr txBox="1"/>
+          <p:nvPr/>
+        </p:nvSpPr>
+        <p:spPr>
+          <a:xfrm>
+            <a:off x="5020495" y="6568515"/>
+            <a:ext cx="6418556" cy="307777"/>
+          </a:xfrm>
+          <a:prstGeom prst="rect">
+            <a:avLst/>
+          </a:prstGeom>
+          <a:noFill/>
+        </p:spPr>
+        <p:txBody>
+          <a:bodyPr wrap="square" rtlCol="0">
+            <a:spAutoFit/>
+          </a:bodyPr>
+          <a:lstStyle/>
+          <a:p>
+            <a:r>
+              <a:rPr lang="en-GB" sz="1400" dirty="0">
+                <a:hlinkClick r:id="rId5"/>
+              </a:rPr>
+              <a:t>http://www.geom.uiuc.edu/~samuelp/del_project.html#problem</a:t>
+            </a:r>
+            <a:r>
+              <a:rPr lang="en-GB" sz="1400" dirty="0"/>
+              <a:t> </a:t>
+            </a:r>
           </a:p>
         </p:txBody>
       </p:sp>
     </p:spTree>
     <p:extLst>
       <p:ext uri="{BB962C8B-B14F-4D97-AF65-F5344CB8AC3E}">
-        <p14:creationId xmlns:p14="http://schemas.microsoft.com/office/powerpoint/2010/main" val="3838925735"/>
+        <p14:creationId xmlns:p14="http://schemas.microsoft.com/office/powerpoint/2010/main" val="2267721799"/>
       </p:ext>
     </p:extLst>
   </p:cSld>
@@ -3982,7 +6863,7 @@
           <p:cNvPr id="2" name="Title 1">
             <a:extLst>
               <a:ext uri="{FF2B5EF4-FFF2-40B4-BE49-F238E27FC236}">
-                <a16:creationId xmlns:a16="http://schemas.microsoft.com/office/drawing/2014/main" id="{98F35D36-9EDF-4969-AE71-F54118B67301}"/>
+                <a16:creationId xmlns:a16="http://schemas.microsoft.com/office/drawing/2014/main" id="{2A6D3955-70A8-4A0E-9265-F698F028F026}"/>
               </a:ext>
             </a:extLst>
           </p:cNvPr>
@@ -3993,250 +6874,337 @@
             <p:ph type="title"/>
           </p:nvPr>
         </p:nvSpPr>
-        <p:spPr/>
+        <p:spPr>
+          <a:xfrm>
+            <a:off x="182417" y="171163"/>
+            <a:ext cx="8533743" cy="734002"/>
+          </a:xfrm>
+        </p:spPr>
         <p:txBody>
-          <a:bodyPr/>
+          <a:bodyPr>
+            <a:normAutofit fontScale="90000"/>
+          </a:bodyPr>
           <a:lstStyle/>
           <a:p>
             <a:r>
-              <a:rPr lang="en-GB" dirty="0" err="1"/>
-              <a:t>Primeri</a:t>
-            </a:r>
-            <a:r>
-              <a:rPr lang="en-GB" dirty="0"/>
-              <a:t> </a:t>
-            </a:r>
-            <a:r>
-              <a:rPr lang="en-GB" dirty="0" err="1"/>
-              <a:t>uporabe</a:t>
+              <a:rPr lang="en-SI" dirty="0" err="1"/>
+              <a:t>Določanje</a:t>
+            </a:r>
+            <a:r>
+              <a:rPr lang="en-SI" dirty="0"/>
+              <a:t> </a:t>
+            </a:r>
+            <a:r>
+              <a:rPr lang="en-SI" dirty="0" err="1"/>
+              <a:t>novih</a:t>
+            </a:r>
+            <a:r>
+              <a:rPr lang="en-SI" dirty="0"/>
+              <a:t> LR </a:t>
+            </a:r>
+            <a:r>
+              <a:rPr lang="en-SI" dirty="0" err="1"/>
+              <a:t>povezav</a:t>
+            </a:r>
+            <a:r>
+              <a:rPr lang="en-SI" dirty="0"/>
+              <a:t> (</a:t>
+            </a:r>
+            <a:r>
+              <a:rPr lang="en-SI" dirty="0" err="1"/>
+              <a:t>iteracija</a:t>
+            </a:r>
+            <a:r>
+              <a:rPr lang="en-SI" dirty="0"/>
+              <a:t>)</a:t>
             </a:r>
             <a:endParaRPr lang="en-GB" dirty="0"/>
+          </a:p>
+        </p:txBody>
+      </p:sp>
+      <p:pic>
+        <p:nvPicPr>
+          <p:cNvPr id="8" name="Picture 7" descr="Chart&#10;&#10;Description automatically generated">
+            <a:extLst>
+              <a:ext uri="{FF2B5EF4-FFF2-40B4-BE49-F238E27FC236}">
+                <a16:creationId xmlns:a16="http://schemas.microsoft.com/office/drawing/2014/main" id="{D037FCA3-EB2E-4EB3-A589-16C3A0703C71}"/>
+              </a:ext>
+            </a:extLst>
+          </p:cNvPr>
+          <p:cNvPicPr>
+            <a:picLocks noChangeAspect="1"/>
+          </p:cNvPicPr>
+          <p:nvPr/>
+        </p:nvPicPr>
+        <p:blipFill>
+          <a:blip r:embed="rId2">
+            <a:extLst>
+              <a:ext uri="{28A0092B-C50C-407E-A947-70E740481C1C}">
+                <a14:useLocalDpi xmlns:a14="http://schemas.microsoft.com/office/drawing/2010/main" val="0"/>
+              </a:ext>
+            </a:extLst>
+          </a:blip>
+          <a:stretch>
+            <a:fillRect/>
+          </a:stretch>
+        </p:blipFill>
+        <p:spPr>
+          <a:xfrm>
+            <a:off x="2704624" y="4170315"/>
+            <a:ext cx="6782748" cy="2623054"/>
+          </a:xfrm>
+          <a:prstGeom prst="rect">
+            <a:avLst/>
+          </a:prstGeom>
+        </p:spPr>
+      </p:pic>
+      <p:sp>
+        <p:nvSpPr>
+          <p:cNvPr id="11" name="TextBox 10">
+            <a:extLst>
+              <a:ext uri="{FF2B5EF4-FFF2-40B4-BE49-F238E27FC236}">
+                <a16:creationId xmlns:a16="http://schemas.microsoft.com/office/drawing/2014/main" id="{1C13078E-387B-46E6-8DB9-BEC737F72323}"/>
+              </a:ext>
+            </a:extLst>
+          </p:cNvPr>
+          <p:cNvSpPr txBox="1"/>
+          <p:nvPr/>
+        </p:nvSpPr>
+        <p:spPr>
+          <a:xfrm>
+            <a:off x="504736" y="905165"/>
+            <a:ext cx="11182525" cy="2923877"/>
+          </a:xfrm>
+          <a:prstGeom prst="rect">
+            <a:avLst/>
+          </a:prstGeom>
+          <a:noFill/>
+        </p:spPr>
+        <p:txBody>
+          <a:bodyPr wrap="square" rtlCol="0">
+            <a:spAutoFit/>
+          </a:bodyPr>
+          <a:lstStyle/>
+          <a:p>
+            <a:r>
+              <a:rPr lang="sl-SI" sz="1600" dirty="0"/>
+              <a:t>Ob končanem postopku določanja kandidatov na obeh straneh</a:t>
+            </a:r>
+            <a:r>
+              <a:rPr lang="en-SI" sz="1600" dirty="0"/>
+              <a:t>,</a:t>
+            </a:r>
+            <a:r>
+              <a:rPr lang="sl-SI" sz="1600" dirty="0"/>
+              <a:t> nam ostanejo 3 možnosti:</a:t>
+            </a:r>
+            <a:endParaRPr lang="en-SI" sz="1600" dirty="0"/>
+          </a:p>
+          <a:p>
+            <a:endParaRPr lang="en-SI" sz="1600" dirty="0"/>
+          </a:p>
+          <a:p>
+            <a:pPr marL="400050" indent="-400050">
+              <a:buFont typeface="+mj-lt"/>
+              <a:buAutoNum type="romanUcPeriod"/>
+            </a:pPr>
+            <a:r>
+              <a:rPr lang="en-SI" sz="1600" dirty="0" err="1"/>
+              <a:t>Iz</a:t>
+            </a:r>
+            <a:r>
+              <a:rPr lang="en-SI" sz="1600" dirty="0"/>
+              <a:t> </a:t>
+            </a:r>
+            <a:r>
+              <a:rPr lang="en-SI" sz="1600" dirty="0" err="1"/>
+              <a:t>nobene</a:t>
+            </a:r>
+            <a:r>
+              <a:rPr lang="en-SI" sz="1600" dirty="0"/>
+              <a:t> </a:t>
+            </a:r>
+            <a:r>
+              <a:rPr lang="en-SI" sz="1600" dirty="0" err="1"/>
+              <a:t>strani</a:t>
+            </a:r>
+            <a:r>
+              <a:rPr lang="sl-SI" sz="1600" dirty="0"/>
+              <a:t> nismo dobili "izbranca" </a:t>
+            </a:r>
+            <a:r>
+              <a:rPr lang="en-SI" sz="1600" dirty="0"/>
+              <a:t>...</a:t>
+            </a:r>
+            <a:r>
+              <a:rPr lang="sl-SI" sz="1600" dirty="0"/>
+              <a:t> Zaključimo, spajanje je končano</a:t>
+            </a:r>
+            <a:endParaRPr lang="en-SI" sz="1600" dirty="0"/>
+          </a:p>
+          <a:p>
+            <a:pPr marL="400050" indent="-400050">
+              <a:buFont typeface="+mj-lt"/>
+              <a:buAutoNum type="romanUcPeriod"/>
+            </a:pPr>
+            <a:r>
+              <a:rPr lang="sl-SI" sz="1600" dirty="0"/>
+              <a:t>Dobimo "izbranca" le iz ene strani </a:t>
+            </a:r>
+            <a:r>
+              <a:rPr lang="en-SI" sz="1600" dirty="0"/>
+              <a:t>...</a:t>
+            </a:r>
+            <a:r>
+              <a:rPr lang="sl-SI" sz="1600" dirty="0"/>
+              <a:t> Izbranca oz. točko povežemo </a:t>
+            </a:r>
+            <a:r>
+              <a:rPr lang="en-SI" sz="1600" dirty="0"/>
+              <a:t>s</a:t>
+            </a:r>
+            <a:r>
+              <a:rPr lang="sl-SI" sz="1600" dirty="0"/>
+              <a:t> točko bazne LR povezave, ki se nahaja na drugi strani</a:t>
+            </a:r>
+          </a:p>
+          <a:p>
+            <a:pPr marL="400050" indent="-400050">
+              <a:buFont typeface="+mj-lt"/>
+              <a:buAutoNum type="romanUcPeriod"/>
+            </a:pPr>
+            <a:r>
+              <a:rPr lang="sl-SI" sz="1600" dirty="0"/>
+              <a:t>Dobimo oba "izbranca" </a:t>
+            </a:r>
+            <a:r>
+              <a:rPr lang="en-SI" sz="1600" dirty="0"/>
+              <a:t>... </a:t>
+            </a:r>
+            <a:r>
+              <a:rPr lang="sl-SI" sz="1600" dirty="0"/>
+              <a:t> Primerna LR povezava je izbrana glede na spodnji test:</a:t>
+            </a:r>
+          </a:p>
+          <a:p>
+            <a:endParaRPr lang="sl-SI" sz="1600" dirty="0"/>
+          </a:p>
+          <a:p>
+            <a:r>
+              <a:rPr lang="en-SI" sz="1600" dirty="0">
+                <a:sym typeface="Wingdings" panose="05000000000000000000" pitchFamily="2" charset="2"/>
+              </a:rPr>
+              <a:t> 	</a:t>
+            </a:r>
+            <a:r>
+              <a:rPr lang="sl-SI" sz="1600" dirty="0"/>
+              <a:t>Če desni izbranec ni vsebovan v notranjosti očrtanega kroga, ki ga določa trikotnik bazne LR povezave in levega izbranca:</a:t>
+            </a:r>
+          </a:p>
+          <a:p>
+            <a:r>
+              <a:rPr lang="en-SI" sz="1600" dirty="0"/>
+              <a:t>		</a:t>
+            </a:r>
+            <a:r>
+              <a:rPr lang="sl-SI" sz="1600" dirty="0"/>
+              <a:t>Levi izbranec določa novo povezavo med njim in desno točko bazne LR povezave.</a:t>
+            </a:r>
+          </a:p>
+          <a:p>
+            <a:r>
+              <a:rPr lang="en-SI" sz="1600" dirty="0"/>
+              <a:t>		</a:t>
+            </a:r>
+            <a:r>
+              <a:rPr lang="sl-SI" sz="1600" dirty="0"/>
+              <a:t>Nasprotno velja za levega izbranca (če levi ni vsebovan, desni določa novo povezavo)</a:t>
+            </a:r>
+            <a:endParaRPr lang="en-SI" sz="1600" dirty="0"/>
+          </a:p>
+          <a:p>
+            <a:endParaRPr lang="sl-SI" sz="1600" dirty="0"/>
+          </a:p>
+          <a:p>
+            <a:r>
+              <a:rPr lang="sl-SI" sz="1200" dirty="0">
+                <a:solidFill>
+                  <a:schemeClr val="tx1">
+                    <a:lumMod val="50000"/>
+                    <a:lumOff val="50000"/>
+                  </a:schemeClr>
+                </a:solidFill>
+              </a:rPr>
+              <a:t>Po zagotovljenem obstoju Delaunajeve triangulacije bo vsaj eden zadostoval zgornjemu pogoju.</a:t>
+            </a:r>
+          </a:p>
+          <a:p>
+            <a:r>
+              <a:rPr lang="sl-SI" sz="1200" dirty="0">
+                <a:solidFill>
+                  <a:schemeClr val="tx1">
+                    <a:lumMod val="50000"/>
+                    <a:lumOff val="50000"/>
+                  </a:schemeClr>
+                </a:solidFill>
+              </a:rPr>
+              <a:t>Po unikatnosti Del. triangulacije bo natanko eden zadostoval pogoj</a:t>
+            </a:r>
+            <a:r>
+              <a:rPr lang="en-SI" sz="1200" dirty="0">
+                <a:solidFill>
+                  <a:schemeClr val="tx1">
+                    <a:lumMod val="50000"/>
+                    <a:lumOff val="50000"/>
+                  </a:schemeClr>
+                </a:solidFill>
+              </a:rPr>
+              <a:t>u</a:t>
+            </a:r>
+            <a:r>
+              <a:rPr lang="en-SI" sz="1200" dirty="0"/>
+              <a:t>.</a:t>
+            </a:r>
           </a:p>
         </p:txBody>
       </p:sp>
       <p:sp>
         <p:nvSpPr>
-          <p:cNvPr id="3" name="Content Placeholder 2">
-            <a:extLst>
-              <a:ext uri="{FF2B5EF4-FFF2-40B4-BE49-F238E27FC236}">
-                <a16:creationId xmlns:a16="http://schemas.microsoft.com/office/drawing/2014/main" id="{D4DC19CD-A53D-4EF8-84FE-8B5E488EFC83}"/>
-              </a:ext>
-            </a:extLst>
-          </p:cNvPr>
-          <p:cNvSpPr>
-            <a:spLocks noGrp="1"/>
-          </p:cNvSpPr>
-          <p:nvPr>
-            <p:ph idx="1"/>
-          </p:nvPr>
+          <p:cNvPr id="7" name="TextBox 6">
+            <a:extLst>
+              <a:ext uri="{FF2B5EF4-FFF2-40B4-BE49-F238E27FC236}">
+                <a16:creationId xmlns:a16="http://schemas.microsoft.com/office/drawing/2014/main" id="{7E7EB77D-1EDE-43C1-B4C1-2A15F79E1D85}"/>
+              </a:ext>
+            </a:extLst>
+          </p:cNvPr>
+          <p:cNvSpPr txBox="1"/>
+          <p:nvPr/>
         </p:nvSpPr>
-        <p:spPr/>
+        <p:spPr>
+          <a:xfrm>
+            <a:off x="4449288" y="6550223"/>
+            <a:ext cx="6418556" cy="307777"/>
+          </a:xfrm>
+          <a:prstGeom prst="rect">
+            <a:avLst/>
+          </a:prstGeom>
+          <a:noFill/>
+        </p:spPr>
         <p:txBody>
-          <a:bodyPr/>
+          <a:bodyPr wrap="square" rtlCol="0">
+            <a:spAutoFit/>
+          </a:bodyPr>
           <a:lstStyle/>
           <a:p>
             <a:r>
-              <a:rPr lang="en-GB" dirty="0" err="1"/>
-              <a:t>Načrtovanje</a:t>
-            </a:r>
-            <a:r>
-              <a:rPr lang="en-GB" dirty="0"/>
-              <a:t> </a:t>
-            </a:r>
-            <a:r>
-              <a:rPr lang="en-GB" dirty="0" err="1"/>
-              <a:t>rasti</a:t>
-            </a:r>
-            <a:r>
-              <a:rPr lang="en-GB" dirty="0"/>
-              <a:t> in </a:t>
-            </a:r>
-            <a:r>
-              <a:rPr lang="en-GB" dirty="0" err="1"/>
-              <a:t>razvoja</a:t>
-            </a:r>
-            <a:r>
-              <a:rPr lang="en-GB" dirty="0"/>
-              <a:t> </a:t>
-            </a:r>
-            <a:r>
-              <a:rPr lang="en-GB" dirty="0" err="1"/>
-              <a:t>gozdov</a:t>
-            </a:r>
-            <a:endParaRPr lang="en-GB" dirty="0"/>
-          </a:p>
-          <a:p>
-            <a:r>
-              <a:rPr lang="en-GB" dirty="0" err="1"/>
-              <a:t>Robotika</a:t>
-            </a:r>
-            <a:r>
-              <a:rPr lang="en-GB" dirty="0"/>
-              <a:t> (</a:t>
-            </a:r>
-            <a:r>
-              <a:rPr lang="en-GB" dirty="0" err="1"/>
-              <a:t>Načrtovanje</a:t>
-            </a:r>
-            <a:r>
-              <a:rPr lang="en-GB" dirty="0"/>
-              <a:t> </a:t>
-            </a:r>
-            <a:r>
-              <a:rPr lang="en-GB" dirty="0" err="1"/>
-              <a:t>poti</a:t>
-            </a:r>
-            <a:r>
-              <a:rPr lang="en-GB" dirty="0"/>
-              <a:t>)</a:t>
-            </a:r>
-          </a:p>
-          <a:p>
-            <a:r>
-              <a:rPr lang="en-GB" dirty="0" err="1"/>
-              <a:t>Najbližja</a:t>
-            </a:r>
-            <a:r>
-              <a:rPr lang="en-GB" dirty="0"/>
-              <a:t> </a:t>
-            </a:r>
-            <a:r>
-              <a:rPr lang="en-GB" dirty="0" err="1"/>
-              <a:t>pošta</a:t>
-            </a:r>
-            <a:r>
-              <a:rPr lang="en-GB" dirty="0"/>
-              <a:t>, </a:t>
-            </a:r>
-            <a:r>
-              <a:rPr lang="en-GB" dirty="0" err="1"/>
-              <a:t>bolnica</a:t>
-            </a:r>
-            <a:r>
-              <a:rPr lang="en-GB" dirty="0"/>
-              <a:t>, …</a:t>
-            </a:r>
-          </a:p>
-          <a:p>
-            <a:r>
-              <a:rPr lang="en-GB" dirty="0" err="1"/>
-              <a:t>Iskanje</a:t>
-            </a:r>
-            <a:r>
-              <a:rPr lang="en-GB" dirty="0"/>
-              <a:t> </a:t>
-            </a:r>
-            <a:r>
-              <a:rPr lang="en-GB" dirty="0" err="1"/>
-              <a:t>najbližjega</a:t>
-            </a:r>
-            <a:r>
-              <a:rPr lang="en-GB" dirty="0"/>
-              <a:t> </a:t>
-            </a:r>
-            <a:r>
-              <a:rPr lang="en-GB" dirty="0" err="1"/>
-              <a:t>telefonskega</a:t>
-            </a:r>
-            <a:r>
-              <a:rPr lang="en-GB" dirty="0"/>
-              <a:t> </a:t>
-            </a:r>
-            <a:r>
-              <a:rPr lang="en-GB" dirty="0" err="1"/>
-              <a:t>oddajnika</a:t>
-            </a:r>
-            <a:endParaRPr lang="en-GB" dirty="0"/>
-          </a:p>
-          <a:p>
-            <a:endParaRPr lang="en-GB" dirty="0"/>
-          </a:p>
-          <a:p>
-            <a:r>
-              <a:rPr lang="en-GB" dirty="0"/>
-              <a:t>Melbourne, </a:t>
-            </a:r>
-            <a:r>
-              <a:rPr lang="en-GB" dirty="0" err="1"/>
-              <a:t>šolarji</a:t>
-            </a:r>
-            <a:r>
-              <a:rPr lang="en-GB" dirty="0"/>
-              <a:t> </a:t>
-            </a:r>
-            <a:r>
-              <a:rPr lang="en-GB" dirty="0" err="1"/>
-              <a:t>samo</a:t>
-            </a:r>
-            <a:r>
-              <a:rPr lang="en-GB" dirty="0"/>
-              <a:t> v </a:t>
-            </a:r>
-            <a:r>
-              <a:rPr lang="en-GB" dirty="0" err="1"/>
-              <a:t>najbližjo</a:t>
-            </a:r>
-            <a:r>
-              <a:rPr lang="en-GB" dirty="0"/>
-              <a:t> </a:t>
-            </a:r>
-            <a:r>
-              <a:rPr lang="en-GB" dirty="0" err="1"/>
-              <a:t>šolo</a:t>
-            </a:r>
-            <a:r>
-              <a:rPr lang="en-GB" dirty="0"/>
-              <a:t> </a:t>
-            </a:r>
-            <a:r>
-              <a:rPr lang="en-GB" dirty="0" err="1"/>
-              <a:t>njihovim</a:t>
-            </a:r>
-            <a:r>
-              <a:rPr lang="en-GB" dirty="0"/>
-              <a:t> </a:t>
-            </a:r>
-            <a:r>
-              <a:rPr lang="en-GB" dirty="0" err="1"/>
-              <a:t>domom</a:t>
-            </a:r>
-            <a:r>
-              <a:rPr lang="en-GB" dirty="0"/>
-              <a:t>.</a:t>
-            </a:r>
-          </a:p>
-          <a:p>
-            <a:r>
-              <a:rPr lang="en-GB" dirty="0" err="1"/>
-              <a:t>Dinara</a:t>
-            </a:r>
-            <a:r>
-              <a:rPr lang="en-GB" dirty="0"/>
-              <a:t> </a:t>
-            </a:r>
-            <a:r>
-              <a:rPr lang="en-GB" dirty="0" err="1"/>
-              <a:t>Kasko</a:t>
-            </a:r>
-            <a:r>
-              <a:rPr lang="en-GB" dirty="0"/>
-              <a:t>, 3D </a:t>
-            </a:r>
-            <a:r>
-              <a:rPr lang="en-GB" dirty="0" err="1"/>
-              <a:t>printanje</a:t>
-            </a:r>
-            <a:r>
-              <a:rPr lang="en-GB" dirty="0"/>
-              <a:t> </a:t>
-            </a:r>
-            <a:r>
-              <a:rPr lang="en-GB" dirty="0" err="1"/>
-              <a:t>modelčkov</a:t>
-            </a:r>
-            <a:r>
-              <a:rPr lang="en-GB" dirty="0"/>
-              <a:t> za torte</a:t>
+              <a:rPr lang="en-GB" sz="1400" dirty="0">
+                <a:hlinkClick r:id="rId3"/>
+              </a:rPr>
+              <a:t>http://www.geom.uiuc.edu/~samuelp/del_project.html#problem</a:t>
+            </a:r>
+            <a:r>
+              <a:rPr lang="en-GB" sz="1400" dirty="0"/>
+              <a:t> </a:t>
             </a:r>
           </a:p>
         </p:txBody>
@@ -4244,7 +7212,7 @@
     </p:spTree>
     <p:extLst>
       <p:ext uri="{BB962C8B-B14F-4D97-AF65-F5344CB8AC3E}">
-        <p14:creationId xmlns:p14="http://schemas.microsoft.com/office/powerpoint/2010/main" val="4228216351"/>
+        <p14:creationId xmlns:p14="http://schemas.microsoft.com/office/powerpoint/2010/main" val="257723332"/>
       </p:ext>
     </p:extLst>
   </p:cSld>
@@ -4276,7 +7244,152 @@
           <p:cNvPr id="2" name="Title 1">
             <a:extLst>
               <a:ext uri="{FF2B5EF4-FFF2-40B4-BE49-F238E27FC236}">
-                <a16:creationId xmlns:a16="http://schemas.microsoft.com/office/drawing/2014/main" id="{E6E80C6D-01A8-43A3-B02F-72753C22770B}"/>
+                <a16:creationId xmlns:a16="http://schemas.microsoft.com/office/drawing/2014/main" id="{2A6D3955-70A8-4A0E-9265-F698F028F026}"/>
+              </a:ext>
+            </a:extLst>
+          </p:cNvPr>
+          <p:cNvSpPr>
+            <a:spLocks noGrp="1"/>
+          </p:cNvSpPr>
+          <p:nvPr>
+            <p:ph type="title"/>
+          </p:nvPr>
+        </p:nvSpPr>
+        <p:spPr>
+          <a:xfrm>
+            <a:off x="182418" y="171163"/>
+            <a:ext cx="6578600" cy="734002"/>
+          </a:xfrm>
+        </p:spPr>
+        <p:txBody>
+          <a:bodyPr/>
+          <a:lstStyle/>
+          <a:p>
+            <a:r>
+              <a:rPr lang="en-SI" dirty="0" err="1"/>
+              <a:t>Spajanje</a:t>
+            </a:r>
+            <a:r>
+              <a:rPr lang="en-SI" dirty="0"/>
+              <a:t> (Conquer)</a:t>
+            </a:r>
+            <a:endParaRPr lang="en-GB" dirty="0"/>
+          </a:p>
+        </p:txBody>
+      </p:sp>
+      <p:pic>
+        <p:nvPicPr>
+          <p:cNvPr id="4" name="Picture 3" descr="Chart, radar chart&#10;&#10;Description automatically generated">
+            <a:extLst>
+              <a:ext uri="{FF2B5EF4-FFF2-40B4-BE49-F238E27FC236}">
+                <a16:creationId xmlns:a16="http://schemas.microsoft.com/office/drawing/2014/main" id="{9DB5FF59-9190-4123-9C98-DDEB5A2ED1D0}"/>
+              </a:ext>
+            </a:extLst>
+          </p:cNvPr>
+          <p:cNvPicPr>
+            <a:picLocks noChangeAspect="1"/>
+          </p:cNvPicPr>
+          <p:nvPr/>
+        </p:nvPicPr>
+        <p:blipFill>
+          <a:blip r:embed="rId2">
+            <a:extLst>
+              <a:ext uri="{28A0092B-C50C-407E-A947-70E740481C1C}">
+                <a14:useLocalDpi xmlns:a14="http://schemas.microsoft.com/office/drawing/2010/main" val="0"/>
+              </a:ext>
+            </a:extLst>
+          </a:blip>
+          <a:stretch>
+            <a:fillRect/>
+          </a:stretch>
+        </p:blipFill>
+        <p:spPr>
+          <a:xfrm>
+            <a:off x="1469317" y="1513902"/>
+            <a:ext cx="8896373" cy="4351905"/>
+          </a:xfrm>
+          <a:prstGeom prst="rect">
+            <a:avLst/>
+          </a:prstGeom>
+        </p:spPr>
+      </p:pic>
+      <p:sp>
+        <p:nvSpPr>
+          <p:cNvPr id="5" name="TextBox 4">
+            <a:extLst>
+              <a:ext uri="{FF2B5EF4-FFF2-40B4-BE49-F238E27FC236}">
+                <a16:creationId xmlns:a16="http://schemas.microsoft.com/office/drawing/2014/main" id="{97A4D927-85E5-43C8-BA9A-0900C256BF4A}"/>
+              </a:ext>
+            </a:extLst>
+          </p:cNvPr>
+          <p:cNvSpPr txBox="1"/>
+          <p:nvPr/>
+        </p:nvSpPr>
+        <p:spPr>
+          <a:xfrm>
+            <a:off x="3471718" y="5973175"/>
+            <a:ext cx="6418556" cy="307777"/>
+          </a:xfrm>
+          <a:prstGeom prst="rect">
+            <a:avLst/>
+          </a:prstGeom>
+          <a:noFill/>
+        </p:spPr>
+        <p:txBody>
+          <a:bodyPr wrap="square" rtlCol="0">
+            <a:spAutoFit/>
+          </a:bodyPr>
+          <a:lstStyle/>
+          <a:p>
+            <a:r>
+              <a:rPr lang="en-GB" sz="1400" dirty="0">
+                <a:hlinkClick r:id="rId3"/>
+              </a:rPr>
+              <a:t>http://www.geom.uiuc.edu/~samuelp/del_project.html#problem</a:t>
+            </a:r>
+            <a:r>
+              <a:rPr lang="en-GB" sz="1400" dirty="0"/>
+              <a:t> </a:t>
+            </a:r>
+          </a:p>
+        </p:txBody>
+      </p:sp>
+    </p:spTree>
+    <p:extLst>
+      <p:ext uri="{BB962C8B-B14F-4D97-AF65-F5344CB8AC3E}">
+        <p14:creationId xmlns:p14="http://schemas.microsoft.com/office/powerpoint/2010/main" val="337319632"/>
+      </p:ext>
+    </p:extLst>
+  </p:cSld>
+  <p:clrMapOvr>
+    <a:masterClrMapping/>
+  </p:clrMapOvr>
+</p:sld>
+</file>
+
+<file path=ppt/slides/slide17.xml><?xml version="1.0" encoding="utf-8"?>
+<p:sld xmlns:a="http://schemas.openxmlformats.org/drawingml/2006/main" xmlns:r="http://schemas.openxmlformats.org/officeDocument/2006/relationships" xmlns:p="http://schemas.openxmlformats.org/presentationml/2006/main">
+  <p:cSld>
+    <p:spTree>
+      <p:nvGrpSpPr>
+        <p:cNvPr id="1" name=""/>
+        <p:cNvGrpSpPr/>
+        <p:nvPr/>
+      </p:nvGrpSpPr>
+      <p:grpSpPr>
+        <a:xfrm>
+          <a:off x="0" y="0"/>
+          <a:ext cx="0" cy="0"/>
+          <a:chOff x="0" y="0"/>
+          <a:chExt cx="0" cy="0"/>
+        </a:xfrm>
+      </p:grpSpPr>
+      <p:sp>
+        <p:nvSpPr>
+          <p:cNvPr id="2" name="Title 1">
+            <a:extLst>
+              <a:ext uri="{FF2B5EF4-FFF2-40B4-BE49-F238E27FC236}">
+                <a16:creationId xmlns:a16="http://schemas.microsoft.com/office/drawing/2014/main" id="{A0EAE73B-6F8B-4BB8-A42B-92532DB8443D}"/>
               </a:ext>
             </a:extLst>
           </p:cNvPr>
@@ -4294,7 +7407,15 @@
           <a:p>
             <a:r>
               <a:rPr lang="en-GB" dirty="0" err="1"/>
-              <a:t>Viri</a:t>
+              <a:t>Povezovanje</a:t>
+            </a:r>
+            <a:r>
+              <a:rPr lang="en-GB" dirty="0"/>
+              <a:t> </a:t>
+            </a:r>
+            <a:r>
+              <a:rPr lang="en-GB" dirty="0" err="1"/>
+              <a:t>točk</a:t>
             </a:r>
             <a:endParaRPr lang="en-GB" dirty="0"/>
           </a:p>
@@ -4305,7 +7426,7 @@
           <p:cNvPr id="3" name="Content Placeholder 2">
             <a:extLst>
               <a:ext uri="{FF2B5EF4-FFF2-40B4-BE49-F238E27FC236}">
-                <a16:creationId xmlns:a16="http://schemas.microsoft.com/office/drawing/2014/main" id="{1933C0E8-FC63-4C4D-84CD-B30C5C497DD5}"/>
+                <a16:creationId xmlns:a16="http://schemas.microsoft.com/office/drawing/2014/main" id="{D45FCF20-91D5-47B4-82F1-712AD67B5261}"/>
               </a:ext>
             </a:extLst>
           </p:cNvPr>
@@ -4321,79 +7442,891 @@
           <a:bodyPr/>
           <a:lstStyle/>
           <a:p>
-            <a:r>
-              <a:rPr lang="en-GB" dirty="0">
-                <a:hlinkClick r:id="rId2"/>
-              </a:rPr>
-              <a:t>https://en.wikipedia.org/wiki/Voronoi_diagram</a:t>
-            </a:r>
-            <a:r>
-              <a:rPr lang="en-GB" dirty="0"/>
-              <a:t> (</a:t>
-            </a:r>
-            <a:r>
-              <a:rPr lang="en-GB" dirty="0" err="1"/>
-              <a:t>Dostop</a:t>
-            </a:r>
-            <a:r>
-              <a:rPr lang="en-GB" dirty="0"/>
-              <a:t>: 17.03.2022)</a:t>
-            </a:r>
-          </a:p>
-          <a:p>
-            <a:r>
-              <a:rPr lang="en-GB" dirty="0">
-                <a:hlinkClick r:id="rId3"/>
-              </a:rPr>
-              <a:t>https://en.wikipedia.org/wiki/Jump_flooding_algorithm</a:t>
-            </a:r>
-            <a:r>
-              <a:rPr lang="en-GB" dirty="0"/>
-              <a:t>(Dostop: 17.03.2022)</a:t>
-            </a:r>
-          </a:p>
-          <a:p>
-            <a:r>
-              <a:rPr lang="en-GB" dirty="0">
-                <a:hlinkClick r:id="rId4"/>
-              </a:rPr>
-              <a:t>https://www.wikiwand.com/en/Jump_flooding_algorithm</a:t>
-            </a:r>
-            <a:r>
-              <a:rPr lang="en-GB" dirty="0"/>
-              <a:t> (</a:t>
-            </a:r>
-            <a:r>
-              <a:rPr lang="en-GB" dirty="0" err="1"/>
-              <a:t>Dostop</a:t>
-            </a:r>
-            <a:r>
-              <a:rPr lang="en-GB"/>
-              <a:t>: 17.03.2022)</a:t>
-            </a:r>
-            <a:endParaRPr lang="en-GB" dirty="0"/>
-          </a:p>
-          <a:p>
-            <a:endParaRPr lang="en-GB" dirty="0"/>
-          </a:p>
-          <a:p>
-            <a:endParaRPr lang="en-GB" dirty="0"/>
-          </a:p>
-          <a:p>
-            <a:endParaRPr lang="en-GB" dirty="0"/>
+            <a:endParaRPr lang="en-GB"/>
           </a:p>
         </p:txBody>
       </p:sp>
     </p:spTree>
     <p:extLst>
       <p:ext uri="{BB962C8B-B14F-4D97-AF65-F5344CB8AC3E}">
-        <p14:creationId xmlns:p14="http://schemas.microsoft.com/office/powerpoint/2010/main" val="4269035811"/>
+        <p14:creationId xmlns:p14="http://schemas.microsoft.com/office/powerpoint/2010/main" val="2975574081"/>
       </p:ext>
     </p:extLst>
   </p:cSld>
   <p:clrMapOvr>
     <a:masterClrMapping/>
   </p:clrMapOvr>
+</p:sld>
+</file>
+
+<file path=ppt/slides/slide18.xml><?xml version="1.0" encoding="utf-8"?>
+<p:sld xmlns:a="http://schemas.openxmlformats.org/drawingml/2006/main" xmlns:r="http://schemas.openxmlformats.org/officeDocument/2006/relationships" xmlns:p="http://schemas.openxmlformats.org/presentationml/2006/main">
+  <p:cSld>
+    <p:spTree>
+      <p:nvGrpSpPr>
+        <p:cNvPr id="1" name=""/>
+        <p:cNvGrpSpPr/>
+        <p:nvPr/>
+      </p:nvGrpSpPr>
+      <p:grpSpPr>
+        <a:xfrm>
+          <a:off x="0" y="0"/>
+          <a:ext cx="0" cy="0"/>
+          <a:chOff x="0" y="0"/>
+          <a:chExt cx="0" cy="0"/>
+        </a:xfrm>
+      </p:grpSpPr>
+      <p:sp>
+        <p:nvSpPr>
+          <p:cNvPr id="2" name="Title 1">
+            <a:extLst>
+              <a:ext uri="{FF2B5EF4-FFF2-40B4-BE49-F238E27FC236}">
+                <a16:creationId xmlns:a16="http://schemas.microsoft.com/office/drawing/2014/main" id="{AF637770-BFFA-499F-A743-11013ABC97EF}"/>
+              </a:ext>
+            </a:extLst>
+          </p:cNvPr>
+          <p:cNvSpPr>
+            <a:spLocks noGrp="1"/>
+          </p:cNvSpPr>
+          <p:nvPr>
+            <p:ph type="title"/>
+          </p:nvPr>
+        </p:nvSpPr>
+        <p:spPr>
+          <a:xfrm>
+            <a:off x="838200" y="338492"/>
+            <a:ext cx="10515600" cy="1325563"/>
+          </a:xfrm>
+        </p:spPr>
+        <p:txBody>
+          <a:bodyPr/>
+          <a:lstStyle/>
+          <a:p>
+            <a:r>
+              <a:rPr lang="en-GB" dirty="0" err="1"/>
+              <a:t>Primeri</a:t>
+            </a:r>
+            <a:r>
+              <a:rPr lang="en-GB" dirty="0"/>
+              <a:t> in </a:t>
+            </a:r>
+            <a:r>
+              <a:rPr lang="en-GB" dirty="0" err="1"/>
+              <a:t>različne</a:t>
+            </a:r>
+            <a:r>
+              <a:rPr lang="en-GB" dirty="0"/>
+              <a:t> </a:t>
+            </a:r>
+            <a:r>
+              <a:rPr lang="en-GB" dirty="0" err="1"/>
+              <a:t>metrike</a:t>
+            </a:r>
+            <a:endParaRPr lang="en-GB" dirty="0"/>
+          </a:p>
+        </p:txBody>
+      </p:sp>
+      <p:pic>
+        <p:nvPicPr>
+          <p:cNvPr id="5" name="Content Placeholder 4">
+            <a:extLst>
+              <a:ext uri="{FF2B5EF4-FFF2-40B4-BE49-F238E27FC236}">
+                <a16:creationId xmlns:a16="http://schemas.microsoft.com/office/drawing/2014/main" id="{82012B47-41DB-4E90-A5A2-7E00744C2B14}"/>
+              </a:ext>
+            </a:extLst>
+          </p:cNvPr>
+          <p:cNvPicPr>
+            <a:picLocks noGrp="1" noChangeAspect="1"/>
+          </p:cNvPicPr>
+          <p:nvPr>
+            <p:ph idx="1"/>
+          </p:nvPr>
+        </p:nvPicPr>
+        <p:blipFill rotWithShape="1">
+          <a:blip r:embed="rId2">
+            <a:extLst>
+              <a:ext uri="{28A0092B-C50C-407E-A947-70E740481C1C}">
+                <a14:useLocalDpi xmlns:a14="http://schemas.microsoft.com/office/drawing/2010/main" val="0"/>
+              </a:ext>
+            </a:extLst>
+          </a:blip>
+          <a:srcRect l="27669" t="10362" r="28537" b="5146"/>
+          <a:stretch/>
+        </p:blipFill>
+        <p:spPr>
+          <a:xfrm>
+            <a:off x="2947386" y="1251424"/>
+            <a:ext cx="5504155" cy="5268084"/>
+          </a:xfrm>
+        </p:spPr>
+      </p:pic>
+      <p:pic>
+        <p:nvPicPr>
+          <p:cNvPr id="7" name="Picture 6">
+            <a:extLst>
+              <a:ext uri="{FF2B5EF4-FFF2-40B4-BE49-F238E27FC236}">
+                <a16:creationId xmlns:a16="http://schemas.microsoft.com/office/drawing/2014/main" id="{55344C39-4D84-4D73-8A44-795F9006FFB3}"/>
+              </a:ext>
+            </a:extLst>
+          </p:cNvPr>
+          <p:cNvPicPr>
+            <a:picLocks noChangeAspect="1"/>
+          </p:cNvPicPr>
+          <p:nvPr/>
+        </p:nvPicPr>
+        <p:blipFill rotWithShape="1">
+          <a:blip r:embed="rId3">
+            <a:extLst>
+              <a:ext uri="{28A0092B-C50C-407E-A947-70E740481C1C}">
+                <a14:useLocalDpi xmlns:a14="http://schemas.microsoft.com/office/drawing/2010/main" val="0"/>
+              </a:ext>
+            </a:extLst>
+          </a:blip>
+          <a:srcRect l="15160" t="9788" r="17183" b="5552"/>
+          <a:stretch/>
+        </p:blipFill>
+        <p:spPr>
+          <a:xfrm>
+            <a:off x="2015232" y="88102"/>
+            <a:ext cx="7119890" cy="6681796"/>
+          </a:xfrm>
+          <a:prstGeom prst="rect">
+            <a:avLst/>
+          </a:prstGeom>
+        </p:spPr>
+      </p:pic>
+      <p:pic>
+        <p:nvPicPr>
+          <p:cNvPr id="9" name="Picture 8">
+            <a:extLst>
+              <a:ext uri="{FF2B5EF4-FFF2-40B4-BE49-F238E27FC236}">
+                <a16:creationId xmlns:a16="http://schemas.microsoft.com/office/drawing/2014/main" id="{19AAF190-3119-4EF5-B384-7401CD2B1366}"/>
+              </a:ext>
+            </a:extLst>
+          </p:cNvPr>
+          <p:cNvPicPr>
+            <a:picLocks noChangeAspect="1"/>
+          </p:cNvPicPr>
+          <p:nvPr/>
+        </p:nvPicPr>
+        <p:blipFill>
+          <a:blip r:embed="rId4">
+            <a:extLst>
+              <a:ext uri="{28A0092B-C50C-407E-A947-70E740481C1C}">
+                <a14:useLocalDpi xmlns:a14="http://schemas.microsoft.com/office/drawing/2010/main" val="0"/>
+              </a:ext>
+            </a:extLst>
+          </a:blip>
+          <a:stretch>
+            <a:fillRect/>
+          </a:stretch>
+        </p:blipFill>
+        <p:spPr>
+          <a:xfrm>
+            <a:off x="918839" y="-63254"/>
+            <a:ext cx="9312676" cy="6984507"/>
+          </a:xfrm>
+          <a:prstGeom prst="rect">
+            <a:avLst/>
+          </a:prstGeom>
+        </p:spPr>
+      </p:pic>
+      <p:pic>
+        <p:nvPicPr>
+          <p:cNvPr id="11" name="Picture 10">
+            <a:extLst>
+              <a:ext uri="{FF2B5EF4-FFF2-40B4-BE49-F238E27FC236}">
+                <a16:creationId xmlns:a16="http://schemas.microsoft.com/office/drawing/2014/main" id="{D7737C52-B455-4E76-9060-AAC0C336F431}"/>
+              </a:ext>
+            </a:extLst>
+          </p:cNvPr>
+          <p:cNvPicPr>
+            <a:picLocks noChangeAspect="1"/>
+          </p:cNvPicPr>
+          <p:nvPr/>
+        </p:nvPicPr>
+        <p:blipFill>
+          <a:blip r:embed="rId5">
+            <a:extLst>
+              <a:ext uri="{28A0092B-C50C-407E-A947-70E740481C1C}">
+                <a14:useLocalDpi xmlns:a14="http://schemas.microsoft.com/office/drawing/2010/main" val="0"/>
+              </a:ext>
+            </a:extLst>
+          </a:blip>
+          <a:stretch>
+            <a:fillRect/>
+          </a:stretch>
+        </p:blipFill>
+        <p:spPr>
+          <a:xfrm>
+            <a:off x="999478" y="-126507"/>
+            <a:ext cx="9312676" cy="6984507"/>
+          </a:xfrm>
+          <a:prstGeom prst="rect">
+            <a:avLst/>
+          </a:prstGeom>
+        </p:spPr>
+      </p:pic>
+      <p:pic>
+        <p:nvPicPr>
+          <p:cNvPr id="13" name="Picture 12">
+            <a:extLst>
+              <a:ext uri="{FF2B5EF4-FFF2-40B4-BE49-F238E27FC236}">
+                <a16:creationId xmlns:a16="http://schemas.microsoft.com/office/drawing/2014/main" id="{EC162C82-FB5A-46B5-AFD1-0B2753CBC776}"/>
+              </a:ext>
+            </a:extLst>
+          </p:cNvPr>
+          <p:cNvPicPr>
+            <a:picLocks noChangeAspect="1"/>
+          </p:cNvPicPr>
+          <p:nvPr/>
+        </p:nvPicPr>
+        <p:blipFill>
+          <a:blip r:embed="rId6">
+            <a:extLst>
+              <a:ext uri="{28A0092B-C50C-407E-A947-70E740481C1C}">
+                <a14:useLocalDpi xmlns:a14="http://schemas.microsoft.com/office/drawing/2010/main" val="0"/>
+              </a:ext>
+            </a:extLst>
+          </a:blip>
+          <a:stretch>
+            <a:fillRect/>
+          </a:stretch>
+        </p:blipFill>
+        <p:spPr>
+          <a:xfrm>
+            <a:off x="1439138" y="-63254"/>
+            <a:ext cx="9313200" cy="6984900"/>
+          </a:xfrm>
+          <a:prstGeom prst="rect">
+            <a:avLst/>
+          </a:prstGeom>
+        </p:spPr>
+      </p:pic>
+    </p:spTree>
+    <p:extLst>
+      <p:ext uri="{BB962C8B-B14F-4D97-AF65-F5344CB8AC3E}">
+        <p14:creationId xmlns:p14="http://schemas.microsoft.com/office/powerpoint/2010/main" val="3838925735"/>
+      </p:ext>
+    </p:extLst>
+  </p:cSld>
+  <p:clrMapOvr>
+    <a:masterClrMapping/>
+  </p:clrMapOvr>
+  <p:timing>
+    <p:tnLst>
+      <p:par>
+        <p:cTn id="1" dur="indefinite" restart="never" nodeType="tmRoot">
+          <p:childTnLst>
+            <p:seq concurrent="1" nextAc="seek">
+              <p:cTn id="2" dur="indefinite" nodeType="mainSeq">
+                <p:childTnLst>
+                  <p:par>
+                    <p:cTn id="3" fill="hold">
+                      <p:stCondLst>
+                        <p:cond delay="indefinite"/>
+                      </p:stCondLst>
+                      <p:childTnLst>
+                        <p:par>
+                          <p:cTn id="4" fill="hold">
+                            <p:stCondLst>
+                              <p:cond delay="0"/>
+                            </p:stCondLst>
+                            <p:childTnLst>
+                              <p:par>
+                                <p:cTn id="5" presetID="1" presetClass="entr" presetSubtype="0" fill="hold" nodeType="clickEffect">
+                                  <p:stCondLst>
+                                    <p:cond delay="0"/>
+                                  </p:stCondLst>
+                                  <p:childTnLst>
+                                    <p:set>
+                                      <p:cBhvr>
+                                        <p:cTn id="6" dur="1" fill="hold">
+                                          <p:stCondLst>
+                                            <p:cond delay="0"/>
+                                          </p:stCondLst>
+                                        </p:cTn>
+                                        <p:tgtEl>
+                                          <p:spTgt spid="7"/>
+                                        </p:tgtEl>
+                                        <p:attrNameLst>
+                                          <p:attrName>style.visibility</p:attrName>
+                                        </p:attrNameLst>
+                                      </p:cBhvr>
+                                      <p:to>
+                                        <p:strVal val="visible"/>
+                                      </p:to>
+                                    </p:set>
+                                  </p:childTnLst>
+                                </p:cTn>
+                              </p:par>
+                            </p:childTnLst>
+                          </p:cTn>
+                        </p:par>
+                      </p:childTnLst>
+                    </p:cTn>
+                  </p:par>
+                  <p:par>
+                    <p:cTn id="7" fill="hold">
+                      <p:stCondLst>
+                        <p:cond delay="indefinite"/>
+                      </p:stCondLst>
+                      <p:childTnLst>
+                        <p:par>
+                          <p:cTn id="8" fill="hold">
+                            <p:stCondLst>
+                              <p:cond delay="0"/>
+                            </p:stCondLst>
+                            <p:childTnLst>
+                              <p:par>
+                                <p:cTn id="9" presetID="1" presetClass="entr" presetSubtype="0" fill="hold" nodeType="clickEffect">
+                                  <p:stCondLst>
+                                    <p:cond delay="0"/>
+                                  </p:stCondLst>
+                                  <p:childTnLst>
+                                    <p:set>
+                                      <p:cBhvr>
+                                        <p:cTn id="10" dur="1" fill="hold">
+                                          <p:stCondLst>
+                                            <p:cond delay="0"/>
+                                          </p:stCondLst>
+                                        </p:cTn>
+                                        <p:tgtEl>
+                                          <p:spTgt spid="9"/>
+                                        </p:tgtEl>
+                                        <p:attrNameLst>
+                                          <p:attrName>style.visibility</p:attrName>
+                                        </p:attrNameLst>
+                                      </p:cBhvr>
+                                      <p:to>
+                                        <p:strVal val="visible"/>
+                                      </p:to>
+                                    </p:set>
+                                  </p:childTnLst>
+                                </p:cTn>
+                              </p:par>
+                            </p:childTnLst>
+                          </p:cTn>
+                        </p:par>
+                      </p:childTnLst>
+                    </p:cTn>
+                  </p:par>
+                  <p:par>
+                    <p:cTn id="11" fill="hold">
+                      <p:stCondLst>
+                        <p:cond delay="indefinite"/>
+                      </p:stCondLst>
+                      <p:childTnLst>
+                        <p:par>
+                          <p:cTn id="12" fill="hold">
+                            <p:stCondLst>
+                              <p:cond delay="0"/>
+                            </p:stCondLst>
+                            <p:childTnLst>
+                              <p:par>
+                                <p:cTn id="13" presetID="1" presetClass="entr" presetSubtype="0" fill="hold" nodeType="clickEffect">
+                                  <p:stCondLst>
+                                    <p:cond delay="0"/>
+                                  </p:stCondLst>
+                                  <p:childTnLst>
+                                    <p:set>
+                                      <p:cBhvr>
+                                        <p:cTn id="14" dur="1" fill="hold">
+                                          <p:stCondLst>
+                                            <p:cond delay="0"/>
+                                          </p:stCondLst>
+                                        </p:cTn>
+                                        <p:tgtEl>
+                                          <p:spTgt spid="11"/>
+                                        </p:tgtEl>
+                                        <p:attrNameLst>
+                                          <p:attrName>style.visibility</p:attrName>
+                                        </p:attrNameLst>
+                                      </p:cBhvr>
+                                      <p:to>
+                                        <p:strVal val="visible"/>
+                                      </p:to>
+                                    </p:set>
+                                  </p:childTnLst>
+                                </p:cTn>
+                              </p:par>
+                            </p:childTnLst>
+                          </p:cTn>
+                        </p:par>
+                      </p:childTnLst>
+                    </p:cTn>
+                  </p:par>
+                  <p:par>
+                    <p:cTn id="15" fill="hold">
+                      <p:stCondLst>
+                        <p:cond delay="indefinite"/>
+                      </p:stCondLst>
+                      <p:childTnLst>
+                        <p:par>
+                          <p:cTn id="16" fill="hold">
+                            <p:stCondLst>
+                              <p:cond delay="0"/>
+                            </p:stCondLst>
+                            <p:childTnLst>
+                              <p:par>
+                                <p:cTn id="17" presetID="1" presetClass="entr" presetSubtype="0" fill="hold" nodeType="clickEffect">
+                                  <p:stCondLst>
+                                    <p:cond delay="0"/>
+                                  </p:stCondLst>
+                                  <p:childTnLst>
+                                    <p:set>
+                                      <p:cBhvr>
+                                        <p:cTn id="18" dur="1" fill="hold">
+                                          <p:stCondLst>
+                                            <p:cond delay="0"/>
+                                          </p:stCondLst>
+                                        </p:cTn>
+                                        <p:tgtEl>
+                                          <p:spTgt spid="13"/>
+                                        </p:tgtEl>
+                                        <p:attrNameLst>
+                                          <p:attrName>style.visibility</p:attrName>
+                                        </p:attrNameLst>
+                                      </p:cBhvr>
+                                      <p:to>
+                                        <p:strVal val="visible"/>
+                                      </p:to>
+                                    </p:set>
+                                  </p:childTnLst>
+                                </p:cTn>
+                              </p:par>
+                            </p:childTnLst>
+                          </p:cTn>
+                        </p:par>
+                      </p:childTnLst>
+                    </p:cTn>
+                  </p:par>
+                </p:childTnLst>
+              </p:cTn>
+              <p:prevCondLst>
+                <p:cond evt="onPrev" delay="0">
+                  <p:tgtEl>
+                    <p:sldTgt/>
+                  </p:tgtEl>
+                </p:cond>
+              </p:prevCondLst>
+              <p:nextCondLst>
+                <p:cond evt="onNext" delay="0">
+                  <p:tgtEl>
+                    <p:sldTgt/>
+                  </p:tgtEl>
+                </p:cond>
+              </p:nextCondLst>
+            </p:seq>
+          </p:childTnLst>
+        </p:cTn>
+      </p:par>
+    </p:tnLst>
+  </p:timing>
+</p:sld>
+</file>
+
+<file path=ppt/slides/slide19.xml><?xml version="1.0" encoding="utf-8"?>
+<p:sld xmlns:a="http://schemas.openxmlformats.org/drawingml/2006/main" xmlns:r="http://schemas.openxmlformats.org/officeDocument/2006/relationships" xmlns:p="http://schemas.openxmlformats.org/presentationml/2006/main">
+  <p:cSld>
+    <p:spTree>
+      <p:nvGrpSpPr>
+        <p:cNvPr id="1" name=""/>
+        <p:cNvGrpSpPr/>
+        <p:nvPr/>
+      </p:nvGrpSpPr>
+      <p:grpSpPr>
+        <a:xfrm>
+          <a:off x="0" y="0"/>
+          <a:ext cx="0" cy="0"/>
+          <a:chOff x="0" y="0"/>
+          <a:chExt cx="0" cy="0"/>
+        </a:xfrm>
+      </p:grpSpPr>
+      <p:sp>
+        <p:nvSpPr>
+          <p:cNvPr id="2" name="Title 1">
+            <a:extLst>
+              <a:ext uri="{FF2B5EF4-FFF2-40B4-BE49-F238E27FC236}">
+                <a16:creationId xmlns:a16="http://schemas.microsoft.com/office/drawing/2014/main" id="{98F35D36-9EDF-4969-AE71-F54118B67301}"/>
+              </a:ext>
+            </a:extLst>
+          </p:cNvPr>
+          <p:cNvSpPr>
+            <a:spLocks noGrp="1"/>
+          </p:cNvSpPr>
+          <p:nvPr>
+            <p:ph type="title"/>
+          </p:nvPr>
+        </p:nvSpPr>
+        <p:spPr/>
+        <p:txBody>
+          <a:bodyPr/>
+          <a:lstStyle/>
+          <a:p>
+            <a:r>
+              <a:rPr lang="en-GB" dirty="0" err="1"/>
+              <a:t>Primeri</a:t>
+            </a:r>
+            <a:r>
+              <a:rPr lang="en-GB" dirty="0"/>
+              <a:t> </a:t>
+            </a:r>
+            <a:r>
+              <a:rPr lang="en-GB" dirty="0" err="1"/>
+              <a:t>uporabe</a:t>
+            </a:r>
+            <a:endParaRPr lang="en-GB" dirty="0"/>
+          </a:p>
+        </p:txBody>
+      </p:sp>
+      <p:sp>
+        <p:nvSpPr>
+          <p:cNvPr id="3" name="Content Placeholder 2">
+            <a:extLst>
+              <a:ext uri="{FF2B5EF4-FFF2-40B4-BE49-F238E27FC236}">
+                <a16:creationId xmlns:a16="http://schemas.microsoft.com/office/drawing/2014/main" id="{D4DC19CD-A53D-4EF8-84FE-8B5E488EFC83}"/>
+              </a:ext>
+            </a:extLst>
+          </p:cNvPr>
+          <p:cNvSpPr>
+            <a:spLocks noGrp="1"/>
+          </p:cNvSpPr>
+          <p:nvPr>
+            <p:ph idx="1"/>
+          </p:nvPr>
+        </p:nvSpPr>
+        <p:spPr/>
+        <p:txBody>
+          <a:bodyPr/>
+          <a:lstStyle/>
+          <a:p>
+            <a:r>
+              <a:rPr lang="en-GB" dirty="0" err="1"/>
+              <a:t>Načrtovanje</a:t>
+            </a:r>
+            <a:r>
+              <a:rPr lang="en-GB" dirty="0"/>
+              <a:t> </a:t>
+            </a:r>
+            <a:r>
+              <a:rPr lang="en-GB" dirty="0" err="1"/>
+              <a:t>rasti</a:t>
+            </a:r>
+            <a:r>
+              <a:rPr lang="en-GB" dirty="0"/>
+              <a:t> in </a:t>
+            </a:r>
+            <a:r>
+              <a:rPr lang="en-GB" dirty="0" err="1"/>
+              <a:t>razvoja</a:t>
+            </a:r>
+            <a:r>
+              <a:rPr lang="en-GB" dirty="0"/>
+              <a:t> </a:t>
+            </a:r>
+            <a:r>
+              <a:rPr lang="en-GB" dirty="0" err="1"/>
+              <a:t>gozdov</a:t>
+            </a:r>
+            <a:endParaRPr lang="en-GB" dirty="0"/>
+          </a:p>
+          <a:p>
+            <a:r>
+              <a:rPr lang="en-GB" dirty="0" err="1"/>
+              <a:t>Robotika</a:t>
+            </a:r>
+            <a:r>
+              <a:rPr lang="en-GB" dirty="0"/>
+              <a:t> (</a:t>
+            </a:r>
+            <a:r>
+              <a:rPr lang="en-GB" dirty="0" err="1"/>
+              <a:t>Načrtovanje</a:t>
+            </a:r>
+            <a:r>
+              <a:rPr lang="en-GB" dirty="0"/>
+              <a:t> </a:t>
+            </a:r>
+            <a:r>
+              <a:rPr lang="en-GB" dirty="0" err="1"/>
+              <a:t>poti</a:t>
+            </a:r>
+            <a:r>
+              <a:rPr lang="en-GB" dirty="0"/>
+              <a:t>)</a:t>
+            </a:r>
+          </a:p>
+          <a:p>
+            <a:r>
+              <a:rPr lang="en-GB" dirty="0" err="1"/>
+              <a:t>Najbližja</a:t>
+            </a:r>
+            <a:r>
+              <a:rPr lang="en-GB" dirty="0"/>
+              <a:t> </a:t>
+            </a:r>
+            <a:r>
+              <a:rPr lang="en-GB" dirty="0" err="1"/>
+              <a:t>pošta</a:t>
+            </a:r>
+            <a:r>
+              <a:rPr lang="en-GB" dirty="0"/>
+              <a:t>, </a:t>
+            </a:r>
+            <a:r>
+              <a:rPr lang="en-GB" dirty="0" err="1"/>
+              <a:t>bolnica</a:t>
+            </a:r>
+            <a:r>
+              <a:rPr lang="en-GB" dirty="0"/>
+              <a:t>, …</a:t>
+            </a:r>
+          </a:p>
+          <a:p>
+            <a:r>
+              <a:rPr lang="en-GB" dirty="0" err="1"/>
+              <a:t>Iskanje</a:t>
+            </a:r>
+            <a:r>
+              <a:rPr lang="en-GB" dirty="0"/>
+              <a:t> </a:t>
+            </a:r>
+            <a:r>
+              <a:rPr lang="en-GB" dirty="0" err="1"/>
+              <a:t>najbližjega</a:t>
+            </a:r>
+            <a:r>
+              <a:rPr lang="en-GB" dirty="0"/>
+              <a:t> </a:t>
+            </a:r>
+            <a:r>
+              <a:rPr lang="en-GB" dirty="0" err="1"/>
+              <a:t>telefonskega</a:t>
+            </a:r>
+            <a:r>
+              <a:rPr lang="en-GB" dirty="0"/>
+              <a:t> </a:t>
+            </a:r>
+            <a:r>
+              <a:rPr lang="en-GB" dirty="0" err="1"/>
+              <a:t>oddajnika</a:t>
+            </a:r>
+            <a:endParaRPr lang="en-GB" dirty="0"/>
+          </a:p>
+          <a:p>
+            <a:endParaRPr lang="en-GB" dirty="0"/>
+          </a:p>
+          <a:p>
+            <a:r>
+              <a:rPr lang="en-GB" dirty="0"/>
+              <a:t>Melbourne, </a:t>
+            </a:r>
+            <a:r>
+              <a:rPr lang="en-GB" dirty="0" err="1"/>
+              <a:t>šolarji</a:t>
+            </a:r>
+            <a:r>
+              <a:rPr lang="en-GB" dirty="0"/>
+              <a:t> </a:t>
+            </a:r>
+            <a:r>
+              <a:rPr lang="en-GB" dirty="0" err="1"/>
+              <a:t>samo</a:t>
+            </a:r>
+            <a:r>
+              <a:rPr lang="en-GB" dirty="0"/>
+              <a:t> v </a:t>
+            </a:r>
+            <a:r>
+              <a:rPr lang="en-GB" dirty="0" err="1"/>
+              <a:t>najbližjo</a:t>
+            </a:r>
+            <a:r>
+              <a:rPr lang="en-GB" dirty="0"/>
+              <a:t> </a:t>
+            </a:r>
+            <a:r>
+              <a:rPr lang="en-GB" dirty="0" err="1"/>
+              <a:t>šolo</a:t>
+            </a:r>
+            <a:r>
+              <a:rPr lang="en-GB" dirty="0"/>
+              <a:t> </a:t>
+            </a:r>
+            <a:r>
+              <a:rPr lang="en-GB" dirty="0" err="1"/>
+              <a:t>njihovim</a:t>
+            </a:r>
+            <a:r>
+              <a:rPr lang="en-GB" dirty="0"/>
+              <a:t> </a:t>
+            </a:r>
+            <a:r>
+              <a:rPr lang="en-GB" dirty="0" err="1"/>
+              <a:t>domom</a:t>
+            </a:r>
+            <a:r>
+              <a:rPr lang="en-GB" dirty="0"/>
+              <a:t>.</a:t>
+            </a:r>
+          </a:p>
+          <a:p>
+            <a:r>
+              <a:rPr lang="en-GB" dirty="0" err="1"/>
+              <a:t>Dinara</a:t>
+            </a:r>
+            <a:r>
+              <a:rPr lang="en-GB" dirty="0"/>
+              <a:t> </a:t>
+            </a:r>
+            <a:r>
+              <a:rPr lang="en-GB" dirty="0" err="1"/>
+              <a:t>Kasko</a:t>
+            </a:r>
+            <a:r>
+              <a:rPr lang="en-GB" dirty="0"/>
+              <a:t>, 3D </a:t>
+            </a:r>
+            <a:r>
+              <a:rPr lang="en-GB" dirty="0" err="1"/>
+              <a:t>printanje</a:t>
+            </a:r>
+            <a:r>
+              <a:rPr lang="en-GB" dirty="0"/>
+              <a:t> </a:t>
+            </a:r>
+            <a:r>
+              <a:rPr lang="en-GB" dirty="0" err="1"/>
+              <a:t>modelčkov</a:t>
+            </a:r>
+            <a:r>
+              <a:rPr lang="en-GB" dirty="0"/>
+              <a:t> za torte</a:t>
+            </a:r>
+          </a:p>
+        </p:txBody>
+      </p:sp>
+    </p:spTree>
+    <p:extLst>
+      <p:ext uri="{BB962C8B-B14F-4D97-AF65-F5344CB8AC3E}">
+        <p14:creationId xmlns:p14="http://schemas.microsoft.com/office/powerpoint/2010/main" val="4228216351"/>
+      </p:ext>
+    </p:extLst>
+  </p:cSld>
+  <p:clrMapOvr>
+    <a:masterClrMapping/>
+  </p:clrMapOvr>
+  <p:timing>
+    <p:tnLst>
+      <p:par>
+        <p:cTn id="1" dur="indefinite" restart="never" nodeType="tmRoot">
+          <p:childTnLst>
+            <p:seq concurrent="1" nextAc="seek">
+              <p:cTn id="2" dur="indefinite" nodeType="mainSeq">
+                <p:childTnLst>
+                  <p:par>
+                    <p:cTn id="3" fill="hold">
+                      <p:stCondLst>
+                        <p:cond delay="indefinite"/>
+                      </p:stCondLst>
+                      <p:childTnLst>
+                        <p:par>
+                          <p:cTn id="4" fill="hold">
+                            <p:stCondLst>
+                              <p:cond delay="0"/>
+                            </p:stCondLst>
+                            <p:childTnLst>
+                              <p:par>
+                                <p:cTn id="5" presetID="1" presetClass="entr" presetSubtype="0" fill="hold" nodeType="clickEffect">
+                                  <p:stCondLst>
+                                    <p:cond delay="0"/>
+                                  </p:stCondLst>
+                                  <p:childTnLst>
+                                    <p:set>
+                                      <p:cBhvr>
+                                        <p:cTn id="6" dur="1" fill="hold">
+                                          <p:stCondLst>
+                                            <p:cond delay="0"/>
+                                          </p:stCondLst>
+                                        </p:cTn>
+                                        <p:tgtEl>
+                                          <p:spTgt spid="3">
+                                            <p:txEl>
+                                              <p:pRg st="5" end="5"/>
+                                            </p:txEl>
+                                          </p:spTgt>
+                                        </p:tgtEl>
+                                        <p:attrNameLst>
+                                          <p:attrName>style.visibility</p:attrName>
+                                        </p:attrNameLst>
+                                      </p:cBhvr>
+                                      <p:to>
+                                        <p:strVal val="visible"/>
+                                      </p:to>
+                                    </p:set>
+                                  </p:childTnLst>
+                                </p:cTn>
+                              </p:par>
+                              <p:par>
+                                <p:cTn id="7" presetID="1" presetClass="entr" presetSubtype="0" fill="hold" nodeType="withEffect">
+                                  <p:stCondLst>
+                                    <p:cond delay="0"/>
+                                  </p:stCondLst>
+                                  <p:childTnLst>
+                                    <p:set>
+                                      <p:cBhvr>
+                                        <p:cTn id="8" dur="1" fill="hold">
+                                          <p:stCondLst>
+                                            <p:cond delay="0"/>
+                                          </p:stCondLst>
+                                        </p:cTn>
+                                        <p:tgtEl>
+                                          <p:spTgt spid="3">
+                                            <p:txEl>
+                                              <p:pRg st="6" end="6"/>
+                                            </p:txEl>
+                                          </p:spTgt>
+                                        </p:tgtEl>
+                                        <p:attrNameLst>
+                                          <p:attrName>style.visibility</p:attrName>
+                                        </p:attrNameLst>
+                                      </p:cBhvr>
+                                      <p:to>
+                                        <p:strVal val="visible"/>
+                                      </p:to>
+                                    </p:set>
+                                  </p:childTnLst>
+                                </p:cTn>
+                              </p:par>
+                            </p:childTnLst>
+                          </p:cTn>
+                        </p:par>
+                      </p:childTnLst>
+                    </p:cTn>
+                  </p:par>
+                </p:childTnLst>
+              </p:cTn>
+              <p:prevCondLst>
+                <p:cond evt="onPrev" delay="0">
+                  <p:tgtEl>
+                    <p:sldTgt/>
+                  </p:tgtEl>
+                </p:cond>
+              </p:prevCondLst>
+              <p:nextCondLst>
+                <p:cond evt="onNext" delay="0">
+                  <p:tgtEl>
+                    <p:sldTgt/>
+                  </p:tgtEl>
+                </p:cond>
+              </p:nextCondLst>
+            </p:seq>
+          </p:childTnLst>
+        </p:cTn>
+      </p:par>
+    </p:tnLst>
+  </p:timing>
 </p:sld>
 </file>
 
@@ -4890,6 +8823,187 @@
 </p:sld>
 </file>
 
+<file path=ppt/slides/slide20.xml><?xml version="1.0" encoding="utf-8"?>
+<p:sld xmlns:a="http://schemas.openxmlformats.org/drawingml/2006/main" xmlns:r="http://schemas.openxmlformats.org/officeDocument/2006/relationships" xmlns:p="http://schemas.openxmlformats.org/presentationml/2006/main">
+  <p:cSld>
+    <p:spTree>
+      <p:nvGrpSpPr>
+        <p:cNvPr id="1" name=""/>
+        <p:cNvGrpSpPr/>
+        <p:nvPr/>
+      </p:nvGrpSpPr>
+      <p:grpSpPr>
+        <a:xfrm>
+          <a:off x="0" y="0"/>
+          <a:ext cx="0" cy="0"/>
+          <a:chOff x="0" y="0"/>
+          <a:chExt cx="0" cy="0"/>
+        </a:xfrm>
+      </p:grpSpPr>
+      <p:sp>
+        <p:nvSpPr>
+          <p:cNvPr id="2" name="Title 1">
+            <a:extLst>
+              <a:ext uri="{FF2B5EF4-FFF2-40B4-BE49-F238E27FC236}">
+                <a16:creationId xmlns:a16="http://schemas.microsoft.com/office/drawing/2014/main" id="{E6E80C6D-01A8-43A3-B02F-72753C22770B}"/>
+              </a:ext>
+            </a:extLst>
+          </p:cNvPr>
+          <p:cNvSpPr>
+            <a:spLocks noGrp="1"/>
+          </p:cNvSpPr>
+          <p:nvPr>
+            <p:ph type="title"/>
+          </p:nvPr>
+        </p:nvSpPr>
+        <p:spPr/>
+        <p:txBody>
+          <a:bodyPr/>
+          <a:lstStyle/>
+          <a:p>
+            <a:r>
+              <a:rPr lang="en-GB" dirty="0" err="1"/>
+              <a:t>Viri</a:t>
+            </a:r>
+            <a:endParaRPr lang="en-GB" dirty="0"/>
+          </a:p>
+        </p:txBody>
+      </p:sp>
+      <p:sp>
+        <p:nvSpPr>
+          <p:cNvPr id="3" name="Content Placeholder 2">
+            <a:extLst>
+              <a:ext uri="{FF2B5EF4-FFF2-40B4-BE49-F238E27FC236}">
+                <a16:creationId xmlns:a16="http://schemas.microsoft.com/office/drawing/2014/main" id="{1933C0E8-FC63-4C4D-84CD-B30C5C497DD5}"/>
+              </a:ext>
+            </a:extLst>
+          </p:cNvPr>
+          <p:cNvSpPr>
+            <a:spLocks noGrp="1"/>
+          </p:cNvSpPr>
+          <p:nvPr>
+            <p:ph idx="1"/>
+          </p:nvPr>
+        </p:nvSpPr>
+        <p:spPr/>
+        <p:txBody>
+          <a:bodyPr>
+            <a:normAutofit/>
+          </a:bodyPr>
+          <a:lstStyle/>
+          <a:p>
+            <a:r>
+              <a:rPr lang="en-GB" dirty="0">
+                <a:hlinkClick r:id="rId2"/>
+              </a:rPr>
+              <a:t>https://en.wikipedia.org/wiki/Voronoi_diagram</a:t>
+            </a:r>
+            <a:r>
+              <a:rPr lang="en-GB" dirty="0"/>
+              <a:t> (</a:t>
+            </a:r>
+            <a:r>
+              <a:rPr lang="en-GB" dirty="0" err="1"/>
+              <a:t>Dostop</a:t>
+            </a:r>
+            <a:r>
+              <a:rPr lang="en-GB" dirty="0"/>
+              <a:t>: 17.03.2022)</a:t>
+            </a:r>
+          </a:p>
+          <a:p>
+            <a:r>
+              <a:rPr lang="en-GB" dirty="0">
+                <a:hlinkClick r:id="rId3"/>
+              </a:rPr>
+              <a:t>https://en.wikipedia.org/wiki/Jump_flooding_algorithm</a:t>
+            </a:r>
+            <a:r>
+              <a:rPr lang="en-GB" dirty="0"/>
+              <a:t>(Dostop: 17.03.2022)</a:t>
+            </a:r>
+          </a:p>
+          <a:p>
+            <a:r>
+              <a:rPr lang="en-GB" dirty="0">
+                <a:hlinkClick r:id="rId4"/>
+              </a:rPr>
+              <a:t>https://www.wikiwand.com/en/Jump_flooding_algorithm</a:t>
+            </a:r>
+            <a:r>
+              <a:rPr lang="en-GB" dirty="0"/>
+              <a:t> (</a:t>
+            </a:r>
+            <a:r>
+              <a:rPr lang="en-GB" dirty="0" err="1"/>
+              <a:t>Dostop</a:t>
+            </a:r>
+            <a:r>
+              <a:rPr lang="en-GB" dirty="0"/>
+              <a:t>: 17.03.2022)</a:t>
+            </a:r>
+          </a:p>
+          <a:p>
+            <a:r>
+              <a:rPr lang="en-GB" dirty="0">
+                <a:hlinkClick r:id="rId5"/>
+              </a:rPr>
+              <a:t>http://www.geom.uiuc.edu/~samuelp/del_project.html#problem</a:t>
+            </a:r>
+            <a:r>
+              <a:rPr lang="en-GB" dirty="0"/>
+              <a:t> (</a:t>
+            </a:r>
+            <a:r>
+              <a:rPr lang="en-GB" dirty="0" err="1"/>
+              <a:t>Dostop</a:t>
+            </a:r>
+            <a:r>
+              <a:rPr lang="en-GB" dirty="0"/>
+              <a:t>: 17.03.2022)</a:t>
+            </a:r>
+            <a:endParaRPr lang="en-SI" dirty="0"/>
+          </a:p>
+          <a:p>
+            <a:r>
+              <a:rPr lang="en-GB" dirty="0">
+                <a:hlinkClick r:id="rId6"/>
+              </a:rPr>
+              <a:t>https://en.wikipedia.org/wiki/Delaunay_triangulation</a:t>
+            </a:r>
+            <a:r>
+              <a:rPr lang="en-GB" dirty="0"/>
+              <a:t>(Dostop: 17.03.2022)</a:t>
+            </a:r>
+            <a:endParaRPr lang="en-SI" dirty="0"/>
+          </a:p>
+          <a:p>
+            <a:endParaRPr lang="en-GB" dirty="0"/>
+          </a:p>
+          <a:p>
+            <a:endParaRPr lang="en-GB" dirty="0"/>
+          </a:p>
+          <a:p>
+            <a:endParaRPr lang="en-GB" dirty="0"/>
+          </a:p>
+          <a:p>
+            <a:endParaRPr lang="en-GB" dirty="0"/>
+          </a:p>
+        </p:txBody>
+      </p:sp>
+    </p:spTree>
+    <p:extLst>
+      <p:ext uri="{BB962C8B-B14F-4D97-AF65-F5344CB8AC3E}">
+        <p14:creationId xmlns:p14="http://schemas.microsoft.com/office/powerpoint/2010/main" val="4269035811"/>
+      </p:ext>
+    </p:extLst>
+  </p:cSld>
+  <p:clrMapOvr>
+    <a:masterClrMapping/>
+  </p:clrMapOvr>
+</p:sld>
+</file>
+
 <file path=ppt/slides/slide3.xml><?xml version="1.0" encoding="utf-8"?>
 <p:sld xmlns:a="http://schemas.openxmlformats.org/drawingml/2006/main" xmlns:r="http://schemas.openxmlformats.org/officeDocument/2006/relationships" xmlns:p="http://schemas.openxmlformats.org/presentationml/2006/main">
   <p:cSld>
@@ -5023,12 +9137,79 @@
           <a:chExt cx="0" cy="0"/>
         </a:xfrm>
       </p:grpSpPr>
+      <p:pic>
+        <p:nvPicPr>
+          <p:cNvPr id="5" name="Picture 4" descr="A person's face on a colorful background&#10;&#10;Description automatically generated with medium confidence">
+            <a:extLst>
+              <a:ext uri="{FF2B5EF4-FFF2-40B4-BE49-F238E27FC236}">
+                <a16:creationId xmlns:a16="http://schemas.microsoft.com/office/drawing/2014/main" id="{FF6E45DB-C873-492E-AD00-22C42F4E35EF}"/>
+              </a:ext>
+            </a:extLst>
+          </p:cNvPr>
+          <p:cNvPicPr>
+            <a:picLocks noChangeAspect="1"/>
+          </p:cNvPicPr>
+          <p:nvPr/>
+        </p:nvPicPr>
+        <p:blipFill rotWithShape="1">
+          <a:blip r:embed="rId2">
+            <a:extLst>
+              <a:ext uri="{28A0092B-C50C-407E-A947-70E740481C1C}">
+                <a14:useLocalDpi xmlns:a14="http://schemas.microsoft.com/office/drawing/2010/main" val="0"/>
+              </a:ext>
+            </a:extLst>
+          </a:blip>
+          <a:srcRect r="3" b="3"/>
+          <a:stretch/>
+        </p:blipFill>
+        <p:spPr>
+          <a:xfrm>
+            <a:off x="6241560" y="603618"/>
+            <a:ext cx="5178249" cy="5178249"/>
+          </a:xfrm>
+          <a:custGeom>
+            <a:avLst/>
+            <a:gdLst/>
+            <a:ahLst/>
+            <a:cxnLst/>
+            <a:rect l="l" t="t" r="r" b="b"/>
+            <a:pathLst>
+              <a:path w="3741748" h="3741748">
+                <a:moveTo>
+                  <a:pt x="1870874" y="0"/>
+                </a:moveTo>
+                <a:cubicBezTo>
+                  <a:pt x="2904129" y="0"/>
+                  <a:pt x="3741748" y="837619"/>
+                  <a:pt x="3741748" y="1870874"/>
+                </a:cubicBezTo>
+                <a:cubicBezTo>
+                  <a:pt x="3741748" y="2904129"/>
+                  <a:pt x="2904129" y="3741748"/>
+                  <a:pt x="1870874" y="3741748"/>
+                </a:cubicBezTo>
+                <a:cubicBezTo>
+                  <a:pt x="837619" y="3741748"/>
+                  <a:pt x="0" y="2904129"/>
+                  <a:pt x="0" y="1870874"/>
+                </a:cubicBezTo>
+                <a:cubicBezTo>
+                  <a:pt x="0" y="837619"/>
+                  <a:pt x="837619" y="0"/>
+                  <a:pt x="1870874" y="0"/>
+                </a:cubicBezTo>
+                <a:close/>
+              </a:path>
+            </a:pathLst>
+          </a:custGeom>
+        </p:spPr>
+      </p:pic>
       <p:sp>
         <p:nvSpPr>
-          <p:cNvPr id="2" name="Title 1">
-            <a:extLst>
-              <a:ext uri="{FF2B5EF4-FFF2-40B4-BE49-F238E27FC236}">
-                <a16:creationId xmlns:a16="http://schemas.microsoft.com/office/drawing/2014/main" id="{C3F12680-89CF-4BDB-A290-39B51C9F4ECA}"/>
+          <p:cNvPr id="11" name="Title 1">
+            <a:extLst>
+              <a:ext uri="{FF2B5EF4-FFF2-40B4-BE49-F238E27FC236}">
+                <a16:creationId xmlns:a16="http://schemas.microsoft.com/office/drawing/2014/main" id="{DDDF7F94-0BDA-42A1-A940-33FD67D97EDB}"/>
               </a:ext>
             </a:extLst>
           </p:cNvPr>
@@ -5039,7 +9220,12 @@
             <p:ph type="title"/>
           </p:nvPr>
         </p:nvSpPr>
-        <p:spPr/>
+        <p:spPr>
+          <a:xfrm>
+            <a:off x="692641" y="1234554"/>
+            <a:ext cx="10515600" cy="1325563"/>
+          </a:xfrm>
+        </p:spPr>
         <p:txBody>
           <a:bodyPr/>
           <a:lstStyle/>
@@ -5054,10 +9240,10 @@
       </p:sp>
       <p:sp>
         <p:nvSpPr>
-          <p:cNvPr id="3" name="Content Placeholder 2">
-            <a:extLst>
-              <a:ext uri="{FF2B5EF4-FFF2-40B4-BE49-F238E27FC236}">
-                <a16:creationId xmlns:a16="http://schemas.microsoft.com/office/drawing/2014/main" id="{7338BA69-FEF9-44D7-93F9-66EFF7302F13}"/>
+          <p:cNvPr id="13" name="Content Placeholder 2">
+            <a:extLst>
+              <a:ext uri="{FF2B5EF4-FFF2-40B4-BE49-F238E27FC236}">
+                <a16:creationId xmlns:a16="http://schemas.microsoft.com/office/drawing/2014/main" id="{B1A6D8B9-553B-4F99-9677-F8236A80BA4D}"/>
               </a:ext>
             </a:extLst>
           </p:cNvPr>
@@ -5068,19 +9254,179 @@
             <p:ph idx="1"/>
           </p:nvPr>
         </p:nvSpPr>
-        <p:spPr/>
+        <p:spPr>
+          <a:xfrm>
+            <a:off x="692641" y="2753151"/>
+            <a:ext cx="10515600" cy="4351338"/>
+          </a:xfrm>
+        </p:spPr>
         <p:txBody>
           <a:bodyPr/>
           <a:lstStyle/>
           <a:p>
-            <a:endParaRPr lang="en-GB"/>
+            <a:r>
+              <a:rPr lang="en-GB" dirty="0"/>
+              <a:t>Georgy </a:t>
+            </a:r>
+            <a:r>
+              <a:rPr lang="en-GB" dirty="0" err="1"/>
+              <a:t>Feodosevich</a:t>
+            </a:r>
+            <a:r>
+              <a:rPr lang="en-GB" dirty="0"/>
+              <a:t> </a:t>
+            </a:r>
+            <a:r>
+              <a:rPr lang="en-GB" dirty="0" err="1"/>
+              <a:t>Voronoy</a:t>
+            </a:r>
+            <a:endParaRPr lang="en-GB" dirty="0"/>
+          </a:p>
+          <a:p>
+            <a:r>
+              <a:rPr lang="en-GB" dirty="0" err="1"/>
+              <a:t>Rojen</a:t>
+            </a:r>
+            <a:r>
+              <a:rPr lang="en-GB" dirty="0"/>
+              <a:t> 28. </a:t>
+            </a:r>
+            <a:r>
+              <a:rPr lang="en-GB" dirty="0" err="1"/>
+              <a:t>april</a:t>
+            </a:r>
+            <a:r>
+              <a:rPr lang="en-GB" dirty="0"/>
+              <a:t> 1868</a:t>
+            </a:r>
+          </a:p>
+          <a:p>
+            <a:endParaRPr lang="en-GB" dirty="0"/>
+          </a:p>
+          <a:p>
+            <a:endParaRPr lang="en-GB" dirty="0"/>
+          </a:p>
+          <a:p>
+            <a:endParaRPr lang="en-GB" dirty="0"/>
+          </a:p>
+          <a:p>
+            <a:r>
+              <a:rPr lang="en-GB" dirty="0"/>
+              <a:t>1908 – Voronoi v n-</a:t>
+            </a:r>
+            <a:r>
+              <a:rPr lang="en-GB" dirty="0" err="1"/>
+              <a:t>dimenzinalnem</a:t>
+            </a:r>
+            <a:r>
+              <a:rPr lang="en-GB" dirty="0"/>
+              <a:t> </a:t>
+            </a:r>
+            <a:r>
+              <a:rPr lang="en-GB" dirty="0" err="1"/>
+              <a:t>prostoru</a:t>
+            </a:r>
+            <a:r>
+              <a:rPr lang="en-GB" dirty="0"/>
+              <a:t>.</a:t>
+            </a:r>
           </a:p>
         </p:txBody>
       </p:sp>
+      <p:pic>
+        <p:nvPicPr>
+          <p:cNvPr id="4" name="Picture 3">
+            <a:extLst>
+              <a:ext uri="{FF2B5EF4-FFF2-40B4-BE49-F238E27FC236}">
+                <a16:creationId xmlns:a16="http://schemas.microsoft.com/office/drawing/2014/main" id="{1FF99F97-7EBC-4A6C-9A4F-DD63DCBC32C7}"/>
+              </a:ext>
+            </a:extLst>
+          </p:cNvPr>
+          <p:cNvPicPr>
+            <a:picLocks noChangeAspect="1"/>
+          </p:cNvPicPr>
+          <p:nvPr/>
+        </p:nvPicPr>
+        <p:blipFill>
+          <a:blip r:embed="rId3"/>
+          <a:stretch>
+            <a:fillRect/>
+          </a:stretch>
+        </p:blipFill>
+        <p:spPr>
+          <a:xfrm>
+            <a:off x="1856232" y="8185"/>
+            <a:ext cx="5563743" cy="1489569"/>
+          </a:xfrm>
+          <a:prstGeom prst="rect">
+            <a:avLst/>
+          </a:prstGeom>
+        </p:spPr>
+      </p:pic>
+      <p:pic>
+        <p:nvPicPr>
+          <p:cNvPr id="7" name="Picture 6">
+            <a:extLst>
+              <a:ext uri="{FF2B5EF4-FFF2-40B4-BE49-F238E27FC236}">
+                <a16:creationId xmlns:a16="http://schemas.microsoft.com/office/drawing/2014/main" id="{30BF10C6-2AEC-4F82-A0DA-5CB9B2BB2E8B}"/>
+              </a:ext>
+            </a:extLst>
+          </p:cNvPr>
+          <p:cNvPicPr>
+            <a:picLocks noChangeAspect="1"/>
+          </p:cNvPicPr>
+          <p:nvPr/>
+        </p:nvPicPr>
+        <p:blipFill>
+          <a:blip r:embed="rId4"/>
+          <a:stretch>
+            <a:fillRect/>
+          </a:stretch>
+        </p:blipFill>
+        <p:spPr>
+          <a:xfrm>
+            <a:off x="-292738" y="3606546"/>
+            <a:ext cx="600075" cy="723900"/>
+          </a:xfrm>
+          <a:prstGeom prst="rect">
+            <a:avLst/>
+          </a:prstGeom>
+        </p:spPr>
+      </p:pic>
+      <p:pic>
+        <p:nvPicPr>
+          <p:cNvPr id="9" name="Picture 8">
+            <a:extLst>
+              <a:ext uri="{FF2B5EF4-FFF2-40B4-BE49-F238E27FC236}">
+                <a16:creationId xmlns:a16="http://schemas.microsoft.com/office/drawing/2014/main" id="{B4CA4CFC-B500-4743-A6D1-4AF63488572E}"/>
+              </a:ext>
+            </a:extLst>
+          </p:cNvPr>
+          <p:cNvPicPr>
+            <a:picLocks noChangeAspect="1"/>
+          </p:cNvPicPr>
+          <p:nvPr/>
+        </p:nvPicPr>
+        <p:blipFill>
+          <a:blip r:embed="rId5"/>
+          <a:stretch>
+            <a:fillRect/>
+          </a:stretch>
+        </p:blipFill>
+        <p:spPr>
+          <a:xfrm>
+            <a:off x="0" y="5703311"/>
+            <a:ext cx="6715125" cy="1304925"/>
+          </a:xfrm>
+          <a:prstGeom prst="rect">
+            <a:avLst/>
+          </a:prstGeom>
+        </p:spPr>
+      </p:pic>
     </p:spTree>
     <p:extLst>
       <p:ext uri="{BB962C8B-B14F-4D97-AF65-F5344CB8AC3E}">
-        <p14:creationId xmlns:p14="http://schemas.microsoft.com/office/powerpoint/2010/main" val="1167449501"/>
+        <p14:creationId xmlns:p14="http://schemas.microsoft.com/office/powerpoint/2010/main" val="3361510548"/>
       </p:ext>
     </p:extLst>
   </p:cSld>
@@ -6115,8 +10461,23 @@
                 </a:r>
                 <a:r>
                   <a:rPr lang="en-GB" dirty="0"/>
-                  <a:t> {-k, 0, k}</a:t>
+                  <a:t> {-k, 0, k} </a:t>
                 </a:r>
+                <a:r>
+                  <a:rPr lang="en-GB" dirty="0">
+                    <a:sym typeface="Wingdings" panose="05000000000000000000" pitchFamily="2" charset="2"/>
+                  </a:rPr>
+                  <a:t></a:t>
+                </a:r>
+                <a:r>
+                  <a:rPr lang="en-GB" dirty="0"/>
+                  <a:t> 8 </a:t>
+                </a:r>
+                <a:r>
+                  <a:rPr lang="en-GB" dirty="0" err="1"/>
+                  <a:t>smeri</a:t>
+                </a:r>
+                <a:endParaRPr lang="en-GB" dirty="0"/>
               </a:p>
               <a:p>
                 <a:pPr marL="457200" lvl="1" indent="0">

--- a/predstavitev/Vornoievi_diagrami.pptx
+++ b/predstavitev/Vornoievi_diagrami.pptx
@@ -292,7 +292,7 @@
           <a:p>
             <a:fld id="{C6ACD7A9-F520-49A5-AC06-BCCA0C94186D}" type="datetimeFigureOut">
               <a:rPr lang="en-GB" smtClean="0"/>
-              <a:t>17/03/2022</a:t>
+              <a:t>18/03/2022</a:t>
             </a:fld>
             <a:endParaRPr lang="en-GB"/>
           </a:p>
@@ -492,7 +492,7 @@
           <a:p>
             <a:fld id="{C6ACD7A9-F520-49A5-AC06-BCCA0C94186D}" type="datetimeFigureOut">
               <a:rPr lang="en-GB" smtClean="0"/>
-              <a:t>17/03/2022</a:t>
+              <a:t>18/03/2022</a:t>
             </a:fld>
             <a:endParaRPr lang="en-GB"/>
           </a:p>
@@ -702,7 +702,7 @@
           <a:p>
             <a:fld id="{C6ACD7A9-F520-49A5-AC06-BCCA0C94186D}" type="datetimeFigureOut">
               <a:rPr lang="en-GB" smtClean="0"/>
-              <a:t>17/03/2022</a:t>
+              <a:t>18/03/2022</a:t>
             </a:fld>
             <a:endParaRPr lang="en-GB"/>
           </a:p>
@@ -902,7 +902,7 @@
           <a:p>
             <a:fld id="{C6ACD7A9-F520-49A5-AC06-BCCA0C94186D}" type="datetimeFigureOut">
               <a:rPr lang="en-GB" smtClean="0"/>
-              <a:t>17/03/2022</a:t>
+              <a:t>18/03/2022</a:t>
             </a:fld>
             <a:endParaRPr lang="en-GB"/>
           </a:p>
@@ -1178,7 +1178,7 @@
           <a:p>
             <a:fld id="{C6ACD7A9-F520-49A5-AC06-BCCA0C94186D}" type="datetimeFigureOut">
               <a:rPr lang="en-GB" smtClean="0"/>
-              <a:t>17/03/2022</a:t>
+              <a:t>18/03/2022</a:t>
             </a:fld>
             <a:endParaRPr lang="en-GB"/>
           </a:p>
@@ -1446,7 +1446,7 @@
           <a:p>
             <a:fld id="{C6ACD7A9-F520-49A5-AC06-BCCA0C94186D}" type="datetimeFigureOut">
               <a:rPr lang="en-GB" smtClean="0"/>
-              <a:t>17/03/2022</a:t>
+              <a:t>18/03/2022</a:t>
             </a:fld>
             <a:endParaRPr lang="en-GB"/>
           </a:p>
@@ -1861,7 +1861,7 @@
           <a:p>
             <a:fld id="{C6ACD7A9-F520-49A5-AC06-BCCA0C94186D}" type="datetimeFigureOut">
               <a:rPr lang="en-GB" smtClean="0"/>
-              <a:t>17/03/2022</a:t>
+              <a:t>18/03/2022</a:t>
             </a:fld>
             <a:endParaRPr lang="en-GB"/>
           </a:p>
@@ -2003,7 +2003,7 @@
           <a:p>
             <a:fld id="{C6ACD7A9-F520-49A5-AC06-BCCA0C94186D}" type="datetimeFigureOut">
               <a:rPr lang="en-GB" smtClean="0"/>
-              <a:t>17/03/2022</a:t>
+              <a:t>18/03/2022</a:t>
             </a:fld>
             <a:endParaRPr lang="en-GB"/>
           </a:p>
@@ -2116,7 +2116,7 @@
           <a:p>
             <a:fld id="{C6ACD7A9-F520-49A5-AC06-BCCA0C94186D}" type="datetimeFigureOut">
               <a:rPr lang="en-GB" smtClean="0"/>
-              <a:t>17/03/2022</a:t>
+              <a:t>18/03/2022</a:t>
             </a:fld>
             <a:endParaRPr lang="en-GB"/>
           </a:p>
@@ -2429,7 +2429,7 @@
           <a:p>
             <a:fld id="{C6ACD7A9-F520-49A5-AC06-BCCA0C94186D}" type="datetimeFigureOut">
               <a:rPr lang="en-GB" smtClean="0"/>
-              <a:t>17/03/2022</a:t>
+              <a:t>18/03/2022</a:t>
             </a:fld>
             <a:endParaRPr lang="en-GB"/>
           </a:p>
@@ -2718,7 +2718,7 @@
           <a:p>
             <a:fld id="{C6ACD7A9-F520-49A5-AC06-BCCA0C94186D}" type="datetimeFigureOut">
               <a:rPr lang="en-GB" smtClean="0"/>
-              <a:t>17/03/2022</a:t>
+              <a:t>18/03/2022</a:t>
             </a:fld>
             <a:endParaRPr lang="en-GB"/>
           </a:p>
@@ -2961,7 +2961,7 @@
           <a:p>
             <a:fld id="{C6ACD7A9-F520-49A5-AC06-BCCA0C94186D}" type="datetimeFigureOut">
               <a:rPr lang="en-GB" smtClean="0"/>
-              <a:t>17/03/2022</a:t>
+              <a:t>18/03/2022</a:t>
             </a:fld>
             <a:endParaRPr lang="en-GB"/>
           </a:p>
@@ -7442,7 +7442,87 @@
           <a:bodyPr/>
           <a:lstStyle/>
           <a:p>
-            <a:endParaRPr lang="en-GB"/>
+            <a:pPr marL="0" indent="0">
+              <a:buNone/>
+            </a:pPr>
+            <a:endParaRPr lang="en-GB" dirty="0"/>
+          </a:p>
+          <a:p>
+            <a:pPr marL="0" indent="0">
+              <a:buNone/>
+            </a:pPr>
+            <a:endParaRPr lang="en-GB" dirty="0"/>
+          </a:p>
+        </p:txBody>
+      </p:sp>
+      <p:pic>
+        <p:nvPicPr>
+          <p:cNvPr id="5" name="Picture 4">
+            <a:extLst>
+              <a:ext uri="{FF2B5EF4-FFF2-40B4-BE49-F238E27FC236}">
+                <a16:creationId xmlns:a16="http://schemas.microsoft.com/office/drawing/2014/main" id="{ADA84ABE-FDAA-4424-A5CD-0FE7FB06D550}"/>
+              </a:ext>
+            </a:extLst>
+          </p:cNvPr>
+          <p:cNvPicPr>
+            <a:picLocks noChangeAspect="1"/>
+          </p:cNvPicPr>
+          <p:nvPr/>
+        </p:nvPicPr>
+        <p:blipFill>
+          <a:blip r:embed="rId2"/>
+          <a:stretch>
+            <a:fillRect/>
+          </a:stretch>
+        </p:blipFill>
+        <p:spPr>
+          <a:xfrm>
+            <a:off x="1199734" y="1454413"/>
+            <a:ext cx="9792532" cy="5093762"/>
+          </a:xfrm>
+          <a:prstGeom prst="rect">
+            <a:avLst/>
+          </a:prstGeom>
+        </p:spPr>
+      </p:pic>
+      <p:sp>
+        <p:nvSpPr>
+          <p:cNvPr id="6" name="TextBox 5">
+            <a:extLst>
+              <a:ext uri="{FF2B5EF4-FFF2-40B4-BE49-F238E27FC236}">
+                <a16:creationId xmlns:a16="http://schemas.microsoft.com/office/drawing/2014/main" id="{08159DEC-D6E1-47EB-9641-5D4FFAB01F9C}"/>
+              </a:ext>
+            </a:extLst>
+          </p:cNvPr>
+          <p:cNvSpPr txBox="1"/>
+          <p:nvPr/>
+        </p:nvSpPr>
+        <p:spPr>
+          <a:xfrm>
+            <a:off x="2796466" y="6488668"/>
+            <a:ext cx="5734975" cy="369332"/>
+          </a:xfrm>
+          <a:prstGeom prst="rect">
+            <a:avLst/>
+          </a:prstGeom>
+          <a:noFill/>
+        </p:spPr>
+        <p:txBody>
+          <a:bodyPr wrap="square" rtlCol="0">
+            <a:spAutoFit/>
+          </a:bodyPr>
+          <a:lstStyle/>
+          <a:p>
+            <a:r>
+              <a:rPr lang="en-GB" dirty="0">
+                <a:hlinkClick r:id="rId3"/>
+              </a:rPr>
+              <a:t>https://www.wikiwand.com/en/Delaunay_triangulation</a:t>
+            </a:r>
+            <a:r>
+              <a:rPr lang="en-GB" dirty="0"/>
+              <a:t> </a:t>
+            </a:r>
           </a:p>
         </p:txBody>
       </p:sp>
@@ -8152,11 +8232,11 @@
             </a:r>
             <a:r>
               <a:rPr lang="en-GB" dirty="0"/>
-              <a:t> </a:t>
+              <a:t> glede </a:t>
             </a:r>
             <a:r>
               <a:rPr lang="en-GB" dirty="0" err="1"/>
-              <a:t>njihovim</a:t>
+              <a:t>na</a:t>
             </a:r>
             <a:r>
               <a:rPr lang="en-GB" dirty="0"/>
@@ -8164,7 +8244,7 @@
             </a:r>
             <a:r>
               <a:rPr lang="en-GB" dirty="0" err="1"/>
-              <a:t>domom</a:t>
+              <a:t>prebivališče</a:t>
             </a:r>
             <a:r>
               <a:rPr lang="en-GB" dirty="0"/>
@@ -8426,12 +8506,17 @@
             <a:pPr lvl="1"/>
             <a:r>
               <a:rPr lang="en-GB" dirty="0" err="1"/>
-              <a:t>Naivni</a:t>
+              <a:t>Naivno</a:t>
             </a:r>
             <a:r>
               <a:rPr lang="en-GB" dirty="0"/>
-              <a:t> oz brute force</a:t>
-            </a:r>
+              <a:t> oz. brute force </a:t>
+            </a:r>
+            <a:r>
+              <a:rPr lang="en-GB" dirty="0" err="1"/>
+              <a:t>metoda</a:t>
+            </a:r>
+            <a:endParaRPr lang="en-GB" dirty="0"/>
           </a:p>
           <a:p>
             <a:pPr lvl="1"/>
@@ -9475,12 +9560,8 @@
           <a:lstStyle/>
           <a:p>
             <a:r>
-              <a:rPr lang="en-GB" dirty="0" err="1"/>
-              <a:t>Naivna</a:t>
-            </a:r>
-            <a:r>
               <a:rPr lang="en-GB" dirty="0"/>
-              <a:t> </a:t>
+              <a:t>Brute force </a:t>
             </a:r>
             <a:r>
               <a:rPr lang="en-GB" dirty="0" err="1"/>
@@ -9517,7 +9598,15 @@
             </a:r>
             <a:r>
               <a:rPr lang="en-GB" dirty="0" err="1"/>
-              <a:t>pikslov</a:t>
+              <a:t>točk</a:t>
+            </a:r>
+            <a:r>
+              <a:rPr lang="en-GB" dirty="0"/>
+              <a:t> oz </a:t>
+            </a:r>
+            <a:r>
+              <a:rPr lang="en-GB" dirty="0" err="1"/>
+              <a:t>pixlov</a:t>
             </a:r>
             <a:endParaRPr lang="en-GB" dirty="0"/>
           </a:p>
@@ -9528,7 +9617,7 @@
             </a:r>
             <a:r>
               <a:rPr lang="en-GB" dirty="0" err="1"/>
-              <a:t>množica</a:t>
+              <a:t>število</a:t>
             </a:r>
             <a:r>
               <a:rPr lang="en-GB" dirty="0"/>
@@ -9549,12 +9638,17 @@
             </a:r>
             <a:r>
               <a:rPr lang="en-GB" dirty="0" err="1"/>
-              <a:t>vsak</a:t>
+              <a:t>vsako</a:t>
             </a:r>
             <a:r>
               <a:rPr lang="en-GB" dirty="0"/>
-              <a:t> pixel</a:t>
-            </a:r>
+              <a:t> </a:t>
+            </a:r>
+            <a:r>
+              <a:rPr lang="en-GB" dirty="0" err="1"/>
+              <a:t>točko</a:t>
+            </a:r>
+            <a:endParaRPr lang="en-GB" dirty="0"/>
           </a:p>
           <a:p>
             <a:pPr marL="0" indent="0">
@@ -10424,7 +10518,15 @@
                 </a:r>
                 <a:r>
                   <a:rPr lang="en-GB" dirty="0"/>
-                  <a:t>:</a:t>
+                  <a:t> </a:t>
+                </a:r>
+                <a:r>
+                  <a:rPr lang="en-GB" dirty="0" err="1"/>
+                  <a:t>sosede</a:t>
+                </a:r>
+                <a:r>
+                  <a:rPr lang="en-GB" dirty="0"/>
+                  <a:t> Q:</a:t>
                 </a:r>
               </a:p>
               <a:p>
@@ -10527,7 +10629,7 @@
                 </a:r>
                 <a:r>
                   <a:rPr lang="en-GB" dirty="0" err="1"/>
-                  <a:t>najbližjega</a:t>
+                  <a:t>barve</a:t>
                 </a:r>
                 <a:r>
                   <a:rPr lang="en-GB" dirty="0"/>
@@ -10549,19 +10651,7 @@
                   <a:rPr lang="en-GB" dirty="0">
                     <a:sym typeface="Wingdings" panose="05000000000000000000" pitchFamily="2" charset="2"/>
                   </a:rPr>
-                  <a:t> z </a:t>
-                </a:r>
-                <a:r>
-                  <a:rPr lang="en-GB" dirty="0" err="1">
-                    <a:sym typeface="Wingdings" panose="05000000000000000000" pitchFamily="2" charset="2"/>
-                  </a:rPr>
-                  <a:t>našim</a:t>
-                </a:r>
-                <a:r>
-                  <a:rPr lang="en-GB" dirty="0">
-                    <a:sym typeface="Wingdings" panose="05000000000000000000" pitchFamily="2" charset="2"/>
-                  </a:rPr>
-                  <a:t> </a:t>
+                  <a:t> z  </a:t>
                 </a:r>
                 <a:r>
                   <a:rPr lang="en-GB" dirty="0" err="1">
@@ -10591,11 +10681,14 @@
                   <a:rPr lang="en-GB" dirty="0" err="1">
                     <a:sym typeface="Wingdings" panose="05000000000000000000" pitchFamily="2" charset="2"/>
                   </a:rPr>
-                  <a:t>semena</a:t>
+                  <a:t>tabelo</a:t>
                 </a:r>
-                <a:endParaRPr lang="en-GB" dirty="0">
-                  <a:sym typeface="Wingdings" panose="05000000000000000000" pitchFamily="2" charset="2"/>
-                </a:endParaRPr>
+                <a:r>
+                  <a:rPr lang="en-GB" dirty="0">
+                    <a:sym typeface="Wingdings" panose="05000000000000000000" pitchFamily="2" charset="2"/>
+                  </a:rPr>
+                  <a:t> semen</a:t>
+                </a:r>
               </a:p>
               <a:p>
                 <a:pPr lvl="1"/>
@@ -10633,7 +10726,7 @@
                   <a:rPr lang="en-GB" dirty="0" err="1">
                     <a:sym typeface="Wingdings" panose="05000000000000000000" pitchFamily="2" charset="2"/>
                   </a:rPr>
-                  <a:t>najbližjega</a:t>
+                  <a:t>barvo</a:t>
                 </a:r>
                 <a:r>
                   <a:rPr lang="en-GB" dirty="0">
@@ -10819,7 +10912,7 @@
               <a:blipFill>
                 <a:blip r:embed="rId2"/>
                 <a:stretch>
-                  <a:fillRect l="-1043" t="-2114" b="-871"/>
+                  <a:fillRect l="-1043" t="-2114"/>
                 </a:stretch>
               </a:blipFill>
             </p:spPr>
@@ -10852,8 +10945,8 @@
         </p:nvSpPr>
         <p:spPr>
           <a:xfrm>
-            <a:off x="4303776" y="3886844"/>
-            <a:ext cx="7050024" cy="936883"/>
+            <a:off x="3682339" y="3903218"/>
+            <a:ext cx="7263828" cy="936883"/>
           </a:xfrm>
           <a:prstGeom prst="rect">
             <a:avLst/>
@@ -10888,16 +10981,16 @@
           <a:lstStyle/>
           <a:p>
             <a:pPr algn="ctr"/>
-            <a:endParaRPr lang="en-GB"/>
+            <a:endParaRPr lang="en-GB" dirty="0"/>
           </a:p>
         </p:txBody>
       </p:sp>
       <p:sp>
         <p:nvSpPr>
-          <p:cNvPr id="5" name="Rectangle 4">
-            <a:extLst>
-              <a:ext uri="{FF2B5EF4-FFF2-40B4-BE49-F238E27FC236}">
-                <a16:creationId xmlns:a16="http://schemas.microsoft.com/office/drawing/2014/main" id="{15157D17-1925-433A-8C05-119A01BBBF8B}"/>
+          <p:cNvPr id="7" name="Rectangle 6">
+            <a:extLst>
+              <a:ext uri="{FF2B5EF4-FFF2-40B4-BE49-F238E27FC236}">
+                <a16:creationId xmlns:a16="http://schemas.microsoft.com/office/drawing/2014/main" id="{E9FB876F-A519-4CE1-9D77-34DC38B4EA5B}"/>
               </a:ext>
             </a:extLst>
           </p:cNvPr>
@@ -10906,62 +10999,8 @@
         </p:nvSpPr>
         <p:spPr>
           <a:xfrm>
-            <a:off x="1371600" y="4681728"/>
-            <a:ext cx="2761488" cy="411262"/>
-          </a:xfrm>
-          <a:prstGeom prst="rect">
-            <a:avLst/>
-          </a:prstGeom>
-          <a:solidFill>
-            <a:schemeClr val="bg1"/>
-          </a:solidFill>
-          <a:ln>
-            <a:solidFill>
-              <a:schemeClr val="bg1"/>
-            </a:solidFill>
-          </a:ln>
-        </p:spPr>
-        <p:style>
-          <a:lnRef idx="2">
-            <a:schemeClr val="accent1">
-              <a:shade val="50000"/>
-            </a:schemeClr>
-          </a:lnRef>
-          <a:fillRef idx="1">
-            <a:schemeClr val="accent1"/>
-          </a:fillRef>
-          <a:effectRef idx="0">
-            <a:schemeClr val="accent1"/>
-          </a:effectRef>
-          <a:fontRef idx="minor">
-            <a:schemeClr val="lt1"/>
-          </a:fontRef>
-        </p:style>
-        <p:txBody>
-          <a:bodyPr rtlCol="0" anchor="ctr"/>
-          <a:lstStyle/>
-          <a:p>
-            <a:pPr algn="ctr"/>
-            <a:endParaRPr lang="en-GB"/>
-          </a:p>
-        </p:txBody>
-      </p:sp>
-      <p:sp>
-        <p:nvSpPr>
-          <p:cNvPr id="7" name="Rectangle 6">
-            <a:extLst>
-              <a:ext uri="{FF2B5EF4-FFF2-40B4-BE49-F238E27FC236}">
-                <a16:creationId xmlns:a16="http://schemas.microsoft.com/office/drawing/2014/main" id="{E9FB876F-A519-4CE1-9D77-34DC38B4EA5B}"/>
-              </a:ext>
-            </a:extLst>
-          </p:cNvPr>
-          <p:cNvSpPr/>
-          <p:nvPr/>
-        </p:nvSpPr>
-        <p:spPr>
-          <a:xfrm>
-            <a:off x="4133088" y="4887359"/>
-            <a:ext cx="7050024" cy="936883"/>
+            <a:off x="3511650" y="4692052"/>
+            <a:ext cx="7050024" cy="776594"/>
           </a:xfrm>
           <a:prstGeom prst="rect">
             <a:avLst/>
@@ -11315,33 +11354,6 @@
                                   </p:childTnLst>
                                 </p:cTn>
                               </p:par>
-                              <p:par>
-                                <p:cTn id="27" presetID="1" presetClass="exit" presetSubtype="0" fill="hold" grpId="0" nodeType="withEffect">
-                                  <p:stCondLst>
-                                    <p:cond delay="0"/>
-                                  </p:stCondLst>
-                                  <p:childTnLst>
-                                    <p:set>
-                                      <p:cBhvr>
-                                        <p:cTn id="28" dur="1" fill="hold">
-                                          <p:stCondLst>
-                                            <p:cond delay="0"/>
-                                          </p:stCondLst>
-                                        </p:cTn>
-                                        <p:tgtEl>
-                                          <p:spTgt spid="5"/>
-                                        </p:tgtEl>
-                                        <p:attrNameLst>
-                                          <p:attrName>style.visibility</p:attrName>
-                                        </p:attrNameLst>
-                                      </p:cBhvr>
-                                      <p:to>
-                                        <p:strVal val="hidden"/>
-                                      </p:to>
-                                    </p:set>
-                                  </p:childTnLst>
-                                </p:cTn>
-                              </p:par>
                             </p:childTnLst>
                           </p:cTn>
                         </p:par>
@@ -11349,26 +11361,26 @@
                     </p:cTn>
                   </p:par>
                   <p:par>
-                    <p:cTn id="29" fill="hold">
+                    <p:cTn id="27" fill="hold">
                       <p:stCondLst>
                         <p:cond delay="indefinite"/>
                       </p:stCondLst>
                       <p:childTnLst>
                         <p:par>
-                          <p:cTn id="30" fill="hold">
+                          <p:cTn id="28" fill="hold">
                             <p:stCondLst>
                               <p:cond delay="0"/>
                             </p:stCondLst>
                             <p:childTnLst>
                               <p:par>
-                                <p:cTn id="31" presetID="1" presetClass="exit" presetSubtype="0" fill="hold" grpId="0" nodeType="clickEffect">
+                                <p:cTn id="29" presetID="1" presetClass="exit" presetSubtype="0" fill="hold" grpId="0" nodeType="clickEffect">
                                   <p:stCondLst>
                                     <p:cond delay="0"/>
                                   </p:stCondLst>
                                   <p:childTnLst>
                                     <p:set>
                                       <p:cBhvr>
-                                        <p:cTn id="32" dur="1" fill="hold">
+                                        <p:cTn id="30" dur="1" fill="hold">
                                           <p:stCondLst>
                                             <p:cond delay="0"/>
                                           </p:stCondLst>
@@ -11394,26 +11406,26 @@
                     </p:cTn>
                   </p:par>
                   <p:par>
-                    <p:cTn id="33" fill="hold">
+                    <p:cTn id="31" fill="hold">
                       <p:stCondLst>
                         <p:cond delay="indefinite"/>
                       </p:stCondLst>
                       <p:childTnLst>
                         <p:par>
-                          <p:cTn id="34" fill="hold">
+                          <p:cTn id="32" fill="hold">
                             <p:stCondLst>
                               <p:cond delay="0"/>
                             </p:stCondLst>
                             <p:childTnLst>
                               <p:par>
-                                <p:cTn id="35" presetID="1" presetClass="entr" presetSubtype="0" fill="hold" nodeType="clickEffect">
+                                <p:cTn id="33" presetID="1" presetClass="entr" presetSubtype="0" fill="hold" nodeType="clickEffect">
                                   <p:stCondLst>
                                     <p:cond delay="0"/>
                                   </p:stCondLst>
                                   <p:childTnLst>
                                     <p:set>
                                       <p:cBhvr>
-                                        <p:cTn id="36" dur="1" fill="hold">
+                                        <p:cTn id="34" dur="1" fill="hold">
                                           <p:stCondLst>
                                             <p:cond delay="0"/>
                                           </p:stCondLst>
@@ -11465,7 +11477,6 @@
     </p:tnLst>
     <p:bldLst>
       <p:bldP spid="4" grpId="0" animBg="1"/>
-      <p:bldP spid="5" grpId="0" animBg="1"/>
       <p:bldP spid="7" grpId="0" animBg="1"/>
     </p:bldLst>
   </p:timing>
@@ -12271,7 +12282,7 @@
           <a:p>
             <a:r>
               <a:rPr lang="en-GB" dirty="0" err="1"/>
-              <a:t>Verzije</a:t>
+              <a:t>Različice</a:t>
             </a:r>
             <a:r>
               <a:rPr lang="en-GB" dirty="0"/>

--- a/predstavitev/Vornoievi_diagrami.pptx
+++ b/predstavitev/Vornoievi_diagrami.pptx
@@ -8287,6 +8287,36 @@
           </a:p>
         </p:txBody>
       </p:sp>
+      <p:pic>
+        <p:nvPicPr>
+          <p:cNvPr id="5" name="Picture 4">
+            <a:extLst>
+              <a:ext uri="{FF2B5EF4-FFF2-40B4-BE49-F238E27FC236}">
+                <a16:creationId xmlns:a16="http://schemas.microsoft.com/office/drawing/2014/main" id="{2523C48E-9C72-4C2C-8796-9B7EB96AD9D1}"/>
+              </a:ext>
+            </a:extLst>
+          </p:cNvPr>
+          <p:cNvPicPr>
+            <a:picLocks noChangeAspect="1"/>
+          </p:cNvPicPr>
+          <p:nvPr/>
+        </p:nvPicPr>
+        <p:blipFill>
+          <a:blip r:embed="rId2"/>
+          <a:stretch>
+            <a:fillRect/>
+          </a:stretch>
+        </p:blipFill>
+        <p:spPr>
+          <a:xfrm>
+            <a:off x="2361460" y="850284"/>
+            <a:ext cx="7189063" cy="5326679"/>
+          </a:xfrm>
+          <a:prstGeom prst="rect">
+            <a:avLst/>
+          </a:prstGeom>
+        </p:spPr>
+      </p:pic>
     </p:spTree>
     <p:extLst>
       <p:ext uri="{BB962C8B-B14F-4D97-AF65-F5344CB8AC3E}">
@@ -8367,6 +8397,51 @@
                                               <p:pRg st="6" end="6"/>
                                             </p:txEl>
                                           </p:spTgt>
+                                        </p:tgtEl>
+                                        <p:attrNameLst>
+                                          <p:attrName>style.visibility</p:attrName>
+                                        </p:attrNameLst>
+                                      </p:cBhvr>
+                                      <p:to>
+                                        <p:strVal val="visible"/>
+                                      </p:to>
+                                    </p:set>
+                                  </p:childTnLst>
+                                </p:cTn>
+                              </p:par>
+                            </p:childTnLst>
+                          </p:cTn>
+                        </p:par>
+                      </p:childTnLst>
+                    </p:cTn>
+                  </p:par>
+                  <p:par>
+                    <p:cTn id="9" fill="hold">
+                      <p:stCondLst>
+                        <p:cond delay="indefinite"/>
+                      </p:stCondLst>
+                      <p:childTnLst>
+                        <p:par>
+                          <p:cTn id="10" fill="hold">
+                            <p:stCondLst>
+                              <p:cond delay="0"/>
+                            </p:stCondLst>
+                            <p:childTnLst>
+                              <p:par>
+                                <p:cTn id="11" presetID="1" presetClass="entr" presetSubtype="0" fill="hold" nodeType="clickEffect">
+                                  <p:stCondLst>
+                                    <p:cond delay="0"/>
+                                  </p:stCondLst>
+                                  <p:childTnLst>
+                                    <p:set>
+                                      <p:cBhvr>
+                                        <p:cTn id="12" dur="1" fill="hold">
+                                          <p:stCondLst>
+                                            <p:cond delay="0"/>
+                                          </p:stCondLst>
+                                        </p:cTn>
+                                        <p:tgtEl>
+                                          <p:spTgt spid="5"/>
                                         </p:tgtEl>
                                         <p:attrNameLst>
                                           <p:attrName>style.visibility</p:attrName>
@@ -10424,8 +10499,8 @@
           </a:p>
         </p:txBody>
       </p:sp>
-      <mc:AlternateContent xmlns:mc="http://schemas.openxmlformats.org/markup-compatibility/2006">
-        <mc:Choice xmlns:a14="http://schemas.microsoft.com/office/drawing/2010/main" Requires="a14">
+      <mc:AlternateContent xmlns:mc="http://schemas.openxmlformats.org/markup-compatibility/2006" xmlns:a14="http://schemas.microsoft.com/office/drawing/2010/main">
+        <mc:Choice Requires="a14">
           <p:sp>
             <p:nvSpPr>
               <p:cNvPr id="3" name="Content Placeholder 2">
@@ -10887,7 +10962,7 @@
             </p:txBody>
           </p:sp>
         </mc:Choice>
-        <mc:Fallback>
+        <mc:Fallback xmlns="">
           <p:sp>
             <p:nvSpPr>
               <p:cNvPr id="3" name="Content Placeholder 2">
